--- a/presentation/custom-angular-modules.pptx
+++ b/presentation/custom-angular-modules.pptx
@@ -11,59 +11,63 @@
     <p:sldId id="308" r:id="rId5"/>
     <p:sldId id="270" r:id="rId6"/>
     <p:sldId id="267" r:id="rId7"/>
-    <p:sldId id="258" r:id="rId8"/>
-    <p:sldId id="260" r:id="rId9"/>
-    <p:sldId id="261" r:id="rId10"/>
-    <p:sldId id="259" r:id="rId11"/>
-    <p:sldId id="265" r:id="rId12"/>
-    <p:sldId id="312" r:id="rId13"/>
-    <p:sldId id="313" r:id="rId14"/>
-    <p:sldId id="266" r:id="rId15"/>
-    <p:sldId id="268" r:id="rId16"/>
-    <p:sldId id="309" r:id="rId17"/>
-    <p:sldId id="310" r:id="rId18"/>
-    <p:sldId id="311" r:id="rId19"/>
+    <p:sldId id="316" r:id="rId8"/>
+    <p:sldId id="258" r:id="rId9"/>
+    <p:sldId id="260" r:id="rId10"/>
+    <p:sldId id="261" r:id="rId11"/>
+    <p:sldId id="259" r:id="rId12"/>
+    <p:sldId id="265" r:id="rId13"/>
+    <p:sldId id="312" r:id="rId14"/>
+    <p:sldId id="313" r:id="rId15"/>
+    <p:sldId id="266" r:id="rId16"/>
+    <p:sldId id="268" r:id="rId17"/>
+    <p:sldId id="309" r:id="rId18"/>
+    <p:sldId id="310" r:id="rId19"/>
     <p:sldId id="314" r:id="rId20"/>
-    <p:sldId id="315" r:id="rId21"/>
-    <p:sldId id="272" r:id="rId22"/>
-    <p:sldId id="273" r:id="rId23"/>
-    <p:sldId id="274" r:id="rId24"/>
-    <p:sldId id="275" r:id="rId25"/>
-    <p:sldId id="276" r:id="rId26"/>
-    <p:sldId id="271" r:id="rId27"/>
-    <p:sldId id="277" r:id="rId28"/>
-    <p:sldId id="278" r:id="rId29"/>
-    <p:sldId id="279" r:id="rId30"/>
-    <p:sldId id="280" r:id="rId31"/>
-    <p:sldId id="281" r:id="rId32"/>
-    <p:sldId id="282" r:id="rId33"/>
-    <p:sldId id="283" r:id="rId34"/>
-    <p:sldId id="284" r:id="rId35"/>
-    <p:sldId id="285" r:id="rId36"/>
-    <p:sldId id="286" r:id="rId37"/>
-    <p:sldId id="287" r:id="rId38"/>
-    <p:sldId id="289" r:id="rId39"/>
-    <p:sldId id="288" r:id="rId40"/>
-    <p:sldId id="290" r:id="rId41"/>
-    <p:sldId id="291" r:id="rId42"/>
-    <p:sldId id="292" r:id="rId43"/>
-    <p:sldId id="293" r:id="rId44"/>
-    <p:sldId id="294" r:id="rId45"/>
-    <p:sldId id="295" r:id="rId46"/>
-    <p:sldId id="296" r:id="rId47"/>
-    <p:sldId id="297" r:id="rId48"/>
-    <p:sldId id="298" r:id="rId49"/>
-    <p:sldId id="299" r:id="rId50"/>
-    <p:sldId id="300" r:id="rId51"/>
-    <p:sldId id="301" r:id="rId52"/>
-    <p:sldId id="302" r:id="rId53"/>
-    <p:sldId id="303" r:id="rId54"/>
-    <p:sldId id="304" r:id="rId55"/>
-    <p:sldId id="262" r:id="rId56"/>
-    <p:sldId id="305" r:id="rId57"/>
-    <p:sldId id="306" r:id="rId58"/>
-    <p:sldId id="307" r:id="rId59"/>
-    <p:sldId id="263" r:id="rId60"/>
+    <p:sldId id="311" r:id="rId21"/>
+    <p:sldId id="315" r:id="rId22"/>
+    <p:sldId id="317" r:id="rId23"/>
+    <p:sldId id="318" r:id="rId24"/>
+    <p:sldId id="272" r:id="rId25"/>
+    <p:sldId id="273" r:id="rId26"/>
+    <p:sldId id="274" r:id="rId27"/>
+    <p:sldId id="275" r:id="rId28"/>
+    <p:sldId id="276" r:id="rId29"/>
+    <p:sldId id="271" r:id="rId30"/>
+    <p:sldId id="277" r:id="rId31"/>
+    <p:sldId id="278" r:id="rId32"/>
+    <p:sldId id="279" r:id="rId33"/>
+    <p:sldId id="280" r:id="rId34"/>
+    <p:sldId id="281" r:id="rId35"/>
+    <p:sldId id="282" r:id="rId36"/>
+    <p:sldId id="283" r:id="rId37"/>
+    <p:sldId id="284" r:id="rId38"/>
+    <p:sldId id="285" r:id="rId39"/>
+    <p:sldId id="286" r:id="rId40"/>
+    <p:sldId id="287" r:id="rId41"/>
+    <p:sldId id="289" r:id="rId42"/>
+    <p:sldId id="288" r:id="rId43"/>
+    <p:sldId id="290" r:id="rId44"/>
+    <p:sldId id="291" r:id="rId45"/>
+    <p:sldId id="292" r:id="rId46"/>
+    <p:sldId id="293" r:id="rId47"/>
+    <p:sldId id="294" r:id="rId48"/>
+    <p:sldId id="295" r:id="rId49"/>
+    <p:sldId id="296" r:id="rId50"/>
+    <p:sldId id="297" r:id="rId51"/>
+    <p:sldId id="298" r:id="rId52"/>
+    <p:sldId id="299" r:id="rId53"/>
+    <p:sldId id="300" r:id="rId54"/>
+    <p:sldId id="301" r:id="rId55"/>
+    <p:sldId id="302" r:id="rId56"/>
+    <p:sldId id="303" r:id="rId57"/>
+    <p:sldId id="304" r:id="rId58"/>
+    <p:sldId id="262" r:id="rId59"/>
+    <p:sldId id="305" r:id="rId60"/>
+    <p:sldId id="306" r:id="rId61"/>
+    <p:sldId id="307" r:id="rId62"/>
+    <p:sldId id="263" r:id="rId63"/>
+    <p:sldId id="319" r:id="rId64"/>
   </p:sldIdLst>
   <p:sldSz cx="12192000" cy="6858000"/>
   <p:notesSz cx="6858000" cy="9144000"/>
@@ -177,6 +181,7 @@
             <p14:sldId id="308"/>
             <p14:sldId id="270"/>
             <p14:sldId id="267"/>
+            <p14:sldId id="316"/>
             <p14:sldId id="258"/>
             <p14:sldId id="260"/>
             <p14:sldId id="261"/>
@@ -188,9 +193,11 @@
             <p14:sldId id="268"/>
             <p14:sldId id="309"/>
             <p14:sldId id="310"/>
+            <p14:sldId id="314"/>
             <p14:sldId id="311"/>
-            <p14:sldId id="314"/>
             <p14:sldId id="315"/>
+            <p14:sldId id="317"/>
+            <p14:sldId id="318"/>
           </p14:sldIdLst>
         </p14:section>
         <p14:section name="Environment Setup" id="{BF7CBE3F-CA3D-47FF-93A6-FF223491AAF9}">
@@ -258,6 +265,7 @@
             <p14:sldId id="306"/>
             <p14:sldId id="307"/>
             <p14:sldId id="263"/>
+            <p14:sldId id="319"/>
           </p14:sldIdLst>
         </p14:section>
       </p14:sectionLst>
@@ -460,7 +468,7 @@
             <a:fld id="{B61BEF0D-F0BB-DE4B-95CE-6DB70DBA9567}" type="datetimeFigureOut">
               <a:rPr lang="en-US" smtClean="0"/>
               <a:pPr/>
-              <a:t>11/8/2017</a:t>
+              <a:t>11/13/2017</a:t>
             </a:fld>
             <a:endParaRPr lang="en-US" dirty="0"/>
           </a:p>
@@ -737,7 +745,7 @@
             <a:fld id="{B61BEF0D-F0BB-DE4B-95CE-6DB70DBA9567}" type="datetimeFigureOut">
               <a:rPr lang="en-US" smtClean="0"/>
               <a:pPr/>
-              <a:t>11/8/2017</a:t>
+              <a:t>11/13/2017</a:t>
             </a:fld>
             <a:endParaRPr lang="en-US" dirty="0"/>
           </a:p>
@@ -933,7 +941,7 @@
             <a:fld id="{B61BEF0D-F0BB-DE4B-95CE-6DB70DBA9567}" type="datetimeFigureOut">
               <a:rPr lang="en-US" smtClean="0"/>
               <a:pPr/>
-              <a:t>11/8/2017</a:t>
+              <a:t>11/13/2017</a:t>
             </a:fld>
             <a:endParaRPr lang="en-US" dirty="0"/>
           </a:p>
@@ -1208,7 +1216,7 @@
             <a:fld id="{B61BEF0D-F0BB-DE4B-95CE-6DB70DBA9567}" type="datetimeFigureOut">
               <a:rPr lang="en-US" smtClean="0"/>
               <a:pPr/>
-              <a:t>11/8/2017</a:t>
+              <a:t>11/13/2017</a:t>
             </a:fld>
             <a:endParaRPr lang="en-US" dirty="0"/>
           </a:p>
@@ -1551,7 +1559,7 @@
             <a:fld id="{B61BEF0D-F0BB-DE4B-95CE-6DB70DBA9567}" type="datetimeFigureOut">
               <a:rPr lang="en-US" smtClean="0"/>
               <a:pPr/>
-              <a:t>11/8/2017</a:t>
+              <a:t>11/13/2017</a:t>
             </a:fld>
             <a:endParaRPr lang="en-US" dirty="0"/>
           </a:p>
@@ -2176,7 +2184,7 @@
             <a:fld id="{B61BEF0D-F0BB-DE4B-95CE-6DB70DBA9567}" type="datetimeFigureOut">
               <a:rPr lang="en-US" smtClean="0"/>
               <a:pPr/>
-              <a:t>11/8/2017</a:t>
+              <a:t>11/13/2017</a:t>
             </a:fld>
             <a:endParaRPr lang="en-US" dirty="0"/>
           </a:p>
@@ -3038,7 +3046,7 @@
             <a:fld id="{B61BEF0D-F0BB-DE4B-95CE-6DB70DBA9567}" type="datetimeFigureOut">
               <a:rPr lang="en-US" smtClean="0"/>
               <a:pPr/>
-              <a:t>11/8/2017</a:t>
+              <a:t>11/13/2017</a:t>
             </a:fld>
             <a:endParaRPr lang="en-US" dirty="0"/>
           </a:p>
@@ -3210,7 +3218,7 @@
             <a:fld id="{B61BEF0D-F0BB-DE4B-95CE-6DB70DBA9567}" type="datetimeFigureOut">
               <a:rPr lang="en-US" smtClean="0"/>
               <a:pPr/>
-              <a:t>11/8/2017</a:t>
+              <a:t>11/13/2017</a:t>
             </a:fld>
             <a:endParaRPr lang="en-US" dirty="0"/>
           </a:p>
@@ -3392,7 +3400,7 @@
             <a:fld id="{B61BEF0D-F0BB-DE4B-95CE-6DB70DBA9567}" type="datetimeFigureOut">
               <a:rPr lang="en-US" smtClean="0"/>
               <a:pPr/>
-              <a:t>11/8/2017</a:t>
+              <a:t>11/13/2017</a:t>
             </a:fld>
             <a:endParaRPr lang="en-US" dirty="0"/>
           </a:p>
@@ -3564,7 +3572,7 @@
             <a:fld id="{B61BEF0D-F0BB-DE4B-95CE-6DB70DBA9567}" type="datetimeFigureOut">
               <a:rPr lang="en-US" smtClean="0"/>
               <a:pPr/>
-              <a:t>11/8/2017</a:t>
+              <a:t>11/13/2017</a:t>
             </a:fld>
             <a:endParaRPr lang="en-US" dirty="0"/>
           </a:p>
@@ -3813,7 +3821,7 @@
             <a:fld id="{B61BEF0D-F0BB-DE4B-95CE-6DB70DBA9567}" type="datetimeFigureOut">
               <a:rPr lang="en-US" smtClean="0"/>
               <a:pPr/>
-              <a:t>11/8/2017</a:t>
+              <a:t>11/13/2017</a:t>
             </a:fld>
             <a:endParaRPr lang="en-US" dirty="0"/>
           </a:p>
@@ -4107,7 +4115,7 @@
             <a:fld id="{B61BEF0D-F0BB-DE4B-95CE-6DB70DBA9567}" type="datetimeFigureOut">
               <a:rPr lang="en-US" smtClean="0"/>
               <a:pPr/>
-              <a:t>11/8/2017</a:t>
+              <a:t>11/13/2017</a:t>
             </a:fld>
             <a:endParaRPr lang="en-US" dirty="0"/>
           </a:p>
@@ -4553,7 +4561,7 @@
             <a:fld id="{B61BEF0D-F0BB-DE4B-95CE-6DB70DBA9567}" type="datetimeFigureOut">
               <a:rPr lang="en-US" smtClean="0"/>
               <a:pPr/>
-              <a:t>11/8/2017</a:t>
+              <a:t>11/13/2017</a:t>
             </a:fld>
             <a:endParaRPr lang="en-US" dirty="0"/>
           </a:p>
@@ -4673,7 +4681,7 @@
             <a:fld id="{B61BEF0D-F0BB-DE4B-95CE-6DB70DBA9567}" type="datetimeFigureOut">
               <a:rPr lang="en-US" smtClean="0"/>
               <a:pPr/>
-              <a:t>11/8/2017</a:t>
+              <a:t>11/13/2017</a:t>
             </a:fld>
             <a:endParaRPr lang="en-US" dirty="0"/>
           </a:p>
@@ -4770,7 +4778,7 @@
             <a:fld id="{B61BEF0D-F0BB-DE4B-95CE-6DB70DBA9567}" type="datetimeFigureOut">
               <a:rPr lang="en-US" smtClean="0"/>
               <a:pPr/>
-              <a:t>11/8/2017</a:t>
+              <a:t>11/13/2017</a:t>
             </a:fld>
             <a:endParaRPr lang="en-US" dirty="0"/>
           </a:p>
@@ -5051,7 +5059,7 @@
             <a:fld id="{B61BEF0D-F0BB-DE4B-95CE-6DB70DBA9567}" type="datetimeFigureOut">
               <a:rPr lang="en-US" smtClean="0"/>
               <a:pPr/>
-              <a:t>11/8/2017</a:t>
+              <a:t>11/13/2017</a:t>
             </a:fld>
             <a:endParaRPr lang="en-US" dirty="0"/>
           </a:p>
@@ -5328,7 +5336,7 @@
             <a:fld id="{B61BEF0D-F0BB-DE4B-95CE-6DB70DBA9567}" type="datetimeFigureOut">
               <a:rPr lang="en-US" smtClean="0"/>
               <a:pPr/>
-              <a:t>11/8/2017</a:t>
+              <a:t>11/13/2017</a:t>
             </a:fld>
             <a:endParaRPr lang="en-US" dirty="0"/>
           </a:p>
@@ -5759,7 +5767,7 @@
             <a:fld id="{B61BEF0D-F0BB-DE4B-95CE-6DB70DBA9567}" type="datetimeFigureOut">
               <a:rPr lang="en-US" smtClean="0"/>
               <a:pPr/>
-              <a:t>11/8/2017</a:t>
+              <a:t>11/13/2017</a:t>
             </a:fld>
             <a:endParaRPr lang="en-US" dirty="0"/>
           </a:p>
@@ -6293,7 +6301,7 @@
           <p:cNvPr id="2" name="Title 1">
             <a:extLst>
               <a:ext uri="{FF2B5EF4-FFF2-40B4-BE49-F238E27FC236}">
-                <a16:creationId xmlns:a16="http://schemas.microsoft.com/office/drawing/2014/main" id="{91FE0C29-4731-422E-98F7-309015F9794A}"/>
+                <a16:creationId xmlns:a16="http://schemas.microsoft.com/office/drawing/2014/main" xmlns="" id="{91FE0C29-4731-422E-98F7-309015F9794A}"/>
               </a:ext>
             </a:extLst>
           </p:cNvPr>
@@ -6321,7 +6329,7 @@
           <p:cNvPr id="3" name="Subtitle 2">
             <a:extLst>
               <a:ext uri="{FF2B5EF4-FFF2-40B4-BE49-F238E27FC236}">
-                <a16:creationId xmlns:a16="http://schemas.microsoft.com/office/drawing/2014/main" id="{4E00B7DF-F927-4ADD-8E68-30B5D30D4EBE}"/>
+                <a16:creationId xmlns:a16="http://schemas.microsoft.com/office/drawing/2014/main" xmlns="" id="{4E00B7DF-F927-4ADD-8E68-30B5D30D4EBE}"/>
               </a:ext>
             </a:extLst>
           </p:cNvPr>
@@ -6379,7 +6387,7 @@
           <p:cNvPr id="4" name="Title 3">
             <a:extLst>
               <a:ext uri="{FF2B5EF4-FFF2-40B4-BE49-F238E27FC236}">
-                <a16:creationId xmlns:a16="http://schemas.microsoft.com/office/drawing/2014/main" id="{AEA28458-0326-4A2E-8CB6-E137659F6063}"/>
+                <a16:creationId xmlns:a16="http://schemas.microsoft.com/office/drawing/2014/main" xmlns="" id="{6240AE52-2211-4C46-8635-FD22D5C1D34C}"/>
               </a:ext>
             </a:extLst>
           </p:cNvPr>
@@ -6397,17 +6405,17 @@
           <a:p>
             <a:r>
               <a:rPr lang="en-US" dirty="0"/>
-              <a:t>How can we do this with Angular?	</a:t>
-            </a:r>
-          </a:p>
-        </p:txBody>
-      </p:sp>
-      <p:sp>
-        <p:nvSpPr>
-          <p:cNvPr id="5" name="Text Placeholder 4">
+              <a:t>Strategy</a:t>
+            </a:r>
+          </a:p>
+        </p:txBody>
+      </p:sp>
+      <p:sp>
+        <p:nvSpPr>
+          <p:cNvPr id="5" name="Content Placeholder 4">
             <a:extLst>
               <a:ext uri="{FF2B5EF4-FFF2-40B4-BE49-F238E27FC236}">
-                <a16:creationId xmlns:a16="http://schemas.microsoft.com/office/drawing/2014/main" id="{7CC224BA-F94D-442D-AFCF-C6A7D31E20E9}"/>
+                <a16:creationId xmlns:a16="http://schemas.microsoft.com/office/drawing/2014/main" xmlns="" id="{2D4ABA12-C92B-441E-90CA-859C5884328A}"/>
               </a:ext>
             </a:extLst>
           </p:cNvPr>
@@ -6415,22 +6423,80 @@
             <a:spLocks noGrp="1"/>
           </p:cNvSpPr>
           <p:nvPr>
-            <p:ph type="body" idx="1"/>
-          </p:nvPr>
-        </p:nvSpPr>
-        <p:spPr/>
-        <p:txBody>
-          <a:bodyPr/>
-          <a:lstStyle/>
-          <a:p>
-            <a:endParaRPr lang="en-US" dirty="0"/>
+            <p:ph idx="1"/>
+          </p:nvPr>
+        </p:nvSpPr>
+        <p:spPr/>
+        <p:txBody>
+          <a:bodyPr>
+            <a:normAutofit/>
+          </a:bodyPr>
+          <a:lstStyle/>
+          <a:p>
+            <a:r>
+              <a:rPr lang="en-US" dirty="0"/>
+              <a:t>Reuse high quality components and services.</a:t>
+            </a:r>
+          </a:p>
+          <a:p>
+            <a:r>
+              <a:rPr lang="en-US" dirty="0"/>
+              <a:t>Leverage Angular tools and elements.</a:t>
+            </a:r>
+          </a:p>
+          <a:p>
+            <a:r>
+              <a:rPr lang="en-US" dirty="0"/>
+              <a:t>Better code</a:t>
+            </a:r>
+          </a:p>
+          <a:p>
+            <a:pPr lvl="1"/>
+            <a:r>
+              <a:rPr lang="en-US" dirty="0"/>
+              <a:t>Consistency</a:t>
+            </a:r>
+          </a:p>
+          <a:p>
+            <a:pPr lvl="1"/>
+            <a:r>
+              <a:rPr lang="en-US" dirty="0"/>
+              <a:t>Extensibility</a:t>
+            </a:r>
+          </a:p>
+          <a:p>
+            <a:pPr lvl="1"/>
+            <a:r>
+              <a:rPr lang="en-US" dirty="0"/>
+              <a:t>Maintainability</a:t>
+            </a:r>
+          </a:p>
+          <a:p>
+            <a:pPr lvl="1"/>
+            <a:r>
+              <a:rPr lang="en-US" dirty="0"/>
+              <a:t>Shareable</a:t>
+            </a:r>
+          </a:p>
+          <a:p>
+            <a:r>
+              <a:rPr lang="en-US" dirty="0"/>
+              <a:t>Practice and Principles</a:t>
+            </a:r>
+          </a:p>
+          <a:p>
+            <a:pPr lvl="1"/>
+            <a:r>
+              <a:rPr lang="en-US" dirty="0"/>
+              <a:t>DRY: Do not repeat yourself.</a:t>
+            </a:r>
           </a:p>
         </p:txBody>
       </p:sp>
     </p:spTree>
     <p:extLst>
       <p:ext uri="{BB962C8B-B14F-4D97-AF65-F5344CB8AC3E}">
-        <p14:creationId xmlns:p14="http://schemas.microsoft.com/office/powerpoint/2010/main" val="1180502189"/>
+        <p14:creationId xmlns:p14="http://schemas.microsoft.com/office/powerpoint/2010/main" val="1088476030"/>
       </p:ext>
     </p:extLst>
   </p:cSld>
@@ -6462,7 +6528,7 @@
           <p:cNvPr id="4" name="Title 3">
             <a:extLst>
               <a:ext uri="{FF2B5EF4-FFF2-40B4-BE49-F238E27FC236}">
-                <a16:creationId xmlns:a16="http://schemas.microsoft.com/office/drawing/2014/main" id="{54012518-7D2C-4DC5-8D55-D2AA001E7F3A}"/>
+                <a16:creationId xmlns:a16="http://schemas.microsoft.com/office/drawing/2014/main" xmlns="" id="{AEA28458-0326-4A2E-8CB6-E137659F6063}"/>
               </a:ext>
             </a:extLst>
           </p:cNvPr>
@@ -6480,24 +6546,17 @@
           <a:p>
             <a:r>
               <a:rPr lang="en-US" dirty="0"/>
-              <a:t>Answer: Modules</a:t>
-            </a:r>
-            <a:br>
-              <a:rPr lang="en-US" dirty="0"/>
-            </a:br>
-            <a:r>
-              <a:rPr lang="en-US" dirty="0"/>
-              <a:t>	</a:t>
-            </a:r>
-          </a:p>
-        </p:txBody>
-      </p:sp>
-      <p:sp>
-        <p:nvSpPr>
-          <p:cNvPr id="5" name="Content Placeholder 4">
+              <a:t>How can we do this with Angular?	</a:t>
+            </a:r>
+          </a:p>
+        </p:txBody>
+      </p:sp>
+      <p:sp>
+        <p:nvSpPr>
+          <p:cNvPr id="5" name="Text Placeholder 4">
             <a:extLst>
               <a:ext uri="{FF2B5EF4-FFF2-40B4-BE49-F238E27FC236}">
-                <a16:creationId xmlns:a16="http://schemas.microsoft.com/office/drawing/2014/main" id="{7DBE9684-0D38-47CC-A5AF-42D167AB40BB}"/>
+                <a16:creationId xmlns:a16="http://schemas.microsoft.com/office/drawing/2014/main" xmlns="" id="{7CC224BA-F94D-442D-AFCF-C6A7D31E20E9}"/>
               </a:ext>
             </a:extLst>
           </p:cNvPr>
@@ -6505,41 +6564,22 @@
             <a:spLocks noGrp="1"/>
           </p:cNvSpPr>
           <p:nvPr>
-            <p:ph idx="1"/>
-          </p:nvPr>
-        </p:nvSpPr>
-        <p:spPr/>
-        <p:txBody>
-          <a:bodyPr>
-            <a:normAutofit/>
-          </a:bodyPr>
-          <a:lstStyle/>
-          <a:p>
-            <a:r>
-              <a:rPr lang="en-US" dirty="0"/>
-              <a:t>What is a module?</a:t>
-            </a:r>
-          </a:p>
-          <a:p>
-            <a:pPr lvl="1"/>
-            <a:r>
-              <a:rPr lang="en-US" dirty="0"/>
-              <a:t>Allows an application to be organized into cohesive blocks of functionalities.</a:t>
-            </a:r>
-          </a:p>
-          <a:p>
-            <a:pPr lvl="1"/>
-            <a:r>
-              <a:rPr lang="en-US" dirty="0"/>
-              <a:t>Allows an application module to be extended by capabilities of external libraries (i.e., other module packages). </a:t>
-            </a:r>
+            <p:ph type="body" idx="1"/>
+          </p:nvPr>
+        </p:nvSpPr>
+        <p:spPr/>
+        <p:txBody>
+          <a:bodyPr/>
+          <a:lstStyle/>
+          <a:p>
+            <a:endParaRPr lang="en-US" dirty="0"/>
           </a:p>
         </p:txBody>
       </p:sp>
     </p:spTree>
     <p:extLst>
       <p:ext uri="{BB962C8B-B14F-4D97-AF65-F5344CB8AC3E}">
-        <p14:creationId xmlns:p14="http://schemas.microsoft.com/office/powerpoint/2010/main" val="1344787994"/>
+        <p14:creationId xmlns:p14="http://schemas.microsoft.com/office/powerpoint/2010/main" val="1180502189"/>
       </p:ext>
     </p:extLst>
   </p:cSld>
@@ -6571,7 +6611,7 @@
           <p:cNvPr id="4" name="Title 3">
             <a:extLst>
               <a:ext uri="{FF2B5EF4-FFF2-40B4-BE49-F238E27FC236}">
-                <a16:creationId xmlns:a16="http://schemas.microsoft.com/office/drawing/2014/main" id="{54012518-7D2C-4DC5-8D55-D2AA001E7F3A}"/>
+                <a16:creationId xmlns:a16="http://schemas.microsoft.com/office/drawing/2014/main" xmlns="" id="{54012518-7D2C-4DC5-8D55-D2AA001E7F3A}"/>
               </a:ext>
             </a:extLst>
           </p:cNvPr>
@@ -6589,15 +6629,13 @@
           <a:p>
             <a:r>
               <a:rPr lang="en-US" dirty="0"/>
-              <a:t>Module Pros:</a:t>
-            </a:r>
-            <a:br>
-              <a:rPr lang="en-US" dirty="0"/>
-            </a:br>
-            <a:r>
-              <a:rPr lang="en-US" dirty="0"/>
-              <a:t>	</a:t>
-            </a:r>
+              <a:t>Answer: </a:t>
+            </a:r>
+            <a:r>
+              <a:rPr lang="en-US" dirty="0" smtClean="0"/>
+              <a:t>Modules</a:t>
+            </a:r>
+            <a:endParaRPr lang="en-US" dirty="0"/>
           </a:p>
         </p:txBody>
       </p:sp>
@@ -6606,7 +6644,7 @@
           <p:cNvPr id="5" name="Content Placeholder 4">
             <a:extLst>
               <a:ext uri="{FF2B5EF4-FFF2-40B4-BE49-F238E27FC236}">
-                <a16:creationId xmlns:a16="http://schemas.microsoft.com/office/drawing/2014/main" id="{7DBE9684-0D38-47CC-A5AF-42D167AB40BB}"/>
+                <a16:creationId xmlns:a16="http://schemas.microsoft.com/office/drawing/2014/main" xmlns="" id="{7DBE9684-0D38-47CC-A5AF-42D167AB40BB}"/>
               </a:ext>
             </a:extLst>
           </p:cNvPr>
@@ -6626,49 +6664,60 @@
           <a:p>
             <a:r>
               <a:rPr lang="en-US" dirty="0"/>
-              <a:t>Pros:</a:t>
+              <a:t>What is a module?</a:t>
             </a:r>
           </a:p>
           <a:p>
             <a:pPr lvl="1"/>
             <a:r>
-              <a:rPr lang="en-US" dirty="0"/>
-              <a:t>Improve efficiency.</a:t>
-            </a:r>
+              <a:rPr lang="en-US" dirty="0" smtClean="0"/>
+              <a:t>A module is a collection of related things that work together.</a:t>
+            </a:r>
+            <a:endParaRPr lang="en-US" dirty="0" smtClean="0"/>
           </a:p>
           <a:p>
             <a:pPr lvl="1"/>
             <a:r>
-              <a:rPr lang="en-US" dirty="0"/>
-              <a:t>Minimize code maintenance. </a:t>
+              <a:rPr lang="en-US" dirty="0" smtClean="0"/>
+              <a:t>Allows </a:t>
+            </a:r>
+            <a:r>
+              <a:rPr lang="en-US" dirty="0"/>
+              <a:t>an application to be organized into cohesive blocks of functionalities.</a:t>
             </a:r>
           </a:p>
           <a:p>
             <a:pPr lvl="1"/>
             <a:r>
               <a:rPr lang="en-US" dirty="0"/>
-              <a:t>Better code organization.</a:t>
+              <a:t>Allows an application module to be extended by capabilities of external libraries (i.e., other module packages</a:t>
+            </a:r>
+            <a:r>
+              <a:rPr lang="en-US" dirty="0" smtClean="0"/>
+              <a:t>).</a:t>
             </a:r>
           </a:p>
           <a:p>
             <a:pPr lvl="1"/>
             <a:r>
-              <a:rPr lang="en-US" dirty="0"/>
-              <a:t>Share and distribute </a:t>
-            </a:r>
-            <a:r>
-              <a:rPr lang="en-US" dirty="0">
-                <a:sym typeface="Wingdings" panose="05000000000000000000" pitchFamily="2" charset="2"/>
-              </a:rPr>
-              <a:t> Reusable libraries.</a:t>
-            </a:r>
+              <a:rPr lang="en-US" dirty="0" smtClean="0"/>
+              <a:t>Allows applications to be composed by modules.</a:t>
+            </a:r>
+          </a:p>
+          <a:p>
+            <a:pPr lvl="1"/>
+            <a:r>
+              <a:rPr lang="en-US" dirty="0" smtClean="0"/>
+              <a:t>A reusable library.</a:t>
+            </a:r>
+            <a:endParaRPr lang="en-US" dirty="0"/>
           </a:p>
         </p:txBody>
       </p:sp>
     </p:spTree>
     <p:extLst>
       <p:ext uri="{BB962C8B-B14F-4D97-AF65-F5344CB8AC3E}">
-        <p14:creationId xmlns:p14="http://schemas.microsoft.com/office/powerpoint/2010/main" val="3574255406"/>
+        <p14:creationId xmlns:p14="http://schemas.microsoft.com/office/powerpoint/2010/main" val="1344787994"/>
       </p:ext>
     </p:extLst>
   </p:cSld>
@@ -6700,7 +6749,7 @@
           <p:cNvPr id="4" name="Title 3">
             <a:extLst>
               <a:ext uri="{FF2B5EF4-FFF2-40B4-BE49-F238E27FC236}">
-                <a16:creationId xmlns:a16="http://schemas.microsoft.com/office/drawing/2014/main" id="{54012518-7D2C-4DC5-8D55-D2AA001E7F3A}"/>
+                <a16:creationId xmlns:a16="http://schemas.microsoft.com/office/drawing/2014/main" xmlns="" id="{54012518-7D2C-4DC5-8D55-D2AA001E7F3A}"/>
               </a:ext>
             </a:extLst>
           </p:cNvPr>
@@ -6718,7 +6767,7 @@
           <a:p>
             <a:r>
               <a:rPr lang="en-US" dirty="0"/>
-              <a:t>Module Cons:</a:t>
+              <a:t>Module Pros:</a:t>
             </a:r>
             <a:br>
               <a:rPr lang="en-US" dirty="0"/>
@@ -6735,7 +6784,7 @@
           <p:cNvPr id="5" name="Content Placeholder 4">
             <a:extLst>
               <a:ext uri="{FF2B5EF4-FFF2-40B4-BE49-F238E27FC236}">
-                <a16:creationId xmlns:a16="http://schemas.microsoft.com/office/drawing/2014/main" id="{7DBE9684-0D38-47CC-A5AF-42D167AB40BB}"/>
+                <a16:creationId xmlns:a16="http://schemas.microsoft.com/office/drawing/2014/main" xmlns="" id="{7DBE9684-0D38-47CC-A5AF-42D167AB40BB}"/>
               </a:ext>
             </a:extLst>
           </p:cNvPr>
@@ -6754,64 +6803,50 @@
           <a:lstStyle/>
           <a:p>
             <a:r>
+              <a:rPr lang="en-US" dirty="0"/>
+              <a:t>Pros:</a:t>
+            </a:r>
+          </a:p>
+          <a:p>
+            <a:pPr lvl="1"/>
+            <a:r>
+              <a:rPr lang="en-US" dirty="0"/>
+              <a:t>Improve efficiency.</a:t>
+            </a:r>
+          </a:p>
+          <a:p>
+            <a:pPr lvl="1"/>
+            <a:r>
+              <a:rPr lang="en-US" dirty="0"/>
+              <a:t>Minimize code maintenance. </a:t>
+            </a:r>
+          </a:p>
+          <a:p>
+            <a:pPr lvl="1"/>
+            <a:r>
+              <a:rPr lang="en-US" dirty="0"/>
+              <a:t>Better code organization.</a:t>
+            </a:r>
+          </a:p>
+          <a:p>
+            <a:pPr lvl="1"/>
+            <a:r>
+              <a:rPr lang="en-US" dirty="0"/>
+              <a:t>Share and distribute </a:t>
+            </a:r>
+            <a:r>
               <a:rPr lang="en-US" dirty="0">
                 <a:sym typeface="Wingdings" panose="05000000000000000000" pitchFamily="2" charset="2"/>
               </a:rPr>
-              <a:t>Cons:</a:t>
-            </a:r>
-          </a:p>
-          <a:p>
-            <a:pPr lvl="1"/>
-            <a:r>
-              <a:rPr lang="en-US" dirty="0">
-                <a:sym typeface="Wingdings" panose="05000000000000000000" pitchFamily="2" charset="2"/>
-              </a:rPr>
-              <a:t>Takes thought, design, analysis to determine [what] belongs in a module.</a:t>
-            </a:r>
-          </a:p>
-          <a:p>
-            <a:pPr lvl="1"/>
-            <a:r>
-              <a:rPr lang="en-US" dirty="0">
-                <a:sym typeface="Wingdings" panose="05000000000000000000" pitchFamily="2" charset="2"/>
-              </a:rPr>
-              <a:t>Development Approach is different.</a:t>
-            </a:r>
-          </a:p>
-          <a:p>
-            <a:pPr lvl="1"/>
-            <a:r>
-              <a:rPr lang="en-US" dirty="0">
-                <a:sym typeface="Wingdings" panose="05000000000000000000" pitchFamily="2" charset="2"/>
-              </a:rPr>
-              <a:t>May take awhile to stabilize the module.</a:t>
-            </a:r>
-          </a:p>
-          <a:p>
-            <a:pPr lvl="1"/>
-            <a:r>
-              <a:rPr lang="en-US" dirty="0">
-                <a:sym typeface="Wingdings" panose="05000000000000000000" pitchFamily="2" charset="2"/>
-              </a:rPr>
-              <a:t>Debugging not as easy…</a:t>
-            </a:r>
-          </a:p>
-          <a:p>
-            <a:pPr lvl="1"/>
-            <a:r>
-              <a:rPr lang="en-US" dirty="0">
-                <a:sym typeface="Wingdings" panose="05000000000000000000" pitchFamily="2" charset="2"/>
-              </a:rPr>
-              <a:t>A suite of modules that are inter-dependent require package and version updates when a dependency is updated.</a:t>
-            </a:r>
-            <a:endParaRPr lang="en-US" dirty="0"/>
+              <a:t> Reusable libraries.</a:t>
+            </a:r>
           </a:p>
         </p:txBody>
       </p:sp>
     </p:spTree>
     <p:extLst>
       <p:ext uri="{BB962C8B-B14F-4D97-AF65-F5344CB8AC3E}">
-        <p14:creationId xmlns:p14="http://schemas.microsoft.com/office/powerpoint/2010/main" val="515468962"/>
+        <p14:creationId xmlns:p14="http://schemas.microsoft.com/office/powerpoint/2010/main" val="3574255406"/>
       </p:ext>
     </p:extLst>
   </p:cSld>
@@ -6843,7 +6878,7 @@
           <p:cNvPr id="4" name="Title 3">
             <a:extLst>
               <a:ext uri="{FF2B5EF4-FFF2-40B4-BE49-F238E27FC236}">
-                <a16:creationId xmlns:a16="http://schemas.microsoft.com/office/drawing/2014/main" id="{54012518-7D2C-4DC5-8D55-D2AA001E7F3A}"/>
+                <a16:creationId xmlns:a16="http://schemas.microsoft.com/office/drawing/2014/main" xmlns="" id="{54012518-7D2C-4DC5-8D55-D2AA001E7F3A}"/>
               </a:ext>
             </a:extLst>
           </p:cNvPr>
@@ -6854,23 +6889,21 @@
             <p:ph type="title"/>
           </p:nvPr>
         </p:nvSpPr>
-        <p:spPr>
-          <a:effectLst>
-            <a:glow rad="12700">
-              <a:schemeClr val="accent1">
-                <a:alpha val="40000"/>
-              </a:schemeClr>
-            </a:glow>
-            <a:softEdge rad="12700"/>
-          </a:effectLst>
-        </p:spPr>
-        <p:txBody>
-          <a:bodyPr/>
-          <a:lstStyle/>
-          <a:p>
-            <a:r>
-              <a:rPr lang="en-US" dirty="0"/>
-              <a:t>Custom Angular Module Types	</a:t>
+        <p:spPr/>
+        <p:txBody>
+          <a:bodyPr/>
+          <a:lstStyle/>
+          <a:p>
+            <a:r>
+              <a:rPr lang="en-US" dirty="0"/>
+              <a:t>Module Cons:</a:t>
+            </a:r>
+            <a:br>
+              <a:rPr lang="en-US" dirty="0"/>
+            </a:br>
+            <a:r>
+              <a:rPr lang="en-US" dirty="0"/>
+              <a:t>	</a:t>
             </a:r>
           </a:p>
         </p:txBody>
@@ -6880,7 +6913,7 @@
           <p:cNvPr id="5" name="Content Placeholder 4">
             <a:extLst>
               <a:ext uri="{FF2B5EF4-FFF2-40B4-BE49-F238E27FC236}">
-                <a16:creationId xmlns:a16="http://schemas.microsoft.com/office/drawing/2014/main" id="{7DBE9684-0D38-47CC-A5AF-42D167AB40BB}"/>
+                <a16:creationId xmlns:a16="http://schemas.microsoft.com/office/drawing/2014/main" xmlns="" id="{7DBE9684-0D38-47CC-A5AF-42D167AB40BB}"/>
               </a:ext>
             </a:extLst>
           </p:cNvPr>
@@ -6893,50 +6926,85 @@
         </p:nvSpPr>
         <p:spPr/>
         <p:txBody>
-          <a:bodyPr/>
-          <a:lstStyle/>
-          <a:p>
-            <a:r>
-              <a:rPr lang="en-US" dirty="0"/>
-              <a:t>Component</a:t>
-            </a:r>
-          </a:p>
-          <a:p>
-            <a:r>
-              <a:rPr lang="en-US" dirty="0"/>
-              <a:t>Service</a:t>
-            </a:r>
-          </a:p>
-          <a:p>
-            <a:r>
-              <a:rPr lang="en-US" dirty="0"/>
-              <a:t>Component/Service</a:t>
-            </a:r>
-          </a:p>
-          <a:p>
-            <a:r>
-              <a:rPr lang="en-US" dirty="0"/>
-              <a:t>Infrastructure</a:t>
-            </a:r>
-          </a:p>
-          <a:p>
-            <a:r>
-              <a:rPr lang="en-US" dirty="0"/>
-              <a:t>Framework</a:t>
-            </a:r>
-          </a:p>
-          <a:p>
-            <a:r>
-              <a:rPr lang="en-US" dirty="0"/>
-              <a:t>Feature</a:t>
-            </a:r>
+          <a:bodyPr>
+            <a:normAutofit/>
+          </a:bodyPr>
+          <a:lstStyle/>
+          <a:p>
+            <a:r>
+              <a:rPr lang="en-US" dirty="0">
+                <a:sym typeface="Wingdings" panose="05000000000000000000" pitchFamily="2" charset="2"/>
+              </a:rPr>
+              <a:t>Cons:</a:t>
+            </a:r>
+          </a:p>
+          <a:p>
+            <a:pPr lvl="1"/>
+            <a:r>
+              <a:rPr lang="en-US" dirty="0">
+                <a:sym typeface="Wingdings" panose="05000000000000000000" pitchFamily="2" charset="2"/>
+              </a:rPr>
+              <a:t>Takes thought, design, analysis to determine [what] belongs in a module.</a:t>
+            </a:r>
+          </a:p>
+          <a:p>
+            <a:pPr lvl="1"/>
+            <a:r>
+              <a:rPr lang="en-US" dirty="0">
+                <a:sym typeface="Wingdings" panose="05000000000000000000" pitchFamily="2" charset="2"/>
+              </a:rPr>
+              <a:t>Development </a:t>
+            </a:r>
+            <a:r>
+              <a:rPr lang="en-US" dirty="0" smtClean="0">
+                <a:sym typeface="Wingdings" panose="05000000000000000000" pitchFamily="2" charset="2"/>
+              </a:rPr>
+              <a:t>approach </a:t>
+            </a:r>
+            <a:r>
+              <a:rPr lang="en-US" dirty="0">
+                <a:sym typeface="Wingdings" panose="05000000000000000000" pitchFamily="2" charset="2"/>
+              </a:rPr>
+              <a:t>is different.</a:t>
+            </a:r>
+          </a:p>
+          <a:p>
+            <a:pPr lvl="1"/>
+            <a:r>
+              <a:rPr lang="en-US" dirty="0">
+                <a:sym typeface="Wingdings" panose="05000000000000000000" pitchFamily="2" charset="2"/>
+              </a:rPr>
+              <a:t>May take awhile to stabilize the module.</a:t>
+            </a:r>
+          </a:p>
+          <a:p>
+            <a:pPr lvl="1"/>
+            <a:r>
+              <a:rPr lang="en-US" dirty="0" smtClean="0">
+                <a:sym typeface="Wingdings" panose="05000000000000000000" pitchFamily="2" charset="2"/>
+              </a:rPr>
+              <a:t>Managing dependencies.</a:t>
+            </a:r>
+            <a:endParaRPr lang="en-US" dirty="0">
+              <a:sym typeface="Wingdings" panose="05000000000000000000" pitchFamily="2" charset="2"/>
+            </a:endParaRPr>
+          </a:p>
+          <a:p>
+            <a:pPr lvl="1"/>
+            <a:r>
+              <a:rPr lang="en-US" dirty="0">
+                <a:sym typeface="Wingdings" panose="05000000000000000000" pitchFamily="2" charset="2"/>
+              </a:rPr>
+              <a:t>A suite of modules that are inter-dependent require package and version updates when a dependency is updated.</a:t>
+            </a:r>
+            <a:endParaRPr lang="en-US" dirty="0"/>
           </a:p>
         </p:txBody>
       </p:sp>
     </p:spTree>
     <p:extLst>
       <p:ext uri="{BB962C8B-B14F-4D97-AF65-F5344CB8AC3E}">
-        <p14:creationId xmlns:p14="http://schemas.microsoft.com/office/powerpoint/2010/main" val="3969051291"/>
+        <p14:creationId xmlns:p14="http://schemas.microsoft.com/office/powerpoint/2010/main" val="515468962"/>
       </p:ext>
     </p:extLst>
   </p:cSld>
@@ -6968,7 +7036,7 @@
           <p:cNvPr id="4" name="Title 3">
             <a:extLst>
               <a:ext uri="{FF2B5EF4-FFF2-40B4-BE49-F238E27FC236}">
-                <a16:creationId xmlns:a16="http://schemas.microsoft.com/office/drawing/2014/main" id="{999890AD-33FC-4E97-9C1F-83E93FA36614}"/>
+                <a16:creationId xmlns:a16="http://schemas.microsoft.com/office/drawing/2014/main" xmlns="" id="{54012518-7D2C-4DC5-8D55-D2AA001E7F3A}"/>
               </a:ext>
             </a:extLst>
           </p:cNvPr>
@@ -6979,24 +7047,33 @@
             <p:ph type="title"/>
           </p:nvPr>
         </p:nvSpPr>
-        <p:spPr/>
-        <p:txBody>
-          <a:bodyPr/>
-          <a:lstStyle/>
-          <a:p>
-            <a:r>
-              <a:rPr lang="en-US" dirty="0"/>
-              <a:t>Know Your Angular Module</a:t>
-            </a:r>
-          </a:p>
-        </p:txBody>
-      </p:sp>
-      <p:sp>
-        <p:nvSpPr>
-          <p:cNvPr id="5" name="Text Placeholder 4">
+        <p:spPr>
+          <a:effectLst>
+            <a:glow rad="12700">
+              <a:schemeClr val="accent1">
+                <a:alpha val="40000"/>
+              </a:schemeClr>
+            </a:glow>
+            <a:softEdge rad="12700"/>
+          </a:effectLst>
+        </p:spPr>
+        <p:txBody>
+          <a:bodyPr/>
+          <a:lstStyle/>
+          <a:p>
+            <a:r>
+              <a:rPr lang="en-US" dirty="0"/>
+              <a:t>Custom Angular Module Types	</a:t>
+            </a:r>
+          </a:p>
+        </p:txBody>
+      </p:sp>
+      <p:sp>
+        <p:nvSpPr>
+          <p:cNvPr id="5" name="Content Placeholder 4">
             <a:extLst>
               <a:ext uri="{FF2B5EF4-FFF2-40B4-BE49-F238E27FC236}">
-                <a16:creationId xmlns:a16="http://schemas.microsoft.com/office/drawing/2014/main" id="{0F430FFA-0992-4903-A2FD-8C7CC4F490CF}"/>
+                <a16:creationId xmlns:a16="http://schemas.microsoft.com/office/drawing/2014/main" xmlns="" id="{7DBE9684-0D38-47CC-A5AF-42D167AB40BB}"/>
               </a:ext>
             </a:extLst>
           </p:cNvPr>
@@ -7004,17 +7081,47 @@
             <a:spLocks noGrp="1"/>
           </p:cNvSpPr>
           <p:nvPr>
-            <p:ph type="body" idx="1"/>
-          </p:nvPr>
-        </p:nvSpPr>
-        <p:spPr/>
-        <p:txBody>
-          <a:bodyPr/>
-          <a:lstStyle/>
-          <a:p>
-            <a:r>
-              <a:rPr lang="en-US" dirty="0"/>
-              <a:t>Hello Module.</a:t>
+            <p:ph idx="1"/>
+          </p:nvPr>
+        </p:nvSpPr>
+        <p:spPr/>
+        <p:txBody>
+          <a:bodyPr/>
+          <a:lstStyle/>
+          <a:p>
+            <a:r>
+              <a:rPr lang="en-US" dirty="0"/>
+              <a:t>Component</a:t>
+            </a:r>
+          </a:p>
+          <a:p>
+            <a:r>
+              <a:rPr lang="en-US" dirty="0"/>
+              <a:t>Service</a:t>
+            </a:r>
+          </a:p>
+          <a:p>
+            <a:r>
+              <a:rPr lang="en-US" dirty="0"/>
+              <a:t>Component/Service</a:t>
+            </a:r>
+          </a:p>
+          <a:p>
+            <a:r>
+              <a:rPr lang="en-US" dirty="0"/>
+              <a:t>Infrastructure</a:t>
+            </a:r>
+          </a:p>
+          <a:p>
+            <a:r>
+              <a:rPr lang="en-US" dirty="0"/>
+              <a:t>Framework</a:t>
+            </a:r>
+          </a:p>
+          <a:p>
+            <a:r>
+              <a:rPr lang="en-US" dirty="0"/>
+              <a:t>Feature</a:t>
             </a:r>
           </a:p>
         </p:txBody>
@@ -7022,7 +7129,7 @@
     </p:spTree>
     <p:extLst>
       <p:ext uri="{BB962C8B-B14F-4D97-AF65-F5344CB8AC3E}">
-        <p14:creationId xmlns:p14="http://schemas.microsoft.com/office/powerpoint/2010/main" val="1793706507"/>
+        <p14:creationId xmlns:p14="http://schemas.microsoft.com/office/powerpoint/2010/main" val="3969051291"/>
       </p:ext>
     </p:extLst>
   </p:cSld>
@@ -7054,7 +7161,7 @@
           <p:cNvPr id="4" name="Title 3">
             <a:extLst>
               <a:ext uri="{FF2B5EF4-FFF2-40B4-BE49-F238E27FC236}">
-                <a16:creationId xmlns:a16="http://schemas.microsoft.com/office/drawing/2014/main" id="{7F37EE62-6602-46DA-A102-BD35E97358F6}"/>
+                <a16:creationId xmlns:a16="http://schemas.microsoft.com/office/drawing/2014/main" xmlns="" id="{999890AD-33FC-4E97-9C1F-83E93FA36614}"/>
               </a:ext>
             </a:extLst>
           </p:cNvPr>
@@ -7072,17 +7179,22 @@
           <a:p>
             <a:r>
               <a:rPr lang="en-US" dirty="0"/>
-              <a:t>Angular Application Modules :: Quick Overview</a:t>
-            </a:r>
-          </a:p>
-        </p:txBody>
-      </p:sp>
-      <p:sp>
-        <p:nvSpPr>
-          <p:cNvPr id="5" name="Content Placeholder 4">
+              <a:t>Know Your Angular </a:t>
+            </a:r>
+            <a:r>
+              <a:rPr lang="en-US" dirty="0" smtClean="0"/>
+              <a:t>Module</a:t>
+            </a:r>
+            <a:endParaRPr lang="en-US" dirty="0"/>
+          </a:p>
+        </p:txBody>
+      </p:sp>
+      <p:sp>
+        <p:nvSpPr>
+          <p:cNvPr id="5" name="Text Placeholder 4">
             <a:extLst>
               <a:ext uri="{FF2B5EF4-FFF2-40B4-BE49-F238E27FC236}">
-                <a16:creationId xmlns:a16="http://schemas.microsoft.com/office/drawing/2014/main" id="{B994F59A-6B27-4732-B4FF-C5079685BCDC}"/>
+                <a16:creationId xmlns:a16="http://schemas.microsoft.com/office/drawing/2014/main" xmlns="" id="{0F430FFA-0992-4903-A2FD-8C7CC4F490CF}"/>
               </a:ext>
             </a:extLst>
           </p:cNvPr>
@@ -7090,49 +7202,17 @@
             <a:spLocks noGrp="1"/>
           </p:cNvSpPr>
           <p:nvPr>
-            <p:ph idx="1"/>
-          </p:nvPr>
-        </p:nvSpPr>
-        <p:spPr/>
-        <p:txBody>
-          <a:bodyPr/>
-          <a:lstStyle/>
-          <a:p>
-            <a:r>
-              <a:rPr lang="en-US" dirty="0"/>
-              <a:t>Root Module: app.module.ts</a:t>
-            </a:r>
-          </a:p>
-          <a:p>
-            <a:r>
-              <a:rPr lang="en-US" dirty="0"/>
-              <a:t>Shared Module: shared.module.ts</a:t>
-            </a:r>
-          </a:p>
-          <a:p>
-            <a:r>
-              <a:rPr lang="en-US" dirty="0"/>
-              <a:t>Core Module: core.module.ts</a:t>
-            </a:r>
-          </a:p>
-          <a:p>
-            <a:r>
-              <a:rPr lang="en-US" dirty="0"/>
-              <a:t>Feature Modules</a:t>
-            </a:r>
-          </a:p>
-          <a:p>
-            <a:pPr lvl="1"/>
-            <a:r>
-              <a:rPr lang="en-US" dirty="0"/>
-              <a:t>UI</a:t>
-            </a:r>
-          </a:p>
-          <a:p>
-            <a:pPr lvl="1"/>
-            <a:r>
-              <a:rPr lang="en-US" dirty="0"/>
-              <a:t>Service</a:t>
+            <p:ph type="body" idx="1"/>
+          </p:nvPr>
+        </p:nvSpPr>
+        <p:spPr/>
+        <p:txBody>
+          <a:bodyPr/>
+          <a:lstStyle/>
+          <a:p>
+            <a:r>
+              <a:rPr lang="en-US" dirty="0"/>
+              <a:t>Hello Module.</a:t>
             </a:r>
           </a:p>
         </p:txBody>
@@ -7140,7 +7220,7 @@
     </p:spTree>
     <p:extLst>
       <p:ext uri="{BB962C8B-B14F-4D97-AF65-F5344CB8AC3E}">
-        <p14:creationId xmlns:p14="http://schemas.microsoft.com/office/powerpoint/2010/main" val="1284813065"/>
+        <p14:creationId xmlns:p14="http://schemas.microsoft.com/office/powerpoint/2010/main" val="1793706507"/>
       </p:ext>
     </p:extLst>
   </p:cSld>
@@ -7172,7 +7252,7 @@
           <p:cNvPr id="4" name="Title 3">
             <a:extLst>
               <a:ext uri="{FF2B5EF4-FFF2-40B4-BE49-F238E27FC236}">
-                <a16:creationId xmlns:a16="http://schemas.microsoft.com/office/drawing/2014/main" id="{7F37EE62-6602-46DA-A102-BD35E97358F6}"/>
+                <a16:creationId xmlns:a16="http://schemas.microsoft.com/office/drawing/2014/main" xmlns="" id="{7F37EE62-6602-46DA-A102-BD35E97358F6}"/>
               </a:ext>
             </a:extLst>
           </p:cNvPr>
@@ -7190,7 +7270,7 @@
           <a:p>
             <a:r>
               <a:rPr lang="en-US" dirty="0"/>
-              <a:t>Root Module: app.module.ts</a:t>
+              <a:t>Angular Application Modules :: Quick Overview</a:t>
             </a:r>
           </a:p>
         </p:txBody>
@@ -7200,7 +7280,7 @@
           <p:cNvPr id="5" name="Content Placeholder 4">
             <a:extLst>
               <a:ext uri="{FF2B5EF4-FFF2-40B4-BE49-F238E27FC236}">
-                <a16:creationId xmlns:a16="http://schemas.microsoft.com/office/drawing/2014/main" id="{B994F59A-6B27-4732-B4FF-C5079685BCDC}"/>
+                <a16:creationId xmlns:a16="http://schemas.microsoft.com/office/drawing/2014/main" xmlns="" id="{B994F59A-6B27-4732-B4FF-C5079685BCDC}"/>
               </a:ext>
             </a:extLst>
           </p:cNvPr>
@@ -7217,43 +7297,44 @@
           <a:lstStyle/>
           <a:p>
             <a:r>
-              <a:rPr lang="en-US" dirty="0"/>
-              <a:t>Purpose</a:t>
+              <a:rPr lang="en-US" dirty="0" smtClean="0"/>
+              <a:t>Root </a:t>
+            </a:r>
+            <a:r>
+              <a:rPr lang="en-US" dirty="0"/>
+              <a:t>Module: app.module.ts</a:t>
+            </a:r>
+          </a:p>
+          <a:p>
+            <a:r>
+              <a:rPr lang="en-US" dirty="0"/>
+              <a:t>Shared Module: shared.module.ts</a:t>
+            </a:r>
+          </a:p>
+          <a:p>
+            <a:r>
+              <a:rPr lang="en-US" dirty="0"/>
+              <a:t>Core Module: core.module.ts</a:t>
+            </a:r>
+          </a:p>
+          <a:p>
+            <a:r>
+              <a:rPr lang="en-US" dirty="0"/>
+              <a:t>Feature Modules</a:t>
             </a:r>
           </a:p>
           <a:p>
             <a:pPr lvl="1"/>
             <a:r>
               <a:rPr lang="en-US" dirty="0"/>
-              <a:t>Responsible for initializing the application’s modules (loading), and bootstrapping the top-level component (i.e., </a:t>
-            </a:r>
-            <a:r>
-              <a:rPr lang="en-US" dirty="0" err="1"/>
-              <a:t>app.component</a:t>
-            </a:r>
-            <a:r>
-              <a:rPr lang="en-US" dirty="0"/>
-              <a:t>). </a:t>
+              <a:t>UI</a:t>
             </a:r>
           </a:p>
           <a:p>
             <a:pPr lvl="1"/>
             <a:r>
               <a:rPr lang="en-US" dirty="0"/>
-              <a:t>Try to keep the concern to initializing the application.</a:t>
-            </a:r>
-          </a:p>
-          <a:p>
-            <a:r>
-              <a:rPr lang="en-US" dirty="0"/>
-              <a:t>Contents</a:t>
-            </a:r>
-          </a:p>
-          <a:p>
-            <a:pPr lvl="1"/>
-            <a:r>
-              <a:rPr lang="en-US" dirty="0"/>
-              <a:t>Common application-level components (NotAuthorizedComponent, PageNotFoundComponent, ErrorComponent, etc.).</a:t>
+              <a:t>Service</a:t>
             </a:r>
           </a:p>
         </p:txBody>
@@ -7261,7 +7342,7 @@
     </p:spTree>
     <p:extLst>
       <p:ext uri="{BB962C8B-B14F-4D97-AF65-F5344CB8AC3E}">
-        <p14:creationId xmlns:p14="http://schemas.microsoft.com/office/powerpoint/2010/main" val="316663120"/>
+        <p14:creationId xmlns:p14="http://schemas.microsoft.com/office/powerpoint/2010/main" val="1284813065"/>
       </p:ext>
     </p:extLst>
   </p:cSld>
@@ -7293,7 +7374,7 @@
           <p:cNvPr id="4" name="Title 3">
             <a:extLst>
               <a:ext uri="{FF2B5EF4-FFF2-40B4-BE49-F238E27FC236}">
-                <a16:creationId xmlns:a16="http://schemas.microsoft.com/office/drawing/2014/main" id="{7F37EE62-6602-46DA-A102-BD35E97358F6}"/>
+                <a16:creationId xmlns:a16="http://schemas.microsoft.com/office/drawing/2014/main" xmlns="" id="{7F37EE62-6602-46DA-A102-BD35E97358F6}"/>
               </a:ext>
             </a:extLst>
           </p:cNvPr>
@@ -7311,13 +7392,8 @@
           <a:p>
             <a:r>
               <a:rPr lang="en-US" dirty="0"/>
-              <a:t>Shared Module: </a:t>
-            </a:r>
-            <a:r>
-              <a:rPr lang="en-US" dirty="0" err="1"/>
-              <a:t>shared.module.ts</a:t>
-            </a:r>
-            <a:endParaRPr lang="en-US" dirty="0"/>
+              <a:t>Root Module: app.module.ts</a:t>
+            </a:r>
           </a:p>
         </p:txBody>
       </p:sp>
@@ -7326,7 +7402,7 @@
           <p:cNvPr id="5" name="Content Placeholder 4">
             <a:extLst>
               <a:ext uri="{FF2B5EF4-FFF2-40B4-BE49-F238E27FC236}">
-                <a16:creationId xmlns:a16="http://schemas.microsoft.com/office/drawing/2014/main" id="{B994F59A-6B27-4732-B4FF-C5079685BCDC}"/>
+                <a16:creationId xmlns:a16="http://schemas.microsoft.com/office/drawing/2014/main" xmlns="" id="{B994F59A-6B27-4732-B4FF-C5079685BCDC}"/>
               </a:ext>
             </a:extLst>
           </p:cNvPr>
@@ -7350,10 +7426,24 @@
           <a:p>
             <a:pPr lvl="1"/>
             <a:r>
+              <a:rPr lang="en-US" dirty="0"/>
+              <a:t>Responsible for initializing the application’s modules (loading), and bootstrapping the top-level component (i.e., </a:t>
+            </a:r>
+            <a:r>
               <a:rPr lang="en-US" dirty="0" err="1"/>
-              <a:t>asdf</a:t>
-            </a:r>
-            <a:endParaRPr lang="en-US" dirty="0"/>
+              <a:t>app.component</a:t>
+            </a:r>
+            <a:r>
+              <a:rPr lang="en-US" dirty="0"/>
+              <a:t>). </a:t>
+            </a:r>
+          </a:p>
+          <a:p>
+            <a:pPr lvl="1"/>
+            <a:r>
+              <a:rPr lang="en-US" dirty="0"/>
+              <a:t>Try to keep the concern to initializing the application.</a:t>
+            </a:r>
           </a:p>
           <a:p>
             <a:r>
@@ -7364,17 +7454,16 @@
           <a:p>
             <a:pPr lvl="1"/>
             <a:r>
-              <a:rPr lang="en-US" dirty="0" err="1"/>
-              <a:t>asdf</a:t>
-            </a:r>
-            <a:endParaRPr lang="en-US" dirty="0"/>
+              <a:rPr lang="en-US" dirty="0"/>
+              <a:t>Common application-level components (NotAuthorizedComponent, PageNotFoundComponent, ErrorComponent, etc.).</a:t>
+            </a:r>
           </a:p>
         </p:txBody>
       </p:sp>
     </p:spTree>
     <p:extLst>
       <p:ext uri="{BB962C8B-B14F-4D97-AF65-F5344CB8AC3E}">
-        <p14:creationId xmlns:p14="http://schemas.microsoft.com/office/powerpoint/2010/main" val="2925912801"/>
+        <p14:creationId xmlns:p14="http://schemas.microsoft.com/office/powerpoint/2010/main" val="316663120"/>
       </p:ext>
     </p:extLst>
   </p:cSld>
@@ -7406,7 +7495,7 @@
           <p:cNvPr id="4" name="Title 3">
             <a:extLst>
               <a:ext uri="{FF2B5EF4-FFF2-40B4-BE49-F238E27FC236}">
-                <a16:creationId xmlns:a16="http://schemas.microsoft.com/office/drawing/2014/main" id="{7F37EE62-6602-46DA-A102-BD35E97358F6}"/>
+                <a16:creationId xmlns:a16="http://schemas.microsoft.com/office/drawing/2014/main" xmlns="" id="{7F37EE62-6602-46DA-A102-BD35E97358F6}"/>
               </a:ext>
             </a:extLst>
           </p:cNvPr>
@@ -7439,7 +7528,7 @@
           <p:cNvPr id="5" name="Content Placeholder 4">
             <a:extLst>
               <a:ext uri="{FF2B5EF4-FFF2-40B4-BE49-F238E27FC236}">
-                <a16:creationId xmlns:a16="http://schemas.microsoft.com/office/drawing/2014/main" id="{B994F59A-6B27-4732-B4FF-C5079685BCDC}"/>
+                <a16:creationId xmlns:a16="http://schemas.microsoft.com/office/drawing/2014/main" xmlns="" id="{B994F59A-6B27-4732-B4FF-C5079685BCDC}"/>
               </a:ext>
             </a:extLst>
           </p:cNvPr>
@@ -7463,8 +7552,38 @@
           <a:p>
             <a:pPr lvl="1"/>
             <a:r>
-              <a:rPr lang="en-US" dirty="0" err="1"/>
-              <a:t>asdf</a:t>
+              <a:rPr lang="en-US" dirty="0" smtClean="0"/>
+              <a:t>Part of the application initialization process. </a:t>
+            </a:r>
+          </a:p>
+          <a:p>
+            <a:pPr lvl="1"/>
+            <a:r>
+              <a:rPr lang="en-US" dirty="0" smtClean="0"/>
+              <a:t>To import and reference modules, components, and services that are part of the application’s domain.</a:t>
+            </a:r>
+          </a:p>
+          <a:p>
+            <a:pPr lvl="1"/>
+            <a:r>
+              <a:rPr lang="en-US" dirty="0" smtClean="0"/>
+              <a:t>Only a single-instance of the </a:t>
+            </a:r>
+            <a:r>
+              <a:rPr lang="en-US" dirty="0" err="1" smtClean="0"/>
+              <a:t>core.module</a:t>
+            </a:r>
+            <a:r>
+              <a:rPr lang="en-US" dirty="0" smtClean="0"/>
+              <a:t> should be </a:t>
+            </a:r>
+            <a:r>
+              <a:rPr lang="en-US" dirty="0" err="1" smtClean="0"/>
+              <a:t>loaed</a:t>
+            </a:r>
+            <a:r>
+              <a:rPr lang="en-US" dirty="0" smtClean="0"/>
+              <a:t> by the application. </a:t>
             </a:r>
             <a:endParaRPr lang="en-US" dirty="0"/>
           </a:p>
@@ -7477,8 +7596,8 @@
           <a:p>
             <a:pPr lvl="1"/>
             <a:r>
-              <a:rPr lang="en-US" dirty="0" err="1"/>
-              <a:t>asdf</a:t>
+              <a:rPr lang="en-US" dirty="0" smtClean="0"/>
+              <a:t>Application specific modules and/or services. </a:t>
             </a:r>
             <a:endParaRPr lang="en-US" dirty="0"/>
           </a:p>
@@ -7519,7 +7638,7 @@
           <p:cNvPr id="4" name="Title 3">
             <a:extLst>
               <a:ext uri="{FF2B5EF4-FFF2-40B4-BE49-F238E27FC236}">
-                <a16:creationId xmlns:a16="http://schemas.microsoft.com/office/drawing/2014/main" id="{C0E3640D-AE30-42D6-ADDA-E7B07A4BCDCE}"/>
+                <a16:creationId xmlns:a16="http://schemas.microsoft.com/office/drawing/2014/main" xmlns="" id="{C0E3640D-AE30-42D6-ADDA-E7B07A4BCDCE}"/>
               </a:ext>
             </a:extLst>
           </p:cNvPr>
@@ -7547,7 +7666,7 @@
           <p:cNvPr id="5" name="Content Placeholder 4">
             <a:extLst>
               <a:ext uri="{FF2B5EF4-FFF2-40B4-BE49-F238E27FC236}">
-                <a16:creationId xmlns:a16="http://schemas.microsoft.com/office/drawing/2014/main" id="{8AA6C605-8DAC-47E1-A59C-D2C532AA1BB7}"/>
+                <a16:creationId xmlns:a16="http://schemas.microsoft.com/office/drawing/2014/main" xmlns="" id="{8AA6C605-8DAC-47E1-A59C-D2C532AA1BB7}"/>
               </a:ext>
             </a:extLst>
           </p:cNvPr>
@@ -7684,7 +7803,7 @@
           <p:cNvPr id="4" name="Title 3">
             <a:extLst>
               <a:ext uri="{FF2B5EF4-FFF2-40B4-BE49-F238E27FC236}">
-                <a16:creationId xmlns:a16="http://schemas.microsoft.com/office/drawing/2014/main" id="{7F37EE62-6602-46DA-A102-BD35E97358F6}"/>
+                <a16:creationId xmlns:a16="http://schemas.microsoft.com/office/drawing/2014/main" xmlns="" id="{7F37EE62-6602-46DA-A102-BD35E97358F6}"/>
               </a:ext>
             </a:extLst>
           </p:cNvPr>
@@ -7695,23 +7814,18 @@
             <p:ph type="title"/>
           </p:nvPr>
         </p:nvSpPr>
-        <p:spPr>
-          <a:xfrm>
-            <a:off x="646111" y="452718"/>
-            <a:ext cx="11180129" cy="1400530"/>
-          </a:xfrm>
-        </p:spPr>
-        <p:txBody>
-          <a:bodyPr/>
-          <a:lstStyle/>
-          <a:p>
-            <a:r>
-              <a:rPr lang="en-US" dirty="0"/>
-              <a:t>Feature Module: &lt;my-feature&gt;.</a:t>
+        <p:spPr/>
+        <p:txBody>
+          <a:bodyPr/>
+          <a:lstStyle/>
+          <a:p>
+            <a:r>
+              <a:rPr lang="en-US" dirty="0"/>
+              <a:t>Shared Module: </a:t>
             </a:r>
             <a:r>
               <a:rPr lang="en-US" dirty="0" err="1"/>
-              <a:t>module.ts</a:t>
+              <a:t>shared.module.ts</a:t>
             </a:r>
             <a:endParaRPr lang="en-US" dirty="0"/>
           </a:p>
@@ -7722,7 +7836,7 @@
           <p:cNvPr id="5" name="Content Placeholder 4">
             <a:extLst>
               <a:ext uri="{FF2B5EF4-FFF2-40B4-BE49-F238E27FC236}">
-                <a16:creationId xmlns:a16="http://schemas.microsoft.com/office/drawing/2014/main" id="{B994F59A-6B27-4732-B4FF-C5079685BCDC}"/>
+                <a16:creationId xmlns:a16="http://schemas.microsoft.com/office/drawing/2014/main" xmlns="" id="{B994F59A-6B27-4732-B4FF-C5079685BCDC}"/>
               </a:ext>
             </a:extLst>
           </p:cNvPr>
@@ -7735,7 +7849,9 @@
         </p:nvSpPr>
         <p:spPr/>
         <p:txBody>
-          <a:bodyPr/>
+          <a:bodyPr>
+            <a:normAutofit fontScale="92500" lnSpcReduction="10000"/>
+          </a:bodyPr>
           <a:lstStyle/>
           <a:p>
             <a:r>
@@ -7746,64 +7862,203 @@
           <a:p>
             <a:pPr lvl="1"/>
             <a:r>
-              <a:rPr lang="en-US" dirty="0"/>
-              <a:t>Use to implement a domain feature of the application. The module contains services and owns components with templates.</a:t>
-            </a:r>
-          </a:p>
-          <a:p>
-            <a:r>
-              <a:rPr lang="en-US" dirty="0"/>
-              <a:t>Types</a:t>
+              <a:rPr lang="en-US" dirty="0" smtClean="0"/>
+              <a:t>Responsible for importing and referencing common Angular and 3</a:t>
+            </a:r>
+            <a:r>
+              <a:rPr lang="en-US" baseline="30000" dirty="0" smtClean="0"/>
+              <a:t>rd</a:t>
+            </a:r>
+            <a:r>
+              <a:rPr lang="en-US" dirty="0" smtClean="0"/>
+              <a:t>-party modules, common components and/or services.</a:t>
             </a:r>
           </a:p>
           <a:p>
             <a:pPr lvl="1"/>
             <a:r>
-              <a:rPr lang="en-US" dirty="0"/>
-              <a:t>UI (ng front end)</a:t>
+              <a:rPr lang="en-US" dirty="0" smtClean="0"/>
+              <a:t>Import and use by other feature modules in the application.</a:t>
             </a:r>
           </a:p>
           <a:p>
             <a:pPr lvl="2"/>
             <a:r>
-              <a:rPr lang="en-US" dirty="0"/>
-              <a:t>Components, Directives, Pipes, constants</a:t>
+              <a:rPr lang="en-US" dirty="0" smtClean="0"/>
+              <a:t>Not imported by </a:t>
+            </a:r>
+            <a:r>
+              <a:rPr lang="en-US" dirty="0" err="1" smtClean="0"/>
+              <a:t>AppModule</a:t>
+            </a:r>
+            <a:r>
+              <a:rPr lang="en-US" dirty="0" smtClean="0"/>
+              <a:t> or </a:t>
+            </a:r>
+            <a:r>
+              <a:rPr lang="en-US" dirty="0" err="1" smtClean="0"/>
+              <a:t>CoreModule</a:t>
+            </a:r>
+            <a:r>
+              <a:rPr lang="en-US" dirty="0" smtClean="0"/>
+              <a:t>.</a:t>
             </a:r>
           </a:p>
           <a:p>
             <a:pPr lvl="1"/>
             <a:r>
-              <a:rPr lang="en-US" dirty="0"/>
-              <a:t>Service (ng back end)</a:t>
-            </a:r>
-          </a:p>
-          <a:p>
-            <a:pPr lvl="2"/>
-            <a:r>
-              <a:rPr lang="en-US" dirty="0"/>
-              <a:t>Service (API)</a:t>
-            </a:r>
-          </a:p>
-          <a:p>
-            <a:pPr lvl="2"/>
-            <a:r>
-              <a:rPr lang="en-US" dirty="0"/>
-              <a:t>Business Logic Layer</a:t>
-            </a:r>
-          </a:p>
-          <a:p>
-            <a:pPr lvl="2"/>
-            <a:r>
-              <a:rPr lang="en-US" dirty="0"/>
-              <a:t>Models</a:t>
-            </a:r>
-          </a:p>
-          <a:p>
-            <a:pPr lvl="2"/>
-            <a:r>
-              <a:rPr lang="en-US" dirty="0" err="1"/>
-              <a:t>HttpServices</a:t>
-            </a:r>
+              <a:rPr lang="en-US" dirty="0" smtClean="0"/>
+              <a:t>Use to </a:t>
+            </a:r>
+            <a:r>
+              <a:rPr lang="en-US" dirty="0"/>
+              <a:t>hold the common components, directives, and pipes and share them with the modules that need them.</a:t>
+            </a:r>
+            <a:endParaRPr lang="en-US" dirty="0"/>
+          </a:p>
+          <a:p>
+            <a:r>
+              <a:rPr lang="en-US" dirty="0" smtClean="0"/>
+              <a:t>Content Samples:</a:t>
+            </a:r>
+            <a:endParaRPr lang="en-US" dirty="0"/>
+          </a:p>
+          <a:p>
+            <a:pPr lvl="1"/>
+            <a:r>
+              <a:rPr lang="en-US" sz="1400" dirty="0">
+                <a:latin typeface="Source Code Pro Light" panose="020B0409030403020204" pitchFamily="49" charset="0"/>
+                <a:ea typeface="Source Code Pro Light" panose="020B0409030403020204" pitchFamily="49" charset="0"/>
+              </a:rPr>
+              <a:t>import { </a:t>
+            </a:r>
+            <a:r>
+              <a:rPr lang="en-US" sz="1400" dirty="0" err="1">
+                <a:latin typeface="Source Code Pro Light" panose="020B0409030403020204" pitchFamily="49" charset="0"/>
+                <a:ea typeface="Source Code Pro Light" panose="020B0409030403020204" pitchFamily="49" charset="0"/>
+              </a:rPr>
+              <a:t>NgModule</a:t>
+            </a:r>
+            <a:r>
+              <a:rPr lang="en-US" sz="1400" dirty="0">
+                <a:latin typeface="Source Code Pro Light" panose="020B0409030403020204" pitchFamily="49" charset="0"/>
+                <a:ea typeface="Source Code Pro Light" panose="020B0409030403020204" pitchFamily="49" charset="0"/>
+              </a:rPr>
+              <a:t> } from '@angular/core';</a:t>
+            </a:r>
+          </a:p>
+          <a:p>
+            <a:pPr lvl="1"/>
+            <a:r>
+              <a:rPr lang="en-US" sz="1400" dirty="0">
+                <a:latin typeface="Source Code Pro Light" panose="020B0409030403020204" pitchFamily="49" charset="0"/>
+                <a:ea typeface="Source Code Pro Light" panose="020B0409030403020204" pitchFamily="49" charset="0"/>
+              </a:rPr>
+              <a:t>import { </a:t>
+            </a:r>
+            <a:r>
+              <a:rPr lang="en-US" sz="1400" dirty="0" err="1">
+                <a:latin typeface="Source Code Pro Light" panose="020B0409030403020204" pitchFamily="49" charset="0"/>
+                <a:ea typeface="Source Code Pro Light" panose="020B0409030403020204" pitchFamily="49" charset="0"/>
+              </a:rPr>
+              <a:t>FormsModule</a:t>
+            </a:r>
+            <a:r>
+              <a:rPr lang="en-US" sz="1400" dirty="0">
+                <a:latin typeface="Source Code Pro Light" panose="020B0409030403020204" pitchFamily="49" charset="0"/>
+                <a:ea typeface="Source Code Pro Light" panose="020B0409030403020204" pitchFamily="49" charset="0"/>
+              </a:rPr>
+              <a:t>, </a:t>
+            </a:r>
+            <a:r>
+              <a:rPr lang="en-US" sz="1400" dirty="0" err="1">
+                <a:latin typeface="Source Code Pro Light" panose="020B0409030403020204" pitchFamily="49" charset="0"/>
+                <a:ea typeface="Source Code Pro Light" panose="020B0409030403020204" pitchFamily="49" charset="0"/>
+              </a:rPr>
+              <a:t>ReactiveFormsModule</a:t>
+            </a:r>
+            <a:r>
+              <a:rPr lang="en-US" sz="1400" dirty="0">
+                <a:latin typeface="Source Code Pro Light" panose="020B0409030403020204" pitchFamily="49" charset="0"/>
+                <a:ea typeface="Source Code Pro Light" panose="020B0409030403020204" pitchFamily="49" charset="0"/>
+              </a:rPr>
+              <a:t> } from '@angular/forms';</a:t>
+            </a:r>
+          </a:p>
+          <a:p>
+            <a:pPr lvl="1"/>
+            <a:r>
+              <a:rPr lang="en-US" sz="1400" dirty="0">
+                <a:latin typeface="Source Code Pro Light" panose="020B0409030403020204" pitchFamily="49" charset="0"/>
+                <a:ea typeface="Source Code Pro Light" panose="020B0409030403020204" pitchFamily="49" charset="0"/>
+              </a:rPr>
+              <a:t>import { </a:t>
+            </a:r>
+            <a:r>
+              <a:rPr lang="en-US" sz="1400" dirty="0" err="1">
+                <a:latin typeface="Source Code Pro Light" panose="020B0409030403020204" pitchFamily="49" charset="0"/>
+                <a:ea typeface="Source Code Pro Light" panose="020B0409030403020204" pitchFamily="49" charset="0"/>
+              </a:rPr>
+              <a:t>HttpModule</a:t>
+            </a:r>
+            <a:r>
+              <a:rPr lang="en-US" sz="1400" dirty="0">
+                <a:latin typeface="Source Code Pro Light" panose="020B0409030403020204" pitchFamily="49" charset="0"/>
+                <a:ea typeface="Source Code Pro Light" panose="020B0409030403020204" pitchFamily="49" charset="0"/>
+              </a:rPr>
+              <a:t> } from '@angular/http';</a:t>
+            </a:r>
+          </a:p>
+          <a:p>
+            <a:pPr lvl="1"/>
+            <a:r>
+              <a:rPr lang="en-US" sz="1400" dirty="0">
+                <a:latin typeface="Source Code Pro Light" panose="020B0409030403020204" pitchFamily="49" charset="0"/>
+                <a:ea typeface="Source Code Pro Light" panose="020B0409030403020204" pitchFamily="49" charset="0"/>
+              </a:rPr>
+              <a:t>import { </a:t>
+            </a:r>
+            <a:r>
+              <a:rPr lang="en-US" sz="1400" dirty="0" err="1">
+                <a:latin typeface="Source Code Pro Light" panose="020B0409030403020204" pitchFamily="49" charset="0"/>
+                <a:ea typeface="Source Code Pro Light" panose="020B0409030403020204" pitchFamily="49" charset="0"/>
+              </a:rPr>
+              <a:t>RouterModule</a:t>
+            </a:r>
+            <a:r>
+              <a:rPr lang="en-US" sz="1400" dirty="0">
+                <a:latin typeface="Source Code Pro Light" panose="020B0409030403020204" pitchFamily="49" charset="0"/>
+                <a:ea typeface="Source Code Pro Light" panose="020B0409030403020204" pitchFamily="49" charset="0"/>
+              </a:rPr>
+              <a:t> } from '@angular/router';</a:t>
+            </a:r>
+          </a:p>
+          <a:p>
+            <a:pPr lvl="1"/>
+            <a:r>
+              <a:rPr lang="en-US" sz="1400" dirty="0">
+                <a:latin typeface="Source Code Pro Light" panose="020B0409030403020204" pitchFamily="49" charset="0"/>
+                <a:ea typeface="Source Code Pro Light" panose="020B0409030403020204" pitchFamily="49" charset="0"/>
+              </a:rPr>
+              <a:t>import { Observable } from '</a:t>
+            </a:r>
+            <a:r>
+              <a:rPr lang="en-US" sz="1400" dirty="0" err="1">
+                <a:latin typeface="Source Code Pro Light" panose="020B0409030403020204" pitchFamily="49" charset="0"/>
+                <a:ea typeface="Source Code Pro Light" panose="020B0409030403020204" pitchFamily="49" charset="0"/>
+              </a:rPr>
+              <a:t>rxjs</a:t>
+            </a:r>
+            <a:r>
+              <a:rPr lang="en-US" sz="1400" dirty="0">
+                <a:latin typeface="Source Code Pro Light" panose="020B0409030403020204" pitchFamily="49" charset="0"/>
+                <a:ea typeface="Source Code Pro Light" panose="020B0409030403020204" pitchFamily="49" charset="0"/>
+              </a:rPr>
+              <a:t>/Observable';</a:t>
+            </a:r>
+          </a:p>
+          <a:p>
+            <a:pPr lvl="1"/>
             <a:endParaRPr lang="en-US" dirty="0"/>
           </a:p>
         </p:txBody>
@@ -7811,7 +8066,7 @@
     </p:spTree>
     <p:extLst>
       <p:ext uri="{BB962C8B-B14F-4D97-AF65-F5344CB8AC3E}">
-        <p14:creationId xmlns:p14="http://schemas.microsoft.com/office/powerpoint/2010/main" val="1284583823"/>
+        <p14:creationId xmlns:p14="http://schemas.microsoft.com/office/powerpoint/2010/main" val="2925912801"/>
       </p:ext>
     </p:extLst>
   </p:cSld>
@@ -7843,7 +8098,7 @@
           <p:cNvPr id="4" name="Title 3">
             <a:extLst>
               <a:ext uri="{FF2B5EF4-FFF2-40B4-BE49-F238E27FC236}">
-                <a16:creationId xmlns:a16="http://schemas.microsoft.com/office/drawing/2014/main" id="{999890AD-33FC-4E97-9C1F-83E93FA36614}"/>
+                <a16:creationId xmlns:a16="http://schemas.microsoft.com/office/drawing/2014/main" xmlns="" id="{7F37EE62-6602-46DA-A102-BD35E97358F6}"/>
               </a:ext>
             </a:extLst>
           </p:cNvPr>
@@ -7854,24 +8109,34 @@
             <p:ph type="title"/>
           </p:nvPr>
         </p:nvSpPr>
-        <p:spPr/>
-        <p:txBody>
-          <a:bodyPr/>
-          <a:lstStyle/>
-          <a:p>
-            <a:r>
-              <a:rPr lang="en-US" dirty="0"/>
-              <a:t>Environment Setup</a:t>
-            </a:r>
-          </a:p>
-        </p:txBody>
-      </p:sp>
-      <p:sp>
-        <p:nvSpPr>
-          <p:cNvPr id="5" name="Text Placeholder 4">
+        <p:spPr>
+          <a:xfrm>
+            <a:off x="646111" y="452718"/>
+            <a:ext cx="11180129" cy="1400530"/>
+          </a:xfrm>
+        </p:spPr>
+        <p:txBody>
+          <a:bodyPr/>
+          <a:lstStyle/>
+          <a:p>
+            <a:r>
+              <a:rPr lang="en-US" dirty="0"/>
+              <a:t>Feature Module: &lt;my-feature&gt;.</a:t>
+            </a:r>
+            <a:r>
+              <a:rPr lang="en-US" dirty="0" err="1"/>
+              <a:t>module.ts</a:t>
+            </a:r>
+            <a:endParaRPr lang="en-US" dirty="0"/>
+          </a:p>
+        </p:txBody>
+      </p:sp>
+      <p:sp>
+        <p:nvSpPr>
+          <p:cNvPr id="5" name="Content Placeholder 4">
             <a:extLst>
               <a:ext uri="{FF2B5EF4-FFF2-40B4-BE49-F238E27FC236}">
-                <a16:creationId xmlns:a16="http://schemas.microsoft.com/office/drawing/2014/main" id="{0F430FFA-0992-4903-A2FD-8C7CC4F490CF}"/>
+                <a16:creationId xmlns:a16="http://schemas.microsoft.com/office/drawing/2014/main" xmlns="" id="{B994F59A-6B27-4732-B4FF-C5079685BCDC}"/>
               </a:ext>
             </a:extLst>
           </p:cNvPr>
@@ -7879,25 +8144,102 @@
             <a:spLocks noGrp="1"/>
           </p:cNvSpPr>
           <p:nvPr>
-            <p:ph type="body" idx="1"/>
-          </p:nvPr>
-        </p:nvSpPr>
-        <p:spPr/>
-        <p:txBody>
-          <a:bodyPr/>
-          <a:lstStyle/>
-          <a:p>
-            <a:r>
-              <a:rPr lang="en-US" dirty="0"/>
-              <a:t>Tools and Stuff</a:t>
-            </a:r>
+            <p:ph idx="1"/>
+          </p:nvPr>
+        </p:nvSpPr>
+        <p:spPr/>
+        <p:txBody>
+          <a:bodyPr>
+            <a:normAutofit fontScale="92500" lnSpcReduction="20000"/>
+          </a:bodyPr>
+          <a:lstStyle/>
+          <a:p>
+            <a:r>
+              <a:rPr lang="en-US" dirty="0"/>
+              <a:t>Purpose</a:t>
+            </a:r>
+          </a:p>
+          <a:p>
+            <a:pPr lvl="1"/>
+            <a:r>
+              <a:rPr lang="en-US" dirty="0"/>
+              <a:t>Use to implement a domain feature of the application. The module contains services and owns components with templates</a:t>
+            </a:r>
+            <a:r>
+              <a:rPr lang="en-US" dirty="0" smtClean="0"/>
+              <a:t>.</a:t>
+            </a:r>
+          </a:p>
+          <a:p>
+            <a:pPr lvl="1"/>
+            <a:r>
+              <a:rPr lang="en-US" dirty="0"/>
+              <a:t>A feature module delivers a cohesive set of functionality focused on an application business domain, user workflow, facility (forms, http, routing), or collection of related utilities.</a:t>
+            </a:r>
+            <a:endParaRPr lang="en-US" dirty="0"/>
+          </a:p>
+          <a:p>
+            <a:r>
+              <a:rPr lang="en-US" dirty="0"/>
+              <a:t>Types</a:t>
+            </a:r>
+          </a:p>
+          <a:p>
+            <a:pPr lvl="1"/>
+            <a:r>
+              <a:rPr lang="en-US" dirty="0"/>
+              <a:t>UI (ng front end)</a:t>
+            </a:r>
+          </a:p>
+          <a:p>
+            <a:pPr lvl="2"/>
+            <a:r>
+              <a:rPr lang="en-US" dirty="0"/>
+              <a:t>Components, Directives, Pipes, constants</a:t>
+            </a:r>
+          </a:p>
+          <a:p>
+            <a:pPr lvl="1"/>
+            <a:r>
+              <a:rPr lang="en-US" dirty="0"/>
+              <a:t>Service (ng back end)</a:t>
+            </a:r>
+          </a:p>
+          <a:p>
+            <a:pPr lvl="2"/>
+            <a:r>
+              <a:rPr lang="en-US" dirty="0"/>
+              <a:t>Service (API)</a:t>
+            </a:r>
+          </a:p>
+          <a:p>
+            <a:pPr lvl="2"/>
+            <a:r>
+              <a:rPr lang="en-US" dirty="0"/>
+              <a:t>Business Logic Layer</a:t>
+            </a:r>
+          </a:p>
+          <a:p>
+            <a:pPr lvl="2"/>
+            <a:r>
+              <a:rPr lang="en-US" dirty="0"/>
+              <a:t>Models</a:t>
+            </a:r>
+          </a:p>
+          <a:p>
+            <a:pPr lvl="2"/>
+            <a:r>
+              <a:rPr lang="en-US" dirty="0" err="1"/>
+              <a:t>HttpServices</a:t>
+            </a:r>
+            <a:endParaRPr lang="en-US" dirty="0"/>
           </a:p>
         </p:txBody>
       </p:sp>
     </p:spTree>
     <p:extLst>
       <p:ext uri="{BB962C8B-B14F-4D97-AF65-F5344CB8AC3E}">
-        <p14:creationId xmlns:p14="http://schemas.microsoft.com/office/powerpoint/2010/main" val="2395048335"/>
+        <p14:creationId xmlns:p14="http://schemas.microsoft.com/office/powerpoint/2010/main" val="1284583823"/>
       </p:ext>
     </p:extLst>
   </p:cSld>
@@ -7929,7 +8271,7 @@
           <p:cNvPr id="4" name="Title 3">
             <a:extLst>
               <a:ext uri="{FF2B5EF4-FFF2-40B4-BE49-F238E27FC236}">
-                <a16:creationId xmlns:a16="http://schemas.microsoft.com/office/drawing/2014/main" id="{3E230F53-2D0D-4EFF-8E00-331604A18311}"/>
+                <a16:creationId xmlns:a16="http://schemas.microsoft.com/office/drawing/2014/main" xmlns="" id="{7F37EE62-6602-46DA-A102-BD35E97358F6}"/>
               </a:ext>
             </a:extLst>
           </p:cNvPr>
@@ -7940,15 +8282,21 @@
             <p:ph type="title"/>
           </p:nvPr>
         </p:nvSpPr>
-        <p:spPr/>
-        <p:txBody>
-          <a:bodyPr/>
-          <a:lstStyle/>
-          <a:p>
-            <a:r>
-              <a:rPr lang="en-US" dirty="0"/>
-              <a:t>npm and node.js</a:t>
-            </a:r>
+        <p:spPr>
+          <a:xfrm>
+            <a:off x="646111" y="452718"/>
+            <a:ext cx="11180129" cy="1400530"/>
+          </a:xfrm>
+        </p:spPr>
+        <p:txBody>
+          <a:bodyPr/>
+          <a:lstStyle/>
+          <a:p>
+            <a:r>
+              <a:rPr lang="en-US" dirty="0" smtClean="0"/>
+              <a:t>Different Modules for Different Purposes</a:t>
+            </a:r>
+            <a:endParaRPr lang="en-US" dirty="0"/>
           </a:p>
         </p:txBody>
       </p:sp>
@@ -7957,7 +8305,7 @@
           <p:cNvPr id="5" name="Content Placeholder 4">
             <a:extLst>
               <a:ext uri="{FF2B5EF4-FFF2-40B4-BE49-F238E27FC236}">
-                <a16:creationId xmlns:a16="http://schemas.microsoft.com/office/drawing/2014/main" id="{3EFFD75C-7858-4AEC-803B-D29EFE7AA938}"/>
+                <a16:creationId xmlns:a16="http://schemas.microsoft.com/office/drawing/2014/main" xmlns="" id="{B994F59A-6B27-4732-B4FF-C5079685BCDC}"/>
               </a:ext>
             </a:extLst>
           </p:cNvPr>
@@ -7970,32 +8318,141 @@
         </p:nvSpPr>
         <p:spPr/>
         <p:txBody>
-          <a:bodyPr/>
-          <a:lstStyle/>
-          <a:p>
-            <a:r>
-              <a:rPr lang="en-US" dirty="0"/>
-              <a:t>Where to get it? </a:t>
-            </a:r>
-          </a:p>
-          <a:p>
-            <a:r>
-              <a:rPr lang="en-US" dirty="0"/>
-              <a:t>Version</a:t>
-            </a:r>
-          </a:p>
-          <a:p>
-            <a:r>
-              <a:rPr lang="en-US" dirty="0"/>
-              <a:t>Resources</a:t>
-            </a:r>
+          <a:bodyPr>
+            <a:normAutofit/>
+          </a:bodyPr>
+          <a:lstStyle/>
+          <a:p>
+            <a:r>
+              <a:rPr lang="en-US" dirty="0" smtClean="0">
+                <a:solidFill>
+                  <a:schemeClr val="accent3">
+                    <a:lumMod val="60000"/>
+                    <a:lumOff val="40000"/>
+                  </a:schemeClr>
+                </a:solidFill>
+              </a:rPr>
+              <a:t>Domain specific</a:t>
+            </a:r>
+            <a:r>
+              <a:rPr lang="en-US" dirty="0" smtClean="0"/>
+              <a:t> providing services, workflow or utilities for the specified application.</a:t>
+            </a:r>
+          </a:p>
+          <a:p>
+            <a:r>
+              <a:rPr lang="en-US" dirty="0">
+                <a:solidFill>
+                  <a:schemeClr val="accent3">
+                    <a:lumMod val="60000"/>
+                    <a:lumOff val="40000"/>
+                  </a:schemeClr>
+                </a:solidFill>
+              </a:rPr>
+              <a:t>Common</a:t>
+            </a:r>
+            <a:r>
+              <a:rPr lang="en-US" dirty="0">
+                <a:solidFill>
+                  <a:schemeClr val="accent3">
+                    <a:lumMod val="60000"/>
+                    <a:lumOff val="40000"/>
+                  </a:schemeClr>
+                </a:solidFill>
+              </a:rPr>
+              <a:t> services</a:t>
+            </a:r>
+            <a:r>
+              <a:rPr lang="en-US" dirty="0" smtClean="0"/>
+              <a:t> like logging or http.</a:t>
+            </a:r>
+          </a:p>
+          <a:p>
+            <a:r>
+              <a:rPr lang="en-US" dirty="0">
+                <a:solidFill>
+                  <a:schemeClr val="accent3">
+                    <a:lumMod val="60000"/>
+                    <a:lumOff val="40000"/>
+                  </a:schemeClr>
+                </a:solidFill>
+              </a:rPr>
+              <a:t>Frameworks</a:t>
+            </a:r>
+            <a:r>
+              <a:rPr lang="en-US" dirty="0" smtClean="0"/>
+              <a:t> for processing business and validation rules; business actions. </a:t>
+            </a:r>
+          </a:p>
+          <a:p>
+            <a:r>
+              <a:rPr lang="en-US" dirty="0">
+                <a:solidFill>
+                  <a:schemeClr val="accent3">
+                    <a:lumMod val="60000"/>
+                    <a:lumOff val="40000"/>
+                  </a:schemeClr>
+                </a:solidFill>
+              </a:rPr>
+              <a:t>Common components</a:t>
+            </a:r>
+            <a:r>
+              <a:rPr lang="en-US" i="1" dirty="0"/>
+              <a:t> </a:t>
+            </a:r>
+            <a:r>
+              <a:rPr lang="en-US" dirty="0" smtClean="0"/>
+              <a:t>(</a:t>
+            </a:r>
+            <a:r>
+              <a:rPr lang="en-US" dirty="0" smtClean="0"/>
+              <a:t>Alerts, </a:t>
+            </a:r>
+            <a:r>
+              <a:rPr lang="en-US" dirty="0" smtClean="0"/>
+              <a:t>Modals, etc.) used by many applications.</a:t>
+            </a:r>
+          </a:p>
+          <a:p>
+            <a:r>
+              <a:rPr lang="en-US" dirty="0">
+                <a:solidFill>
+                  <a:schemeClr val="accent3">
+                    <a:lumMod val="60000"/>
+                    <a:lumOff val="40000"/>
+                  </a:schemeClr>
+                </a:solidFill>
+              </a:rPr>
+              <a:t>Infrastructure</a:t>
+            </a:r>
+            <a:r>
+              <a:rPr lang="en-US" dirty="0">
+                <a:solidFill>
+                  <a:schemeClr val="accent3">
+                    <a:lumMod val="60000"/>
+                    <a:lumOff val="40000"/>
+                  </a:schemeClr>
+                </a:solidFill>
+              </a:rPr>
+              <a:t> concerns </a:t>
+            </a:r>
+            <a:r>
+              <a:rPr lang="en-US" dirty="0" smtClean="0"/>
+              <a:t>– base classes for components, services, business actions, and HTTP services.</a:t>
+            </a:r>
+          </a:p>
+          <a:p>
+            <a:endParaRPr lang="en-US" dirty="0" smtClean="0"/>
+          </a:p>
+          <a:p>
+            <a:endParaRPr lang="en-US" dirty="0" smtClean="0"/>
           </a:p>
         </p:txBody>
       </p:sp>
     </p:spTree>
     <p:extLst>
       <p:ext uri="{BB962C8B-B14F-4D97-AF65-F5344CB8AC3E}">
-        <p14:creationId xmlns:p14="http://schemas.microsoft.com/office/powerpoint/2010/main" val="1389282683"/>
+        <p14:creationId xmlns:p14="http://schemas.microsoft.com/office/powerpoint/2010/main" val="726668776"/>
       </p:ext>
     </p:extLst>
   </p:cSld>
@@ -8027,7 +8484,7 @@
           <p:cNvPr id="4" name="Title 3">
             <a:extLst>
               <a:ext uri="{FF2B5EF4-FFF2-40B4-BE49-F238E27FC236}">
-                <a16:creationId xmlns:a16="http://schemas.microsoft.com/office/drawing/2014/main" id="{3E230F53-2D0D-4EFF-8E00-331604A18311}"/>
+                <a16:creationId xmlns:a16="http://schemas.microsoft.com/office/drawing/2014/main" xmlns="" id="{7F37EE62-6602-46DA-A102-BD35E97358F6}"/>
               </a:ext>
             </a:extLst>
           </p:cNvPr>
@@ -8038,15 +8495,21 @@
             <p:ph type="title"/>
           </p:nvPr>
         </p:nvSpPr>
-        <p:spPr/>
-        <p:txBody>
-          <a:bodyPr/>
-          <a:lstStyle/>
-          <a:p>
-            <a:r>
-              <a:rPr lang="en-US" dirty="0"/>
-              <a:t>Typescript</a:t>
-            </a:r>
+        <p:spPr>
+          <a:xfrm>
+            <a:off x="646111" y="452718"/>
+            <a:ext cx="11180129" cy="1400530"/>
+          </a:xfrm>
+        </p:spPr>
+        <p:txBody>
+          <a:bodyPr/>
+          <a:lstStyle/>
+          <a:p>
+            <a:r>
+              <a:rPr lang="en-US" dirty="0" smtClean="0"/>
+              <a:t>Module Purpose Drives the Design</a:t>
+            </a:r>
+            <a:endParaRPr lang="en-US" dirty="0"/>
           </a:p>
         </p:txBody>
       </p:sp>
@@ -8055,7 +8518,7 @@
           <p:cNvPr id="5" name="Content Placeholder 4">
             <a:extLst>
               <a:ext uri="{FF2B5EF4-FFF2-40B4-BE49-F238E27FC236}">
-                <a16:creationId xmlns:a16="http://schemas.microsoft.com/office/drawing/2014/main" id="{3EFFD75C-7858-4AEC-803B-D29EFE7AA938}"/>
+                <a16:creationId xmlns:a16="http://schemas.microsoft.com/office/drawing/2014/main" xmlns="" id="{B994F59A-6B27-4732-B4FF-C5079685BCDC}"/>
               </a:ext>
             </a:extLst>
           </p:cNvPr>
@@ -8068,32 +8531,48 @@
         </p:nvSpPr>
         <p:spPr/>
         <p:txBody>
-          <a:bodyPr/>
-          <a:lstStyle/>
-          <a:p>
-            <a:r>
-              <a:rPr lang="en-US" dirty="0"/>
-              <a:t>Where to get it? </a:t>
-            </a:r>
-          </a:p>
-          <a:p>
-            <a:r>
-              <a:rPr lang="en-US" dirty="0"/>
-              <a:t>Version</a:t>
-            </a:r>
-          </a:p>
-          <a:p>
-            <a:r>
-              <a:rPr lang="en-US" dirty="0"/>
-              <a:t>Resources</a:t>
-            </a:r>
+          <a:bodyPr>
+            <a:normAutofit/>
+          </a:bodyPr>
+          <a:lstStyle/>
+          <a:p>
+            <a:r>
+              <a:rPr lang="en-US" dirty="0" smtClean="0"/>
+              <a:t>Understanding the module purpose will drive the design and implementation of the module.</a:t>
+            </a:r>
+          </a:p>
+          <a:p>
+            <a:pPr lvl="1"/>
+            <a:r>
+              <a:rPr lang="en-US" dirty="0" smtClean="0"/>
+              <a:t>Requires thought and analysis.</a:t>
+            </a:r>
+          </a:p>
+          <a:p>
+            <a:r>
+              <a:rPr lang="en-US" dirty="0" smtClean="0"/>
+              <a:t>Helps determine how a module is organized.</a:t>
+            </a:r>
+          </a:p>
+          <a:p>
+            <a:r>
+              <a:rPr lang="en-US" dirty="0" smtClean="0"/>
+              <a:t>Helps determine the contents of the module.</a:t>
+            </a:r>
+            <a:endParaRPr lang="en-US" dirty="0" smtClean="0"/>
+          </a:p>
+          <a:p>
+            <a:endParaRPr lang="en-US" dirty="0" smtClean="0"/>
+          </a:p>
+          <a:p>
+            <a:endParaRPr lang="en-US" dirty="0" smtClean="0"/>
           </a:p>
         </p:txBody>
       </p:sp>
     </p:spTree>
     <p:extLst>
       <p:ext uri="{BB962C8B-B14F-4D97-AF65-F5344CB8AC3E}">
-        <p14:creationId xmlns:p14="http://schemas.microsoft.com/office/powerpoint/2010/main" val="1555115885"/>
+        <p14:creationId xmlns:p14="http://schemas.microsoft.com/office/powerpoint/2010/main" val="847409475"/>
       </p:ext>
     </p:extLst>
   </p:cSld>
@@ -8125,7 +8604,7 @@
           <p:cNvPr id="4" name="Title 3">
             <a:extLst>
               <a:ext uri="{FF2B5EF4-FFF2-40B4-BE49-F238E27FC236}">
-                <a16:creationId xmlns:a16="http://schemas.microsoft.com/office/drawing/2014/main" id="{3E230F53-2D0D-4EFF-8E00-331604A18311}"/>
+                <a16:creationId xmlns:a16="http://schemas.microsoft.com/office/drawing/2014/main" xmlns="" id="{999890AD-33FC-4E97-9C1F-83E93FA36614}"/>
               </a:ext>
             </a:extLst>
           </p:cNvPr>
@@ -8143,17 +8622,17 @@
           <a:p>
             <a:r>
               <a:rPr lang="en-US" dirty="0"/>
-              <a:t>Angular</a:t>
-            </a:r>
-          </a:p>
-        </p:txBody>
-      </p:sp>
-      <p:sp>
-        <p:nvSpPr>
-          <p:cNvPr id="5" name="Content Placeholder 4">
+              <a:t>Environment Setup</a:t>
+            </a:r>
+          </a:p>
+        </p:txBody>
+      </p:sp>
+      <p:sp>
+        <p:nvSpPr>
+          <p:cNvPr id="5" name="Text Placeholder 4">
             <a:extLst>
               <a:ext uri="{FF2B5EF4-FFF2-40B4-BE49-F238E27FC236}">
-                <a16:creationId xmlns:a16="http://schemas.microsoft.com/office/drawing/2014/main" id="{3EFFD75C-7858-4AEC-803B-D29EFE7AA938}"/>
+                <a16:creationId xmlns:a16="http://schemas.microsoft.com/office/drawing/2014/main" xmlns="" id="{0F430FFA-0992-4903-A2FD-8C7CC4F490CF}"/>
               </a:ext>
             </a:extLst>
           </p:cNvPr>
@@ -8161,29 +8640,17 @@
             <a:spLocks noGrp="1"/>
           </p:cNvSpPr>
           <p:nvPr>
-            <p:ph idx="1"/>
-          </p:nvPr>
-        </p:nvSpPr>
-        <p:spPr/>
-        <p:txBody>
-          <a:bodyPr/>
-          <a:lstStyle/>
-          <a:p>
-            <a:r>
-              <a:rPr lang="en-US" dirty="0"/>
-              <a:t>Where to get it? </a:t>
-            </a:r>
-          </a:p>
-          <a:p>
-            <a:r>
-              <a:rPr lang="en-US" dirty="0"/>
-              <a:t>Version</a:t>
-            </a:r>
-          </a:p>
-          <a:p>
-            <a:r>
-              <a:rPr lang="en-US" dirty="0"/>
-              <a:t>Resources</a:t>
+            <p:ph type="body" idx="1"/>
+          </p:nvPr>
+        </p:nvSpPr>
+        <p:spPr/>
+        <p:txBody>
+          <a:bodyPr/>
+          <a:lstStyle/>
+          <a:p>
+            <a:r>
+              <a:rPr lang="en-US" dirty="0"/>
+              <a:t>Tools and Stuff</a:t>
             </a:r>
           </a:p>
         </p:txBody>
@@ -8191,7 +8658,7 @@
     </p:spTree>
     <p:extLst>
       <p:ext uri="{BB962C8B-B14F-4D97-AF65-F5344CB8AC3E}">
-        <p14:creationId xmlns:p14="http://schemas.microsoft.com/office/powerpoint/2010/main" val="1679910760"/>
+        <p14:creationId xmlns:p14="http://schemas.microsoft.com/office/powerpoint/2010/main" val="2395048335"/>
       </p:ext>
     </p:extLst>
   </p:cSld>
@@ -8223,7 +8690,7 @@
           <p:cNvPr id="4" name="Title 3">
             <a:extLst>
               <a:ext uri="{FF2B5EF4-FFF2-40B4-BE49-F238E27FC236}">
-                <a16:creationId xmlns:a16="http://schemas.microsoft.com/office/drawing/2014/main" id="{3E230F53-2D0D-4EFF-8E00-331604A18311}"/>
+                <a16:creationId xmlns:a16="http://schemas.microsoft.com/office/drawing/2014/main" xmlns="" id="{3E230F53-2D0D-4EFF-8E00-331604A18311}"/>
               </a:ext>
             </a:extLst>
           </p:cNvPr>
@@ -8241,7 +8708,7 @@
           <a:p>
             <a:r>
               <a:rPr lang="en-US" dirty="0"/>
-              <a:t>Angular CLI</a:t>
+              <a:t>npm and node.js</a:t>
             </a:r>
           </a:p>
         </p:txBody>
@@ -8251,7 +8718,7 @@
           <p:cNvPr id="5" name="Content Placeholder 4">
             <a:extLst>
               <a:ext uri="{FF2B5EF4-FFF2-40B4-BE49-F238E27FC236}">
-                <a16:creationId xmlns:a16="http://schemas.microsoft.com/office/drawing/2014/main" id="{3EFFD75C-7858-4AEC-803B-D29EFE7AA938}"/>
+                <a16:creationId xmlns:a16="http://schemas.microsoft.com/office/drawing/2014/main" xmlns="" id="{3EFFD75C-7858-4AEC-803B-D29EFE7AA938}"/>
               </a:ext>
             </a:extLst>
           </p:cNvPr>
@@ -8289,7 +8756,7 @@
     </p:spTree>
     <p:extLst>
       <p:ext uri="{BB962C8B-B14F-4D97-AF65-F5344CB8AC3E}">
-        <p14:creationId xmlns:p14="http://schemas.microsoft.com/office/powerpoint/2010/main" val="571711537"/>
+        <p14:creationId xmlns:p14="http://schemas.microsoft.com/office/powerpoint/2010/main" val="1389282683"/>
       </p:ext>
     </p:extLst>
   </p:cSld>
@@ -8321,7 +8788,7 @@
           <p:cNvPr id="4" name="Title 3">
             <a:extLst>
               <a:ext uri="{FF2B5EF4-FFF2-40B4-BE49-F238E27FC236}">
-                <a16:creationId xmlns:a16="http://schemas.microsoft.com/office/drawing/2014/main" id="{999890AD-33FC-4E97-9C1F-83E93FA36614}"/>
+                <a16:creationId xmlns:a16="http://schemas.microsoft.com/office/drawing/2014/main" xmlns="" id="{3E230F53-2D0D-4EFF-8E00-331604A18311}"/>
               </a:ext>
             </a:extLst>
           </p:cNvPr>
@@ -8339,17 +8806,17 @@
           <a:p>
             <a:r>
               <a:rPr lang="en-US" dirty="0"/>
-              <a:t>Technical Implementation</a:t>
-            </a:r>
-          </a:p>
-        </p:txBody>
-      </p:sp>
-      <p:sp>
-        <p:nvSpPr>
-          <p:cNvPr id="5" name="Text Placeholder 4">
+              <a:t>Typescript</a:t>
+            </a:r>
+          </a:p>
+        </p:txBody>
+      </p:sp>
+      <p:sp>
+        <p:nvSpPr>
+          <p:cNvPr id="5" name="Content Placeholder 4">
             <a:extLst>
               <a:ext uri="{FF2B5EF4-FFF2-40B4-BE49-F238E27FC236}">
-                <a16:creationId xmlns:a16="http://schemas.microsoft.com/office/drawing/2014/main" id="{0F430FFA-0992-4903-A2FD-8C7CC4F490CF}"/>
+                <a16:creationId xmlns:a16="http://schemas.microsoft.com/office/drawing/2014/main" xmlns="" id="{3EFFD75C-7858-4AEC-803B-D29EFE7AA938}"/>
               </a:ext>
             </a:extLst>
           </p:cNvPr>
@@ -8357,17 +8824,29 @@
             <a:spLocks noGrp="1"/>
           </p:cNvSpPr>
           <p:nvPr>
-            <p:ph type="body" idx="1"/>
-          </p:nvPr>
-        </p:nvSpPr>
-        <p:spPr/>
-        <p:txBody>
-          <a:bodyPr/>
-          <a:lstStyle/>
-          <a:p>
-            <a:r>
-              <a:rPr lang="en-US" dirty="0"/>
-              <a:t>Setup &amp; Configuration</a:t>
+            <p:ph idx="1"/>
+          </p:nvPr>
+        </p:nvSpPr>
+        <p:spPr/>
+        <p:txBody>
+          <a:bodyPr/>
+          <a:lstStyle/>
+          <a:p>
+            <a:r>
+              <a:rPr lang="en-US" dirty="0"/>
+              <a:t>Where to get it? </a:t>
+            </a:r>
+          </a:p>
+          <a:p>
+            <a:r>
+              <a:rPr lang="en-US" dirty="0"/>
+              <a:t>Version</a:t>
+            </a:r>
+          </a:p>
+          <a:p>
+            <a:r>
+              <a:rPr lang="en-US" dirty="0"/>
+              <a:t>Resources</a:t>
             </a:r>
           </a:p>
         </p:txBody>
@@ -8375,7 +8854,7 @@
     </p:spTree>
     <p:extLst>
       <p:ext uri="{BB962C8B-B14F-4D97-AF65-F5344CB8AC3E}">
-        <p14:creationId xmlns:p14="http://schemas.microsoft.com/office/powerpoint/2010/main" val="3755858668"/>
+        <p14:creationId xmlns:p14="http://schemas.microsoft.com/office/powerpoint/2010/main" val="1555115885"/>
       </p:ext>
     </p:extLst>
   </p:cSld>
@@ -8407,7 +8886,7 @@
           <p:cNvPr id="4" name="Title 3">
             <a:extLst>
               <a:ext uri="{FF2B5EF4-FFF2-40B4-BE49-F238E27FC236}">
-                <a16:creationId xmlns:a16="http://schemas.microsoft.com/office/drawing/2014/main" id="{66F5644F-14CD-4425-A5B2-6EE30E0262C1}"/>
+                <a16:creationId xmlns:a16="http://schemas.microsoft.com/office/drawing/2014/main" xmlns="" id="{3E230F53-2D0D-4EFF-8E00-331604A18311}"/>
               </a:ext>
             </a:extLst>
           </p:cNvPr>
@@ -8424,10 +8903,9 @@
           <a:lstStyle/>
           <a:p>
             <a:r>
-              <a:rPr lang="en-US" dirty="0" err="1"/>
-              <a:t>package.json</a:t>
-            </a:r>
-            <a:endParaRPr lang="en-US" dirty="0"/>
+              <a:rPr lang="en-US" dirty="0"/>
+              <a:t>Angular</a:t>
+            </a:r>
           </a:p>
         </p:txBody>
       </p:sp>
@@ -8436,7 +8914,7 @@
           <p:cNvPr id="5" name="Content Placeholder 4">
             <a:extLst>
               <a:ext uri="{FF2B5EF4-FFF2-40B4-BE49-F238E27FC236}">
-                <a16:creationId xmlns:a16="http://schemas.microsoft.com/office/drawing/2014/main" id="{6A78D9AA-632B-4F96-AD54-89956BA9B46C}"/>
+                <a16:creationId xmlns:a16="http://schemas.microsoft.com/office/drawing/2014/main" xmlns="" id="{3EFFD75C-7858-4AEC-803B-D29EFE7AA938}"/>
               </a:ext>
             </a:extLst>
           </p:cNvPr>
@@ -8452,14 +8930,29 @@
           <a:bodyPr/>
           <a:lstStyle/>
           <a:p>
-            <a:endParaRPr lang="en-US" dirty="0"/>
+            <a:r>
+              <a:rPr lang="en-US" dirty="0"/>
+              <a:t>Where to get it? </a:t>
+            </a:r>
+          </a:p>
+          <a:p>
+            <a:r>
+              <a:rPr lang="en-US" dirty="0"/>
+              <a:t>Version</a:t>
+            </a:r>
+          </a:p>
+          <a:p>
+            <a:r>
+              <a:rPr lang="en-US" dirty="0"/>
+              <a:t>Resources</a:t>
+            </a:r>
           </a:p>
         </p:txBody>
       </p:sp>
     </p:spTree>
     <p:extLst>
       <p:ext uri="{BB962C8B-B14F-4D97-AF65-F5344CB8AC3E}">
-        <p14:creationId xmlns:p14="http://schemas.microsoft.com/office/powerpoint/2010/main" val="192369922"/>
+        <p14:creationId xmlns:p14="http://schemas.microsoft.com/office/powerpoint/2010/main" val="1679910760"/>
       </p:ext>
     </p:extLst>
   </p:cSld>
@@ -8491,7 +8984,7 @@
           <p:cNvPr id="4" name="Title 3">
             <a:extLst>
               <a:ext uri="{FF2B5EF4-FFF2-40B4-BE49-F238E27FC236}">
-                <a16:creationId xmlns:a16="http://schemas.microsoft.com/office/drawing/2014/main" id="{66F5644F-14CD-4425-A5B2-6EE30E0262C1}"/>
+                <a16:creationId xmlns:a16="http://schemas.microsoft.com/office/drawing/2014/main" xmlns="" id="{3E230F53-2D0D-4EFF-8E00-331604A18311}"/>
               </a:ext>
             </a:extLst>
           </p:cNvPr>
@@ -8508,10 +9001,9 @@
           <a:lstStyle/>
           <a:p>
             <a:r>
-              <a:rPr lang="en-US" dirty="0" err="1"/>
-              <a:t>tsconfig.json</a:t>
-            </a:r>
-            <a:endParaRPr lang="en-US" dirty="0"/>
+              <a:rPr lang="en-US" dirty="0"/>
+              <a:t>Angular CLI</a:t>
+            </a:r>
           </a:p>
         </p:txBody>
       </p:sp>
@@ -8520,7 +9012,7 @@
           <p:cNvPr id="5" name="Content Placeholder 4">
             <a:extLst>
               <a:ext uri="{FF2B5EF4-FFF2-40B4-BE49-F238E27FC236}">
-                <a16:creationId xmlns:a16="http://schemas.microsoft.com/office/drawing/2014/main" id="{6A78D9AA-632B-4F96-AD54-89956BA9B46C}"/>
+                <a16:creationId xmlns:a16="http://schemas.microsoft.com/office/drawing/2014/main" xmlns="" id="{3EFFD75C-7858-4AEC-803B-D29EFE7AA938}"/>
               </a:ext>
             </a:extLst>
           </p:cNvPr>
@@ -8536,14 +9028,29 @@
           <a:bodyPr/>
           <a:lstStyle/>
           <a:p>
-            <a:endParaRPr lang="en-US" dirty="0"/>
+            <a:r>
+              <a:rPr lang="en-US" dirty="0"/>
+              <a:t>Where to get it? </a:t>
+            </a:r>
+          </a:p>
+          <a:p>
+            <a:r>
+              <a:rPr lang="en-US" dirty="0"/>
+              <a:t>Version</a:t>
+            </a:r>
+          </a:p>
+          <a:p>
+            <a:r>
+              <a:rPr lang="en-US" dirty="0"/>
+              <a:t>Resources</a:t>
+            </a:r>
           </a:p>
         </p:txBody>
       </p:sp>
     </p:spTree>
     <p:extLst>
       <p:ext uri="{BB962C8B-B14F-4D97-AF65-F5344CB8AC3E}">
-        <p14:creationId xmlns:p14="http://schemas.microsoft.com/office/powerpoint/2010/main" val="2971826894"/>
+        <p14:creationId xmlns:p14="http://schemas.microsoft.com/office/powerpoint/2010/main" val="571711537"/>
       </p:ext>
     </p:extLst>
   </p:cSld>
@@ -8575,7 +9082,7 @@
           <p:cNvPr id="4" name="Title 3">
             <a:extLst>
               <a:ext uri="{FF2B5EF4-FFF2-40B4-BE49-F238E27FC236}">
-                <a16:creationId xmlns:a16="http://schemas.microsoft.com/office/drawing/2014/main" id="{66F5644F-14CD-4425-A5B2-6EE30E0262C1}"/>
+                <a16:creationId xmlns:a16="http://schemas.microsoft.com/office/drawing/2014/main" xmlns="" id="{999890AD-33FC-4E97-9C1F-83E93FA36614}"/>
               </a:ext>
             </a:extLst>
           </p:cNvPr>
@@ -8593,22 +9100,17 @@
           <a:p>
             <a:r>
               <a:rPr lang="en-US" dirty="0"/>
-              <a:t>angular-</a:t>
-            </a:r>
-            <a:r>
-              <a:rPr lang="en-US" dirty="0" err="1"/>
-              <a:t>cli.json</a:t>
-            </a:r>
-            <a:endParaRPr lang="en-US" dirty="0"/>
-          </a:p>
-        </p:txBody>
-      </p:sp>
-      <p:sp>
-        <p:nvSpPr>
-          <p:cNvPr id="5" name="Content Placeholder 4">
+              <a:t>Technical Implementation</a:t>
+            </a:r>
+          </a:p>
+        </p:txBody>
+      </p:sp>
+      <p:sp>
+        <p:nvSpPr>
+          <p:cNvPr id="5" name="Text Placeholder 4">
             <a:extLst>
               <a:ext uri="{FF2B5EF4-FFF2-40B4-BE49-F238E27FC236}">
-                <a16:creationId xmlns:a16="http://schemas.microsoft.com/office/drawing/2014/main" id="{6A78D9AA-632B-4F96-AD54-89956BA9B46C}"/>
+                <a16:creationId xmlns:a16="http://schemas.microsoft.com/office/drawing/2014/main" xmlns="" id="{0F430FFA-0992-4903-A2FD-8C7CC4F490CF}"/>
               </a:ext>
             </a:extLst>
           </p:cNvPr>
@@ -8616,22 +9118,25 @@
             <a:spLocks noGrp="1"/>
           </p:cNvSpPr>
           <p:nvPr>
-            <p:ph idx="1"/>
-          </p:nvPr>
-        </p:nvSpPr>
-        <p:spPr/>
-        <p:txBody>
-          <a:bodyPr/>
-          <a:lstStyle/>
-          <a:p>
-            <a:endParaRPr lang="en-US" dirty="0"/>
+            <p:ph type="body" idx="1"/>
+          </p:nvPr>
+        </p:nvSpPr>
+        <p:spPr/>
+        <p:txBody>
+          <a:bodyPr/>
+          <a:lstStyle/>
+          <a:p>
+            <a:r>
+              <a:rPr lang="en-US" dirty="0"/>
+              <a:t>Setup &amp; Configuration</a:t>
+            </a:r>
           </a:p>
         </p:txBody>
       </p:sp>
     </p:spTree>
     <p:extLst>
       <p:ext uri="{BB962C8B-B14F-4D97-AF65-F5344CB8AC3E}">
-        <p14:creationId xmlns:p14="http://schemas.microsoft.com/office/powerpoint/2010/main" val="529284538"/>
+        <p14:creationId xmlns:p14="http://schemas.microsoft.com/office/powerpoint/2010/main" val="3755858668"/>
       </p:ext>
     </p:extLst>
   </p:cSld>
@@ -8663,7 +9168,7 @@
           <p:cNvPr id="2" name="Title 1">
             <a:extLst>
               <a:ext uri="{FF2B5EF4-FFF2-40B4-BE49-F238E27FC236}">
-                <a16:creationId xmlns:a16="http://schemas.microsoft.com/office/drawing/2014/main" id="{C01E7584-6162-4CF3-91C8-8324E2B7F32A}"/>
+                <a16:creationId xmlns:a16="http://schemas.microsoft.com/office/drawing/2014/main" xmlns="" id="{C01E7584-6162-4CF3-91C8-8324E2B7F32A}"/>
               </a:ext>
             </a:extLst>
           </p:cNvPr>
@@ -8691,7 +9196,7 @@
           <p:cNvPr id="3" name="Text Placeholder 2">
             <a:extLst>
               <a:ext uri="{FF2B5EF4-FFF2-40B4-BE49-F238E27FC236}">
-                <a16:creationId xmlns:a16="http://schemas.microsoft.com/office/drawing/2014/main" id="{B191F7E8-FCE9-4FEE-9350-83E92CCE9081}"/>
+                <a16:creationId xmlns:a16="http://schemas.microsoft.com/office/drawing/2014/main" xmlns="" id="{B191F7E8-FCE9-4FEE-9350-83E92CCE9081}"/>
               </a:ext>
             </a:extLst>
           </p:cNvPr>
@@ -8746,7 +9251,7 @@
           <p:cNvPr id="4" name="Title 3">
             <a:extLst>
               <a:ext uri="{FF2B5EF4-FFF2-40B4-BE49-F238E27FC236}">
-                <a16:creationId xmlns:a16="http://schemas.microsoft.com/office/drawing/2014/main" id="{66F5644F-14CD-4425-A5B2-6EE30E0262C1}"/>
+                <a16:creationId xmlns:a16="http://schemas.microsoft.com/office/drawing/2014/main" xmlns="" id="{66F5644F-14CD-4425-A5B2-6EE30E0262C1}"/>
               </a:ext>
             </a:extLst>
           </p:cNvPr>
@@ -8763,9 +9268,10 @@
           <a:lstStyle/>
           <a:p>
             <a:r>
-              <a:rPr lang="en-US" dirty="0"/>
-              <a:t>rollup.config.js</a:t>
-            </a:r>
+              <a:rPr lang="en-US" dirty="0" err="1"/>
+              <a:t>package.json</a:t>
+            </a:r>
+            <a:endParaRPr lang="en-US" dirty="0"/>
           </a:p>
         </p:txBody>
       </p:sp>
@@ -8774,7 +9280,7 @@
           <p:cNvPr id="5" name="Content Placeholder 4">
             <a:extLst>
               <a:ext uri="{FF2B5EF4-FFF2-40B4-BE49-F238E27FC236}">
-                <a16:creationId xmlns:a16="http://schemas.microsoft.com/office/drawing/2014/main" id="{6A78D9AA-632B-4F96-AD54-89956BA9B46C}"/>
+                <a16:creationId xmlns:a16="http://schemas.microsoft.com/office/drawing/2014/main" xmlns="" id="{6A78D9AA-632B-4F96-AD54-89956BA9B46C}"/>
               </a:ext>
             </a:extLst>
           </p:cNvPr>
@@ -8797,7 +9303,7 @@
     </p:spTree>
     <p:extLst>
       <p:ext uri="{BB962C8B-B14F-4D97-AF65-F5344CB8AC3E}">
-        <p14:creationId xmlns:p14="http://schemas.microsoft.com/office/powerpoint/2010/main" val="2269243202"/>
+        <p14:creationId xmlns:p14="http://schemas.microsoft.com/office/powerpoint/2010/main" val="192369922"/>
       </p:ext>
     </p:extLst>
   </p:cSld>
@@ -8829,7 +9335,7 @@
           <p:cNvPr id="4" name="Title 3">
             <a:extLst>
               <a:ext uri="{FF2B5EF4-FFF2-40B4-BE49-F238E27FC236}">
-                <a16:creationId xmlns:a16="http://schemas.microsoft.com/office/drawing/2014/main" id="{66F5644F-14CD-4425-A5B2-6EE30E0262C1}"/>
+                <a16:creationId xmlns:a16="http://schemas.microsoft.com/office/drawing/2014/main" xmlns="" id="{66F5644F-14CD-4425-A5B2-6EE30E0262C1}"/>
               </a:ext>
             </a:extLst>
           </p:cNvPr>
@@ -8846,12 +9352,8 @@
           <a:lstStyle/>
           <a:p>
             <a:r>
-              <a:rPr lang="en-US" dirty="0"/>
-              <a:t>package-</a:t>
-            </a:r>
-            <a:r>
               <a:rPr lang="en-US" dirty="0" err="1"/>
-              <a:t>dist.json</a:t>
+              <a:t>tsconfig.json</a:t>
             </a:r>
             <a:endParaRPr lang="en-US" dirty="0"/>
           </a:p>
@@ -8862,7 +9364,7 @@
           <p:cNvPr id="5" name="Content Placeholder 4">
             <a:extLst>
               <a:ext uri="{FF2B5EF4-FFF2-40B4-BE49-F238E27FC236}">
-                <a16:creationId xmlns:a16="http://schemas.microsoft.com/office/drawing/2014/main" id="{6A78D9AA-632B-4F96-AD54-89956BA9B46C}"/>
+                <a16:creationId xmlns:a16="http://schemas.microsoft.com/office/drawing/2014/main" xmlns="" id="{6A78D9AA-632B-4F96-AD54-89956BA9B46C}"/>
               </a:ext>
             </a:extLst>
           </p:cNvPr>
@@ -8885,7 +9387,7 @@
     </p:spTree>
     <p:extLst>
       <p:ext uri="{BB962C8B-B14F-4D97-AF65-F5344CB8AC3E}">
-        <p14:creationId xmlns:p14="http://schemas.microsoft.com/office/powerpoint/2010/main" val="3657629126"/>
+        <p14:creationId xmlns:p14="http://schemas.microsoft.com/office/powerpoint/2010/main" val="2971826894"/>
       </p:ext>
     </p:extLst>
   </p:cSld>
@@ -8917,7 +9419,7 @@
           <p:cNvPr id="4" name="Title 3">
             <a:extLst>
               <a:ext uri="{FF2B5EF4-FFF2-40B4-BE49-F238E27FC236}">
-                <a16:creationId xmlns:a16="http://schemas.microsoft.com/office/drawing/2014/main" id="{66F5644F-14CD-4425-A5B2-6EE30E0262C1}"/>
+                <a16:creationId xmlns:a16="http://schemas.microsoft.com/office/drawing/2014/main" xmlns="" id="{66F5644F-14CD-4425-A5B2-6EE30E0262C1}"/>
               </a:ext>
             </a:extLst>
           </p:cNvPr>
@@ -8935,8 +9437,13 @@
           <a:p>
             <a:r>
               <a:rPr lang="en-US" dirty="0"/>
-              <a:t>license</a:t>
-            </a:r>
+              <a:t>angular-</a:t>
+            </a:r>
+            <a:r>
+              <a:rPr lang="en-US" dirty="0" err="1"/>
+              <a:t>cli.json</a:t>
+            </a:r>
+            <a:endParaRPr lang="en-US" dirty="0"/>
           </a:p>
         </p:txBody>
       </p:sp>
@@ -8945,7 +9452,7 @@
           <p:cNvPr id="5" name="Content Placeholder 4">
             <a:extLst>
               <a:ext uri="{FF2B5EF4-FFF2-40B4-BE49-F238E27FC236}">
-                <a16:creationId xmlns:a16="http://schemas.microsoft.com/office/drawing/2014/main" id="{6A78D9AA-632B-4F96-AD54-89956BA9B46C}"/>
+                <a16:creationId xmlns:a16="http://schemas.microsoft.com/office/drawing/2014/main" xmlns="" id="{6A78D9AA-632B-4F96-AD54-89956BA9B46C}"/>
               </a:ext>
             </a:extLst>
           </p:cNvPr>
@@ -8968,7 +9475,7 @@
     </p:spTree>
     <p:extLst>
       <p:ext uri="{BB962C8B-B14F-4D97-AF65-F5344CB8AC3E}">
-        <p14:creationId xmlns:p14="http://schemas.microsoft.com/office/powerpoint/2010/main" val="3331537410"/>
+        <p14:creationId xmlns:p14="http://schemas.microsoft.com/office/powerpoint/2010/main" val="529284538"/>
       </p:ext>
     </p:extLst>
   </p:cSld>
@@ -9000,7 +9507,7 @@
           <p:cNvPr id="4" name="Title 3">
             <a:extLst>
               <a:ext uri="{FF2B5EF4-FFF2-40B4-BE49-F238E27FC236}">
-                <a16:creationId xmlns:a16="http://schemas.microsoft.com/office/drawing/2014/main" id="{66F5644F-14CD-4425-A5B2-6EE30E0262C1}"/>
+                <a16:creationId xmlns:a16="http://schemas.microsoft.com/office/drawing/2014/main" xmlns="" id="{66F5644F-14CD-4425-A5B2-6EE30E0262C1}"/>
               </a:ext>
             </a:extLst>
           </p:cNvPr>
@@ -9018,7 +9525,7 @@
           <a:p>
             <a:r>
               <a:rPr lang="en-US" dirty="0"/>
-              <a:t>README</a:t>
+              <a:t>rollup.config.js</a:t>
             </a:r>
           </a:p>
         </p:txBody>
@@ -9028,7 +9535,7 @@
           <p:cNvPr id="5" name="Content Placeholder 4">
             <a:extLst>
               <a:ext uri="{FF2B5EF4-FFF2-40B4-BE49-F238E27FC236}">
-                <a16:creationId xmlns:a16="http://schemas.microsoft.com/office/drawing/2014/main" id="{6A78D9AA-632B-4F96-AD54-89956BA9B46C}"/>
+                <a16:creationId xmlns:a16="http://schemas.microsoft.com/office/drawing/2014/main" xmlns="" id="{6A78D9AA-632B-4F96-AD54-89956BA9B46C}"/>
               </a:ext>
             </a:extLst>
           </p:cNvPr>
@@ -9051,7 +9558,7 @@
     </p:spTree>
     <p:extLst>
       <p:ext uri="{BB962C8B-B14F-4D97-AF65-F5344CB8AC3E}">
-        <p14:creationId xmlns:p14="http://schemas.microsoft.com/office/powerpoint/2010/main" val="683354139"/>
+        <p14:creationId xmlns:p14="http://schemas.microsoft.com/office/powerpoint/2010/main" val="2269243202"/>
       </p:ext>
     </p:extLst>
   </p:cSld>
@@ -9083,7 +9590,7 @@
           <p:cNvPr id="4" name="Title 3">
             <a:extLst>
               <a:ext uri="{FF2B5EF4-FFF2-40B4-BE49-F238E27FC236}">
-                <a16:creationId xmlns:a16="http://schemas.microsoft.com/office/drawing/2014/main" id="{66F5644F-14CD-4425-A5B2-6EE30E0262C1}"/>
+                <a16:creationId xmlns:a16="http://schemas.microsoft.com/office/drawing/2014/main" xmlns="" id="{66F5644F-14CD-4425-A5B2-6EE30E0262C1}"/>
               </a:ext>
             </a:extLst>
           </p:cNvPr>
@@ -9100,8 +9607,12 @@
           <a:lstStyle/>
           <a:p>
             <a:r>
+              <a:rPr lang="en-US" dirty="0"/>
+              <a:t>package-</a:t>
+            </a:r>
+            <a:r>
               <a:rPr lang="en-US" dirty="0" err="1"/>
-              <a:t>index.ts</a:t>
+              <a:t>dist.json</a:t>
             </a:r>
             <a:endParaRPr lang="en-US" dirty="0"/>
           </a:p>
@@ -9112,7 +9623,7 @@
           <p:cNvPr id="5" name="Content Placeholder 4">
             <a:extLst>
               <a:ext uri="{FF2B5EF4-FFF2-40B4-BE49-F238E27FC236}">
-                <a16:creationId xmlns:a16="http://schemas.microsoft.com/office/drawing/2014/main" id="{6A78D9AA-632B-4F96-AD54-89956BA9B46C}"/>
+                <a16:creationId xmlns:a16="http://schemas.microsoft.com/office/drawing/2014/main" xmlns="" id="{6A78D9AA-632B-4F96-AD54-89956BA9B46C}"/>
               </a:ext>
             </a:extLst>
           </p:cNvPr>
@@ -9135,7 +9646,7 @@
     </p:spTree>
     <p:extLst>
       <p:ext uri="{BB962C8B-B14F-4D97-AF65-F5344CB8AC3E}">
-        <p14:creationId xmlns:p14="http://schemas.microsoft.com/office/powerpoint/2010/main" val="3840599404"/>
+        <p14:creationId xmlns:p14="http://schemas.microsoft.com/office/powerpoint/2010/main" val="3657629126"/>
       </p:ext>
     </p:extLst>
   </p:cSld>
@@ -9167,7 +9678,7 @@
           <p:cNvPr id="4" name="Title 3">
             <a:extLst>
               <a:ext uri="{FF2B5EF4-FFF2-40B4-BE49-F238E27FC236}">
-                <a16:creationId xmlns:a16="http://schemas.microsoft.com/office/drawing/2014/main" id="{66F5644F-14CD-4425-A5B2-6EE30E0262C1}"/>
+                <a16:creationId xmlns:a16="http://schemas.microsoft.com/office/drawing/2014/main" xmlns="" id="{66F5644F-14CD-4425-A5B2-6EE30E0262C1}"/>
               </a:ext>
             </a:extLst>
           </p:cNvPr>
@@ -9184,10 +9695,9 @@
           <a:lstStyle/>
           <a:p>
             <a:r>
-              <a:rPr lang="en-US" dirty="0" err="1"/>
-              <a:t>module.ts</a:t>
-            </a:r>
-            <a:endParaRPr lang="en-US" dirty="0"/>
+              <a:rPr lang="en-US" dirty="0"/>
+              <a:t>license</a:t>
+            </a:r>
           </a:p>
         </p:txBody>
       </p:sp>
@@ -9196,7 +9706,7 @@
           <p:cNvPr id="5" name="Content Placeholder 4">
             <a:extLst>
               <a:ext uri="{FF2B5EF4-FFF2-40B4-BE49-F238E27FC236}">
-                <a16:creationId xmlns:a16="http://schemas.microsoft.com/office/drawing/2014/main" id="{6A78D9AA-632B-4F96-AD54-89956BA9B46C}"/>
+                <a16:creationId xmlns:a16="http://schemas.microsoft.com/office/drawing/2014/main" xmlns="" id="{6A78D9AA-632B-4F96-AD54-89956BA9B46C}"/>
               </a:ext>
             </a:extLst>
           </p:cNvPr>
@@ -9219,7 +9729,7 @@
     </p:spTree>
     <p:extLst>
       <p:ext uri="{BB962C8B-B14F-4D97-AF65-F5344CB8AC3E}">
-        <p14:creationId xmlns:p14="http://schemas.microsoft.com/office/powerpoint/2010/main" val="2795218583"/>
+        <p14:creationId xmlns:p14="http://schemas.microsoft.com/office/powerpoint/2010/main" val="3331537410"/>
       </p:ext>
     </p:extLst>
   </p:cSld>
@@ -9251,7 +9761,7 @@
           <p:cNvPr id="4" name="Title 3">
             <a:extLst>
               <a:ext uri="{FF2B5EF4-FFF2-40B4-BE49-F238E27FC236}">
-                <a16:creationId xmlns:a16="http://schemas.microsoft.com/office/drawing/2014/main" id="{6821C0E8-5FB4-4A13-84E8-B97446B9A03E}"/>
+                <a16:creationId xmlns:a16="http://schemas.microsoft.com/office/drawing/2014/main" xmlns="" id="{66F5644F-14CD-4425-A5B2-6EE30E0262C1}"/>
               </a:ext>
             </a:extLst>
           </p:cNvPr>
@@ -9269,17 +9779,17 @@
           <a:p>
             <a:r>
               <a:rPr lang="en-US" dirty="0"/>
-              <a:t>Technical Implementation	</a:t>
-            </a:r>
-          </a:p>
-        </p:txBody>
-      </p:sp>
-      <p:sp>
-        <p:nvSpPr>
-          <p:cNvPr id="5" name="Text Placeholder 4">
+              <a:t>README</a:t>
+            </a:r>
+          </a:p>
+        </p:txBody>
+      </p:sp>
+      <p:sp>
+        <p:nvSpPr>
+          <p:cNvPr id="5" name="Content Placeholder 4">
             <a:extLst>
               <a:ext uri="{FF2B5EF4-FFF2-40B4-BE49-F238E27FC236}">
-                <a16:creationId xmlns:a16="http://schemas.microsoft.com/office/drawing/2014/main" id="{97F5DDD0-BEF2-4344-A9CE-64210FFCF52A}"/>
+                <a16:creationId xmlns:a16="http://schemas.microsoft.com/office/drawing/2014/main" xmlns="" id="{6A78D9AA-632B-4F96-AD54-89956BA9B46C}"/>
               </a:ext>
             </a:extLst>
           </p:cNvPr>
@@ -9287,25 +9797,22 @@
             <a:spLocks noGrp="1"/>
           </p:cNvSpPr>
           <p:nvPr>
-            <p:ph type="body" idx="1"/>
-          </p:nvPr>
-        </p:nvSpPr>
-        <p:spPr/>
-        <p:txBody>
-          <a:bodyPr/>
-          <a:lstStyle/>
-          <a:p>
-            <a:r>
-              <a:rPr lang="en-US" dirty="0"/>
-              <a:t>Module Contents</a:t>
-            </a:r>
+            <p:ph idx="1"/>
+          </p:nvPr>
+        </p:nvSpPr>
+        <p:spPr/>
+        <p:txBody>
+          <a:bodyPr/>
+          <a:lstStyle/>
+          <a:p>
+            <a:endParaRPr lang="en-US" dirty="0"/>
           </a:p>
         </p:txBody>
       </p:sp>
     </p:spTree>
     <p:extLst>
       <p:ext uri="{BB962C8B-B14F-4D97-AF65-F5344CB8AC3E}">
-        <p14:creationId xmlns:p14="http://schemas.microsoft.com/office/powerpoint/2010/main" val="684225965"/>
+        <p14:creationId xmlns:p14="http://schemas.microsoft.com/office/powerpoint/2010/main" val="683354139"/>
       </p:ext>
     </p:extLst>
   </p:cSld>
@@ -9337,7 +9844,7 @@
           <p:cNvPr id="4" name="Title 3">
             <a:extLst>
               <a:ext uri="{FF2B5EF4-FFF2-40B4-BE49-F238E27FC236}">
-                <a16:creationId xmlns:a16="http://schemas.microsoft.com/office/drawing/2014/main" id="{C943650F-8A0B-411E-9899-253298EA3D16}"/>
+                <a16:creationId xmlns:a16="http://schemas.microsoft.com/office/drawing/2014/main" xmlns="" id="{66F5644F-14CD-4425-A5B2-6EE30E0262C1}"/>
               </a:ext>
             </a:extLst>
           </p:cNvPr>
@@ -9354,9 +9861,10 @@
           <a:lstStyle/>
           <a:p>
             <a:r>
-              <a:rPr lang="en-US" dirty="0"/>
-              <a:t>module</a:t>
-            </a:r>
+              <a:rPr lang="en-US" dirty="0" err="1"/>
+              <a:t>index.ts</a:t>
+            </a:r>
+            <a:endParaRPr lang="en-US" dirty="0"/>
           </a:p>
         </p:txBody>
       </p:sp>
@@ -9365,7 +9873,7 @@
           <p:cNvPr id="5" name="Content Placeholder 4">
             <a:extLst>
               <a:ext uri="{FF2B5EF4-FFF2-40B4-BE49-F238E27FC236}">
-                <a16:creationId xmlns:a16="http://schemas.microsoft.com/office/drawing/2014/main" id="{2526D77F-CCDA-4DFB-A82A-B74667A1E524}"/>
+                <a16:creationId xmlns:a16="http://schemas.microsoft.com/office/drawing/2014/main" xmlns="" id="{6A78D9AA-632B-4F96-AD54-89956BA9B46C}"/>
               </a:ext>
             </a:extLst>
           </p:cNvPr>
@@ -9381,34 +9889,6 @@
           <a:bodyPr/>
           <a:lstStyle/>
           <a:p>
-            <a:r>
-              <a:rPr lang="en-US" dirty="0"/>
-              <a:t>CLI command</a:t>
-            </a:r>
-          </a:p>
-          <a:p>
-            <a:pPr lvl="1"/>
-            <a:r>
-              <a:rPr lang="en-US" dirty="0"/>
-              <a:t>ng generate module</a:t>
-            </a:r>
-          </a:p>
-          <a:p>
-            <a:r>
-              <a:rPr lang="en-US" dirty="0"/>
-              <a:t>What it creates</a:t>
-            </a:r>
-          </a:p>
-          <a:p>
-            <a:pPr lvl="1"/>
-            <a:r>
-              <a:rPr lang="en-US" dirty="0"/>
-              <a:t>@</a:t>
-            </a:r>
-            <a:r>
-              <a:rPr lang="en-US" dirty="0" err="1"/>
-              <a:t>NgModule</a:t>
-            </a:r>
             <a:endParaRPr lang="en-US" dirty="0"/>
           </a:p>
         </p:txBody>
@@ -9416,7 +9896,7 @@
     </p:spTree>
     <p:extLst>
       <p:ext uri="{BB962C8B-B14F-4D97-AF65-F5344CB8AC3E}">
-        <p14:creationId xmlns:p14="http://schemas.microsoft.com/office/powerpoint/2010/main" val="3565863648"/>
+        <p14:creationId xmlns:p14="http://schemas.microsoft.com/office/powerpoint/2010/main" val="3840599404"/>
       </p:ext>
     </p:extLst>
   </p:cSld>
@@ -9448,7 +9928,7 @@
           <p:cNvPr id="4" name="Title 3">
             <a:extLst>
               <a:ext uri="{FF2B5EF4-FFF2-40B4-BE49-F238E27FC236}">
-                <a16:creationId xmlns:a16="http://schemas.microsoft.com/office/drawing/2014/main" id="{C943650F-8A0B-411E-9899-253298EA3D16}"/>
+                <a16:creationId xmlns:a16="http://schemas.microsoft.com/office/drawing/2014/main" xmlns="" id="{66F5644F-14CD-4425-A5B2-6EE30E0262C1}"/>
               </a:ext>
             </a:extLst>
           </p:cNvPr>
@@ -9465,9 +9945,10 @@
           <a:lstStyle/>
           <a:p>
             <a:r>
-              <a:rPr lang="en-US" dirty="0"/>
-              <a:t>service</a:t>
-            </a:r>
+              <a:rPr lang="en-US" dirty="0" err="1"/>
+              <a:t>module.ts</a:t>
+            </a:r>
+            <a:endParaRPr lang="en-US" dirty="0"/>
           </a:p>
         </p:txBody>
       </p:sp>
@@ -9476,7 +9957,7 @@
           <p:cNvPr id="5" name="Content Placeholder 4">
             <a:extLst>
               <a:ext uri="{FF2B5EF4-FFF2-40B4-BE49-F238E27FC236}">
-                <a16:creationId xmlns:a16="http://schemas.microsoft.com/office/drawing/2014/main" id="{2526D77F-CCDA-4DFB-A82A-B74667A1E524}"/>
+                <a16:creationId xmlns:a16="http://schemas.microsoft.com/office/drawing/2014/main" xmlns="" id="{6A78D9AA-632B-4F96-AD54-89956BA9B46C}"/>
               </a:ext>
             </a:extLst>
           </p:cNvPr>
@@ -9492,37 +9973,14 @@
           <a:bodyPr/>
           <a:lstStyle/>
           <a:p>
-            <a:r>
-              <a:rPr lang="en-US" dirty="0"/>
-              <a:t>CLI command</a:t>
-            </a:r>
-          </a:p>
-          <a:p>
-            <a:pPr lvl="1"/>
-            <a:r>
-              <a:rPr lang="en-US" dirty="0"/>
-              <a:t>ng generate service</a:t>
-            </a:r>
-          </a:p>
-          <a:p>
-            <a:r>
-              <a:rPr lang="en-US" dirty="0"/>
-              <a:t>What it creates</a:t>
-            </a:r>
-          </a:p>
-          <a:p>
-            <a:pPr lvl="1"/>
-            <a:r>
-              <a:rPr lang="en-US" dirty="0"/>
-              <a:t>@Injectable</a:t>
-            </a:r>
+            <a:endParaRPr lang="en-US" dirty="0"/>
           </a:p>
         </p:txBody>
       </p:sp>
     </p:spTree>
     <p:extLst>
       <p:ext uri="{BB962C8B-B14F-4D97-AF65-F5344CB8AC3E}">
-        <p14:creationId xmlns:p14="http://schemas.microsoft.com/office/powerpoint/2010/main" val="710478179"/>
+        <p14:creationId xmlns:p14="http://schemas.microsoft.com/office/powerpoint/2010/main" val="2795218583"/>
       </p:ext>
     </p:extLst>
   </p:cSld>
@@ -9554,7 +10012,7 @@
           <p:cNvPr id="4" name="Title 3">
             <a:extLst>
               <a:ext uri="{FF2B5EF4-FFF2-40B4-BE49-F238E27FC236}">
-                <a16:creationId xmlns:a16="http://schemas.microsoft.com/office/drawing/2014/main" id="{C943650F-8A0B-411E-9899-253298EA3D16}"/>
+                <a16:creationId xmlns:a16="http://schemas.microsoft.com/office/drawing/2014/main" xmlns="" id="{6821C0E8-5FB4-4A13-84E8-B97446B9A03E}"/>
               </a:ext>
             </a:extLst>
           </p:cNvPr>
@@ -9572,17 +10030,17 @@
           <a:p>
             <a:r>
               <a:rPr lang="en-US" dirty="0"/>
-              <a:t>component</a:t>
-            </a:r>
-          </a:p>
-        </p:txBody>
-      </p:sp>
-      <p:sp>
-        <p:nvSpPr>
-          <p:cNvPr id="5" name="Content Placeholder 4">
+              <a:t>Technical Implementation	</a:t>
+            </a:r>
+          </a:p>
+        </p:txBody>
+      </p:sp>
+      <p:sp>
+        <p:nvSpPr>
+          <p:cNvPr id="5" name="Text Placeholder 4">
             <a:extLst>
               <a:ext uri="{FF2B5EF4-FFF2-40B4-BE49-F238E27FC236}">
-                <a16:creationId xmlns:a16="http://schemas.microsoft.com/office/drawing/2014/main" id="{2526D77F-CCDA-4DFB-A82A-B74667A1E524}"/>
+                <a16:creationId xmlns:a16="http://schemas.microsoft.com/office/drawing/2014/main" xmlns="" id="{97F5DDD0-BEF2-4344-A9CE-64210FFCF52A}"/>
               </a:ext>
             </a:extLst>
           </p:cNvPr>
@@ -9590,53 +10048,25 @@
             <a:spLocks noGrp="1"/>
           </p:cNvSpPr>
           <p:nvPr>
-            <p:ph idx="1"/>
-          </p:nvPr>
-        </p:nvSpPr>
-        <p:spPr/>
-        <p:txBody>
-          <a:bodyPr/>
-          <a:lstStyle/>
-          <a:p>
-            <a:r>
-              <a:rPr lang="en-US" dirty="0"/>
-              <a:t>CLI command</a:t>
-            </a:r>
-          </a:p>
-          <a:p>
-            <a:pPr lvl="1"/>
-            <a:r>
-              <a:rPr lang="en-US" dirty="0"/>
-              <a:t>ng generate module</a:t>
-            </a:r>
-          </a:p>
-          <a:p>
-            <a:r>
-              <a:rPr lang="en-US" dirty="0"/>
-              <a:t>What it creates</a:t>
-            </a:r>
-          </a:p>
-          <a:p>
-            <a:pPr lvl="1"/>
-            <a:r>
-              <a:rPr lang="en-US" dirty="0"/>
-              <a:t>@</a:t>
-            </a:r>
-            <a:r>
-              <a:rPr lang="en-US" dirty="0" err="1"/>
-              <a:t>NgModule</a:t>
-            </a:r>
-            <a:endParaRPr lang="en-US" dirty="0"/>
-          </a:p>
-          <a:p>
-            <a:endParaRPr lang="en-US" dirty="0"/>
+            <p:ph type="body" idx="1"/>
+          </p:nvPr>
+        </p:nvSpPr>
+        <p:spPr/>
+        <p:txBody>
+          <a:bodyPr/>
+          <a:lstStyle/>
+          <a:p>
+            <a:r>
+              <a:rPr lang="en-US" dirty="0"/>
+              <a:t>Module Contents</a:t>
+            </a:r>
           </a:p>
         </p:txBody>
       </p:sp>
     </p:spTree>
     <p:extLst>
       <p:ext uri="{BB962C8B-B14F-4D97-AF65-F5344CB8AC3E}">
-        <p14:creationId xmlns:p14="http://schemas.microsoft.com/office/powerpoint/2010/main" val="2331146424"/>
+        <p14:creationId xmlns:p14="http://schemas.microsoft.com/office/powerpoint/2010/main" val="684225965"/>
       </p:ext>
     </p:extLst>
   </p:cSld>
@@ -9668,7 +10098,7 @@
           <p:cNvPr id="4" name="Title 3">
             <a:extLst>
               <a:ext uri="{FF2B5EF4-FFF2-40B4-BE49-F238E27FC236}">
-                <a16:creationId xmlns:a16="http://schemas.microsoft.com/office/drawing/2014/main" id="{29691F00-552A-492D-9CF1-604C67A6A71F}"/>
+                <a16:creationId xmlns:a16="http://schemas.microsoft.com/office/drawing/2014/main" xmlns="" id="{29691F00-552A-492D-9CF1-604C67A6A71F}"/>
               </a:ext>
             </a:extLst>
           </p:cNvPr>
@@ -9696,7 +10126,7 @@
           <p:cNvPr id="5" name="Content Placeholder 4">
             <a:extLst>
               <a:ext uri="{FF2B5EF4-FFF2-40B4-BE49-F238E27FC236}">
-                <a16:creationId xmlns:a16="http://schemas.microsoft.com/office/drawing/2014/main" id="{BE56CBE2-9D8B-404A-B4C8-A3C0ED676782}"/>
+                <a16:creationId xmlns:a16="http://schemas.microsoft.com/office/drawing/2014/main" xmlns="" id="{BE56CBE2-9D8B-404A-B4C8-A3C0ED676782}"/>
               </a:ext>
             </a:extLst>
           </p:cNvPr>
@@ -9774,7 +10204,7 @@
           <p:cNvPr id="4" name="Title 3">
             <a:extLst>
               <a:ext uri="{FF2B5EF4-FFF2-40B4-BE49-F238E27FC236}">
-                <a16:creationId xmlns:a16="http://schemas.microsoft.com/office/drawing/2014/main" id="{86A18ADF-27A3-4A17-9A6E-E00A078AFB61}"/>
+                <a16:creationId xmlns:a16="http://schemas.microsoft.com/office/drawing/2014/main" xmlns="" id="{C943650F-8A0B-411E-9899-253298EA3D16}"/>
               </a:ext>
             </a:extLst>
           </p:cNvPr>
@@ -9792,17 +10222,17 @@
           <a:p>
             <a:r>
               <a:rPr lang="en-US" dirty="0"/>
-              <a:t>Build Process</a:t>
-            </a:r>
-          </a:p>
-        </p:txBody>
-      </p:sp>
-      <p:sp>
-        <p:nvSpPr>
-          <p:cNvPr id="5" name="Text Placeholder 4">
+              <a:t>module</a:t>
+            </a:r>
+          </a:p>
+        </p:txBody>
+      </p:sp>
+      <p:sp>
+        <p:nvSpPr>
+          <p:cNvPr id="5" name="Content Placeholder 4">
             <a:extLst>
               <a:ext uri="{FF2B5EF4-FFF2-40B4-BE49-F238E27FC236}">
-                <a16:creationId xmlns:a16="http://schemas.microsoft.com/office/drawing/2014/main" id="{FDA695AC-479D-4307-97CE-4F297E9330FD}"/>
+                <a16:creationId xmlns:a16="http://schemas.microsoft.com/office/drawing/2014/main" xmlns="" id="{2526D77F-CCDA-4DFB-A82A-B74667A1E524}"/>
               </a:ext>
             </a:extLst>
           </p:cNvPr>
@@ -9810,22 +10240,50 @@
             <a:spLocks noGrp="1"/>
           </p:cNvSpPr>
           <p:nvPr>
-            <p:ph type="body" idx="1"/>
-          </p:nvPr>
-        </p:nvSpPr>
-        <p:spPr/>
-        <p:txBody>
-          <a:bodyPr/>
-          <a:lstStyle/>
-          <a:p>
-            <a:endParaRPr lang="en-US"/>
+            <p:ph idx="1"/>
+          </p:nvPr>
+        </p:nvSpPr>
+        <p:spPr/>
+        <p:txBody>
+          <a:bodyPr/>
+          <a:lstStyle/>
+          <a:p>
+            <a:r>
+              <a:rPr lang="en-US" dirty="0"/>
+              <a:t>CLI command</a:t>
+            </a:r>
+          </a:p>
+          <a:p>
+            <a:pPr lvl="1"/>
+            <a:r>
+              <a:rPr lang="en-US" dirty="0"/>
+              <a:t>ng generate module</a:t>
+            </a:r>
+          </a:p>
+          <a:p>
+            <a:r>
+              <a:rPr lang="en-US" dirty="0"/>
+              <a:t>What it creates</a:t>
+            </a:r>
+          </a:p>
+          <a:p>
+            <a:pPr lvl="1"/>
+            <a:r>
+              <a:rPr lang="en-US" dirty="0"/>
+              <a:t>@</a:t>
+            </a:r>
+            <a:r>
+              <a:rPr lang="en-US" dirty="0" err="1"/>
+              <a:t>NgModule</a:t>
+            </a:r>
+            <a:endParaRPr lang="en-US" dirty="0"/>
           </a:p>
         </p:txBody>
       </p:sp>
     </p:spTree>
     <p:extLst>
       <p:ext uri="{BB962C8B-B14F-4D97-AF65-F5344CB8AC3E}">
-        <p14:creationId xmlns:p14="http://schemas.microsoft.com/office/powerpoint/2010/main" val="3821163304"/>
+        <p14:creationId xmlns:p14="http://schemas.microsoft.com/office/powerpoint/2010/main" val="3565863648"/>
       </p:ext>
     </p:extLst>
   </p:cSld>
@@ -9857,7 +10315,7 @@
           <p:cNvPr id="4" name="Title 3">
             <a:extLst>
               <a:ext uri="{FF2B5EF4-FFF2-40B4-BE49-F238E27FC236}">
-                <a16:creationId xmlns:a16="http://schemas.microsoft.com/office/drawing/2014/main" id="{2E31B197-8451-40E3-ACB3-50825501051B}"/>
+                <a16:creationId xmlns:a16="http://schemas.microsoft.com/office/drawing/2014/main" xmlns="" id="{C943650F-8A0B-411E-9899-253298EA3D16}"/>
               </a:ext>
             </a:extLst>
           </p:cNvPr>
@@ -9875,7 +10333,7 @@
           <a:p>
             <a:r>
               <a:rPr lang="en-US" dirty="0"/>
-              <a:t>Clean</a:t>
+              <a:t>service</a:t>
             </a:r>
           </a:p>
         </p:txBody>
@@ -9885,7 +10343,7 @@
           <p:cNvPr id="5" name="Content Placeholder 4">
             <a:extLst>
               <a:ext uri="{FF2B5EF4-FFF2-40B4-BE49-F238E27FC236}">
-                <a16:creationId xmlns:a16="http://schemas.microsoft.com/office/drawing/2014/main" id="{7C6CB73B-5D2A-4868-8FBE-7AD5C7C972CB}"/>
+                <a16:creationId xmlns:a16="http://schemas.microsoft.com/office/drawing/2014/main" xmlns="" id="{2526D77F-CCDA-4DFB-A82A-B74667A1E524}"/>
               </a:ext>
             </a:extLst>
           </p:cNvPr>
@@ -9901,14 +10359,37 @@
           <a:bodyPr/>
           <a:lstStyle/>
           <a:p>
-            <a:endParaRPr lang="en-US" dirty="0"/>
+            <a:r>
+              <a:rPr lang="en-US" dirty="0"/>
+              <a:t>CLI command</a:t>
+            </a:r>
+          </a:p>
+          <a:p>
+            <a:pPr lvl="1"/>
+            <a:r>
+              <a:rPr lang="en-US" dirty="0"/>
+              <a:t>ng generate service</a:t>
+            </a:r>
+          </a:p>
+          <a:p>
+            <a:r>
+              <a:rPr lang="en-US" dirty="0"/>
+              <a:t>What it creates</a:t>
+            </a:r>
+          </a:p>
+          <a:p>
+            <a:pPr lvl="1"/>
+            <a:r>
+              <a:rPr lang="en-US" dirty="0"/>
+              <a:t>@Injectable</a:t>
+            </a:r>
           </a:p>
         </p:txBody>
       </p:sp>
     </p:spTree>
     <p:extLst>
       <p:ext uri="{BB962C8B-B14F-4D97-AF65-F5344CB8AC3E}">
-        <p14:creationId xmlns:p14="http://schemas.microsoft.com/office/powerpoint/2010/main" val="3536325588"/>
+        <p14:creationId xmlns:p14="http://schemas.microsoft.com/office/powerpoint/2010/main" val="710478179"/>
       </p:ext>
     </p:extLst>
   </p:cSld>
@@ -9940,7 +10421,7 @@
           <p:cNvPr id="4" name="Title 3">
             <a:extLst>
               <a:ext uri="{FF2B5EF4-FFF2-40B4-BE49-F238E27FC236}">
-                <a16:creationId xmlns:a16="http://schemas.microsoft.com/office/drawing/2014/main" id="{2E31B197-8451-40E3-ACB3-50825501051B}"/>
+                <a16:creationId xmlns:a16="http://schemas.microsoft.com/office/drawing/2014/main" xmlns="" id="{C943650F-8A0B-411E-9899-253298EA3D16}"/>
               </a:ext>
             </a:extLst>
           </p:cNvPr>
@@ -9957,12 +10438,8 @@
           <a:lstStyle/>
           <a:p>
             <a:r>
-              <a:rPr lang="en-US" dirty="0" err="1"/>
-              <a:t>Transpile</a:t>
-            </a:r>
-            <a:r>
-              <a:rPr lang="en-US" dirty="0"/>
-              <a:t>	</a:t>
+              <a:rPr lang="en-US" dirty="0"/>
+              <a:t>component</a:t>
             </a:r>
           </a:p>
         </p:txBody>
@@ -9972,7 +10449,7 @@
           <p:cNvPr id="5" name="Content Placeholder 4">
             <a:extLst>
               <a:ext uri="{FF2B5EF4-FFF2-40B4-BE49-F238E27FC236}">
-                <a16:creationId xmlns:a16="http://schemas.microsoft.com/office/drawing/2014/main" id="{7C6CB73B-5D2A-4868-8FBE-7AD5C7C972CB}"/>
+                <a16:creationId xmlns:a16="http://schemas.microsoft.com/office/drawing/2014/main" xmlns="" id="{2526D77F-CCDA-4DFB-A82A-B74667A1E524}"/>
               </a:ext>
             </a:extLst>
           </p:cNvPr>
@@ -9988,6 +10465,37 @@
           <a:bodyPr/>
           <a:lstStyle/>
           <a:p>
+            <a:r>
+              <a:rPr lang="en-US" dirty="0"/>
+              <a:t>CLI command</a:t>
+            </a:r>
+          </a:p>
+          <a:p>
+            <a:pPr lvl="1"/>
+            <a:r>
+              <a:rPr lang="en-US" dirty="0"/>
+              <a:t>ng generate module</a:t>
+            </a:r>
+          </a:p>
+          <a:p>
+            <a:r>
+              <a:rPr lang="en-US" dirty="0"/>
+              <a:t>What it creates</a:t>
+            </a:r>
+          </a:p>
+          <a:p>
+            <a:pPr lvl="1"/>
+            <a:r>
+              <a:rPr lang="en-US" dirty="0"/>
+              <a:t>@</a:t>
+            </a:r>
+            <a:r>
+              <a:rPr lang="en-US" dirty="0" err="1"/>
+              <a:t>NgModule</a:t>
+            </a:r>
+            <a:endParaRPr lang="en-US" dirty="0"/>
+          </a:p>
+          <a:p>
             <a:endParaRPr lang="en-US" dirty="0"/>
           </a:p>
         </p:txBody>
@@ -9995,7 +10503,7 @@
     </p:spTree>
     <p:extLst>
       <p:ext uri="{BB962C8B-B14F-4D97-AF65-F5344CB8AC3E}">
-        <p14:creationId xmlns:p14="http://schemas.microsoft.com/office/powerpoint/2010/main" val="3210177795"/>
+        <p14:creationId xmlns:p14="http://schemas.microsoft.com/office/powerpoint/2010/main" val="2331146424"/>
       </p:ext>
     </p:extLst>
   </p:cSld>
@@ -10027,7 +10535,7 @@
           <p:cNvPr id="4" name="Title 3">
             <a:extLst>
               <a:ext uri="{FF2B5EF4-FFF2-40B4-BE49-F238E27FC236}">
-                <a16:creationId xmlns:a16="http://schemas.microsoft.com/office/drawing/2014/main" id="{2E31B197-8451-40E3-ACB3-50825501051B}"/>
+                <a16:creationId xmlns:a16="http://schemas.microsoft.com/office/drawing/2014/main" xmlns="" id="{86A18ADF-27A3-4A17-9A6E-E00A078AFB61}"/>
               </a:ext>
             </a:extLst>
           </p:cNvPr>
@@ -10045,17 +10553,17 @@
           <a:p>
             <a:r>
               <a:rPr lang="en-US" dirty="0"/>
-              <a:t>Package	</a:t>
-            </a:r>
-          </a:p>
-        </p:txBody>
-      </p:sp>
-      <p:sp>
-        <p:nvSpPr>
-          <p:cNvPr id="5" name="Content Placeholder 4">
+              <a:t>Build Process</a:t>
+            </a:r>
+          </a:p>
+        </p:txBody>
+      </p:sp>
+      <p:sp>
+        <p:nvSpPr>
+          <p:cNvPr id="5" name="Text Placeholder 4">
             <a:extLst>
               <a:ext uri="{FF2B5EF4-FFF2-40B4-BE49-F238E27FC236}">
-                <a16:creationId xmlns:a16="http://schemas.microsoft.com/office/drawing/2014/main" id="{7C6CB73B-5D2A-4868-8FBE-7AD5C7C972CB}"/>
+                <a16:creationId xmlns:a16="http://schemas.microsoft.com/office/drawing/2014/main" xmlns="" id="{FDA695AC-479D-4307-97CE-4F297E9330FD}"/>
               </a:ext>
             </a:extLst>
           </p:cNvPr>
@@ -10063,22 +10571,22 @@
             <a:spLocks noGrp="1"/>
           </p:cNvSpPr>
           <p:nvPr>
-            <p:ph idx="1"/>
-          </p:nvPr>
-        </p:nvSpPr>
-        <p:spPr/>
-        <p:txBody>
-          <a:bodyPr/>
-          <a:lstStyle/>
-          <a:p>
-            <a:endParaRPr lang="en-US" dirty="0"/>
+            <p:ph type="body" idx="1"/>
+          </p:nvPr>
+        </p:nvSpPr>
+        <p:spPr/>
+        <p:txBody>
+          <a:bodyPr/>
+          <a:lstStyle/>
+          <a:p>
+            <a:endParaRPr lang="en-US"/>
           </a:p>
         </p:txBody>
       </p:sp>
     </p:spTree>
     <p:extLst>
       <p:ext uri="{BB962C8B-B14F-4D97-AF65-F5344CB8AC3E}">
-        <p14:creationId xmlns:p14="http://schemas.microsoft.com/office/powerpoint/2010/main" val="3020477882"/>
+        <p14:creationId xmlns:p14="http://schemas.microsoft.com/office/powerpoint/2010/main" val="3821163304"/>
       </p:ext>
     </p:extLst>
   </p:cSld>
@@ -10110,7 +10618,7 @@
           <p:cNvPr id="4" name="Title 3">
             <a:extLst>
               <a:ext uri="{FF2B5EF4-FFF2-40B4-BE49-F238E27FC236}">
-                <a16:creationId xmlns:a16="http://schemas.microsoft.com/office/drawing/2014/main" id="{2E31B197-8451-40E3-ACB3-50825501051B}"/>
+                <a16:creationId xmlns:a16="http://schemas.microsoft.com/office/drawing/2014/main" xmlns="" id="{2E31B197-8451-40E3-ACB3-50825501051B}"/>
               </a:ext>
             </a:extLst>
           </p:cNvPr>
@@ -10128,7 +10636,7 @@
           <a:p>
             <a:r>
               <a:rPr lang="en-US" dirty="0"/>
-              <a:t>Minify	</a:t>
+              <a:t>Clean</a:t>
             </a:r>
           </a:p>
         </p:txBody>
@@ -10138,7 +10646,7 @@
           <p:cNvPr id="5" name="Content Placeholder 4">
             <a:extLst>
               <a:ext uri="{FF2B5EF4-FFF2-40B4-BE49-F238E27FC236}">
-                <a16:creationId xmlns:a16="http://schemas.microsoft.com/office/drawing/2014/main" id="{7C6CB73B-5D2A-4868-8FBE-7AD5C7C972CB}"/>
+                <a16:creationId xmlns:a16="http://schemas.microsoft.com/office/drawing/2014/main" xmlns="" id="{7C6CB73B-5D2A-4868-8FBE-7AD5C7C972CB}"/>
               </a:ext>
             </a:extLst>
           </p:cNvPr>
@@ -10161,7 +10669,7 @@
     </p:spTree>
     <p:extLst>
       <p:ext uri="{BB962C8B-B14F-4D97-AF65-F5344CB8AC3E}">
-        <p14:creationId xmlns:p14="http://schemas.microsoft.com/office/powerpoint/2010/main" val="2611582569"/>
+        <p14:creationId xmlns:p14="http://schemas.microsoft.com/office/powerpoint/2010/main" val="3536325588"/>
       </p:ext>
     </p:extLst>
   </p:cSld>
@@ -10193,7 +10701,7 @@
           <p:cNvPr id="4" name="Title 3">
             <a:extLst>
               <a:ext uri="{FF2B5EF4-FFF2-40B4-BE49-F238E27FC236}">
-                <a16:creationId xmlns:a16="http://schemas.microsoft.com/office/drawing/2014/main" id="{21BE00E3-964A-4B0C-91DF-0995FE1A33AE}"/>
+                <a16:creationId xmlns:a16="http://schemas.microsoft.com/office/drawing/2014/main" xmlns="" id="{2E31B197-8451-40E3-ACB3-50825501051B}"/>
               </a:ext>
             </a:extLst>
           </p:cNvPr>
@@ -10210,18 +10718,22 @@
           <a:lstStyle/>
           <a:p>
             <a:r>
-              <a:rPr lang="en-US" dirty="0"/>
-              <a:t>Deployment</a:t>
-            </a:r>
-          </a:p>
-        </p:txBody>
-      </p:sp>
-      <p:sp>
-        <p:nvSpPr>
-          <p:cNvPr id="5" name="Text Placeholder 4">
+              <a:rPr lang="en-US" dirty="0" err="1"/>
+              <a:t>Transpile</a:t>
+            </a:r>
+            <a:r>
+              <a:rPr lang="en-US" dirty="0"/>
+              <a:t>	</a:t>
+            </a:r>
+          </a:p>
+        </p:txBody>
+      </p:sp>
+      <p:sp>
+        <p:nvSpPr>
+          <p:cNvPr id="5" name="Content Placeholder 4">
             <a:extLst>
               <a:ext uri="{FF2B5EF4-FFF2-40B4-BE49-F238E27FC236}">
-                <a16:creationId xmlns:a16="http://schemas.microsoft.com/office/drawing/2014/main" id="{01C1CA5F-04A6-484F-8BEB-CAEF0AB0E550}"/>
+                <a16:creationId xmlns:a16="http://schemas.microsoft.com/office/drawing/2014/main" xmlns="" id="{7C6CB73B-5D2A-4868-8FBE-7AD5C7C972CB}"/>
               </a:ext>
             </a:extLst>
           </p:cNvPr>
@@ -10229,22 +10741,22 @@
             <a:spLocks noGrp="1"/>
           </p:cNvSpPr>
           <p:nvPr>
-            <p:ph type="body" idx="1"/>
-          </p:nvPr>
-        </p:nvSpPr>
-        <p:spPr/>
-        <p:txBody>
-          <a:bodyPr/>
-          <a:lstStyle/>
-          <a:p>
-            <a:endParaRPr lang="en-US"/>
+            <p:ph idx="1"/>
+          </p:nvPr>
+        </p:nvSpPr>
+        <p:spPr/>
+        <p:txBody>
+          <a:bodyPr/>
+          <a:lstStyle/>
+          <a:p>
+            <a:endParaRPr lang="en-US" dirty="0"/>
           </a:p>
         </p:txBody>
       </p:sp>
     </p:spTree>
     <p:extLst>
       <p:ext uri="{BB962C8B-B14F-4D97-AF65-F5344CB8AC3E}">
-        <p14:creationId xmlns:p14="http://schemas.microsoft.com/office/powerpoint/2010/main" val="2140673601"/>
+        <p14:creationId xmlns:p14="http://schemas.microsoft.com/office/powerpoint/2010/main" val="3210177795"/>
       </p:ext>
     </p:extLst>
   </p:cSld>
@@ -10276,7 +10788,7 @@
           <p:cNvPr id="4" name="Title 3">
             <a:extLst>
               <a:ext uri="{FF2B5EF4-FFF2-40B4-BE49-F238E27FC236}">
-                <a16:creationId xmlns:a16="http://schemas.microsoft.com/office/drawing/2014/main" id="{DB627359-6C97-4296-9184-B3AD6597A852}"/>
+                <a16:creationId xmlns:a16="http://schemas.microsoft.com/office/drawing/2014/main" xmlns="" id="{2E31B197-8451-40E3-ACB3-50825501051B}"/>
               </a:ext>
             </a:extLst>
           </p:cNvPr>
@@ -10294,7 +10806,7 @@
           <a:p>
             <a:r>
               <a:rPr lang="en-US" dirty="0"/>
-              <a:t>NPM</a:t>
+              <a:t>Package	</a:t>
             </a:r>
           </a:p>
         </p:txBody>
@@ -10304,7 +10816,7 @@
           <p:cNvPr id="5" name="Content Placeholder 4">
             <a:extLst>
               <a:ext uri="{FF2B5EF4-FFF2-40B4-BE49-F238E27FC236}">
-                <a16:creationId xmlns:a16="http://schemas.microsoft.com/office/drawing/2014/main" id="{16B0312C-16A0-4E30-A9D9-A33836885137}"/>
+                <a16:creationId xmlns:a16="http://schemas.microsoft.com/office/drawing/2014/main" xmlns="" id="{7C6CB73B-5D2A-4868-8FBE-7AD5C7C972CB}"/>
               </a:ext>
             </a:extLst>
           </p:cNvPr>
@@ -10320,14 +10832,14 @@
           <a:bodyPr/>
           <a:lstStyle/>
           <a:p>
-            <a:endParaRPr lang="en-US"/>
+            <a:endParaRPr lang="en-US" dirty="0"/>
           </a:p>
         </p:txBody>
       </p:sp>
     </p:spTree>
     <p:extLst>
       <p:ext uri="{BB962C8B-B14F-4D97-AF65-F5344CB8AC3E}">
-        <p14:creationId xmlns:p14="http://schemas.microsoft.com/office/powerpoint/2010/main" val="853755397"/>
+        <p14:creationId xmlns:p14="http://schemas.microsoft.com/office/powerpoint/2010/main" val="3020477882"/>
       </p:ext>
     </p:extLst>
   </p:cSld>
@@ -10359,7 +10871,7 @@
           <p:cNvPr id="4" name="Title 3">
             <a:extLst>
               <a:ext uri="{FF2B5EF4-FFF2-40B4-BE49-F238E27FC236}">
-                <a16:creationId xmlns:a16="http://schemas.microsoft.com/office/drawing/2014/main" id="{DB627359-6C97-4296-9184-B3AD6597A852}"/>
+                <a16:creationId xmlns:a16="http://schemas.microsoft.com/office/drawing/2014/main" xmlns="" id="{2E31B197-8451-40E3-ACB3-50825501051B}"/>
               </a:ext>
             </a:extLst>
           </p:cNvPr>
@@ -10377,7 +10889,7 @@
           <a:p>
             <a:r>
               <a:rPr lang="en-US" dirty="0"/>
-              <a:t>Local Environment</a:t>
+              <a:t>Minify	</a:t>
             </a:r>
           </a:p>
         </p:txBody>
@@ -10387,7 +10899,7 @@
           <p:cNvPr id="5" name="Content Placeholder 4">
             <a:extLst>
               <a:ext uri="{FF2B5EF4-FFF2-40B4-BE49-F238E27FC236}">
-                <a16:creationId xmlns:a16="http://schemas.microsoft.com/office/drawing/2014/main" id="{16B0312C-16A0-4E30-A9D9-A33836885137}"/>
+                <a16:creationId xmlns:a16="http://schemas.microsoft.com/office/drawing/2014/main" xmlns="" id="{7C6CB73B-5D2A-4868-8FBE-7AD5C7C972CB}"/>
               </a:ext>
             </a:extLst>
           </p:cNvPr>
@@ -10403,14 +10915,14 @@
           <a:bodyPr/>
           <a:lstStyle/>
           <a:p>
-            <a:endParaRPr lang="en-US"/>
+            <a:endParaRPr lang="en-US" dirty="0"/>
           </a:p>
         </p:txBody>
       </p:sp>
     </p:spTree>
     <p:extLst>
       <p:ext uri="{BB962C8B-B14F-4D97-AF65-F5344CB8AC3E}">
-        <p14:creationId xmlns:p14="http://schemas.microsoft.com/office/powerpoint/2010/main" val="2135764220"/>
+        <p14:creationId xmlns:p14="http://schemas.microsoft.com/office/powerpoint/2010/main" val="2611582569"/>
       </p:ext>
     </p:extLst>
   </p:cSld>
@@ -10442,7 +10954,7 @@
           <p:cNvPr id="4" name="Title 3">
             <a:extLst>
               <a:ext uri="{FF2B5EF4-FFF2-40B4-BE49-F238E27FC236}">
-                <a16:creationId xmlns:a16="http://schemas.microsoft.com/office/drawing/2014/main" id="{DB627359-6C97-4296-9184-B3AD6597A852}"/>
+                <a16:creationId xmlns:a16="http://schemas.microsoft.com/office/drawing/2014/main" xmlns="" id="{21BE00E3-964A-4B0C-91DF-0995FE1A33AE}"/>
               </a:ext>
             </a:extLst>
           </p:cNvPr>
@@ -10460,17 +10972,17 @@
           <a:p>
             <a:r>
               <a:rPr lang="en-US" dirty="0"/>
-              <a:t>Module Versioning</a:t>
-            </a:r>
-          </a:p>
-        </p:txBody>
-      </p:sp>
-      <p:sp>
-        <p:nvSpPr>
-          <p:cNvPr id="5" name="Content Placeholder 4">
+              <a:t>Deployment</a:t>
+            </a:r>
+          </a:p>
+        </p:txBody>
+      </p:sp>
+      <p:sp>
+        <p:nvSpPr>
+          <p:cNvPr id="5" name="Text Placeholder 4">
             <a:extLst>
               <a:ext uri="{FF2B5EF4-FFF2-40B4-BE49-F238E27FC236}">
-                <a16:creationId xmlns:a16="http://schemas.microsoft.com/office/drawing/2014/main" id="{16B0312C-16A0-4E30-A9D9-A33836885137}"/>
+                <a16:creationId xmlns:a16="http://schemas.microsoft.com/office/drawing/2014/main" xmlns="" id="{01C1CA5F-04A6-484F-8BEB-CAEF0AB0E550}"/>
               </a:ext>
             </a:extLst>
           </p:cNvPr>
@@ -10478,7 +10990,7 @@
             <a:spLocks noGrp="1"/>
           </p:cNvSpPr>
           <p:nvPr>
-            <p:ph idx="1"/>
+            <p:ph type="body" idx="1"/>
           </p:nvPr>
         </p:nvSpPr>
         <p:spPr/>
@@ -10493,7 +11005,7 @@
     </p:spTree>
     <p:extLst>
       <p:ext uri="{BB962C8B-B14F-4D97-AF65-F5344CB8AC3E}">
-        <p14:creationId xmlns:p14="http://schemas.microsoft.com/office/powerpoint/2010/main" val="2464439320"/>
+        <p14:creationId xmlns:p14="http://schemas.microsoft.com/office/powerpoint/2010/main" val="2140673601"/>
       </p:ext>
     </p:extLst>
   </p:cSld>
@@ -10525,7 +11037,7 @@
           <p:cNvPr id="4" name="Title 3">
             <a:extLst>
               <a:ext uri="{FF2B5EF4-FFF2-40B4-BE49-F238E27FC236}">
-                <a16:creationId xmlns:a16="http://schemas.microsoft.com/office/drawing/2014/main" id="{9D952EE2-98FE-4AFF-A813-554140860B41}"/>
+                <a16:creationId xmlns:a16="http://schemas.microsoft.com/office/drawing/2014/main" xmlns="" id="{DB627359-6C97-4296-9184-B3AD6597A852}"/>
               </a:ext>
             </a:extLst>
           </p:cNvPr>
@@ -10543,17 +11055,17 @@
           <a:p>
             <a:r>
               <a:rPr lang="en-US" dirty="0"/>
-              <a:t>Using Custom Modules</a:t>
-            </a:r>
-          </a:p>
-        </p:txBody>
-      </p:sp>
-      <p:sp>
-        <p:nvSpPr>
-          <p:cNvPr id="5" name="Text Placeholder 4">
+              <a:t>NPM</a:t>
+            </a:r>
+          </a:p>
+        </p:txBody>
+      </p:sp>
+      <p:sp>
+        <p:nvSpPr>
+          <p:cNvPr id="5" name="Content Placeholder 4">
             <a:extLst>
               <a:ext uri="{FF2B5EF4-FFF2-40B4-BE49-F238E27FC236}">
-                <a16:creationId xmlns:a16="http://schemas.microsoft.com/office/drawing/2014/main" id="{BB8B937B-061C-4594-84DE-938E81539DE6}"/>
+                <a16:creationId xmlns:a16="http://schemas.microsoft.com/office/drawing/2014/main" xmlns="" id="{16B0312C-16A0-4E30-A9D9-A33836885137}"/>
               </a:ext>
             </a:extLst>
           </p:cNvPr>
@@ -10561,7 +11073,7 @@
             <a:spLocks noGrp="1"/>
           </p:cNvSpPr>
           <p:nvPr>
-            <p:ph type="body" idx="1"/>
+            <p:ph idx="1"/>
           </p:nvPr>
         </p:nvSpPr>
         <p:spPr/>
@@ -10576,7 +11088,7 @@
     </p:spTree>
     <p:extLst>
       <p:ext uri="{BB962C8B-B14F-4D97-AF65-F5344CB8AC3E}">
-        <p14:creationId xmlns:p14="http://schemas.microsoft.com/office/powerpoint/2010/main" val="1699255247"/>
+        <p14:creationId xmlns:p14="http://schemas.microsoft.com/office/powerpoint/2010/main" val="853755397"/>
       </p:ext>
     </p:extLst>
   </p:cSld>
@@ -10608,7 +11120,7 @@
           <p:cNvPr id="2" name="Title 1">
             <a:extLst>
               <a:ext uri="{FF2B5EF4-FFF2-40B4-BE49-F238E27FC236}">
-                <a16:creationId xmlns:a16="http://schemas.microsoft.com/office/drawing/2014/main" id="{C01E7584-6162-4CF3-91C8-8324E2B7F32A}"/>
+                <a16:creationId xmlns:a16="http://schemas.microsoft.com/office/drawing/2014/main" xmlns="" id="{C01E7584-6162-4CF3-91C8-8324E2B7F32A}"/>
               </a:ext>
             </a:extLst>
           </p:cNvPr>
@@ -10644,7 +11156,7 @@
           <p:cNvPr id="3" name="Text Placeholder 2">
             <a:extLst>
               <a:ext uri="{FF2B5EF4-FFF2-40B4-BE49-F238E27FC236}">
-                <a16:creationId xmlns:a16="http://schemas.microsoft.com/office/drawing/2014/main" id="{B191F7E8-FCE9-4FEE-9350-83E92CCE9081}"/>
+                <a16:creationId xmlns:a16="http://schemas.microsoft.com/office/drawing/2014/main" xmlns="" id="{B191F7E8-FCE9-4FEE-9350-83E92CCE9081}"/>
               </a:ext>
             </a:extLst>
           </p:cNvPr>
@@ -10699,7 +11211,7 @@
           <p:cNvPr id="4" name="Title 3">
             <a:extLst>
               <a:ext uri="{FF2B5EF4-FFF2-40B4-BE49-F238E27FC236}">
-                <a16:creationId xmlns:a16="http://schemas.microsoft.com/office/drawing/2014/main" id="{986F3D6B-8A35-45FB-85C5-A8B78DF72C31}"/>
+                <a16:creationId xmlns:a16="http://schemas.microsoft.com/office/drawing/2014/main" xmlns="" id="{DB627359-6C97-4296-9184-B3AD6597A852}"/>
               </a:ext>
             </a:extLst>
           </p:cNvPr>
@@ -10717,7 +11229,7 @@
           <a:p>
             <a:r>
               <a:rPr lang="en-US" dirty="0"/>
-              <a:t>Reference via NPM</a:t>
+              <a:t>Local Environment</a:t>
             </a:r>
           </a:p>
         </p:txBody>
@@ -10727,7 +11239,7 @@
           <p:cNvPr id="5" name="Content Placeholder 4">
             <a:extLst>
               <a:ext uri="{FF2B5EF4-FFF2-40B4-BE49-F238E27FC236}">
-                <a16:creationId xmlns:a16="http://schemas.microsoft.com/office/drawing/2014/main" id="{9DB7E354-6AA6-4DC4-8F4A-A61950766BCD}"/>
+                <a16:creationId xmlns:a16="http://schemas.microsoft.com/office/drawing/2014/main" xmlns="" id="{16B0312C-16A0-4E30-A9D9-A33836885137}"/>
               </a:ext>
             </a:extLst>
           </p:cNvPr>
@@ -10750,7 +11262,7 @@
     </p:spTree>
     <p:extLst>
       <p:ext uri="{BB962C8B-B14F-4D97-AF65-F5344CB8AC3E}">
-        <p14:creationId xmlns:p14="http://schemas.microsoft.com/office/powerpoint/2010/main" val="540153043"/>
+        <p14:creationId xmlns:p14="http://schemas.microsoft.com/office/powerpoint/2010/main" val="2135764220"/>
       </p:ext>
     </p:extLst>
   </p:cSld>
@@ -10782,7 +11294,7 @@
           <p:cNvPr id="4" name="Title 3">
             <a:extLst>
               <a:ext uri="{FF2B5EF4-FFF2-40B4-BE49-F238E27FC236}">
-                <a16:creationId xmlns:a16="http://schemas.microsoft.com/office/drawing/2014/main" id="{B277C317-3B2A-4F94-B123-D39199EEB0CE}"/>
+                <a16:creationId xmlns:a16="http://schemas.microsoft.com/office/drawing/2014/main" xmlns="" id="{DB627359-6C97-4296-9184-B3AD6597A852}"/>
               </a:ext>
             </a:extLst>
           </p:cNvPr>
@@ -10800,7 +11312,7 @@
           <a:p>
             <a:r>
               <a:rPr lang="en-US" dirty="0"/>
-              <a:t>Reference via Local Environment</a:t>
+              <a:t>Module Versioning</a:t>
             </a:r>
           </a:p>
         </p:txBody>
@@ -10810,7 +11322,7 @@
           <p:cNvPr id="5" name="Content Placeholder 4">
             <a:extLst>
               <a:ext uri="{FF2B5EF4-FFF2-40B4-BE49-F238E27FC236}">
-                <a16:creationId xmlns:a16="http://schemas.microsoft.com/office/drawing/2014/main" id="{DF19D278-A4EA-4EB0-95A1-54E9CC11DD70}"/>
+                <a16:creationId xmlns:a16="http://schemas.microsoft.com/office/drawing/2014/main" xmlns="" id="{16B0312C-16A0-4E30-A9D9-A33836885137}"/>
               </a:ext>
             </a:extLst>
           </p:cNvPr>
@@ -10833,7 +11345,7 @@
     </p:spTree>
     <p:extLst>
       <p:ext uri="{BB962C8B-B14F-4D97-AF65-F5344CB8AC3E}">
-        <p14:creationId xmlns:p14="http://schemas.microsoft.com/office/powerpoint/2010/main" val="1977868073"/>
+        <p14:creationId xmlns:p14="http://schemas.microsoft.com/office/powerpoint/2010/main" val="2464439320"/>
       </p:ext>
     </p:extLst>
   </p:cSld>
@@ -10865,7 +11377,7 @@
           <p:cNvPr id="4" name="Title 3">
             <a:extLst>
               <a:ext uri="{FF2B5EF4-FFF2-40B4-BE49-F238E27FC236}">
-                <a16:creationId xmlns:a16="http://schemas.microsoft.com/office/drawing/2014/main" id="{B277C317-3B2A-4F94-B123-D39199EEB0CE}"/>
+                <a16:creationId xmlns:a16="http://schemas.microsoft.com/office/drawing/2014/main" xmlns="" id="{9D952EE2-98FE-4AFF-A813-554140860B41}"/>
               </a:ext>
             </a:extLst>
           </p:cNvPr>
@@ -10883,17 +11395,17 @@
           <a:p>
             <a:r>
               <a:rPr lang="en-US" dirty="0"/>
-              <a:t>Shared Module</a:t>
-            </a:r>
-          </a:p>
-        </p:txBody>
-      </p:sp>
-      <p:sp>
-        <p:nvSpPr>
-          <p:cNvPr id="5" name="Content Placeholder 4">
+              <a:t>Using Custom Modules</a:t>
+            </a:r>
+          </a:p>
+        </p:txBody>
+      </p:sp>
+      <p:sp>
+        <p:nvSpPr>
+          <p:cNvPr id="5" name="Text Placeholder 4">
             <a:extLst>
               <a:ext uri="{FF2B5EF4-FFF2-40B4-BE49-F238E27FC236}">
-                <a16:creationId xmlns:a16="http://schemas.microsoft.com/office/drawing/2014/main" id="{DF19D278-A4EA-4EB0-95A1-54E9CC11DD70}"/>
+                <a16:creationId xmlns:a16="http://schemas.microsoft.com/office/drawing/2014/main" xmlns="" id="{BB8B937B-061C-4594-84DE-938E81539DE6}"/>
               </a:ext>
             </a:extLst>
           </p:cNvPr>
@@ -10901,7 +11413,7 @@
             <a:spLocks noGrp="1"/>
           </p:cNvSpPr>
           <p:nvPr>
-            <p:ph idx="1"/>
+            <p:ph type="body" idx="1"/>
           </p:nvPr>
         </p:nvSpPr>
         <p:spPr/>
@@ -10916,7 +11428,7 @@
     </p:spTree>
     <p:extLst>
       <p:ext uri="{BB962C8B-B14F-4D97-AF65-F5344CB8AC3E}">
-        <p14:creationId xmlns:p14="http://schemas.microsoft.com/office/powerpoint/2010/main" val="2663862277"/>
+        <p14:creationId xmlns:p14="http://schemas.microsoft.com/office/powerpoint/2010/main" val="1699255247"/>
       </p:ext>
     </p:extLst>
   </p:cSld>
@@ -10948,7 +11460,7 @@
           <p:cNvPr id="4" name="Title 3">
             <a:extLst>
               <a:ext uri="{FF2B5EF4-FFF2-40B4-BE49-F238E27FC236}">
-                <a16:creationId xmlns:a16="http://schemas.microsoft.com/office/drawing/2014/main" id="{B277C317-3B2A-4F94-B123-D39199EEB0CE}"/>
+                <a16:creationId xmlns:a16="http://schemas.microsoft.com/office/drawing/2014/main" xmlns="" id="{986F3D6B-8A35-45FB-85C5-A8B78DF72C31}"/>
               </a:ext>
             </a:extLst>
           </p:cNvPr>
@@ -10966,7 +11478,7 @@
           <a:p>
             <a:r>
               <a:rPr lang="en-US" dirty="0"/>
-              <a:t>Core Module</a:t>
+              <a:t>Reference via NPM</a:t>
             </a:r>
           </a:p>
         </p:txBody>
@@ -10976,7 +11488,7 @@
           <p:cNvPr id="5" name="Content Placeholder 4">
             <a:extLst>
               <a:ext uri="{FF2B5EF4-FFF2-40B4-BE49-F238E27FC236}">
-                <a16:creationId xmlns:a16="http://schemas.microsoft.com/office/drawing/2014/main" id="{DF19D278-A4EA-4EB0-95A1-54E9CC11DD70}"/>
+                <a16:creationId xmlns:a16="http://schemas.microsoft.com/office/drawing/2014/main" xmlns="" id="{9DB7E354-6AA6-4DC4-8F4A-A61950766BCD}"/>
               </a:ext>
             </a:extLst>
           </p:cNvPr>
@@ -10999,7 +11511,7 @@
     </p:spTree>
     <p:extLst>
       <p:ext uri="{BB962C8B-B14F-4D97-AF65-F5344CB8AC3E}">
-        <p14:creationId xmlns:p14="http://schemas.microsoft.com/office/powerpoint/2010/main" val="780978500"/>
+        <p14:creationId xmlns:p14="http://schemas.microsoft.com/office/powerpoint/2010/main" val="540153043"/>
       </p:ext>
     </p:extLst>
   </p:cSld>
@@ -11031,7 +11543,7 @@
           <p:cNvPr id="4" name="Title 3">
             <a:extLst>
               <a:ext uri="{FF2B5EF4-FFF2-40B4-BE49-F238E27FC236}">
-                <a16:creationId xmlns:a16="http://schemas.microsoft.com/office/drawing/2014/main" id="{B277C317-3B2A-4F94-B123-D39199EEB0CE}"/>
+                <a16:creationId xmlns:a16="http://schemas.microsoft.com/office/drawing/2014/main" xmlns="" id="{B277C317-3B2A-4F94-B123-D39199EEB0CE}"/>
               </a:ext>
             </a:extLst>
           </p:cNvPr>
@@ -11049,7 +11561,7 @@
           <a:p>
             <a:r>
               <a:rPr lang="en-US" dirty="0"/>
-              <a:t>Providing Configuration</a:t>
+              <a:t>Reference via Local Environment</a:t>
             </a:r>
           </a:p>
         </p:txBody>
@@ -11059,7 +11571,7 @@
           <p:cNvPr id="5" name="Content Placeholder 4">
             <a:extLst>
               <a:ext uri="{FF2B5EF4-FFF2-40B4-BE49-F238E27FC236}">
-                <a16:creationId xmlns:a16="http://schemas.microsoft.com/office/drawing/2014/main" id="{DF19D278-A4EA-4EB0-95A1-54E9CC11DD70}"/>
+                <a16:creationId xmlns:a16="http://schemas.microsoft.com/office/drawing/2014/main" xmlns="" id="{DF19D278-A4EA-4EB0-95A1-54E9CC11DD70}"/>
               </a:ext>
             </a:extLst>
           </p:cNvPr>
@@ -11082,7 +11594,7 @@
     </p:spTree>
     <p:extLst>
       <p:ext uri="{BB962C8B-B14F-4D97-AF65-F5344CB8AC3E}">
-        <p14:creationId xmlns:p14="http://schemas.microsoft.com/office/powerpoint/2010/main" val="3551424189"/>
+        <p14:creationId xmlns:p14="http://schemas.microsoft.com/office/powerpoint/2010/main" val="1977868073"/>
       </p:ext>
     </p:extLst>
   </p:cSld>
@@ -11114,7 +11626,7 @@
           <p:cNvPr id="4" name="Title 3">
             <a:extLst>
               <a:ext uri="{FF2B5EF4-FFF2-40B4-BE49-F238E27FC236}">
-                <a16:creationId xmlns:a16="http://schemas.microsoft.com/office/drawing/2014/main" id="{1C8A3633-9936-4BB0-9262-4D1B692D02E3}"/>
+                <a16:creationId xmlns:a16="http://schemas.microsoft.com/office/drawing/2014/main" xmlns="" id="{B277C317-3B2A-4F94-B123-D39199EEB0CE}"/>
               </a:ext>
             </a:extLst>
           </p:cNvPr>
@@ -11132,17 +11644,17 @@
           <a:p>
             <a:r>
               <a:rPr lang="en-US" dirty="0"/>
-              <a:t>Resources</a:t>
-            </a:r>
-          </a:p>
-        </p:txBody>
-      </p:sp>
-      <p:sp>
-        <p:nvSpPr>
-          <p:cNvPr id="5" name="Text Placeholder 4">
+              <a:t>Shared Module</a:t>
+            </a:r>
+          </a:p>
+        </p:txBody>
+      </p:sp>
+      <p:sp>
+        <p:nvSpPr>
+          <p:cNvPr id="5" name="Content Placeholder 4">
             <a:extLst>
               <a:ext uri="{FF2B5EF4-FFF2-40B4-BE49-F238E27FC236}">
-                <a16:creationId xmlns:a16="http://schemas.microsoft.com/office/drawing/2014/main" id="{6BBFB1BC-36BD-4978-BBF6-7318531E89A6}"/>
+                <a16:creationId xmlns:a16="http://schemas.microsoft.com/office/drawing/2014/main" xmlns="" id="{DF19D278-A4EA-4EB0-95A1-54E9CC11DD70}"/>
               </a:ext>
             </a:extLst>
           </p:cNvPr>
@@ -11150,7 +11662,7 @@
             <a:spLocks noGrp="1"/>
           </p:cNvSpPr>
           <p:nvPr>
-            <p:ph type="body" idx="1"/>
+            <p:ph idx="1"/>
           </p:nvPr>
         </p:nvSpPr>
         <p:spPr/>
@@ -11165,7 +11677,7 @@
     </p:spTree>
     <p:extLst>
       <p:ext uri="{BB962C8B-B14F-4D97-AF65-F5344CB8AC3E}">
-        <p14:creationId xmlns:p14="http://schemas.microsoft.com/office/powerpoint/2010/main" val="1965638911"/>
+        <p14:creationId xmlns:p14="http://schemas.microsoft.com/office/powerpoint/2010/main" val="2663862277"/>
       </p:ext>
     </p:extLst>
   </p:cSld>
@@ -11197,7 +11709,7 @@
           <p:cNvPr id="4" name="Title 3">
             <a:extLst>
               <a:ext uri="{FF2B5EF4-FFF2-40B4-BE49-F238E27FC236}">
-                <a16:creationId xmlns:a16="http://schemas.microsoft.com/office/drawing/2014/main" id="{06F1107E-18AC-491F-9E66-0719E15ED872}"/>
+                <a16:creationId xmlns:a16="http://schemas.microsoft.com/office/drawing/2014/main" xmlns="" id="{B277C317-3B2A-4F94-B123-D39199EEB0CE}"/>
               </a:ext>
             </a:extLst>
           </p:cNvPr>
@@ -11215,7 +11727,7 @@
           <a:p>
             <a:r>
               <a:rPr lang="en-US" dirty="0"/>
-              <a:t>https://github.com/buildmotion</a:t>
+              <a:t>Core Module</a:t>
             </a:r>
           </a:p>
         </p:txBody>
@@ -11225,7 +11737,7 @@
           <p:cNvPr id="5" name="Content Placeholder 4">
             <a:extLst>
               <a:ext uri="{FF2B5EF4-FFF2-40B4-BE49-F238E27FC236}">
-                <a16:creationId xmlns:a16="http://schemas.microsoft.com/office/drawing/2014/main" id="{2D81C24B-5FC3-4E7E-9972-76F0122DFC68}"/>
+                <a16:creationId xmlns:a16="http://schemas.microsoft.com/office/drawing/2014/main" xmlns="" id="{DF19D278-A4EA-4EB0-95A1-54E9CC11DD70}"/>
               </a:ext>
             </a:extLst>
           </p:cNvPr>
@@ -11241,38 +11753,14 @@
           <a:bodyPr/>
           <a:lstStyle/>
           <a:p>
-            <a:r>
-              <a:rPr lang="en-US" dirty="0"/>
-              <a:t>references for each module typescript</a:t>
-            </a:r>
-          </a:p>
-          <a:p>
-            <a:r>
-              <a:rPr lang="en-US" dirty="0"/>
-              <a:t>reference application</a:t>
-            </a:r>
-          </a:p>
-          <a:p>
-            <a:r>
-              <a:rPr lang="en-US" dirty="0"/>
-              <a:t>starter kit for Angular Module</a:t>
-            </a:r>
-          </a:p>
-          <a:p>
-            <a:pPr marL="0" indent="0">
-              <a:buNone/>
-            </a:pPr>
-            <a:br>
-              <a:rPr lang="en-US" dirty="0"/>
-            </a:br>
-            <a:endParaRPr lang="en-US" dirty="0"/>
+            <a:endParaRPr lang="en-US"/>
           </a:p>
         </p:txBody>
       </p:sp>
     </p:spTree>
     <p:extLst>
       <p:ext uri="{BB962C8B-B14F-4D97-AF65-F5344CB8AC3E}">
-        <p14:creationId xmlns:p14="http://schemas.microsoft.com/office/powerpoint/2010/main" val="2532495305"/>
+        <p14:creationId xmlns:p14="http://schemas.microsoft.com/office/powerpoint/2010/main" val="780978500"/>
       </p:ext>
     </p:extLst>
   </p:cSld>
@@ -11304,7 +11792,7 @@
           <p:cNvPr id="4" name="Title 3">
             <a:extLst>
               <a:ext uri="{FF2B5EF4-FFF2-40B4-BE49-F238E27FC236}">
-                <a16:creationId xmlns:a16="http://schemas.microsoft.com/office/drawing/2014/main" id="{06F1107E-18AC-491F-9E66-0719E15ED872}"/>
+                <a16:creationId xmlns:a16="http://schemas.microsoft.com/office/drawing/2014/main" xmlns="" id="{B277C317-3B2A-4F94-B123-D39199EEB0CE}"/>
               </a:ext>
             </a:extLst>
           </p:cNvPr>
@@ -11322,7 +11810,7 @@
           <a:p>
             <a:r>
               <a:rPr lang="en-US" dirty="0"/>
-              <a:t>https://angularlicio.us</a:t>
+              <a:t>Providing Configuration</a:t>
             </a:r>
           </a:p>
         </p:txBody>
@@ -11332,7 +11820,7 @@
           <p:cNvPr id="5" name="Content Placeholder 4">
             <a:extLst>
               <a:ext uri="{FF2B5EF4-FFF2-40B4-BE49-F238E27FC236}">
-                <a16:creationId xmlns:a16="http://schemas.microsoft.com/office/drawing/2014/main" id="{2D81C24B-5FC3-4E7E-9972-76F0122DFC68}"/>
+                <a16:creationId xmlns:a16="http://schemas.microsoft.com/office/drawing/2014/main" xmlns="" id="{DF19D278-A4EA-4EB0-95A1-54E9CC11DD70}"/>
               </a:ext>
             </a:extLst>
           </p:cNvPr>
@@ -11348,35 +11836,14 @@
           <a:bodyPr/>
           <a:lstStyle/>
           <a:p>
-            <a:r>
-              <a:rPr lang="en-US" dirty="0"/>
-              <a:t>blog</a:t>
-            </a:r>
-          </a:p>
-          <a:p>
-            <a:r>
-              <a:rPr lang="en-US" dirty="0"/>
-              <a:t>book: Custom Angular Modules</a:t>
-            </a:r>
-          </a:p>
-          <a:p>
-            <a:r>
-              <a:rPr lang="en-US" dirty="0"/>
-              <a:t>quick guide PDF</a:t>
-            </a:r>
-          </a:p>
-          <a:p>
-            <a:r>
-              <a:rPr lang="en-US" dirty="0"/>
-              <a:t>podcasts</a:t>
-            </a:r>
+            <a:endParaRPr lang="en-US"/>
           </a:p>
         </p:txBody>
       </p:sp>
     </p:spTree>
     <p:extLst>
       <p:ext uri="{BB962C8B-B14F-4D97-AF65-F5344CB8AC3E}">
-        <p14:creationId xmlns:p14="http://schemas.microsoft.com/office/powerpoint/2010/main" val="3445308411"/>
+        <p14:creationId xmlns:p14="http://schemas.microsoft.com/office/powerpoint/2010/main" val="3551424189"/>
       </p:ext>
     </p:extLst>
   </p:cSld>
@@ -11408,7 +11875,7 @@
           <p:cNvPr id="4" name="Title 3">
             <a:extLst>
               <a:ext uri="{FF2B5EF4-FFF2-40B4-BE49-F238E27FC236}">
-                <a16:creationId xmlns:a16="http://schemas.microsoft.com/office/drawing/2014/main" id="{06F1107E-18AC-491F-9E66-0719E15ED872}"/>
+                <a16:creationId xmlns:a16="http://schemas.microsoft.com/office/drawing/2014/main" xmlns="" id="{1C8A3633-9936-4BB0-9262-4D1B692D02E3}"/>
               </a:ext>
             </a:extLst>
           </p:cNvPr>
@@ -11419,29 +11886,24 @@
             <p:ph type="title"/>
           </p:nvPr>
         </p:nvSpPr>
-        <p:spPr>
-          <a:xfrm>
-            <a:off x="646111" y="452718"/>
-            <a:ext cx="10056723" cy="1400530"/>
-          </a:xfrm>
-        </p:spPr>
-        <p:txBody>
-          <a:bodyPr/>
-          <a:lstStyle/>
-          <a:p>
-            <a:r>
-              <a:rPr lang="en-US" dirty="0"/>
-              <a:t>https://angularlicious.teachable.com</a:t>
-            </a:r>
-          </a:p>
-        </p:txBody>
-      </p:sp>
-      <p:sp>
-        <p:nvSpPr>
-          <p:cNvPr id="5" name="Content Placeholder 4">
+        <p:spPr/>
+        <p:txBody>
+          <a:bodyPr/>
+          <a:lstStyle/>
+          <a:p>
+            <a:r>
+              <a:rPr lang="en-US" dirty="0"/>
+              <a:t>Resources</a:t>
+            </a:r>
+          </a:p>
+        </p:txBody>
+      </p:sp>
+      <p:sp>
+        <p:nvSpPr>
+          <p:cNvPr id="5" name="Text Placeholder 4">
             <a:extLst>
               <a:ext uri="{FF2B5EF4-FFF2-40B4-BE49-F238E27FC236}">
-                <a16:creationId xmlns:a16="http://schemas.microsoft.com/office/drawing/2014/main" id="{2D81C24B-5FC3-4E7E-9972-76F0122DFC68}"/>
+                <a16:creationId xmlns:a16="http://schemas.microsoft.com/office/drawing/2014/main" xmlns="" id="{6BBFB1BC-36BD-4978-BBF6-7318531E89A6}"/>
               </a:ext>
             </a:extLst>
           </p:cNvPr>
@@ -11449,31 +11911,22 @@
             <a:spLocks noGrp="1"/>
           </p:cNvSpPr>
           <p:nvPr>
-            <p:ph idx="1"/>
-          </p:nvPr>
-        </p:nvSpPr>
-        <p:spPr/>
-        <p:txBody>
-          <a:bodyPr/>
-          <a:lstStyle/>
-          <a:p>
-            <a:r>
-              <a:rPr lang="en-US" dirty="0"/>
-              <a:t>Video Tutorials</a:t>
-            </a:r>
-          </a:p>
-          <a:p>
-            <a:r>
-              <a:rPr lang="en-US" dirty="0"/>
-              <a:t>PDF guides</a:t>
-            </a:r>
+            <p:ph type="body" idx="1"/>
+          </p:nvPr>
+        </p:nvSpPr>
+        <p:spPr/>
+        <p:txBody>
+          <a:bodyPr/>
+          <a:lstStyle/>
+          <a:p>
+            <a:endParaRPr lang="en-US"/>
           </a:p>
         </p:txBody>
       </p:sp>
     </p:spTree>
     <p:extLst>
       <p:ext uri="{BB962C8B-B14F-4D97-AF65-F5344CB8AC3E}">
-        <p14:creationId xmlns:p14="http://schemas.microsoft.com/office/powerpoint/2010/main" val="1525189172"/>
+        <p14:creationId xmlns:p14="http://schemas.microsoft.com/office/powerpoint/2010/main" val="1965638911"/>
       </p:ext>
     </p:extLst>
   </p:cSld>
@@ -11502,10 +11955,10 @@
       </p:grpSpPr>
       <p:sp>
         <p:nvSpPr>
-          <p:cNvPr id="7" name="Title 6">
+          <p:cNvPr id="4" name="Title 3">
             <a:extLst>
               <a:ext uri="{FF2B5EF4-FFF2-40B4-BE49-F238E27FC236}">
-                <a16:creationId xmlns:a16="http://schemas.microsoft.com/office/drawing/2014/main" id="{7059C8FD-C565-4E0A-97B0-23FE63396127}"/>
+                <a16:creationId xmlns:a16="http://schemas.microsoft.com/office/drawing/2014/main" xmlns="" id="{06F1107E-18AC-491F-9E66-0719E15ED872}"/>
               </a:ext>
             </a:extLst>
           </p:cNvPr>
@@ -11523,17 +11976,17 @@
           <a:p>
             <a:r>
               <a:rPr lang="en-US" dirty="0"/>
-              <a:t>Principles</a:t>
-            </a:r>
-          </a:p>
-        </p:txBody>
-      </p:sp>
-      <p:sp>
-        <p:nvSpPr>
-          <p:cNvPr id="8" name="Content Placeholder 7">
+              <a:t>https://github.com/buildmotion</a:t>
+            </a:r>
+          </a:p>
+        </p:txBody>
+      </p:sp>
+      <p:sp>
+        <p:nvSpPr>
+          <p:cNvPr id="5" name="Content Placeholder 4">
             <a:extLst>
               <a:ext uri="{FF2B5EF4-FFF2-40B4-BE49-F238E27FC236}">
-                <a16:creationId xmlns:a16="http://schemas.microsoft.com/office/drawing/2014/main" id="{E8C7AE57-2CEF-4898-8EA6-09DFDEBC0037}"/>
+                <a16:creationId xmlns:a16="http://schemas.microsoft.com/office/drawing/2014/main" xmlns="" id="{2D81C24B-5FC3-4E7E-9972-76F0122DFC68}"/>
               </a:ext>
             </a:extLst>
           </p:cNvPr>
@@ -11550,23 +12003,33 @@
           <a:lstStyle/>
           <a:p>
             <a:r>
-              <a:rPr lang="en-US" dirty="0">
-                <a:hlinkClick r:id="rId2"/>
-              </a:rPr>
-              <a:t>DRY</a:t>
-            </a:r>
-            <a:r>
-              <a:rPr lang="en-US" dirty="0"/>
-              <a:t> (Don’t Repeat Yourself)</a:t>
-            </a:r>
-          </a:p>
-          <a:p>
-            <a:r>
-              <a:rPr lang="en-US" dirty="0">
-                <a:hlinkClick r:id="rId3"/>
-              </a:rPr>
-              <a:t>SOLID Principles</a:t>
-            </a:r>
+              <a:rPr lang="en-US" dirty="0"/>
+              <a:t>references for each module typescript</a:t>
+            </a:r>
+          </a:p>
+          <a:p>
+            <a:r>
+              <a:rPr lang="en-US" dirty="0"/>
+              <a:t>reference application</a:t>
+            </a:r>
+          </a:p>
+          <a:p>
+            <a:r>
+              <a:rPr lang="en-US" dirty="0"/>
+              <a:t>starter kit for Angular Module</a:t>
+            </a:r>
+          </a:p>
+          <a:p>
+            <a:pPr marL="0" indent="0">
+              <a:buNone/>
+            </a:pPr>
+            <a:r>
+              <a:rPr lang="en-US" dirty="0"/>
+              <a:t/>
+            </a:r>
+            <a:br>
+              <a:rPr lang="en-US" dirty="0"/>
+            </a:br>
             <a:endParaRPr lang="en-US" dirty="0"/>
           </a:p>
         </p:txBody>
@@ -11574,7 +12037,7 @@
     </p:spTree>
     <p:extLst>
       <p:ext uri="{BB962C8B-B14F-4D97-AF65-F5344CB8AC3E}">
-        <p14:creationId xmlns:p14="http://schemas.microsoft.com/office/powerpoint/2010/main" val="2509080507"/>
+        <p14:creationId xmlns:p14="http://schemas.microsoft.com/office/powerpoint/2010/main" val="2532495305"/>
       </p:ext>
     </p:extLst>
   </p:cSld>
@@ -11606,7 +12069,7 @@
           <p:cNvPr id="4" name="Title 3">
             <a:extLst>
               <a:ext uri="{FF2B5EF4-FFF2-40B4-BE49-F238E27FC236}">
-                <a16:creationId xmlns:a16="http://schemas.microsoft.com/office/drawing/2014/main" id="{D8756094-9621-4DC1-A23F-C5CC45B89974}"/>
+                <a16:creationId xmlns:a16="http://schemas.microsoft.com/office/drawing/2014/main" xmlns="" id="{D8756094-9621-4DC1-A23F-C5CC45B89974}"/>
               </a:ext>
             </a:extLst>
           </p:cNvPr>
@@ -11636,7 +12099,7 @@
           <p:cNvPr id="5" name="Content Placeholder 4">
             <a:extLst>
               <a:ext uri="{FF2B5EF4-FFF2-40B4-BE49-F238E27FC236}">
-                <a16:creationId xmlns:a16="http://schemas.microsoft.com/office/drawing/2014/main" id="{9CF56606-5311-4DEC-934B-0E6021746F4D}"/>
+                <a16:creationId xmlns:a16="http://schemas.microsoft.com/office/drawing/2014/main" xmlns="" id="{9CF56606-5311-4DEC-934B-0E6021746F4D}"/>
               </a:ext>
             </a:extLst>
           </p:cNvPr>
@@ -11720,6 +12183,430 @@
   <p:clrMapOvr>
     <a:masterClrMapping/>
   </p:clrMapOvr>
+</p:sld>
+</file>
+
+<file path=ppt/slides/slide60.xml><?xml version="1.0" encoding="utf-8"?>
+<p:sld xmlns:a="http://schemas.openxmlformats.org/drawingml/2006/main" xmlns:r="http://schemas.openxmlformats.org/officeDocument/2006/relationships" xmlns:p="http://schemas.openxmlformats.org/presentationml/2006/main">
+  <p:cSld>
+    <p:spTree>
+      <p:nvGrpSpPr>
+        <p:cNvPr id="1" name=""/>
+        <p:cNvGrpSpPr/>
+        <p:nvPr/>
+      </p:nvGrpSpPr>
+      <p:grpSpPr>
+        <a:xfrm>
+          <a:off x="0" y="0"/>
+          <a:ext cx="0" cy="0"/>
+          <a:chOff x="0" y="0"/>
+          <a:chExt cx="0" cy="0"/>
+        </a:xfrm>
+      </p:grpSpPr>
+      <p:sp>
+        <p:nvSpPr>
+          <p:cNvPr id="4" name="Title 3">
+            <a:extLst>
+              <a:ext uri="{FF2B5EF4-FFF2-40B4-BE49-F238E27FC236}">
+                <a16:creationId xmlns:a16="http://schemas.microsoft.com/office/drawing/2014/main" xmlns="" id="{06F1107E-18AC-491F-9E66-0719E15ED872}"/>
+              </a:ext>
+            </a:extLst>
+          </p:cNvPr>
+          <p:cNvSpPr>
+            <a:spLocks noGrp="1"/>
+          </p:cNvSpPr>
+          <p:nvPr>
+            <p:ph type="title"/>
+          </p:nvPr>
+        </p:nvSpPr>
+        <p:spPr/>
+        <p:txBody>
+          <a:bodyPr/>
+          <a:lstStyle/>
+          <a:p>
+            <a:r>
+              <a:rPr lang="en-US" dirty="0"/>
+              <a:t>https://angularlicio.us</a:t>
+            </a:r>
+          </a:p>
+        </p:txBody>
+      </p:sp>
+      <p:sp>
+        <p:nvSpPr>
+          <p:cNvPr id="5" name="Content Placeholder 4">
+            <a:extLst>
+              <a:ext uri="{FF2B5EF4-FFF2-40B4-BE49-F238E27FC236}">
+                <a16:creationId xmlns:a16="http://schemas.microsoft.com/office/drawing/2014/main" xmlns="" id="{2D81C24B-5FC3-4E7E-9972-76F0122DFC68}"/>
+              </a:ext>
+            </a:extLst>
+          </p:cNvPr>
+          <p:cNvSpPr>
+            <a:spLocks noGrp="1"/>
+          </p:cNvSpPr>
+          <p:nvPr>
+            <p:ph idx="1"/>
+          </p:nvPr>
+        </p:nvSpPr>
+        <p:spPr/>
+        <p:txBody>
+          <a:bodyPr/>
+          <a:lstStyle/>
+          <a:p>
+            <a:r>
+              <a:rPr lang="en-US" dirty="0"/>
+              <a:t>blog</a:t>
+            </a:r>
+          </a:p>
+          <a:p>
+            <a:r>
+              <a:rPr lang="en-US" dirty="0"/>
+              <a:t>book: Custom Angular Modules</a:t>
+            </a:r>
+          </a:p>
+          <a:p>
+            <a:r>
+              <a:rPr lang="en-US" dirty="0"/>
+              <a:t>quick guide PDF</a:t>
+            </a:r>
+          </a:p>
+          <a:p>
+            <a:r>
+              <a:rPr lang="en-US" dirty="0"/>
+              <a:t>podcasts</a:t>
+            </a:r>
+          </a:p>
+        </p:txBody>
+      </p:sp>
+    </p:spTree>
+    <p:extLst>
+      <p:ext uri="{BB962C8B-B14F-4D97-AF65-F5344CB8AC3E}">
+        <p14:creationId xmlns:p14="http://schemas.microsoft.com/office/powerpoint/2010/main" val="3445308411"/>
+      </p:ext>
+    </p:extLst>
+  </p:cSld>
+  <p:clrMapOvr>
+    <a:masterClrMapping/>
+  </p:clrMapOvr>
+</p:sld>
+</file>
+
+<file path=ppt/slides/slide61.xml><?xml version="1.0" encoding="utf-8"?>
+<p:sld xmlns:a="http://schemas.openxmlformats.org/drawingml/2006/main" xmlns:r="http://schemas.openxmlformats.org/officeDocument/2006/relationships" xmlns:p="http://schemas.openxmlformats.org/presentationml/2006/main">
+  <p:cSld>
+    <p:spTree>
+      <p:nvGrpSpPr>
+        <p:cNvPr id="1" name=""/>
+        <p:cNvGrpSpPr/>
+        <p:nvPr/>
+      </p:nvGrpSpPr>
+      <p:grpSpPr>
+        <a:xfrm>
+          <a:off x="0" y="0"/>
+          <a:ext cx="0" cy="0"/>
+          <a:chOff x="0" y="0"/>
+          <a:chExt cx="0" cy="0"/>
+        </a:xfrm>
+      </p:grpSpPr>
+      <p:sp>
+        <p:nvSpPr>
+          <p:cNvPr id="4" name="Title 3">
+            <a:extLst>
+              <a:ext uri="{FF2B5EF4-FFF2-40B4-BE49-F238E27FC236}">
+                <a16:creationId xmlns:a16="http://schemas.microsoft.com/office/drawing/2014/main" xmlns="" id="{06F1107E-18AC-491F-9E66-0719E15ED872}"/>
+              </a:ext>
+            </a:extLst>
+          </p:cNvPr>
+          <p:cNvSpPr>
+            <a:spLocks noGrp="1"/>
+          </p:cNvSpPr>
+          <p:nvPr>
+            <p:ph type="title"/>
+          </p:nvPr>
+        </p:nvSpPr>
+        <p:spPr>
+          <a:xfrm>
+            <a:off x="646111" y="452718"/>
+            <a:ext cx="10056723" cy="1400530"/>
+          </a:xfrm>
+        </p:spPr>
+        <p:txBody>
+          <a:bodyPr/>
+          <a:lstStyle/>
+          <a:p>
+            <a:r>
+              <a:rPr lang="en-US" dirty="0"/>
+              <a:t>https://angularlicious.teachable.com</a:t>
+            </a:r>
+          </a:p>
+        </p:txBody>
+      </p:sp>
+      <p:sp>
+        <p:nvSpPr>
+          <p:cNvPr id="5" name="Content Placeholder 4">
+            <a:extLst>
+              <a:ext uri="{FF2B5EF4-FFF2-40B4-BE49-F238E27FC236}">
+                <a16:creationId xmlns:a16="http://schemas.microsoft.com/office/drawing/2014/main" xmlns="" id="{2D81C24B-5FC3-4E7E-9972-76F0122DFC68}"/>
+              </a:ext>
+            </a:extLst>
+          </p:cNvPr>
+          <p:cNvSpPr>
+            <a:spLocks noGrp="1"/>
+          </p:cNvSpPr>
+          <p:nvPr>
+            <p:ph idx="1"/>
+          </p:nvPr>
+        </p:nvSpPr>
+        <p:spPr/>
+        <p:txBody>
+          <a:bodyPr/>
+          <a:lstStyle/>
+          <a:p>
+            <a:r>
+              <a:rPr lang="en-US" dirty="0"/>
+              <a:t>Video Tutorials</a:t>
+            </a:r>
+          </a:p>
+          <a:p>
+            <a:r>
+              <a:rPr lang="en-US" dirty="0"/>
+              <a:t>PDF guides</a:t>
+            </a:r>
+          </a:p>
+        </p:txBody>
+      </p:sp>
+    </p:spTree>
+    <p:extLst>
+      <p:ext uri="{BB962C8B-B14F-4D97-AF65-F5344CB8AC3E}">
+        <p14:creationId xmlns:p14="http://schemas.microsoft.com/office/powerpoint/2010/main" val="1525189172"/>
+      </p:ext>
+    </p:extLst>
+  </p:cSld>
+  <p:clrMapOvr>
+    <a:masterClrMapping/>
+  </p:clrMapOvr>
+</p:sld>
+</file>
+
+<file path=ppt/slides/slide62.xml><?xml version="1.0" encoding="utf-8"?>
+<p:sld xmlns:a="http://schemas.openxmlformats.org/drawingml/2006/main" xmlns:r="http://schemas.openxmlformats.org/officeDocument/2006/relationships" xmlns:p="http://schemas.openxmlformats.org/presentationml/2006/main">
+  <p:cSld>
+    <p:spTree>
+      <p:nvGrpSpPr>
+        <p:cNvPr id="1" name=""/>
+        <p:cNvGrpSpPr/>
+        <p:nvPr/>
+      </p:nvGrpSpPr>
+      <p:grpSpPr>
+        <a:xfrm>
+          <a:off x="0" y="0"/>
+          <a:ext cx="0" cy="0"/>
+          <a:chOff x="0" y="0"/>
+          <a:chExt cx="0" cy="0"/>
+        </a:xfrm>
+      </p:grpSpPr>
+      <p:sp>
+        <p:nvSpPr>
+          <p:cNvPr id="7" name="Title 6">
+            <a:extLst>
+              <a:ext uri="{FF2B5EF4-FFF2-40B4-BE49-F238E27FC236}">
+                <a16:creationId xmlns:a16="http://schemas.microsoft.com/office/drawing/2014/main" xmlns="" id="{7059C8FD-C565-4E0A-97B0-23FE63396127}"/>
+              </a:ext>
+            </a:extLst>
+          </p:cNvPr>
+          <p:cNvSpPr>
+            <a:spLocks noGrp="1"/>
+          </p:cNvSpPr>
+          <p:nvPr>
+            <p:ph type="title"/>
+          </p:nvPr>
+        </p:nvSpPr>
+        <p:spPr/>
+        <p:txBody>
+          <a:bodyPr/>
+          <a:lstStyle/>
+          <a:p>
+            <a:r>
+              <a:rPr lang="en-US" dirty="0"/>
+              <a:t>Principles</a:t>
+            </a:r>
+          </a:p>
+        </p:txBody>
+      </p:sp>
+      <p:sp>
+        <p:nvSpPr>
+          <p:cNvPr id="8" name="Content Placeholder 7">
+            <a:extLst>
+              <a:ext uri="{FF2B5EF4-FFF2-40B4-BE49-F238E27FC236}">
+                <a16:creationId xmlns:a16="http://schemas.microsoft.com/office/drawing/2014/main" xmlns="" id="{E8C7AE57-2CEF-4898-8EA6-09DFDEBC0037}"/>
+              </a:ext>
+            </a:extLst>
+          </p:cNvPr>
+          <p:cNvSpPr>
+            <a:spLocks noGrp="1"/>
+          </p:cNvSpPr>
+          <p:nvPr>
+            <p:ph idx="1"/>
+          </p:nvPr>
+        </p:nvSpPr>
+        <p:spPr/>
+        <p:txBody>
+          <a:bodyPr/>
+          <a:lstStyle/>
+          <a:p>
+            <a:r>
+              <a:rPr lang="en-US" dirty="0">
+                <a:hlinkClick r:id="rId2"/>
+              </a:rPr>
+              <a:t>DRY</a:t>
+            </a:r>
+            <a:r>
+              <a:rPr lang="en-US" dirty="0"/>
+              <a:t> (Don’t Repeat Yourself)</a:t>
+            </a:r>
+          </a:p>
+          <a:p>
+            <a:r>
+              <a:rPr lang="en-US" dirty="0">
+                <a:hlinkClick r:id="rId3"/>
+              </a:rPr>
+              <a:t>SOLID Principles</a:t>
+            </a:r>
+            <a:endParaRPr lang="en-US" dirty="0"/>
+          </a:p>
+        </p:txBody>
+      </p:sp>
+    </p:spTree>
+    <p:extLst>
+      <p:ext uri="{BB962C8B-B14F-4D97-AF65-F5344CB8AC3E}">
+        <p14:creationId xmlns:p14="http://schemas.microsoft.com/office/powerpoint/2010/main" val="2509080507"/>
+      </p:ext>
+    </p:extLst>
+  </p:cSld>
+  <p:clrMapOvr>
+    <a:masterClrMapping/>
+  </p:clrMapOvr>
+  <p:timing>
+    <p:tnLst>
+      <p:par>
+        <p:cTn id="1" dur="indefinite" restart="never" nodeType="tmRoot"/>
+      </p:par>
+    </p:tnLst>
+  </p:timing>
+</p:sld>
+</file>
+
+<file path=ppt/slides/slide63.xml><?xml version="1.0" encoding="utf-8"?>
+<p:sld xmlns:a="http://schemas.openxmlformats.org/drawingml/2006/main" xmlns:r="http://schemas.openxmlformats.org/officeDocument/2006/relationships" xmlns:p="http://schemas.openxmlformats.org/presentationml/2006/main">
+  <p:cSld>
+    <p:spTree>
+      <p:nvGrpSpPr>
+        <p:cNvPr id="1" name=""/>
+        <p:cNvGrpSpPr/>
+        <p:nvPr/>
+      </p:nvGrpSpPr>
+      <p:grpSpPr>
+        <a:xfrm>
+          <a:off x="0" y="0"/>
+          <a:ext cx="0" cy="0"/>
+          <a:chOff x="0" y="0"/>
+          <a:chExt cx="0" cy="0"/>
+        </a:xfrm>
+      </p:grpSpPr>
+      <p:sp>
+        <p:nvSpPr>
+          <p:cNvPr id="7" name="Title 6">
+            <a:extLst>
+              <a:ext uri="{FF2B5EF4-FFF2-40B4-BE49-F238E27FC236}">
+                <a16:creationId xmlns:a16="http://schemas.microsoft.com/office/drawing/2014/main" xmlns="" id="{7059C8FD-C565-4E0A-97B0-23FE63396127}"/>
+              </a:ext>
+            </a:extLst>
+          </p:cNvPr>
+          <p:cNvSpPr>
+            <a:spLocks noGrp="1"/>
+          </p:cNvSpPr>
+          <p:nvPr>
+            <p:ph type="title"/>
+          </p:nvPr>
+        </p:nvSpPr>
+        <p:spPr/>
+        <p:txBody>
+          <a:bodyPr/>
+          <a:lstStyle/>
+          <a:p>
+            <a:r>
+              <a:rPr lang="en-US" dirty="0" smtClean="0"/>
+              <a:t>References</a:t>
+            </a:r>
+            <a:endParaRPr lang="en-US" dirty="0"/>
+          </a:p>
+        </p:txBody>
+      </p:sp>
+      <p:sp>
+        <p:nvSpPr>
+          <p:cNvPr id="8" name="Content Placeholder 7">
+            <a:extLst>
+              <a:ext uri="{FF2B5EF4-FFF2-40B4-BE49-F238E27FC236}">
+                <a16:creationId xmlns:a16="http://schemas.microsoft.com/office/drawing/2014/main" xmlns="" id="{E8C7AE57-2CEF-4898-8EA6-09DFDEBC0037}"/>
+              </a:ext>
+            </a:extLst>
+          </p:cNvPr>
+          <p:cNvSpPr>
+            <a:spLocks noGrp="1"/>
+          </p:cNvSpPr>
+          <p:nvPr>
+            <p:ph idx="1"/>
+          </p:nvPr>
+        </p:nvSpPr>
+        <p:spPr/>
+        <p:txBody>
+          <a:bodyPr/>
+          <a:lstStyle/>
+          <a:p>
+            <a:r>
+              <a:rPr lang="en-US" dirty="0" smtClean="0">
+                <a:hlinkClick r:id="rId2"/>
+              </a:rPr>
+              <a:t>Cored and Shared modules</a:t>
+            </a:r>
+            <a:r>
+              <a:rPr lang="en-US" dirty="0" smtClean="0"/>
+              <a:t>.</a:t>
+            </a:r>
+          </a:p>
+          <a:p>
+            <a:r>
+              <a:rPr lang="en-US" dirty="0">
+                <a:hlinkClick r:id="rId3"/>
+              </a:rPr>
+              <a:t>What kinds of modules should I have and how should I use them?</a:t>
+            </a:r>
+            <a:endParaRPr lang="en-US" dirty="0"/>
+          </a:p>
+          <a:p>
+            <a:endParaRPr lang="en-US" dirty="0" smtClean="0"/>
+          </a:p>
+          <a:p>
+            <a:endParaRPr lang="en-US" dirty="0"/>
+          </a:p>
+        </p:txBody>
+      </p:sp>
+    </p:spTree>
+    <p:extLst>
+      <p:ext uri="{BB962C8B-B14F-4D97-AF65-F5344CB8AC3E}">
+        <p14:creationId xmlns:p14="http://schemas.microsoft.com/office/powerpoint/2010/main" val="170933270"/>
+      </p:ext>
+    </p:extLst>
+  </p:cSld>
+  <p:clrMapOvr>
+    <a:masterClrMapping/>
+  </p:clrMapOvr>
+  <p:timing>
+    <p:tnLst>
+      <p:par>
+        <p:cTn id="1" dur="indefinite" restart="never" nodeType="tmRoot"/>
+      </p:par>
+    </p:tnLst>
+  </p:timing>
 </p:sld>
 </file>
 
@@ -11745,7 +12632,7 @@
           <p:cNvPr id="4" name="Title 3">
             <a:extLst>
               <a:ext uri="{FF2B5EF4-FFF2-40B4-BE49-F238E27FC236}">
-                <a16:creationId xmlns:a16="http://schemas.microsoft.com/office/drawing/2014/main" id="{AEA28458-0326-4A2E-8CB6-E137659F6063}"/>
+                <a16:creationId xmlns:a16="http://schemas.microsoft.com/office/drawing/2014/main" xmlns="" id="{D8756094-9621-4DC1-A23F-C5CC45B89974}"/>
               </a:ext>
             </a:extLst>
           </p:cNvPr>
@@ -11758,22 +12645,25 @@
         </p:nvSpPr>
         <p:spPr/>
         <p:txBody>
-          <a:bodyPr/>
-          <a:lstStyle/>
-          <a:p>
-            <a:r>
-              <a:rPr lang="en-US" dirty="0"/>
-              <a:t>Goals and Strategy</a:t>
-            </a:r>
-          </a:p>
-        </p:txBody>
-      </p:sp>
-      <p:sp>
-        <p:nvSpPr>
-          <p:cNvPr id="5" name="Text Placeholder 4">
+          <a:bodyPr>
+            <a:normAutofit/>
+          </a:bodyPr>
+          <a:lstStyle/>
+          <a:p>
+            <a:r>
+              <a:rPr lang="en-US" dirty="0" smtClean="0"/>
+              <a:t>Software Transmitted Defects</a:t>
+            </a:r>
+            <a:endParaRPr lang="en-US" dirty="0"/>
+          </a:p>
+        </p:txBody>
+      </p:sp>
+      <p:sp>
+        <p:nvSpPr>
+          <p:cNvPr id="5" name="Content Placeholder 4">
             <a:extLst>
               <a:ext uri="{FF2B5EF4-FFF2-40B4-BE49-F238E27FC236}">
-                <a16:creationId xmlns:a16="http://schemas.microsoft.com/office/drawing/2014/main" id="{7CC224BA-F94D-442D-AFCF-C6A7D31E20E9}"/>
+                <a16:creationId xmlns:a16="http://schemas.microsoft.com/office/drawing/2014/main" xmlns="" id="{9CF56606-5311-4DEC-934B-0E6021746F4D}"/>
               </a:ext>
             </a:extLst>
           </p:cNvPr>
@@ -11781,25 +12671,76 @@
             <a:spLocks noGrp="1"/>
           </p:cNvSpPr>
           <p:nvPr>
-            <p:ph type="body" idx="1"/>
-          </p:nvPr>
-        </p:nvSpPr>
-        <p:spPr/>
-        <p:txBody>
-          <a:bodyPr/>
-          <a:lstStyle/>
-          <a:p>
-            <a:r>
-              <a:rPr lang="en-US" dirty="0"/>
-              <a:t>What are we trying to achieve?</a:t>
-            </a:r>
+            <p:ph idx="1"/>
+          </p:nvPr>
+        </p:nvSpPr>
+        <p:spPr/>
+        <p:txBody>
+          <a:bodyPr/>
+          <a:lstStyle/>
+          <a:p>
+            <a:r>
+              <a:rPr lang="en-US" dirty="0" smtClean="0"/>
+              <a:t>Code copied from one location to one or more </a:t>
+            </a:r>
+            <a:r>
+              <a:rPr lang="en-US" dirty="0" smtClean="0"/>
+              <a:t>different locations.</a:t>
+            </a:r>
+          </a:p>
+          <a:p>
+            <a:pPr lvl="1"/>
+            <a:r>
+              <a:rPr lang="en-US" dirty="0" smtClean="0"/>
+              <a:t>Code has defects.</a:t>
+            </a:r>
+          </a:p>
+          <a:p>
+            <a:pPr lvl="1"/>
+            <a:r>
+              <a:rPr lang="en-US" dirty="0" smtClean="0"/>
+              <a:t>Every place that the code is copied to now has the defect.</a:t>
+            </a:r>
+            <a:endParaRPr lang="en-US" dirty="0" smtClean="0"/>
+          </a:p>
+          <a:p>
+            <a:r>
+              <a:rPr lang="en-US" dirty="0" smtClean="0"/>
+              <a:t>Code needs to be extended.</a:t>
+            </a:r>
+          </a:p>
+          <a:p>
+            <a:pPr lvl="1"/>
+            <a:r>
+              <a:rPr lang="en-US" dirty="0" smtClean="0"/>
+              <a:t>The code will need to be updated in all places where it was copied.</a:t>
+            </a:r>
+          </a:p>
+          <a:p>
+            <a:r>
+              <a:rPr lang="en-US" dirty="0" smtClean="0"/>
+              <a:t>There is a cure for Software Transmitted Defects. </a:t>
+            </a:r>
+          </a:p>
+          <a:p>
+            <a:pPr lvl="1"/>
+            <a:r>
+              <a:rPr lang="en-US" dirty="0" smtClean="0"/>
+              <a:t>Practice safe programming – DO NOT COPY CODE.</a:t>
+            </a:r>
+          </a:p>
+          <a:p>
+            <a:endParaRPr lang="en-US" dirty="0"/>
+          </a:p>
+          <a:p>
+            <a:endParaRPr lang="en-US" dirty="0"/>
           </a:p>
         </p:txBody>
       </p:sp>
     </p:spTree>
     <p:extLst>
       <p:ext uri="{BB962C8B-B14F-4D97-AF65-F5344CB8AC3E}">
-        <p14:creationId xmlns:p14="http://schemas.microsoft.com/office/powerpoint/2010/main" val="3448371169"/>
+        <p14:creationId xmlns:p14="http://schemas.microsoft.com/office/powerpoint/2010/main" val="1227148599"/>
       </p:ext>
     </p:extLst>
   </p:cSld>
@@ -11831,7 +12772,7 @@
           <p:cNvPr id="4" name="Title 3">
             <a:extLst>
               <a:ext uri="{FF2B5EF4-FFF2-40B4-BE49-F238E27FC236}">
-                <a16:creationId xmlns:a16="http://schemas.microsoft.com/office/drawing/2014/main" id="{6240AE52-2211-4C46-8635-FD22D5C1D34C}"/>
+                <a16:creationId xmlns:a16="http://schemas.microsoft.com/office/drawing/2014/main" xmlns="" id="{AEA28458-0326-4A2E-8CB6-E137659F6063}"/>
               </a:ext>
             </a:extLst>
           </p:cNvPr>
@@ -11849,17 +12790,17 @@
           <a:p>
             <a:r>
               <a:rPr lang="en-US" dirty="0"/>
-              <a:t>Goals</a:t>
-            </a:r>
-          </a:p>
-        </p:txBody>
-      </p:sp>
-      <p:sp>
-        <p:nvSpPr>
-          <p:cNvPr id="5" name="Content Placeholder 4">
+              <a:t>Goals and Strategy</a:t>
+            </a:r>
+          </a:p>
+        </p:txBody>
+      </p:sp>
+      <p:sp>
+        <p:nvSpPr>
+          <p:cNvPr id="5" name="Text Placeholder 4">
             <a:extLst>
               <a:ext uri="{FF2B5EF4-FFF2-40B4-BE49-F238E27FC236}">
-                <a16:creationId xmlns:a16="http://schemas.microsoft.com/office/drawing/2014/main" id="{2D4ABA12-C92B-441E-90CA-859C5884328A}"/>
+                <a16:creationId xmlns:a16="http://schemas.microsoft.com/office/drawing/2014/main" xmlns="" id="{7CC224BA-F94D-442D-AFCF-C6A7D31E20E9}"/>
               </a:ext>
             </a:extLst>
           </p:cNvPr>
@@ -11867,35 +12808,17 @@
             <a:spLocks noGrp="1"/>
           </p:cNvSpPr>
           <p:nvPr>
-            <p:ph idx="1"/>
-          </p:nvPr>
-        </p:nvSpPr>
-        <p:spPr/>
-        <p:txBody>
-          <a:bodyPr/>
-          <a:lstStyle/>
-          <a:p>
-            <a:r>
-              <a:rPr lang="en-US" dirty="0"/>
-              <a:t>Great software solutions.</a:t>
-            </a:r>
-          </a:p>
-          <a:p>
-            <a:r>
-              <a:rPr lang="en-US" dirty="0"/>
-              <a:t>Efficient with our resources (time and people)</a:t>
-            </a:r>
-          </a:p>
-          <a:p>
-            <a:r>
-              <a:rPr lang="en-US" dirty="0"/>
-              <a:t>High quality software.</a:t>
-            </a:r>
-          </a:p>
-          <a:p>
-            <a:r>
-              <a:rPr lang="en-US" dirty="0"/>
-              <a:t>Share your amazing solutions.</a:t>
+            <p:ph type="body" idx="1"/>
+          </p:nvPr>
+        </p:nvSpPr>
+        <p:spPr/>
+        <p:txBody>
+          <a:bodyPr/>
+          <a:lstStyle/>
+          <a:p>
+            <a:r>
+              <a:rPr lang="en-US" dirty="0"/>
+              <a:t>What are we trying to achieve?</a:t>
             </a:r>
           </a:p>
         </p:txBody>
@@ -11903,7 +12826,7 @@
     </p:spTree>
     <p:extLst>
       <p:ext uri="{BB962C8B-B14F-4D97-AF65-F5344CB8AC3E}">
-        <p14:creationId xmlns:p14="http://schemas.microsoft.com/office/powerpoint/2010/main" val="2321644408"/>
+        <p14:creationId xmlns:p14="http://schemas.microsoft.com/office/powerpoint/2010/main" val="3448371169"/>
       </p:ext>
     </p:extLst>
   </p:cSld>
@@ -11935,7 +12858,7 @@
           <p:cNvPr id="4" name="Title 3">
             <a:extLst>
               <a:ext uri="{FF2B5EF4-FFF2-40B4-BE49-F238E27FC236}">
-                <a16:creationId xmlns:a16="http://schemas.microsoft.com/office/drawing/2014/main" id="{6240AE52-2211-4C46-8635-FD22D5C1D34C}"/>
+                <a16:creationId xmlns:a16="http://schemas.microsoft.com/office/drawing/2014/main" xmlns="" id="{6240AE52-2211-4C46-8635-FD22D5C1D34C}"/>
               </a:ext>
             </a:extLst>
           </p:cNvPr>
@@ -11953,7 +12876,7 @@
           <a:p>
             <a:r>
               <a:rPr lang="en-US" dirty="0"/>
-              <a:t>Strategy</a:t>
+              <a:t>Goals</a:t>
             </a:r>
           </a:p>
         </p:txBody>
@@ -11963,7 +12886,7 @@
           <p:cNvPr id="5" name="Content Placeholder 4">
             <a:extLst>
               <a:ext uri="{FF2B5EF4-FFF2-40B4-BE49-F238E27FC236}">
-                <a16:creationId xmlns:a16="http://schemas.microsoft.com/office/drawing/2014/main" id="{2D4ABA12-C92B-441E-90CA-859C5884328A}"/>
+                <a16:creationId xmlns:a16="http://schemas.microsoft.com/office/drawing/2014/main" xmlns="" id="{2D4ABA12-C92B-441E-90CA-859C5884328A}"/>
               </a:ext>
             </a:extLst>
           </p:cNvPr>
@@ -11976,67 +12899,38 @@
         </p:nvSpPr>
         <p:spPr/>
         <p:txBody>
-          <a:bodyPr>
-            <a:normAutofit/>
-          </a:bodyPr>
-          <a:lstStyle/>
-          <a:p>
-            <a:r>
-              <a:rPr lang="en-US" dirty="0"/>
-              <a:t>Reuse high quality components and services.</a:t>
-            </a:r>
-          </a:p>
-          <a:p>
-            <a:r>
-              <a:rPr lang="en-US" dirty="0"/>
-              <a:t>Leverage Angular tools and elements.</a:t>
-            </a:r>
-          </a:p>
-          <a:p>
-            <a:r>
-              <a:rPr lang="en-US" dirty="0"/>
-              <a:t>Better code</a:t>
-            </a:r>
-          </a:p>
-          <a:p>
-            <a:pPr lvl="1"/>
-            <a:r>
-              <a:rPr lang="en-US" dirty="0"/>
-              <a:t>Consistency</a:t>
-            </a:r>
-          </a:p>
-          <a:p>
-            <a:pPr lvl="1"/>
-            <a:r>
-              <a:rPr lang="en-US" dirty="0"/>
-              <a:t>Extensibility</a:t>
-            </a:r>
-          </a:p>
-          <a:p>
-            <a:pPr lvl="1"/>
-            <a:r>
-              <a:rPr lang="en-US" dirty="0"/>
-              <a:t>Maintainability</a:t>
-            </a:r>
-          </a:p>
-          <a:p>
-            <a:pPr lvl="1"/>
-            <a:r>
-              <a:rPr lang="en-US" dirty="0"/>
-              <a:t>Shareable</a:t>
-            </a:r>
-          </a:p>
-          <a:p>
-            <a:r>
-              <a:rPr lang="en-US" dirty="0"/>
-              <a:t>Practice and Principles</a:t>
-            </a:r>
-          </a:p>
-          <a:p>
-            <a:pPr lvl="1"/>
-            <a:r>
-              <a:rPr lang="en-US" dirty="0"/>
-              <a:t>DRY: Do not repeat yourself.</a:t>
+          <a:bodyPr/>
+          <a:lstStyle/>
+          <a:p>
+            <a:r>
+              <a:rPr lang="en-US" dirty="0"/>
+              <a:t>Great software solutions.</a:t>
+            </a:r>
+          </a:p>
+          <a:p>
+            <a:r>
+              <a:rPr lang="en-US" dirty="0"/>
+              <a:t>Efficient with our resources (time and people)</a:t>
+            </a:r>
+          </a:p>
+          <a:p>
+            <a:r>
+              <a:rPr lang="en-US" dirty="0"/>
+              <a:t>High </a:t>
+            </a:r>
+            <a:r>
+              <a:rPr lang="en-US" i="1" dirty="0"/>
+              <a:t>quality</a:t>
+            </a:r>
+            <a:r>
+              <a:rPr lang="en-US" dirty="0"/>
+              <a:t> software.</a:t>
+            </a:r>
+          </a:p>
+          <a:p>
+            <a:r>
+              <a:rPr lang="en-US" dirty="0"/>
+              <a:t>Share your amazing solutions.</a:t>
             </a:r>
           </a:p>
         </p:txBody>
@@ -12044,7 +12938,7 @@
     </p:spTree>
     <p:extLst>
       <p:ext uri="{BB962C8B-B14F-4D97-AF65-F5344CB8AC3E}">
-        <p14:creationId xmlns:p14="http://schemas.microsoft.com/office/powerpoint/2010/main" val="1088476030"/>
+        <p14:creationId xmlns:p14="http://schemas.microsoft.com/office/powerpoint/2010/main" val="2321644408"/>
       </p:ext>
     </p:extLst>
   </p:cSld>

--- a/presentation/custom-angular-modules.pptx
+++ b/presentation/custom-angular-modules.pptx
@@ -8736,14 +8736,61 @@
           <a:p>
             <a:r>
               <a:rPr lang="en-US" dirty="0"/>
-              <a:t>Where to get it? </a:t>
-            </a:r>
-          </a:p>
-          <a:p>
-            <a:r>
-              <a:rPr lang="en-US" dirty="0"/>
+              <a:t>Where to get it</a:t>
+            </a:r>
+            <a:r>
+              <a:rPr lang="en-US" dirty="0" smtClean="0"/>
+              <a:t>?</a:t>
+            </a:r>
+          </a:p>
+          <a:p>
+            <a:pPr lvl="1"/>
+            <a:r>
+              <a:rPr lang="en-US" dirty="0">
+                <a:hlinkClick r:id="rId2"/>
+              </a:rPr>
+              <a:t>https://nodejs.org/en/download</a:t>
+            </a:r>
+            <a:r>
+              <a:rPr lang="en-US" dirty="0" smtClean="0">
+                <a:hlinkClick r:id="rId2"/>
+              </a:rPr>
+              <a:t>/</a:t>
+            </a:r>
+            <a:r>
+              <a:rPr lang="en-US" dirty="0" smtClean="0"/>
+              <a:t> </a:t>
+            </a:r>
+          </a:p>
+          <a:p>
+            <a:pPr lvl="1"/>
+            <a:r>
+              <a:rPr lang="en-US" dirty="0" smtClean="0"/>
+              <a:t>Installs both node and </a:t>
+            </a:r>
+            <a:r>
+              <a:rPr lang="en-US" dirty="0" err="1" smtClean="0"/>
+              <a:t>npm</a:t>
+            </a:r>
+            <a:r>
+              <a:rPr lang="en-US" dirty="0" smtClean="0"/>
+              <a:t>. </a:t>
+            </a:r>
+            <a:endParaRPr lang="en-US" dirty="0"/>
+          </a:p>
+          <a:p>
+            <a:r>
+              <a:rPr lang="en-US" dirty="0" smtClean="0"/>
               <a:t>Version</a:t>
             </a:r>
+          </a:p>
+          <a:p>
+            <a:pPr lvl="1"/>
+            <a:r>
+              <a:rPr lang="en-US" dirty="0" smtClean="0"/>
+              <a:t>LTS (long-term support) version</a:t>
+            </a:r>
+            <a:endParaRPr lang="en-US" dirty="0"/>
           </a:p>
           <a:p>
             <a:r>
@@ -8834,14 +8881,55 @@
           <a:p>
             <a:r>
               <a:rPr lang="en-US" dirty="0"/>
-              <a:t>Where to get it? </a:t>
-            </a:r>
-          </a:p>
-          <a:p>
-            <a:r>
-              <a:rPr lang="en-US" dirty="0"/>
+              <a:t>Where to get it</a:t>
+            </a:r>
+            <a:r>
+              <a:rPr lang="en-US" dirty="0" smtClean="0"/>
+              <a:t>?</a:t>
+            </a:r>
+          </a:p>
+          <a:p>
+            <a:pPr lvl="1"/>
+            <a:r>
+              <a:rPr lang="en-US" sz="1400" dirty="0" err="1">
+                <a:latin typeface="Source Code Pro Light" panose="020B0409030403020204" pitchFamily="49" charset="0"/>
+                <a:ea typeface="Source Code Pro Light" panose="020B0409030403020204" pitchFamily="49" charset="0"/>
+              </a:rPr>
+              <a:t>npm</a:t>
+            </a:r>
+            <a:r>
+              <a:rPr lang="en-US" sz="1400" dirty="0">
+                <a:latin typeface="Source Code Pro Light" panose="020B0409030403020204" pitchFamily="49" charset="0"/>
+                <a:ea typeface="Source Code Pro Light" panose="020B0409030403020204" pitchFamily="49" charset="0"/>
+              </a:rPr>
+              <a:t> install -g typescript@'&gt;=2.4.2 &lt;2.5.0'</a:t>
+            </a:r>
+            <a:r>
+              <a:rPr lang="en-US" dirty="0"/>
+              <a:t>  </a:t>
+            </a:r>
+            <a:endParaRPr lang="en-US" dirty="0"/>
+          </a:p>
+          <a:p>
+            <a:r>
+              <a:rPr lang="en-US" dirty="0" smtClean="0"/>
               <a:t>Version</a:t>
             </a:r>
+          </a:p>
+          <a:p>
+            <a:pPr lvl="1"/>
+            <a:r>
+              <a:rPr lang="en-US" dirty="0" smtClean="0"/>
+              <a:t>Depends on version of other developer tools/modules.</a:t>
+            </a:r>
+          </a:p>
+          <a:p>
+            <a:pPr lvl="2"/>
+            <a:r>
+              <a:rPr lang="en-US" dirty="0" smtClean="0"/>
+              <a:t>@angular/cli, @angular/compiler, @angular/compiler-cli, @angular/core</a:t>
+            </a:r>
+            <a:endParaRPr lang="en-US" dirty="0"/>
           </a:p>
           <a:p>
             <a:r>
@@ -8897,7 +8985,12 @@
             <p:ph type="title"/>
           </p:nvPr>
         </p:nvSpPr>
-        <p:spPr/>
+        <p:spPr>
+          <a:xfrm>
+            <a:off x="646111" y="452718"/>
+            <a:ext cx="9404723" cy="713610"/>
+          </a:xfrm>
+        </p:spPr>
         <p:txBody>
           <a:bodyPr/>
           <a:lstStyle/>
@@ -8925,27 +9018,475 @@
             <p:ph idx="1"/>
           </p:nvPr>
         </p:nvSpPr>
-        <p:spPr/>
-        <p:txBody>
-          <a:bodyPr/>
-          <a:lstStyle/>
-          <a:p>
-            <a:r>
-              <a:rPr lang="en-US" dirty="0"/>
-              <a:t>Where to get it? </a:t>
-            </a:r>
-          </a:p>
-          <a:p>
-            <a:r>
-              <a:rPr lang="en-US" dirty="0"/>
+        <p:spPr>
+          <a:xfrm>
+            <a:off x="646112" y="1166328"/>
+            <a:ext cx="9403742" cy="5082072"/>
+          </a:xfrm>
+        </p:spPr>
+        <p:txBody>
+          <a:bodyPr>
+            <a:normAutofit fontScale="62500" lnSpcReduction="20000"/>
+          </a:bodyPr>
+          <a:lstStyle/>
+          <a:p>
+            <a:r>
+              <a:rPr lang="en-US" dirty="0"/>
+              <a:t>Where to get it</a:t>
+            </a:r>
+            <a:r>
+              <a:rPr lang="en-US" dirty="0" smtClean="0"/>
+              <a:t>?</a:t>
+            </a:r>
+          </a:p>
+          <a:p>
+            <a:pPr marL="457200" lvl="1" indent="0">
+              <a:buNone/>
+            </a:pPr>
+            <a:r>
+              <a:rPr lang="en-US" dirty="0" err="1">
+                <a:latin typeface="Source Code Pro Light" panose="020B0409030403020204" pitchFamily="49" charset="0"/>
+                <a:ea typeface="Source Code Pro Light" panose="020B0409030403020204" pitchFamily="49" charset="0"/>
+              </a:rPr>
+              <a:t>npm</a:t>
+            </a:r>
+            <a:r>
+              <a:rPr lang="en-US" dirty="0">
+                <a:latin typeface="Source Code Pro Light" panose="020B0409030403020204" pitchFamily="49" charset="0"/>
+                <a:ea typeface="Source Code Pro Light" panose="020B0409030403020204" pitchFamily="49" charset="0"/>
+              </a:rPr>
+              <a:t> install --save @angular/</a:t>
+            </a:r>
+            <a:r>
+              <a:rPr lang="en-US" dirty="0" err="1">
+                <a:latin typeface="Source Code Pro Light" panose="020B0409030403020204" pitchFamily="49" charset="0"/>
+                <a:ea typeface="Source Code Pro Light" panose="020B0409030403020204" pitchFamily="49" charset="0"/>
+              </a:rPr>
+              <a:t>common@latest</a:t>
+            </a:r>
+            <a:r>
+              <a:rPr lang="en-US" dirty="0">
+                <a:latin typeface="Source Code Pro Light" panose="020B0409030403020204" pitchFamily="49" charset="0"/>
+                <a:ea typeface="Source Code Pro Light" panose="020B0409030403020204" pitchFamily="49" charset="0"/>
+              </a:rPr>
+              <a:t> </a:t>
+            </a:r>
+          </a:p>
+          <a:p>
+            <a:pPr marL="457200" lvl="1" indent="0">
+              <a:buNone/>
+            </a:pPr>
+            <a:r>
+              <a:rPr lang="en-US" dirty="0" err="1">
+                <a:latin typeface="Source Code Pro Light" panose="020B0409030403020204" pitchFamily="49" charset="0"/>
+                <a:ea typeface="Source Code Pro Light" panose="020B0409030403020204" pitchFamily="49" charset="0"/>
+              </a:rPr>
+              <a:t>npm</a:t>
+            </a:r>
+            <a:r>
+              <a:rPr lang="en-US" dirty="0">
+                <a:latin typeface="Source Code Pro Light" panose="020B0409030403020204" pitchFamily="49" charset="0"/>
+                <a:ea typeface="Source Code Pro Light" panose="020B0409030403020204" pitchFamily="49" charset="0"/>
+              </a:rPr>
+              <a:t> install --save @angular/</a:t>
+            </a:r>
+            <a:r>
+              <a:rPr lang="en-US" dirty="0" err="1">
+                <a:latin typeface="Source Code Pro Light" panose="020B0409030403020204" pitchFamily="49" charset="0"/>
+                <a:ea typeface="Source Code Pro Light" panose="020B0409030403020204" pitchFamily="49" charset="0"/>
+              </a:rPr>
+              <a:t>compiler@latest</a:t>
+            </a:r>
+            <a:r>
+              <a:rPr lang="en-US" dirty="0">
+                <a:latin typeface="Source Code Pro Light" panose="020B0409030403020204" pitchFamily="49" charset="0"/>
+                <a:ea typeface="Source Code Pro Light" panose="020B0409030403020204" pitchFamily="49" charset="0"/>
+              </a:rPr>
+              <a:t> </a:t>
+            </a:r>
+          </a:p>
+          <a:p>
+            <a:pPr marL="457200" lvl="1" indent="0">
+              <a:buNone/>
+            </a:pPr>
+            <a:r>
+              <a:rPr lang="en-US" dirty="0" err="1">
+                <a:latin typeface="Source Code Pro Light" panose="020B0409030403020204" pitchFamily="49" charset="0"/>
+                <a:ea typeface="Source Code Pro Light" panose="020B0409030403020204" pitchFamily="49" charset="0"/>
+              </a:rPr>
+              <a:t>npm</a:t>
+            </a:r>
+            <a:r>
+              <a:rPr lang="en-US" dirty="0">
+                <a:latin typeface="Source Code Pro Light" panose="020B0409030403020204" pitchFamily="49" charset="0"/>
+                <a:ea typeface="Source Code Pro Light" panose="020B0409030403020204" pitchFamily="49" charset="0"/>
+              </a:rPr>
+              <a:t> install --save @angular/</a:t>
+            </a:r>
+            <a:r>
+              <a:rPr lang="en-US" dirty="0" err="1">
+                <a:latin typeface="Source Code Pro Light" panose="020B0409030403020204" pitchFamily="49" charset="0"/>
+                <a:ea typeface="Source Code Pro Light" panose="020B0409030403020204" pitchFamily="49" charset="0"/>
+              </a:rPr>
+              <a:t>compiler-cli@latest</a:t>
+            </a:r>
+            <a:r>
+              <a:rPr lang="en-US" dirty="0">
+                <a:latin typeface="Source Code Pro Light" panose="020B0409030403020204" pitchFamily="49" charset="0"/>
+                <a:ea typeface="Source Code Pro Light" panose="020B0409030403020204" pitchFamily="49" charset="0"/>
+              </a:rPr>
+              <a:t> </a:t>
+            </a:r>
+          </a:p>
+          <a:p>
+            <a:pPr marL="457200" lvl="1" indent="0">
+              <a:buNone/>
+            </a:pPr>
+            <a:r>
+              <a:rPr lang="en-US" dirty="0" err="1">
+                <a:latin typeface="Source Code Pro Light" panose="020B0409030403020204" pitchFamily="49" charset="0"/>
+                <a:ea typeface="Source Code Pro Light" panose="020B0409030403020204" pitchFamily="49" charset="0"/>
+              </a:rPr>
+              <a:t>npm</a:t>
+            </a:r>
+            <a:r>
+              <a:rPr lang="en-US" dirty="0">
+                <a:latin typeface="Source Code Pro Light" panose="020B0409030403020204" pitchFamily="49" charset="0"/>
+                <a:ea typeface="Source Code Pro Light" panose="020B0409030403020204" pitchFamily="49" charset="0"/>
+              </a:rPr>
+              <a:t> install --save @angular/</a:t>
+            </a:r>
+            <a:r>
+              <a:rPr lang="en-US" dirty="0" err="1">
+                <a:latin typeface="Source Code Pro Light" panose="020B0409030403020204" pitchFamily="49" charset="0"/>
+                <a:ea typeface="Source Code Pro Light" panose="020B0409030403020204" pitchFamily="49" charset="0"/>
+              </a:rPr>
+              <a:t>core@latest</a:t>
+            </a:r>
+            <a:r>
+              <a:rPr lang="en-US" dirty="0">
+                <a:latin typeface="Source Code Pro Light" panose="020B0409030403020204" pitchFamily="49" charset="0"/>
+                <a:ea typeface="Source Code Pro Light" panose="020B0409030403020204" pitchFamily="49" charset="0"/>
+              </a:rPr>
+              <a:t> </a:t>
+            </a:r>
+          </a:p>
+          <a:p>
+            <a:pPr marL="457200" lvl="1" indent="0">
+              <a:buNone/>
+            </a:pPr>
+            <a:r>
+              <a:rPr lang="en-US" dirty="0" err="1">
+                <a:latin typeface="Source Code Pro Light" panose="020B0409030403020204" pitchFamily="49" charset="0"/>
+                <a:ea typeface="Source Code Pro Light" panose="020B0409030403020204" pitchFamily="49" charset="0"/>
+              </a:rPr>
+              <a:t>npm</a:t>
+            </a:r>
+            <a:r>
+              <a:rPr lang="en-US" dirty="0">
+                <a:latin typeface="Source Code Pro Light" panose="020B0409030403020204" pitchFamily="49" charset="0"/>
+                <a:ea typeface="Source Code Pro Light" panose="020B0409030403020204" pitchFamily="49" charset="0"/>
+              </a:rPr>
+              <a:t> install --save @angular/</a:t>
+            </a:r>
+            <a:r>
+              <a:rPr lang="en-US" dirty="0" err="1">
+                <a:latin typeface="Source Code Pro Light" panose="020B0409030403020204" pitchFamily="49" charset="0"/>
+                <a:ea typeface="Source Code Pro Light" panose="020B0409030403020204" pitchFamily="49" charset="0"/>
+              </a:rPr>
+              <a:t>forms@latest</a:t>
+            </a:r>
+            <a:r>
+              <a:rPr lang="en-US" dirty="0">
+                <a:latin typeface="Source Code Pro Light" panose="020B0409030403020204" pitchFamily="49" charset="0"/>
+                <a:ea typeface="Source Code Pro Light" panose="020B0409030403020204" pitchFamily="49" charset="0"/>
+              </a:rPr>
+              <a:t> </a:t>
+            </a:r>
+          </a:p>
+          <a:p>
+            <a:pPr marL="457200" lvl="1" indent="0">
+              <a:buNone/>
+            </a:pPr>
+            <a:r>
+              <a:rPr lang="en-US" dirty="0" err="1">
+                <a:latin typeface="Source Code Pro Light" panose="020B0409030403020204" pitchFamily="49" charset="0"/>
+                <a:ea typeface="Source Code Pro Light" panose="020B0409030403020204" pitchFamily="49" charset="0"/>
+              </a:rPr>
+              <a:t>npm</a:t>
+            </a:r>
+            <a:r>
+              <a:rPr lang="en-US" dirty="0">
+                <a:latin typeface="Source Code Pro Light" panose="020B0409030403020204" pitchFamily="49" charset="0"/>
+                <a:ea typeface="Source Code Pro Light" panose="020B0409030403020204" pitchFamily="49" charset="0"/>
+              </a:rPr>
+              <a:t> install --save @angular/</a:t>
+            </a:r>
+            <a:r>
+              <a:rPr lang="en-US" dirty="0" err="1">
+                <a:latin typeface="Source Code Pro Light" panose="020B0409030403020204" pitchFamily="49" charset="0"/>
+                <a:ea typeface="Source Code Pro Light" panose="020B0409030403020204" pitchFamily="49" charset="0"/>
+              </a:rPr>
+              <a:t>http@latest</a:t>
+            </a:r>
+            <a:r>
+              <a:rPr lang="en-US" dirty="0">
+                <a:latin typeface="Source Code Pro Light" panose="020B0409030403020204" pitchFamily="49" charset="0"/>
+                <a:ea typeface="Source Code Pro Light" panose="020B0409030403020204" pitchFamily="49" charset="0"/>
+              </a:rPr>
+              <a:t> </a:t>
+            </a:r>
+          </a:p>
+          <a:p>
+            <a:pPr marL="457200" lvl="1" indent="0">
+              <a:buNone/>
+            </a:pPr>
+            <a:r>
+              <a:rPr lang="en-US" dirty="0" err="1">
+                <a:latin typeface="Source Code Pro Light" panose="020B0409030403020204" pitchFamily="49" charset="0"/>
+                <a:ea typeface="Source Code Pro Light" panose="020B0409030403020204" pitchFamily="49" charset="0"/>
+              </a:rPr>
+              <a:t>npm</a:t>
+            </a:r>
+            <a:r>
+              <a:rPr lang="en-US" dirty="0">
+                <a:latin typeface="Source Code Pro Light" panose="020B0409030403020204" pitchFamily="49" charset="0"/>
+                <a:ea typeface="Source Code Pro Light" panose="020B0409030403020204" pitchFamily="49" charset="0"/>
+              </a:rPr>
+              <a:t> install --save @angular/</a:t>
+            </a:r>
+            <a:r>
+              <a:rPr lang="en-US" dirty="0" err="1">
+                <a:latin typeface="Source Code Pro Light" panose="020B0409030403020204" pitchFamily="49" charset="0"/>
+                <a:ea typeface="Source Code Pro Light" panose="020B0409030403020204" pitchFamily="49" charset="0"/>
+              </a:rPr>
+              <a:t>platform-browser@latest</a:t>
+            </a:r>
+            <a:r>
+              <a:rPr lang="en-US" dirty="0">
+                <a:latin typeface="Source Code Pro Light" panose="020B0409030403020204" pitchFamily="49" charset="0"/>
+                <a:ea typeface="Source Code Pro Light" panose="020B0409030403020204" pitchFamily="49" charset="0"/>
+              </a:rPr>
+              <a:t> </a:t>
+            </a:r>
+          </a:p>
+          <a:p>
+            <a:pPr marL="457200" lvl="1" indent="0">
+              <a:buNone/>
+            </a:pPr>
+            <a:r>
+              <a:rPr lang="en-US" dirty="0" err="1">
+                <a:latin typeface="Source Code Pro Light" panose="020B0409030403020204" pitchFamily="49" charset="0"/>
+                <a:ea typeface="Source Code Pro Light" panose="020B0409030403020204" pitchFamily="49" charset="0"/>
+              </a:rPr>
+              <a:t>npm</a:t>
+            </a:r>
+            <a:r>
+              <a:rPr lang="en-US" dirty="0">
+                <a:latin typeface="Source Code Pro Light" panose="020B0409030403020204" pitchFamily="49" charset="0"/>
+                <a:ea typeface="Source Code Pro Light" panose="020B0409030403020204" pitchFamily="49" charset="0"/>
+              </a:rPr>
+              <a:t> install --save @angular/</a:t>
+            </a:r>
+            <a:r>
+              <a:rPr lang="en-US" dirty="0" err="1">
+                <a:latin typeface="Source Code Pro Light" panose="020B0409030403020204" pitchFamily="49" charset="0"/>
+                <a:ea typeface="Source Code Pro Light" panose="020B0409030403020204" pitchFamily="49" charset="0"/>
+              </a:rPr>
+              <a:t>platform-browser-dynamic@latest</a:t>
+            </a:r>
+            <a:r>
+              <a:rPr lang="en-US" dirty="0">
+                <a:latin typeface="Source Code Pro Light" panose="020B0409030403020204" pitchFamily="49" charset="0"/>
+                <a:ea typeface="Source Code Pro Light" panose="020B0409030403020204" pitchFamily="49" charset="0"/>
+              </a:rPr>
+              <a:t> </a:t>
+            </a:r>
+          </a:p>
+          <a:p>
+            <a:pPr marL="457200" lvl="1" indent="0">
+              <a:buNone/>
+            </a:pPr>
+            <a:r>
+              <a:rPr lang="en-US" dirty="0" err="1">
+                <a:latin typeface="Source Code Pro Light" panose="020B0409030403020204" pitchFamily="49" charset="0"/>
+                <a:ea typeface="Source Code Pro Light" panose="020B0409030403020204" pitchFamily="49" charset="0"/>
+              </a:rPr>
+              <a:t>npm</a:t>
+            </a:r>
+            <a:r>
+              <a:rPr lang="en-US" dirty="0">
+                <a:latin typeface="Source Code Pro Light" panose="020B0409030403020204" pitchFamily="49" charset="0"/>
+                <a:ea typeface="Source Code Pro Light" panose="020B0409030403020204" pitchFamily="49" charset="0"/>
+              </a:rPr>
+              <a:t> install --save @angular/</a:t>
+            </a:r>
+            <a:r>
+              <a:rPr lang="en-US" dirty="0" err="1">
+                <a:latin typeface="Source Code Pro Light" panose="020B0409030403020204" pitchFamily="49" charset="0"/>
+                <a:ea typeface="Source Code Pro Light" panose="020B0409030403020204" pitchFamily="49" charset="0"/>
+              </a:rPr>
+              <a:t>platform-server@latest</a:t>
+            </a:r>
+            <a:r>
+              <a:rPr lang="en-US" dirty="0">
+                <a:latin typeface="Source Code Pro Light" panose="020B0409030403020204" pitchFamily="49" charset="0"/>
+                <a:ea typeface="Source Code Pro Light" panose="020B0409030403020204" pitchFamily="49" charset="0"/>
+              </a:rPr>
+              <a:t> </a:t>
+            </a:r>
+          </a:p>
+          <a:p>
+            <a:pPr marL="457200" lvl="1" indent="0">
+              <a:buNone/>
+            </a:pPr>
+            <a:r>
+              <a:rPr lang="en-US" dirty="0" err="1">
+                <a:latin typeface="Source Code Pro Light" panose="020B0409030403020204" pitchFamily="49" charset="0"/>
+                <a:ea typeface="Source Code Pro Light" panose="020B0409030403020204" pitchFamily="49" charset="0"/>
+              </a:rPr>
+              <a:t>npm</a:t>
+            </a:r>
+            <a:r>
+              <a:rPr lang="en-US" dirty="0">
+                <a:latin typeface="Source Code Pro Light" panose="020B0409030403020204" pitchFamily="49" charset="0"/>
+                <a:ea typeface="Source Code Pro Light" panose="020B0409030403020204" pitchFamily="49" charset="0"/>
+              </a:rPr>
+              <a:t> install --save @angular/</a:t>
+            </a:r>
+            <a:r>
+              <a:rPr lang="en-US" dirty="0" err="1">
+                <a:latin typeface="Source Code Pro Light" panose="020B0409030403020204" pitchFamily="49" charset="0"/>
+                <a:ea typeface="Source Code Pro Light" panose="020B0409030403020204" pitchFamily="49" charset="0"/>
+              </a:rPr>
+              <a:t>router@latest</a:t>
+            </a:r>
+            <a:r>
+              <a:rPr lang="en-US" dirty="0">
+                <a:latin typeface="Source Code Pro Light" panose="020B0409030403020204" pitchFamily="49" charset="0"/>
+                <a:ea typeface="Source Code Pro Light" panose="020B0409030403020204" pitchFamily="49" charset="0"/>
+              </a:rPr>
+              <a:t> </a:t>
+            </a:r>
+          </a:p>
+          <a:p>
+            <a:pPr marL="457200" lvl="1" indent="0">
+              <a:buNone/>
+            </a:pPr>
+            <a:r>
+              <a:rPr lang="en-US" dirty="0" err="1">
+                <a:latin typeface="Source Code Pro Light" panose="020B0409030403020204" pitchFamily="49" charset="0"/>
+                <a:ea typeface="Source Code Pro Light" panose="020B0409030403020204" pitchFamily="49" charset="0"/>
+              </a:rPr>
+              <a:t>npm</a:t>
+            </a:r>
+            <a:r>
+              <a:rPr lang="en-US" dirty="0">
+                <a:latin typeface="Source Code Pro Light" panose="020B0409030403020204" pitchFamily="49" charset="0"/>
+                <a:ea typeface="Source Code Pro Light" panose="020B0409030403020204" pitchFamily="49" charset="0"/>
+              </a:rPr>
+              <a:t> install --save @angular/</a:t>
+            </a:r>
+            <a:r>
+              <a:rPr lang="en-US" dirty="0" err="1">
+                <a:latin typeface="Source Code Pro Light" panose="020B0409030403020204" pitchFamily="49" charset="0"/>
+                <a:ea typeface="Source Code Pro Light" panose="020B0409030403020204" pitchFamily="49" charset="0"/>
+              </a:rPr>
+              <a:t>animations@latest</a:t>
+            </a:r>
+            <a:endParaRPr lang="en-US" dirty="0">
+              <a:latin typeface="Source Code Pro Light" panose="020B0409030403020204" pitchFamily="49" charset="0"/>
+              <a:ea typeface="Source Code Pro Light" panose="020B0409030403020204" pitchFamily="49" charset="0"/>
+            </a:endParaRPr>
+          </a:p>
+          <a:p>
+            <a:r>
+              <a:rPr lang="en-US" dirty="0" smtClean="0"/>
               <a:t>Version</a:t>
             </a:r>
           </a:p>
           <a:p>
-            <a:r>
-              <a:rPr lang="en-US" dirty="0"/>
+            <a:pPr lvl="1"/>
+            <a:r>
+              <a:rPr lang="en-US" dirty="0" smtClean="0"/>
+              <a:t>Depends on version of other tools and </a:t>
+            </a:r>
+            <a:r>
+              <a:rPr lang="en-US" dirty="0" err="1" smtClean="0"/>
+              <a:t>moudles</a:t>
+            </a:r>
+            <a:r>
+              <a:rPr lang="en-US" dirty="0" smtClean="0"/>
+              <a:t>. </a:t>
+            </a:r>
+            <a:endParaRPr lang="en-US" dirty="0"/>
+          </a:p>
+          <a:p>
+            <a:r>
+              <a:rPr lang="en-US" dirty="0" smtClean="0"/>
               <a:t>Resources</a:t>
             </a:r>
+          </a:p>
+          <a:p>
+            <a:pPr lvl="1"/>
+            <a:r>
+              <a:rPr lang="en-US" dirty="0">
+                <a:hlinkClick r:id="rId2"/>
+              </a:rPr>
+              <a:t>https://angular.io</a:t>
+            </a:r>
+            <a:r>
+              <a:rPr lang="en-US" dirty="0" smtClean="0">
+                <a:hlinkClick r:id="rId2"/>
+              </a:rPr>
+              <a:t>/</a:t>
+            </a:r>
+            <a:r>
+              <a:rPr lang="en-US" dirty="0" smtClean="0"/>
+              <a:t> </a:t>
+            </a:r>
+          </a:p>
+          <a:p>
+            <a:pPr lvl="1"/>
+            <a:r>
+              <a:rPr lang="en-US" dirty="0">
+                <a:hlinkClick r:id="rId3"/>
+              </a:rPr>
+              <a:t>https://</a:t>
+            </a:r>
+            <a:r>
+              <a:rPr lang="en-US" dirty="0" smtClean="0">
+                <a:hlinkClick r:id="rId3"/>
+              </a:rPr>
+              <a:t>angular.io/docs</a:t>
+            </a:r>
+            <a:r>
+              <a:rPr lang="en-US" dirty="0" smtClean="0"/>
+              <a:t> </a:t>
+            </a:r>
+          </a:p>
+          <a:p>
+            <a:pPr lvl="1"/>
+            <a:r>
+              <a:rPr lang="en-US" dirty="0">
+                <a:hlinkClick r:id="rId4"/>
+              </a:rPr>
+              <a:t>https://</a:t>
+            </a:r>
+            <a:r>
+              <a:rPr lang="en-US" dirty="0" smtClean="0">
+                <a:hlinkClick r:id="rId4"/>
+              </a:rPr>
+              <a:t>angular.io/resources</a:t>
+            </a:r>
+            <a:r>
+              <a:rPr lang="en-US" dirty="0" smtClean="0"/>
+              <a:t> </a:t>
+            </a:r>
+          </a:p>
+          <a:p>
+            <a:pPr lvl="1"/>
+            <a:endParaRPr lang="en-US" dirty="0"/>
           </a:p>
         </p:txBody>
       </p:sp>
@@ -9030,20 +9571,284 @@
           <a:p>
             <a:r>
               <a:rPr lang="en-US" dirty="0"/>
-              <a:t>Where to get it? </a:t>
-            </a:r>
-          </a:p>
-          <a:p>
-            <a:r>
-              <a:rPr lang="en-US" dirty="0"/>
+              <a:t>Where to get it</a:t>
+            </a:r>
+            <a:r>
+              <a:rPr lang="en-US" dirty="0" smtClean="0"/>
+              <a:t>?</a:t>
+            </a:r>
+          </a:p>
+          <a:p>
+            <a:pPr lvl="1"/>
+            <a:r>
+              <a:rPr lang="en-US" dirty="0" err="1" smtClean="0"/>
+              <a:t>npm</a:t>
+            </a:r>
+            <a:r>
+              <a:rPr lang="en-US" dirty="0" smtClean="0"/>
+              <a:t> install -g @</a:t>
+            </a:r>
+            <a:r>
+              <a:rPr lang="en-US" dirty="0" err="1" smtClean="0"/>
+              <a:t>angular-cli@latest</a:t>
+            </a:r>
+            <a:endParaRPr lang="en-US" dirty="0"/>
+          </a:p>
+          <a:p>
+            <a:r>
+              <a:rPr lang="en-US" dirty="0" smtClean="0"/>
               <a:t>Version</a:t>
             </a:r>
           </a:p>
           <a:p>
-            <a:r>
-              <a:rPr lang="en-US" dirty="0"/>
+            <a:pPr lvl="1"/>
+            <a:r>
+              <a:rPr lang="en-US" dirty="0" smtClean="0"/>
+              <a:t>Depends on version of other tools and modules.</a:t>
+            </a:r>
+            <a:endParaRPr lang="en-US" dirty="0"/>
+          </a:p>
+          <a:p>
+            <a:r>
+              <a:rPr lang="en-US" dirty="0" smtClean="0"/>
               <a:t>Resources</a:t>
             </a:r>
+          </a:p>
+          <a:p>
+            <a:pPr lvl="1"/>
+            <a:r>
+              <a:rPr lang="en-US" dirty="0">
+                <a:hlinkClick r:id="rId2"/>
+              </a:rPr>
+              <a:t>https://cli.angular.io</a:t>
+            </a:r>
+            <a:r>
+              <a:rPr lang="en-US" dirty="0" smtClean="0">
+                <a:hlinkClick r:id="rId2"/>
+              </a:rPr>
+              <a:t>/</a:t>
+            </a:r>
+            <a:r>
+              <a:rPr lang="en-US" dirty="0" smtClean="0"/>
+              <a:t> </a:t>
+            </a:r>
+            <a:endParaRPr lang="en-US" dirty="0"/>
+          </a:p>
+        </p:txBody>
+      </p:sp>
+      <p:sp>
+        <p:nvSpPr>
+          <p:cNvPr id="6" name="Rectangle 3"/>
+          <p:cNvSpPr>
+            <a:spLocks noChangeArrowheads="1"/>
+          </p:cNvSpPr>
+          <p:nvPr/>
+        </p:nvSpPr>
+        <p:spPr bwMode="auto">
+          <a:xfrm>
+            <a:off x="0" y="0"/>
+            <a:ext cx="12192000" cy="457200"/>
+          </a:xfrm>
+          <a:prstGeom prst="rect">
+            <a:avLst/>
+          </a:prstGeom>
+          <a:solidFill>
+            <a:srgbClr val="F6F8FA"/>
+          </a:solidFill>
+          <a:ln>
+            <a:noFill/>
+          </a:ln>
+          <a:effectLst/>
+          <a:extLst>
+            <a:ext uri="{91240B29-F687-4F45-9708-019B960494DF}">
+              <a14:hiddenLine xmlns:a14="http://schemas.microsoft.com/office/drawing/2010/main" w="9525">
+                <a:solidFill>
+                  <a:schemeClr val="tx1"/>
+                </a:solidFill>
+                <a:miter lim="800000"/>
+                <a:headEnd/>
+                <a:tailEnd/>
+              </a14:hiddenLine>
+            </a:ext>
+            <a:ext uri="{AF507438-7753-43E0-B8FC-AC1667EBCBE1}">
+              <a14:hiddenEffects xmlns:a14="http://schemas.microsoft.com/office/drawing/2010/main">
+                <a:effectLst>
+                  <a:outerShdw dist="35921" dir="2700000" algn="ctr" rotWithShape="0">
+                    <a:schemeClr val="bg2"/>
+                  </a:outerShdw>
+                </a:effectLst>
+              </a14:hiddenEffects>
+            </a:ext>
+          </a:extLst>
+        </p:spPr>
+        <p:txBody>
+          <a:bodyPr vert="horz" wrap="none" lIns="91440" tIns="0" rIns="91440" bIns="0" numCol="1" anchor="ctr" anchorCtr="0" compatLnSpc="1">
+            <a:prstTxWarp prst="textNoShape">
+              <a:avLst/>
+            </a:prstTxWarp>
+            <a:spAutoFit/>
+          </a:bodyPr>
+          <a:lstStyle/>
+          <a:p>
+            <a:pPr marL="0" marR="0" lvl="0" indent="0" algn="l" defTabSz="914400" rtl="0" eaLnBrk="0" fontAlgn="base" latinLnBrk="0" hangingPunct="0">
+              <a:lnSpc>
+                <a:spcPct val="100000"/>
+              </a:lnSpc>
+              <a:spcBef>
+                <a:spcPct val="0"/>
+              </a:spcBef>
+              <a:spcAft>
+                <a:spcPct val="0"/>
+              </a:spcAft>
+              <a:buClrTx/>
+              <a:buSzTx/>
+              <a:buFontTx/>
+              <a:buNone/>
+              <a:tabLst/>
+            </a:pPr>
+            <a:r>
+              <a:rPr kumimoji="0" lang="en-US" altLang="en-US" sz="900" b="0" i="0" u="none" strike="noStrike" cap="none" normalizeH="0" baseline="0" smtClean="0">
+                <a:ln>
+                  <a:noFill/>
+                </a:ln>
+                <a:solidFill>
+                  <a:srgbClr val="24292E"/>
+                </a:solidFill>
+                <a:effectLst/>
+                <a:latin typeface="SFMono-Regular"/>
+              </a:rPr>
+              <a:t>npm install -g @angular/cli</a:t>
+            </a:r>
+            <a:r>
+              <a:rPr kumimoji="0" lang="en-US" altLang="en-US" sz="800" b="0" i="0" u="none" strike="noStrike" cap="none" normalizeH="0" baseline="0" smtClean="0">
+                <a:ln>
+                  <a:noFill/>
+                </a:ln>
+                <a:solidFill>
+                  <a:schemeClr val="tx1"/>
+                </a:solidFill>
+                <a:effectLst/>
+              </a:rPr>
+              <a:t> </a:t>
+            </a:r>
+            <a:endParaRPr kumimoji="0" lang="en-US" altLang="en-US" sz="1800" b="0" i="0" u="none" strike="noStrike" cap="none" normalizeH="0" baseline="0" smtClean="0">
+              <a:ln>
+                <a:noFill/>
+              </a:ln>
+              <a:solidFill>
+                <a:schemeClr val="tx1"/>
+              </a:solidFill>
+              <a:effectLst/>
+              <a:latin typeface="Arial" panose="020B0604020202020204" pitchFamily="34" charset="0"/>
+            </a:endParaRPr>
+          </a:p>
+        </p:txBody>
+      </p:sp>
+      <p:sp>
+        <p:nvSpPr>
+          <p:cNvPr id="7" name="Rectangle 4"/>
+          <p:cNvSpPr>
+            <a:spLocks noChangeArrowheads="1"/>
+          </p:cNvSpPr>
+          <p:nvPr/>
+        </p:nvSpPr>
+        <p:spPr bwMode="auto">
+          <a:xfrm>
+            <a:off x="152400" y="152400"/>
+            <a:ext cx="12192000" cy="457200"/>
+          </a:xfrm>
+          <a:prstGeom prst="rect">
+            <a:avLst/>
+          </a:prstGeom>
+          <a:solidFill>
+            <a:srgbClr val="F6F8FA"/>
+          </a:solidFill>
+          <a:ln>
+            <a:noFill/>
+          </a:ln>
+          <a:effectLst/>
+          <a:extLst>
+            <a:ext uri="{91240B29-F687-4F45-9708-019B960494DF}">
+              <a14:hiddenLine xmlns:a14="http://schemas.microsoft.com/office/drawing/2010/main" w="9525">
+                <a:solidFill>
+                  <a:schemeClr val="tx1"/>
+                </a:solidFill>
+                <a:miter lim="800000"/>
+                <a:headEnd/>
+                <a:tailEnd/>
+              </a14:hiddenLine>
+            </a:ext>
+            <a:ext uri="{AF507438-7753-43E0-B8FC-AC1667EBCBE1}">
+              <a14:hiddenEffects xmlns:a14="http://schemas.microsoft.com/office/drawing/2010/main">
+                <a:effectLst>
+                  <a:outerShdw dist="35921" dir="2700000" algn="ctr" rotWithShape="0">
+                    <a:schemeClr val="bg2"/>
+                  </a:outerShdw>
+                </a:effectLst>
+              </a14:hiddenEffects>
+            </a:ext>
+          </a:extLst>
+        </p:spPr>
+        <p:txBody>
+          <a:bodyPr vert="horz" wrap="none" lIns="91440" tIns="0" rIns="91440" bIns="0" numCol="1" anchor="ctr" anchorCtr="0" compatLnSpc="1">
+            <a:prstTxWarp prst="textNoShape">
+              <a:avLst/>
+            </a:prstTxWarp>
+            <a:spAutoFit/>
+          </a:bodyPr>
+          <a:lstStyle/>
+          <a:p>
+            <a:pPr marL="0" marR="0" lvl="0" indent="0" algn="l" defTabSz="914400" rtl="0" eaLnBrk="0" fontAlgn="base" latinLnBrk="0" hangingPunct="0">
+              <a:lnSpc>
+                <a:spcPct val="100000"/>
+              </a:lnSpc>
+              <a:spcBef>
+                <a:spcPct val="0"/>
+              </a:spcBef>
+              <a:spcAft>
+                <a:spcPct val="0"/>
+              </a:spcAft>
+              <a:buClrTx/>
+              <a:buSzTx/>
+              <a:buFontTx/>
+              <a:buNone/>
+              <a:tabLst/>
+            </a:pPr>
+            <a:r>
+              <a:rPr kumimoji="0" lang="en-US" altLang="en-US" sz="900" b="0" i="0" u="none" strike="noStrike" cap="none" normalizeH="0" baseline="0" smtClean="0">
+                <a:ln>
+                  <a:noFill/>
+                </a:ln>
+                <a:solidFill>
+                  <a:srgbClr val="24292E"/>
+                </a:solidFill>
+                <a:effectLst/>
+                <a:latin typeface="SFMono-Regular"/>
+              </a:rPr>
+              <a:t>npm install -g @angular/cli</a:t>
+            </a:r>
+            <a:r>
+              <a:rPr kumimoji="0" lang="en-US" altLang="en-US" sz="800" b="0" i="0" u="none" strike="noStrike" cap="none" normalizeH="0" baseline="0" smtClean="0">
+                <a:ln>
+                  <a:noFill/>
+                </a:ln>
+                <a:solidFill>
+                  <a:schemeClr val="tx1"/>
+                </a:solidFill>
+                <a:effectLst/>
+              </a:rPr>
+              <a:t> </a:t>
+            </a:r>
+            <a:endParaRPr kumimoji="0" lang="en-US" altLang="en-US" sz="1800" b="0" i="0" u="none" strike="noStrike" cap="none" normalizeH="0" baseline="0" smtClean="0">
+              <a:ln>
+                <a:noFill/>
+              </a:ln>
+              <a:solidFill>
+                <a:schemeClr val="tx1"/>
+              </a:solidFill>
+              <a:effectLst/>
+              <a:latin typeface="Arial" panose="020B0604020202020204" pitchFamily="34" charset="0"/>
+            </a:endParaRPr>
           </a:p>
         </p:txBody>
       </p:sp>

--- a/presentation/custom-angular-modules.pptx
+++ b/presentation/custom-angular-modules.pptx
@@ -8794,9 +8794,48 @@
           </a:p>
           <a:p>
             <a:r>
-              <a:rPr lang="en-US" dirty="0"/>
+              <a:rPr lang="en-US" dirty="0" smtClean="0"/>
               <a:t>Resources</a:t>
             </a:r>
+          </a:p>
+          <a:p>
+            <a:pPr lvl="1"/>
+            <a:r>
+              <a:rPr lang="en-US" dirty="0">
+                <a:hlinkClick r:id="rId3"/>
+              </a:rPr>
+              <a:t>https://docs.npmjs.com</a:t>
+            </a:r>
+            <a:r>
+              <a:rPr lang="en-US" dirty="0" smtClean="0">
+                <a:hlinkClick r:id="rId3"/>
+              </a:rPr>
+              <a:t>/</a:t>
+            </a:r>
+            <a:r>
+              <a:rPr lang="en-US" dirty="0" smtClean="0"/>
+              <a:t> </a:t>
+            </a:r>
+          </a:p>
+          <a:p>
+            <a:pPr lvl="1"/>
+            <a:r>
+              <a:rPr lang="en-US" dirty="0">
+                <a:hlinkClick r:id="rId4"/>
+              </a:rPr>
+              <a:t>https://</a:t>
+            </a:r>
+            <a:r>
+              <a:rPr lang="en-US" dirty="0" smtClean="0">
+                <a:hlinkClick r:id="rId4"/>
+              </a:rPr>
+              <a:t>docs.npmjs.com/cli/install</a:t>
+            </a:r>
+            <a:r>
+              <a:rPr lang="en-US" dirty="0" smtClean="0"/>
+              <a:t> </a:t>
+            </a:r>
+            <a:endParaRPr lang="en-US" dirty="0"/>
           </a:p>
         </p:txBody>
       </p:sp>
@@ -8933,9 +8972,48 @@
           </a:p>
           <a:p>
             <a:r>
-              <a:rPr lang="en-US" dirty="0"/>
+              <a:rPr lang="en-US" dirty="0" smtClean="0"/>
               <a:t>Resources</a:t>
             </a:r>
+          </a:p>
+          <a:p>
+            <a:pPr lvl="1"/>
+            <a:r>
+              <a:rPr lang="en-US" dirty="0">
+                <a:hlinkClick r:id="rId2"/>
+              </a:rPr>
+              <a:t>https://www.typescriptlang.org</a:t>
+            </a:r>
+            <a:r>
+              <a:rPr lang="en-US" dirty="0" smtClean="0">
+                <a:hlinkClick r:id="rId2"/>
+              </a:rPr>
+              <a:t>/</a:t>
+            </a:r>
+            <a:r>
+              <a:rPr lang="en-US" dirty="0" smtClean="0"/>
+              <a:t> </a:t>
+            </a:r>
+          </a:p>
+          <a:p>
+            <a:pPr lvl="1"/>
+            <a:r>
+              <a:rPr lang="en-US" dirty="0">
+                <a:hlinkClick r:id="rId3"/>
+              </a:rPr>
+              <a:t>https://</a:t>
+            </a:r>
+            <a:r>
+              <a:rPr lang="en-US" dirty="0" smtClean="0">
+                <a:hlinkClick r:id="rId3"/>
+              </a:rPr>
+              <a:t>www.typescriptlang.org/docs/home.html</a:t>
+            </a:r>
+            <a:r>
+              <a:rPr lang="en-US" dirty="0" smtClean="0"/>
+              <a:t> </a:t>
+            </a:r>
+            <a:endParaRPr lang="en-US" dirty="0"/>
           </a:p>
         </p:txBody>
       </p:sp>
@@ -9055,7 +9133,7 @@
                 <a:latin typeface="Source Code Pro Light" panose="020B0409030403020204" pitchFamily="49" charset="0"/>
                 <a:ea typeface="Source Code Pro Light" panose="020B0409030403020204" pitchFamily="49" charset="0"/>
               </a:rPr>
-              <a:t> install --save @angular/</a:t>
+              <a:t> install @angular/</a:t>
             </a:r>
             <a:r>
               <a:rPr lang="en-US" dirty="0" err="1">
@@ -9088,7 +9166,7 @@
                 <a:latin typeface="Source Code Pro Light" panose="020B0409030403020204" pitchFamily="49" charset="0"/>
                 <a:ea typeface="Source Code Pro Light" panose="020B0409030403020204" pitchFamily="49" charset="0"/>
               </a:rPr>
-              <a:t> install --save @angular/</a:t>
+              <a:t> install @angular/</a:t>
             </a:r>
             <a:r>
               <a:rPr lang="en-US" dirty="0" err="1">
@@ -9121,7 +9199,7 @@
                 <a:latin typeface="Source Code Pro Light" panose="020B0409030403020204" pitchFamily="49" charset="0"/>
                 <a:ea typeface="Source Code Pro Light" panose="020B0409030403020204" pitchFamily="49" charset="0"/>
               </a:rPr>
-              <a:t> install --save @angular/</a:t>
+              <a:t> install @angular/</a:t>
             </a:r>
             <a:r>
               <a:rPr lang="en-US" dirty="0" err="1">
@@ -9154,7 +9232,7 @@
                 <a:latin typeface="Source Code Pro Light" panose="020B0409030403020204" pitchFamily="49" charset="0"/>
                 <a:ea typeface="Source Code Pro Light" panose="020B0409030403020204" pitchFamily="49" charset="0"/>
               </a:rPr>
-              <a:t> install --save @angular/</a:t>
+              <a:t> install @angular/</a:t>
             </a:r>
             <a:r>
               <a:rPr lang="en-US" dirty="0" err="1">
@@ -9187,7 +9265,7 @@
                 <a:latin typeface="Source Code Pro Light" panose="020B0409030403020204" pitchFamily="49" charset="0"/>
                 <a:ea typeface="Source Code Pro Light" panose="020B0409030403020204" pitchFamily="49" charset="0"/>
               </a:rPr>
-              <a:t> install --save @angular/</a:t>
+              <a:t> install @angular/</a:t>
             </a:r>
             <a:r>
               <a:rPr lang="en-US" dirty="0" err="1">
@@ -9220,7 +9298,7 @@
                 <a:latin typeface="Source Code Pro Light" panose="020B0409030403020204" pitchFamily="49" charset="0"/>
                 <a:ea typeface="Source Code Pro Light" panose="020B0409030403020204" pitchFamily="49" charset="0"/>
               </a:rPr>
-              <a:t> install --save @angular/</a:t>
+              <a:t> install @angular/</a:t>
             </a:r>
             <a:r>
               <a:rPr lang="en-US" dirty="0" err="1">
@@ -9253,7 +9331,7 @@
                 <a:latin typeface="Source Code Pro Light" panose="020B0409030403020204" pitchFamily="49" charset="0"/>
                 <a:ea typeface="Source Code Pro Light" panose="020B0409030403020204" pitchFamily="49" charset="0"/>
               </a:rPr>
-              <a:t> install --save @angular/</a:t>
+              <a:t> install @angular/</a:t>
             </a:r>
             <a:r>
               <a:rPr lang="en-US" dirty="0" err="1">
@@ -9286,7 +9364,7 @@
                 <a:latin typeface="Source Code Pro Light" panose="020B0409030403020204" pitchFamily="49" charset="0"/>
                 <a:ea typeface="Source Code Pro Light" panose="020B0409030403020204" pitchFamily="49" charset="0"/>
               </a:rPr>
-              <a:t> install --save @angular/</a:t>
+              <a:t> install @angular/</a:t>
             </a:r>
             <a:r>
               <a:rPr lang="en-US" dirty="0" err="1">
@@ -9319,7 +9397,7 @@
                 <a:latin typeface="Source Code Pro Light" panose="020B0409030403020204" pitchFamily="49" charset="0"/>
                 <a:ea typeface="Source Code Pro Light" panose="020B0409030403020204" pitchFamily="49" charset="0"/>
               </a:rPr>
-              <a:t> install --save @angular/</a:t>
+              <a:t> install @angular/</a:t>
             </a:r>
             <a:r>
               <a:rPr lang="en-US" dirty="0" err="1">
@@ -9352,7 +9430,7 @@
                 <a:latin typeface="Source Code Pro Light" panose="020B0409030403020204" pitchFamily="49" charset="0"/>
                 <a:ea typeface="Source Code Pro Light" panose="020B0409030403020204" pitchFamily="49" charset="0"/>
               </a:rPr>
-              <a:t> install --save @angular/</a:t>
+              <a:t> install @angular/</a:t>
             </a:r>
             <a:r>
               <a:rPr lang="en-US" dirty="0" err="1">
@@ -9385,16 +9463,23 @@
                 <a:latin typeface="Source Code Pro Light" panose="020B0409030403020204" pitchFamily="49" charset="0"/>
                 <a:ea typeface="Source Code Pro Light" panose="020B0409030403020204" pitchFamily="49" charset="0"/>
               </a:rPr>
-              <a:t> install --save @angular/</a:t>
-            </a:r>
-            <a:r>
-              <a:rPr lang="en-US" dirty="0" err="1">
+              <a:t> install @</a:t>
+            </a:r>
+            <a:r>
+              <a:rPr lang="en-US" dirty="0" smtClean="0">
+                <a:latin typeface="Source Code Pro Light" panose="020B0409030403020204" pitchFamily="49" charset="0"/>
+                <a:ea typeface="Source Code Pro Light" panose="020B0409030403020204" pitchFamily="49" charset="0"/>
+              </a:rPr>
+              <a:t>angular/</a:t>
+            </a:r>
+            <a:r>
+              <a:rPr lang="en-US" dirty="0" err="1" smtClean="0">
                 <a:latin typeface="Source Code Pro Light" panose="020B0409030403020204" pitchFamily="49" charset="0"/>
                 <a:ea typeface="Source Code Pro Light" panose="020B0409030403020204" pitchFamily="49" charset="0"/>
               </a:rPr>
               <a:t>animations@latest</a:t>
             </a:r>
-            <a:endParaRPr lang="en-US" dirty="0">
+            <a:endParaRPr lang="en-US" dirty="0" smtClean="0">
               <a:latin typeface="Source Code Pro Light" panose="020B0409030403020204" pitchFamily="49" charset="0"/>
               <a:ea typeface="Source Code Pro Light" panose="020B0409030403020204" pitchFamily="49" charset="0"/>
             </a:endParaRPr>
@@ -9632,223 +9717,10 @@
               <a:rPr lang="en-US" dirty="0" smtClean="0"/>
               <a:t> </a:t>
             </a:r>
-            <a:endParaRPr lang="en-US" dirty="0"/>
-          </a:p>
-        </p:txBody>
-      </p:sp>
-      <p:sp>
-        <p:nvSpPr>
-          <p:cNvPr id="6" name="Rectangle 3"/>
-          <p:cNvSpPr>
-            <a:spLocks noChangeArrowheads="1"/>
-          </p:cNvSpPr>
-          <p:nvPr/>
-        </p:nvSpPr>
-        <p:spPr bwMode="auto">
-          <a:xfrm>
-            <a:off x="0" y="0"/>
-            <a:ext cx="12192000" cy="457200"/>
-          </a:xfrm>
-          <a:prstGeom prst="rect">
-            <a:avLst/>
-          </a:prstGeom>
-          <a:solidFill>
-            <a:srgbClr val="F6F8FA"/>
-          </a:solidFill>
-          <a:ln>
-            <a:noFill/>
-          </a:ln>
-          <a:effectLst/>
-          <a:extLst>
-            <a:ext uri="{91240B29-F687-4F45-9708-019B960494DF}">
-              <a14:hiddenLine xmlns:a14="http://schemas.microsoft.com/office/drawing/2010/main" w="9525">
-                <a:solidFill>
-                  <a:schemeClr val="tx1"/>
-                </a:solidFill>
-                <a:miter lim="800000"/>
-                <a:headEnd/>
-                <a:tailEnd/>
-              </a14:hiddenLine>
-            </a:ext>
-            <a:ext uri="{AF507438-7753-43E0-B8FC-AC1667EBCBE1}">
-              <a14:hiddenEffects xmlns:a14="http://schemas.microsoft.com/office/drawing/2010/main">
-                <a:effectLst>
-                  <a:outerShdw dist="35921" dir="2700000" algn="ctr" rotWithShape="0">
-                    <a:schemeClr val="bg2"/>
-                  </a:outerShdw>
-                </a:effectLst>
-              </a14:hiddenEffects>
-            </a:ext>
-          </a:extLst>
-        </p:spPr>
-        <p:txBody>
-          <a:bodyPr vert="horz" wrap="none" lIns="91440" tIns="0" rIns="91440" bIns="0" numCol="1" anchor="ctr" anchorCtr="0" compatLnSpc="1">
-            <a:prstTxWarp prst="textNoShape">
-              <a:avLst/>
-            </a:prstTxWarp>
-            <a:spAutoFit/>
-          </a:bodyPr>
-          <a:lstStyle/>
-          <a:p>
-            <a:pPr marL="0" marR="0" lvl="0" indent="0" algn="l" defTabSz="914400" rtl="0" eaLnBrk="0" fontAlgn="base" latinLnBrk="0" hangingPunct="0">
-              <a:lnSpc>
-                <a:spcPct val="100000"/>
-              </a:lnSpc>
-              <a:spcBef>
-                <a:spcPct val="0"/>
-              </a:spcBef>
-              <a:spcAft>
-                <a:spcPct val="0"/>
-              </a:spcAft>
-              <a:buClrTx/>
-              <a:buSzTx/>
-              <a:buFontTx/>
-              <a:buNone/>
-              <a:tabLst/>
-            </a:pPr>
-            <a:r>
-              <a:rPr kumimoji="0" lang="en-US" altLang="en-US" sz="900" b="0" i="0" u="none" strike="noStrike" cap="none" normalizeH="0" baseline="0" smtClean="0">
-                <a:ln>
-                  <a:noFill/>
-                </a:ln>
-                <a:solidFill>
-                  <a:srgbClr val="24292E"/>
-                </a:solidFill>
-                <a:effectLst/>
-                <a:latin typeface="SFMono-Regular"/>
-              </a:rPr>
-              <a:t>npm install -g @angular/cli</a:t>
-            </a:r>
-            <a:r>
-              <a:rPr kumimoji="0" lang="en-US" altLang="en-US" sz="800" b="0" i="0" u="none" strike="noStrike" cap="none" normalizeH="0" baseline="0" smtClean="0">
-                <a:ln>
-                  <a:noFill/>
-                </a:ln>
-                <a:solidFill>
-                  <a:schemeClr val="tx1"/>
-                </a:solidFill>
-                <a:effectLst/>
-              </a:rPr>
-              <a:t> </a:t>
-            </a:r>
-            <a:endParaRPr kumimoji="0" lang="en-US" altLang="en-US" sz="1800" b="0" i="0" u="none" strike="noStrike" cap="none" normalizeH="0" baseline="0" smtClean="0">
-              <a:ln>
-                <a:noFill/>
-              </a:ln>
-              <a:solidFill>
-                <a:schemeClr val="tx1"/>
-              </a:solidFill>
-              <a:effectLst/>
-              <a:latin typeface="Arial" panose="020B0604020202020204" pitchFamily="34" charset="0"/>
-            </a:endParaRPr>
-          </a:p>
-        </p:txBody>
-      </p:sp>
-      <p:sp>
-        <p:nvSpPr>
-          <p:cNvPr id="7" name="Rectangle 4"/>
-          <p:cNvSpPr>
-            <a:spLocks noChangeArrowheads="1"/>
-          </p:cNvSpPr>
-          <p:nvPr/>
-        </p:nvSpPr>
-        <p:spPr bwMode="auto">
-          <a:xfrm>
-            <a:off x="152400" y="152400"/>
-            <a:ext cx="12192000" cy="457200"/>
-          </a:xfrm>
-          <a:prstGeom prst="rect">
-            <a:avLst/>
-          </a:prstGeom>
-          <a:solidFill>
-            <a:srgbClr val="F6F8FA"/>
-          </a:solidFill>
-          <a:ln>
-            <a:noFill/>
-          </a:ln>
-          <a:effectLst/>
-          <a:extLst>
-            <a:ext uri="{91240B29-F687-4F45-9708-019B960494DF}">
-              <a14:hiddenLine xmlns:a14="http://schemas.microsoft.com/office/drawing/2010/main" w="9525">
-                <a:solidFill>
-                  <a:schemeClr val="tx1"/>
-                </a:solidFill>
-                <a:miter lim="800000"/>
-                <a:headEnd/>
-                <a:tailEnd/>
-              </a14:hiddenLine>
-            </a:ext>
-            <a:ext uri="{AF507438-7753-43E0-B8FC-AC1667EBCBE1}">
-              <a14:hiddenEffects xmlns:a14="http://schemas.microsoft.com/office/drawing/2010/main">
-                <a:effectLst>
-                  <a:outerShdw dist="35921" dir="2700000" algn="ctr" rotWithShape="0">
-                    <a:schemeClr val="bg2"/>
-                  </a:outerShdw>
-                </a:effectLst>
-              </a14:hiddenEffects>
-            </a:ext>
-          </a:extLst>
-        </p:spPr>
-        <p:txBody>
-          <a:bodyPr vert="horz" wrap="none" lIns="91440" tIns="0" rIns="91440" bIns="0" numCol="1" anchor="ctr" anchorCtr="0" compatLnSpc="1">
-            <a:prstTxWarp prst="textNoShape">
-              <a:avLst/>
-            </a:prstTxWarp>
-            <a:spAutoFit/>
-          </a:bodyPr>
-          <a:lstStyle/>
-          <a:p>
-            <a:pPr marL="0" marR="0" lvl="0" indent="0" algn="l" defTabSz="914400" rtl="0" eaLnBrk="0" fontAlgn="base" latinLnBrk="0" hangingPunct="0">
-              <a:lnSpc>
-                <a:spcPct val="100000"/>
-              </a:lnSpc>
-              <a:spcBef>
-                <a:spcPct val="0"/>
-              </a:spcBef>
-              <a:spcAft>
-                <a:spcPct val="0"/>
-              </a:spcAft>
-              <a:buClrTx/>
-              <a:buSzTx/>
-              <a:buFontTx/>
-              <a:buNone/>
-              <a:tabLst/>
-            </a:pPr>
-            <a:r>
-              <a:rPr kumimoji="0" lang="en-US" altLang="en-US" sz="900" b="0" i="0" u="none" strike="noStrike" cap="none" normalizeH="0" baseline="0" smtClean="0">
-                <a:ln>
-                  <a:noFill/>
-                </a:ln>
-                <a:solidFill>
-                  <a:srgbClr val="24292E"/>
-                </a:solidFill>
-                <a:effectLst/>
-                <a:latin typeface="SFMono-Regular"/>
-              </a:rPr>
-              <a:t>npm install -g @angular/cli</a:t>
-            </a:r>
-            <a:r>
-              <a:rPr kumimoji="0" lang="en-US" altLang="en-US" sz="800" b="0" i="0" u="none" strike="noStrike" cap="none" normalizeH="0" baseline="0" smtClean="0">
-                <a:ln>
-                  <a:noFill/>
-                </a:ln>
-                <a:solidFill>
-                  <a:schemeClr val="tx1"/>
-                </a:solidFill>
-                <a:effectLst/>
-              </a:rPr>
-              <a:t> </a:t>
-            </a:r>
-            <a:endParaRPr kumimoji="0" lang="en-US" altLang="en-US" sz="1800" b="0" i="0" u="none" strike="noStrike" cap="none" normalizeH="0" baseline="0" smtClean="0">
-              <a:ln>
-                <a:noFill/>
-              </a:ln>
-              <a:solidFill>
-                <a:schemeClr val="tx1"/>
-              </a:solidFill>
-              <a:effectLst/>
-              <a:latin typeface="Arial" panose="020B0604020202020204" pitchFamily="34" charset="0"/>
-            </a:endParaRPr>
+          </a:p>
+          <a:p>
+            <a:pPr lvl="1"/>
+            <a:endParaRPr lang="en-US" dirty="0"/>
           </a:p>
         </p:txBody>
       </p:sp>

--- a/presentation/custom-angular-modules.pptx
+++ b/presentation/custom-angular-modules.pptx
@@ -7974,9 +7974,10 @@
           <a:lstStyle/>
           <a:p>
             <a:r>
-              <a:rPr lang="en-US" dirty="0"/>
-              <a:t>Reference via NPM</a:t>
-            </a:r>
+              <a:rPr lang="en-US" dirty="0" smtClean="0"/>
+              <a:t>See the Code</a:t>
+            </a:r>
+            <a:endParaRPr lang="en-US" dirty="0"/>
           </a:p>
         </p:txBody>
       </p:sp>
@@ -8001,6 +8002,26 @@
           <a:bodyPr/>
           <a:lstStyle/>
           <a:p>
+            <a:r>
+              <a:rPr lang="en-US" dirty="0" smtClean="0"/>
+              <a:t>Install the module</a:t>
+            </a:r>
+          </a:p>
+          <a:p>
+            <a:r>
+              <a:rPr lang="en-US" dirty="0" smtClean="0"/>
+              <a:t>Import the module/service</a:t>
+            </a:r>
+          </a:p>
+          <a:p>
+            <a:r>
+              <a:rPr lang="en-US" dirty="0" smtClean="0"/>
+              <a:t>Provide </a:t>
+            </a:r>
+            <a:r>
+              <a:rPr lang="en-US" smtClean="0"/>
+              <a:t>the service</a:t>
+            </a:r>
             <a:endParaRPr lang="en-US" dirty="0"/>
           </a:p>
         </p:txBody>

--- a/presentation/custom-angular-modules.pptx
+++ b/presentation/custom-angular-modules.pptx
@@ -7,52 +7,50 @@
   <p:sldIdLst>
     <p:sldId id="320" r:id="rId2"/>
     <p:sldId id="257" r:id="rId3"/>
-    <p:sldId id="269" r:id="rId4"/>
-    <p:sldId id="308" r:id="rId5"/>
-    <p:sldId id="270" r:id="rId6"/>
-    <p:sldId id="267" r:id="rId7"/>
-    <p:sldId id="316" r:id="rId8"/>
-    <p:sldId id="258" r:id="rId9"/>
-    <p:sldId id="260" r:id="rId10"/>
-    <p:sldId id="261" r:id="rId11"/>
-    <p:sldId id="259" r:id="rId12"/>
-    <p:sldId id="265" r:id="rId13"/>
-    <p:sldId id="312" r:id="rId14"/>
-    <p:sldId id="313" r:id="rId15"/>
-    <p:sldId id="266" r:id="rId16"/>
-    <p:sldId id="268" r:id="rId17"/>
-    <p:sldId id="309" r:id="rId18"/>
-    <p:sldId id="310" r:id="rId19"/>
-    <p:sldId id="314" r:id="rId20"/>
-    <p:sldId id="311" r:id="rId21"/>
-    <p:sldId id="315" r:id="rId22"/>
-    <p:sldId id="317" r:id="rId23"/>
-    <p:sldId id="318" r:id="rId24"/>
-    <p:sldId id="272" r:id="rId25"/>
-    <p:sldId id="273" r:id="rId26"/>
-    <p:sldId id="274" r:id="rId27"/>
-    <p:sldId id="275" r:id="rId28"/>
-    <p:sldId id="276" r:id="rId29"/>
-    <p:sldId id="271" r:id="rId30"/>
-    <p:sldId id="277" r:id="rId31"/>
-    <p:sldId id="286" r:id="rId32"/>
-    <p:sldId id="287" r:id="rId33"/>
-    <p:sldId id="290" r:id="rId34"/>
-    <p:sldId id="292" r:id="rId35"/>
-    <p:sldId id="321" r:id="rId36"/>
-    <p:sldId id="295" r:id="rId37"/>
-    <p:sldId id="296" r:id="rId38"/>
-    <p:sldId id="299" r:id="rId39"/>
-    <p:sldId id="300" r:id="rId40"/>
-    <p:sldId id="302" r:id="rId41"/>
-    <p:sldId id="303" r:id="rId42"/>
-    <p:sldId id="304" r:id="rId43"/>
-    <p:sldId id="262" r:id="rId44"/>
-    <p:sldId id="305" r:id="rId45"/>
-    <p:sldId id="306" r:id="rId46"/>
-    <p:sldId id="307" r:id="rId47"/>
-    <p:sldId id="263" r:id="rId48"/>
-    <p:sldId id="319" r:id="rId49"/>
+    <p:sldId id="322" r:id="rId4"/>
+    <p:sldId id="269" r:id="rId5"/>
+    <p:sldId id="308" r:id="rId6"/>
+    <p:sldId id="270" r:id="rId7"/>
+    <p:sldId id="267" r:id="rId8"/>
+    <p:sldId id="316" r:id="rId9"/>
+    <p:sldId id="258" r:id="rId10"/>
+    <p:sldId id="260" r:id="rId11"/>
+    <p:sldId id="261" r:id="rId12"/>
+    <p:sldId id="259" r:id="rId13"/>
+    <p:sldId id="265" r:id="rId14"/>
+    <p:sldId id="312" r:id="rId15"/>
+    <p:sldId id="313" r:id="rId16"/>
+    <p:sldId id="266" r:id="rId17"/>
+    <p:sldId id="268" r:id="rId18"/>
+    <p:sldId id="309" r:id="rId19"/>
+    <p:sldId id="310" r:id="rId20"/>
+    <p:sldId id="314" r:id="rId21"/>
+    <p:sldId id="311" r:id="rId22"/>
+    <p:sldId id="315" r:id="rId23"/>
+    <p:sldId id="317" r:id="rId24"/>
+    <p:sldId id="318" r:id="rId25"/>
+    <p:sldId id="272" r:id="rId26"/>
+    <p:sldId id="273" r:id="rId27"/>
+    <p:sldId id="274" r:id="rId28"/>
+    <p:sldId id="275" r:id="rId29"/>
+    <p:sldId id="276" r:id="rId30"/>
+    <p:sldId id="271" r:id="rId31"/>
+    <p:sldId id="277" r:id="rId32"/>
+    <p:sldId id="286" r:id="rId33"/>
+    <p:sldId id="287" r:id="rId34"/>
+    <p:sldId id="290" r:id="rId35"/>
+    <p:sldId id="292" r:id="rId36"/>
+    <p:sldId id="321" r:id="rId37"/>
+    <p:sldId id="295" r:id="rId38"/>
+    <p:sldId id="296" r:id="rId39"/>
+    <p:sldId id="299" r:id="rId40"/>
+    <p:sldId id="300" r:id="rId41"/>
+    <p:sldId id="262" r:id="rId42"/>
+    <p:sldId id="305" r:id="rId43"/>
+    <p:sldId id="306" r:id="rId44"/>
+    <p:sldId id="307" r:id="rId45"/>
+    <p:sldId id="263" r:id="rId46"/>
+    <p:sldId id="319" r:id="rId47"/>
   </p:sldIdLst>
   <p:sldSz cx="12192000" cy="6858000"/>
   <p:notesSz cx="6858000" cy="9144000"/>
@@ -158,6 +156,7 @@
           <p14:sldIdLst>
             <p14:sldId id="320"/>
             <p14:sldId id="257"/>
+            <p14:sldId id="322"/>
           </p14:sldIdLst>
         </p14:section>
         <p14:section name="Introduction" id="{8AEF06AC-0889-4584-B7E5-116D8C3CDEDC}">
@@ -223,9 +222,6 @@
           <p14:sldIdLst>
             <p14:sldId id="299"/>
             <p14:sldId id="300"/>
-            <p14:sldId id="302"/>
-            <p14:sldId id="303"/>
-            <p14:sldId id="304"/>
           </p14:sldIdLst>
         </p14:section>
         <p14:section name="Resources" id="{EB564E35-E328-490B-80E3-D00FC816CBE1}">
@@ -383,7 +379,7 @@
             <a:fld id="{B61BEF0D-F0BB-DE4B-95CE-6DB70DBA9567}" type="datetimeFigureOut">
               <a:rPr lang="en-US" smtClean="0"/>
               <a:pPr/>
-              <a:t>11/16/2017</a:t>
+              <a:t>11/17/2017</a:t>
             </a:fld>
             <a:endParaRPr lang="en-US" dirty="0"/>
           </a:p>
@@ -555,7 +551,7 @@
             <a:fld id="{B61BEF0D-F0BB-DE4B-95CE-6DB70DBA9567}" type="datetimeFigureOut">
               <a:rPr lang="en-US" smtClean="0"/>
               <a:pPr/>
-              <a:t>11/16/2017</a:t>
+              <a:t>11/17/2017</a:t>
             </a:fld>
             <a:endParaRPr lang="en-US" dirty="0"/>
           </a:p>
@@ -737,7 +733,7 @@
             <a:fld id="{B61BEF0D-F0BB-DE4B-95CE-6DB70DBA9567}" type="datetimeFigureOut">
               <a:rPr lang="en-US" smtClean="0"/>
               <a:pPr/>
-              <a:t>11/16/2017</a:t>
+              <a:t>11/17/2017</a:t>
             </a:fld>
             <a:endParaRPr lang="en-US" dirty="0"/>
           </a:p>
@@ -909,7 +905,7 @@
             <a:fld id="{B61BEF0D-F0BB-DE4B-95CE-6DB70DBA9567}" type="datetimeFigureOut">
               <a:rPr lang="en-US" smtClean="0"/>
               <a:pPr/>
-              <a:t>11/16/2017</a:t>
+              <a:t>11/17/2017</a:t>
             </a:fld>
             <a:endParaRPr lang="en-US" dirty="0"/>
           </a:p>
@@ -1157,7 +1153,7 @@
             <a:fld id="{B61BEF0D-F0BB-DE4B-95CE-6DB70DBA9567}" type="datetimeFigureOut">
               <a:rPr lang="en-US" smtClean="0"/>
               <a:pPr/>
-              <a:t>11/16/2017</a:t>
+              <a:t>11/17/2017</a:t>
             </a:fld>
             <a:endParaRPr lang="en-US" dirty="0"/>
           </a:p>
@@ -1391,7 +1387,7 @@
             <a:fld id="{B61BEF0D-F0BB-DE4B-95CE-6DB70DBA9567}" type="datetimeFigureOut">
               <a:rPr lang="en-US" smtClean="0"/>
               <a:pPr/>
-              <a:t>11/16/2017</a:t>
+              <a:t>11/17/2017</a:t>
             </a:fld>
             <a:endParaRPr lang="en-US" dirty="0"/>
           </a:p>
@@ -1760,7 +1756,7 @@
             <a:fld id="{B61BEF0D-F0BB-DE4B-95CE-6DB70DBA9567}" type="datetimeFigureOut">
               <a:rPr lang="en-US" smtClean="0"/>
               <a:pPr/>
-              <a:t>11/16/2017</a:t>
+              <a:t>11/17/2017</a:t>
             </a:fld>
             <a:endParaRPr lang="en-US" dirty="0"/>
           </a:p>
@@ -1880,7 +1876,7 @@
             <a:fld id="{B61BEF0D-F0BB-DE4B-95CE-6DB70DBA9567}" type="datetimeFigureOut">
               <a:rPr lang="en-US" smtClean="0"/>
               <a:pPr/>
-              <a:t>11/16/2017</a:t>
+              <a:t>11/17/2017</a:t>
             </a:fld>
             <a:endParaRPr lang="en-US" dirty="0"/>
           </a:p>
@@ -1977,7 +1973,7 @@
             <a:fld id="{B61BEF0D-F0BB-DE4B-95CE-6DB70DBA9567}" type="datetimeFigureOut">
               <a:rPr lang="en-US" smtClean="0"/>
               <a:pPr/>
-              <a:t>11/16/2017</a:t>
+              <a:t>11/17/2017</a:t>
             </a:fld>
             <a:endParaRPr lang="en-US" dirty="0"/>
           </a:p>
@@ -2256,7 +2252,7 @@
             <a:fld id="{B61BEF0D-F0BB-DE4B-95CE-6DB70DBA9567}" type="datetimeFigureOut">
               <a:rPr lang="en-US" smtClean="0"/>
               <a:pPr/>
-              <a:t>11/16/2017</a:t>
+              <a:t>11/17/2017</a:t>
             </a:fld>
             <a:endParaRPr lang="en-US" dirty="0"/>
           </a:p>
@@ -2511,7 +2507,7 @@
             <a:fld id="{B61BEF0D-F0BB-DE4B-95CE-6DB70DBA9567}" type="datetimeFigureOut">
               <a:rPr lang="en-US" smtClean="0"/>
               <a:pPr/>
-              <a:t>11/16/2017</a:t>
+              <a:t>11/17/2017</a:t>
             </a:fld>
             <a:endParaRPr lang="en-US" dirty="0"/>
           </a:p>
@@ -2726,7 +2722,7 @@
             <a:fld id="{B61BEF0D-F0BB-DE4B-95CE-6DB70DBA9567}" type="datetimeFigureOut">
               <a:rPr lang="en-US" smtClean="0"/>
               <a:pPr/>
-              <a:t>11/16/2017</a:t>
+              <a:t>11/17/2017</a:t>
             </a:fld>
             <a:endParaRPr lang="en-US" dirty="0"/>
           </a:p>
@@ -3137,7 +3133,7 @@
           <p:cNvPr id="2" name="Title 1">
             <a:extLst>
               <a:ext uri="{FF2B5EF4-FFF2-40B4-BE49-F238E27FC236}">
-                <a16:creationId xmlns="" xmlns:a16="http://schemas.microsoft.com/office/drawing/2014/main" id="{91FE0C29-4731-422E-98F7-309015F9794A}"/>
+                <a16:creationId xmlns:a16="http://schemas.microsoft.com/office/drawing/2014/main" xmlns="" id="{91FE0C29-4731-422E-98F7-309015F9794A}"/>
               </a:ext>
             </a:extLst>
           </p:cNvPr>
@@ -3165,7 +3161,7 @@
           <p:cNvPr id="3" name="Subtitle 2">
             <a:extLst>
               <a:ext uri="{FF2B5EF4-FFF2-40B4-BE49-F238E27FC236}">
-                <a16:creationId xmlns="" xmlns:a16="http://schemas.microsoft.com/office/drawing/2014/main" id="{4E00B7DF-F927-4ADD-8E68-30B5D30D4EBE}"/>
+                <a16:creationId xmlns:a16="http://schemas.microsoft.com/office/drawing/2014/main" xmlns="" id="{4E00B7DF-F927-4ADD-8E68-30B5D30D4EBE}"/>
               </a:ext>
             </a:extLst>
           </p:cNvPr>
@@ -3230,7 +3226,7 @@
           <p:cNvPr id="4" name="Title 3">
             <a:extLst>
               <a:ext uri="{FF2B5EF4-FFF2-40B4-BE49-F238E27FC236}">
-                <a16:creationId xmlns="" xmlns:a16="http://schemas.microsoft.com/office/drawing/2014/main" id="{6240AE52-2211-4C46-8635-FD22D5C1D34C}"/>
+                <a16:creationId xmlns:a16="http://schemas.microsoft.com/office/drawing/2014/main" xmlns="" id="{6240AE52-2211-4C46-8635-FD22D5C1D34C}"/>
               </a:ext>
             </a:extLst>
           </p:cNvPr>
@@ -3248,7 +3244,7 @@
           <a:p>
             <a:r>
               <a:rPr lang="en-US" dirty="0"/>
-              <a:t>Strategy</a:t>
+              <a:t>Goals</a:t>
             </a:r>
           </a:p>
         </p:txBody>
@@ -3258,7 +3254,7 @@
           <p:cNvPr id="5" name="Content Placeholder 4">
             <a:extLst>
               <a:ext uri="{FF2B5EF4-FFF2-40B4-BE49-F238E27FC236}">
-                <a16:creationId xmlns="" xmlns:a16="http://schemas.microsoft.com/office/drawing/2014/main" id="{2D4ABA12-C92B-441E-90CA-859C5884328A}"/>
+                <a16:creationId xmlns:a16="http://schemas.microsoft.com/office/drawing/2014/main" xmlns="" id="{2D4ABA12-C92B-441E-90CA-859C5884328A}"/>
               </a:ext>
             </a:extLst>
           </p:cNvPr>
@@ -3271,67 +3267,38 @@
         </p:nvSpPr>
         <p:spPr/>
         <p:txBody>
-          <a:bodyPr>
-            <a:normAutofit/>
-          </a:bodyPr>
-          <a:lstStyle/>
-          <a:p>
-            <a:r>
-              <a:rPr lang="en-US" dirty="0"/>
-              <a:t>Reuse high quality components and services.</a:t>
-            </a:r>
-          </a:p>
-          <a:p>
-            <a:r>
-              <a:rPr lang="en-US" dirty="0"/>
-              <a:t>Leverage Angular tools and elements.</a:t>
-            </a:r>
-          </a:p>
-          <a:p>
-            <a:r>
-              <a:rPr lang="en-US" dirty="0"/>
-              <a:t>Better code</a:t>
-            </a:r>
-          </a:p>
-          <a:p>
-            <a:pPr lvl="1"/>
-            <a:r>
-              <a:rPr lang="en-US" dirty="0"/>
-              <a:t>Consistency</a:t>
-            </a:r>
-          </a:p>
-          <a:p>
-            <a:pPr lvl="1"/>
-            <a:r>
-              <a:rPr lang="en-US" dirty="0"/>
-              <a:t>Extensibility</a:t>
-            </a:r>
-          </a:p>
-          <a:p>
-            <a:pPr lvl="1"/>
-            <a:r>
-              <a:rPr lang="en-US" dirty="0"/>
-              <a:t>Maintainability</a:t>
-            </a:r>
-          </a:p>
-          <a:p>
-            <a:pPr lvl="1"/>
-            <a:r>
-              <a:rPr lang="en-US" dirty="0"/>
-              <a:t>Shareable</a:t>
-            </a:r>
-          </a:p>
-          <a:p>
-            <a:r>
-              <a:rPr lang="en-US" dirty="0"/>
-              <a:t>Practice and Principles</a:t>
-            </a:r>
-          </a:p>
-          <a:p>
-            <a:pPr lvl="1"/>
-            <a:r>
-              <a:rPr lang="en-US" dirty="0"/>
-              <a:t>DRY: Do not repeat yourself.</a:t>
+          <a:bodyPr/>
+          <a:lstStyle/>
+          <a:p>
+            <a:r>
+              <a:rPr lang="en-US" dirty="0"/>
+              <a:t>Great software solutions.</a:t>
+            </a:r>
+          </a:p>
+          <a:p>
+            <a:r>
+              <a:rPr lang="en-US" dirty="0"/>
+              <a:t>Efficient with our resources (time and people)</a:t>
+            </a:r>
+          </a:p>
+          <a:p>
+            <a:r>
+              <a:rPr lang="en-US" dirty="0"/>
+              <a:t>High </a:t>
+            </a:r>
+            <a:r>
+              <a:rPr lang="en-US" i="1" dirty="0"/>
+              <a:t>quality</a:t>
+            </a:r>
+            <a:r>
+              <a:rPr lang="en-US" dirty="0"/>
+              <a:t> software.</a:t>
+            </a:r>
+          </a:p>
+          <a:p>
+            <a:r>
+              <a:rPr lang="en-US" dirty="0"/>
+              <a:t>Share your amazing solutions.</a:t>
             </a:r>
           </a:p>
         </p:txBody>
@@ -3339,7 +3306,7 @@
     </p:spTree>
     <p:extLst>
       <p:ext uri="{BB962C8B-B14F-4D97-AF65-F5344CB8AC3E}">
-        <p14:creationId xmlns:p14="http://schemas.microsoft.com/office/powerpoint/2010/main" val="1088476030"/>
+        <p14:creationId xmlns:p14="http://schemas.microsoft.com/office/powerpoint/2010/main" val="2321644408"/>
       </p:ext>
     </p:extLst>
   </p:cSld>
@@ -3378,7 +3345,7 @@
           <p:cNvPr id="4" name="Title 3">
             <a:extLst>
               <a:ext uri="{FF2B5EF4-FFF2-40B4-BE49-F238E27FC236}">
-                <a16:creationId xmlns="" xmlns:a16="http://schemas.microsoft.com/office/drawing/2014/main" id="{AEA28458-0326-4A2E-8CB6-E137659F6063}"/>
+                <a16:creationId xmlns:a16="http://schemas.microsoft.com/office/drawing/2014/main" xmlns="" id="{6240AE52-2211-4C46-8635-FD22D5C1D34C}"/>
               </a:ext>
             </a:extLst>
           </p:cNvPr>
@@ -3396,17 +3363,17 @@
           <a:p>
             <a:r>
               <a:rPr lang="en-US" dirty="0"/>
-              <a:t>How can we do this with Angular?	</a:t>
-            </a:r>
-          </a:p>
-        </p:txBody>
-      </p:sp>
-      <p:sp>
-        <p:nvSpPr>
-          <p:cNvPr id="5" name="Text Placeholder 4">
+              <a:t>Strategy</a:t>
+            </a:r>
+          </a:p>
+        </p:txBody>
+      </p:sp>
+      <p:sp>
+        <p:nvSpPr>
+          <p:cNvPr id="5" name="Content Placeholder 4">
             <a:extLst>
               <a:ext uri="{FF2B5EF4-FFF2-40B4-BE49-F238E27FC236}">
-                <a16:creationId xmlns="" xmlns:a16="http://schemas.microsoft.com/office/drawing/2014/main" id="{7CC224BA-F94D-442D-AFCF-C6A7D31E20E9}"/>
+                <a16:creationId xmlns:a16="http://schemas.microsoft.com/office/drawing/2014/main" xmlns="" id="{2D4ABA12-C92B-441E-90CA-859C5884328A}"/>
               </a:ext>
             </a:extLst>
           </p:cNvPr>
@@ -3414,22 +3381,89 @@
             <a:spLocks noGrp="1"/>
           </p:cNvSpPr>
           <p:nvPr>
-            <p:ph type="body" idx="1"/>
-          </p:nvPr>
-        </p:nvSpPr>
-        <p:spPr/>
-        <p:txBody>
-          <a:bodyPr/>
-          <a:lstStyle/>
-          <a:p>
+            <p:ph idx="1"/>
+          </p:nvPr>
+        </p:nvSpPr>
+        <p:spPr/>
+        <p:txBody>
+          <a:bodyPr>
+            <a:normAutofit lnSpcReduction="10000"/>
+          </a:bodyPr>
+          <a:lstStyle/>
+          <a:p>
+            <a:r>
+              <a:rPr lang="en-US" dirty="0"/>
+              <a:t>Reuse high quality components and services.</a:t>
+            </a:r>
+          </a:p>
+          <a:p>
+            <a:r>
+              <a:rPr lang="en-US" dirty="0"/>
+              <a:t>Leverage Angular tools and elements.</a:t>
+            </a:r>
+          </a:p>
+          <a:p>
+            <a:r>
+              <a:rPr lang="en-US" dirty="0"/>
+              <a:t>Better code</a:t>
+            </a:r>
+          </a:p>
+          <a:p>
+            <a:pPr lvl="1"/>
+            <a:r>
+              <a:rPr lang="en-US" dirty="0"/>
+              <a:t>Consistency</a:t>
+            </a:r>
+          </a:p>
+          <a:p>
+            <a:pPr lvl="1"/>
+            <a:r>
+              <a:rPr lang="en-US" dirty="0"/>
+              <a:t>Extensibility</a:t>
+            </a:r>
+          </a:p>
+          <a:p>
+            <a:pPr lvl="1"/>
+            <a:r>
+              <a:rPr lang="en-US" dirty="0" smtClean="0"/>
+              <a:t>Maintainability: Decoupling, Interface</a:t>
+            </a:r>
             <a:endParaRPr lang="en-US" dirty="0"/>
+          </a:p>
+          <a:p>
+            <a:pPr lvl="1"/>
+            <a:r>
+              <a:rPr lang="en-US" dirty="0" smtClean="0"/>
+              <a:t>Shareable/Reusable</a:t>
+            </a:r>
+          </a:p>
+          <a:p>
+            <a:pPr lvl="1"/>
+            <a:r>
+              <a:rPr lang="en-US" dirty="0" smtClean="0"/>
+              <a:t>Scope, Public/Private</a:t>
+            </a:r>
+            <a:endParaRPr lang="en-US" dirty="0"/>
+          </a:p>
+          <a:p>
+            <a:r>
+              <a:rPr lang="en-US" dirty="0"/>
+              <a:t>Practice and Principles</a:t>
+            </a:r>
+          </a:p>
+          <a:p>
+            <a:pPr lvl="1"/>
+            <a:r>
+              <a:rPr lang="en-US" dirty="0"/>
+              <a:t>DRY: Do not repeat yourself.</a:t>
+            </a:r>
           </a:p>
         </p:txBody>
       </p:sp>
     </p:spTree>
     <p:extLst>
       <p:ext uri="{BB962C8B-B14F-4D97-AF65-F5344CB8AC3E}">
-        <p14:creationId xmlns:p14="http://schemas.microsoft.com/office/powerpoint/2010/main" val="1180502189"/>
+        <p14:creationId xmlns:p14="http://schemas.microsoft.com/office/powerpoint/2010/main" val="1088476030"/>
       </p:ext>
     </p:extLst>
   </p:cSld>
@@ -3468,7 +3502,7 @@
           <p:cNvPr id="4" name="Title 3">
             <a:extLst>
               <a:ext uri="{FF2B5EF4-FFF2-40B4-BE49-F238E27FC236}">
-                <a16:creationId xmlns="" xmlns:a16="http://schemas.microsoft.com/office/drawing/2014/main" id="{54012518-7D2C-4DC5-8D55-D2AA001E7F3A}"/>
+                <a16:creationId xmlns:a16="http://schemas.microsoft.com/office/drawing/2014/main" xmlns="" id="{AEA28458-0326-4A2E-8CB6-E137659F6063}"/>
               </a:ext>
             </a:extLst>
           </p:cNvPr>
@@ -3486,22 +3520,17 @@
           <a:p>
             <a:r>
               <a:rPr lang="en-US" dirty="0"/>
-              <a:t>Answer: </a:t>
-            </a:r>
-            <a:r>
-              <a:rPr lang="en-US" dirty="0" smtClean="0"/>
-              <a:t>Modules</a:t>
-            </a:r>
-            <a:endParaRPr lang="en-US" dirty="0"/>
-          </a:p>
-        </p:txBody>
-      </p:sp>
-      <p:sp>
-        <p:nvSpPr>
-          <p:cNvPr id="5" name="Content Placeholder 4">
+              <a:t>How can we do this with Angular?	</a:t>
+            </a:r>
+          </a:p>
+        </p:txBody>
+      </p:sp>
+      <p:sp>
+        <p:nvSpPr>
+          <p:cNvPr id="5" name="Text Placeholder 4">
             <a:extLst>
               <a:ext uri="{FF2B5EF4-FFF2-40B4-BE49-F238E27FC236}">
-                <a16:creationId xmlns="" xmlns:a16="http://schemas.microsoft.com/office/drawing/2014/main" id="{7DBE9684-0D38-47CC-A5AF-42D167AB40BB}"/>
+                <a16:creationId xmlns:a16="http://schemas.microsoft.com/office/drawing/2014/main" xmlns="" id="{7CC224BA-F94D-442D-AFCF-C6A7D31E20E9}"/>
               </a:ext>
             </a:extLst>
           </p:cNvPr>
@@ -3509,63 +3538,14 @@
             <a:spLocks noGrp="1"/>
           </p:cNvSpPr>
           <p:nvPr>
-            <p:ph idx="1"/>
-          </p:nvPr>
-        </p:nvSpPr>
-        <p:spPr/>
-        <p:txBody>
-          <a:bodyPr>
-            <a:normAutofit/>
-          </a:bodyPr>
-          <a:lstStyle/>
-          <a:p>
-            <a:r>
-              <a:rPr lang="en-US" dirty="0"/>
-              <a:t>What is a module?</a:t>
-            </a:r>
-          </a:p>
-          <a:p>
-            <a:pPr lvl="1"/>
-            <a:r>
-              <a:rPr lang="en-US" dirty="0" smtClean="0"/>
-              <a:t>A module is a collection of related things that work together.</a:t>
-            </a:r>
-          </a:p>
-          <a:p>
-            <a:pPr lvl="1"/>
-            <a:r>
-              <a:rPr lang="en-US" dirty="0" smtClean="0"/>
-              <a:t>Allows </a:t>
-            </a:r>
-            <a:r>
-              <a:rPr lang="en-US" dirty="0"/>
-              <a:t>an application to be organized into cohesive blocks of functionalities.</a:t>
-            </a:r>
-          </a:p>
-          <a:p>
-            <a:pPr lvl="1"/>
-            <a:r>
-              <a:rPr lang="en-US" dirty="0"/>
-              <a:t>Allows an application module to be extended by capabilities of external libraries (i.e., other module packages</a:t>
-            </a:r>
-            <a:r>
-              <a:rPr lang="en-US" dirty="0" smtClean="0"/>
-              <a:t>).</a:t>
-            </a:r>
-          </a:p>
-          <a:p>
-            <a:pPr lvl="1"/>
-            <a:r>
-              <a:rPr lang="en-US" dirty="0" smtClean="0"/>
-              <a:t>Allows applications to be composed by modules.</a:t>
-            </a:r>
-          </a:p>
-          <a:p>
-            <a:pPr lvl="1"/>
-            <a:r>
-              <a:rPr lang="en-US" dirty="0" smtClean="0"/>
-              <a:t>A reusable library.</a:t>
-            </a:r>
+            <p:ph type="body" idx="1"/>
+          </p:nvPr>
+        </p:nvSpPr>
+        <p:spPr/>
+        <p:txBody>
+          <a:bodyPr/>
+          <a:lstStyle/>
+          <a:p>
             <a:endParaRPr lang="en-US" dirty="0"/>
           </a:p>
         </p:txBody>
@@ -3573,7 +3553,7 @@
     </p:spTree>
     <p:extLst>
       <p:ext uri="{BB962C8B-B14F-4D97-AF65-F5344CB8AC3E}">
-        <p14:creationId xmlns:p14="http://schemas.microsoft.com/office/powerpoint/2010/main" val="1344787994"/>
+        <p14:creationId xmlns:p14="http://schemas.microsoft.com/office/powerpoint/2010/main" val="1180502189"/>
       </p:ext>
     </p:extLst>
   </p:cSld>
@@ -3612,7 +3592,7 @@
           <p:cNvPr id="4" name="Title 3">
             <a:extLst>
               <a:ext uri="{FF2B5EF4-FFF2-40B4-BE49-F238E27FC236}">
-                <a16:creationId xmlns="" xmlns:a16="http://schemas.microsoft.com/office/drawing/2014/main" id="{54012518-7D2C-4DC5-8D55-D2AA001E7F3A}"/>
+                <a16:creationId xmlns:a16="http://schemas.microsoft.com/office/drawing/2014/main" xmlns="" id="{54012518-7D2C-4DC5-8D55-D2AA001E7F3A}"/>
               </a:ext>
             </a:extLst>
           </p:cNvPr>
@@ -3630,15 +3610,13 @@
           <a:p>
             <a:r>
               <a:rPr lang="en-US" dirty="0"/>
-              <a:t>Module Pros:</a:t>
-            </a:r>
-            <a:br>
-              <a:rPr lang="en-US" dirty="0"/>
-            </a:br>
-            <a:r>
-              <a:rPr lang="en-US" dirty="0"/>
-              <a:t>	</a:t>
-            </a:r>
+              <a:t>Answer: </a:t>
+            </a:r>
+            <a:r>
+              <a:rPr lang="en-US" dirty="0" smtClean="0"/>
+              <a:t>Modules</a:t>
+            </a:r>
+            <a:endParaRPr lang="en-US" dirty="0"/>
           </a:p>
         </p:txBody>
       </p:sp>
@@ -3647,7 +3625,7 @@
           <p:cNvPr id="5" name="Content Placeholder 4">
             <a:extLst>
               <a:ext uri="{FF2B5EF4-FFF2-40B4-BE49-F238E27FC236}">
-                <a16:creationId xmlns="" xmlns:a16="http://schemas.microsoft.com/office/drawing/2014/main" id="{7DBE9684-0D38-47CC-A5AF-42D167AB40BB}"/>
+                <a16:creationId xmlns:a16="http://schemas.microsoft.com/office/drawing/2014/main" xmlns="" id="{7DBE9684-0D38-47CC-A5AF-42D167AB40BB}"/>
               </a:ext>
             </a:extLst>
           </p:cNvPr>
@@ -3661,55 +3639,126 @@
         <p:spPr/>
         <p:txBody>
           <a:bodyPr>
-            <a:normAutofit/>
+            <a:normAutofit lnSpcReduction="10000"/>
           </a:bodyPr>
           <a:lstStyle/>
           <a:p>
             <a:r>
               <a:rPr lang="en-US" dirty="0"/>
-              <a:t>Pros:</a:t>
-            </a:r>
-          </a:p>
-          <a:p>
-            <a:pPr lvl="1"/>
-            <a:r>
-              <a:rPr lang="en-US" dirty="0"/>
-              <a:t>Improve efficiency.</a:t>
-            </a:r>
-          </a:p>
-          <a:p>
-            <a:pPr lvl="1"/>
-            <a:r>
-              <a:rPr lang="en-US" dirty="0"/>
-              <a:t>Minimize code maintenance. </a:t>
-            </a:r>
-          </a:p>
-          <a:p>
-            <a:pPr lvl="1"/>
-            <a:r>
-              <a:rPr lang="en-US" dirty="0"/>
-              <a:t>Better code organization.</a:t>
-            </a:r>
-          </a:p>
-          <a:p>
-            <a:pPr lvl="1"/>
-            <a:r>
-              <a:rPr lang="en-US" dirty="0"/>
-              <a:t>Share and distribute </a:t>
-            </a:r>
-            <a:r>
-              <a:rPr lang="en-US" dirty="0">
-                <a:sym typeface="Wingdings" panose="05000000000000000000" pitchFamily="2" charset="2"/>
-              </a:rPr>
-              <a:t> Reusable libraries.</a:t>
-            </a:r>
+              <a:t>What is a module?</a:t>
+            </a:r>
+          </a:p>
+          <a:p>
+            <a:pPr lvl="1"/>
+            <a:r>
+              <a:rPr lang="en-US" dirty="0" smtClean="0"/>
+              <a:t>A module is a collection of related things that work together</a:t>
+            </a:r>
+            <a:r>
+              <a:rPr lang="en-US" dirty="0" smtClean="0"/>
+              <a:t>. Code cluster.</a:t>
+            </a:r>
+            <a:endParaRPr lang="en-US" dirty="0" smtClean="0"/>
+          </a:p>
+          <a:p>
+            <a:pPr lvl="1"/>
+            <a:r>
+              <a:rPr lang="en-US" dirty="0" smtClean="0"/>
+              <a:t>Allows </a:t>
+            </a:r>
+            <a:r>
+              <a:rPr lang="en-US" dirty="0"/>
+              <a:t>an application to be organized into cohesive blocks of functionalities.</a:t>
+            </a:r>
+          </a:p>
+          <a:p>
+            <a:pPr lvl="1"/>
+            <a:r>
+              <a:rPr lang="en-US" dirty="0"/>
+              <a:t>Allows an application module to be extended by capabilities of external libraries (i.e., other module packages</a:t>
+            </a:r>
+            <a:r>
+              <a:rPr lang="en-US" dirty="0" smtClean="0"/>
+              <a:t>).</a:t>
+            </a:r>
+          </a:p>
+          <a:p>
+            <a:pPr lvl="1"/>
+            <a:r>
+              <a:rPr lang="en-US" dirty="0" smtClean="0"/>
+              <a:t>Allows applications to be composed by modules.</a:t>
+            </a:r>
+          </a:p>
+          <a:p>
+            <a:pPr lvl="1"/>
+            <a:r>
+              <a:rPr lang="en-US" dirty="0" smtClean="0"/>
+              <a:t>A reusable library</a:t>
+            </a:r>
+            <a:r>
+              <a:rPr lang="en-US" dirty="0" smtClean="0"/>
+              <a:t>.</a:t>
+            </a:r>
+          </a:p>
+          <a:p>
+            <a:r>
+              <a:rPr lang="en-US" dirty="0" err="1" smtClean="0"/>
+              <a:t>Javascript</a:t>
+            </a:r>
+            <a:r>
+              <a:rPr lang="en-US" dirty="0" smtClean="0"/>
+              <a:t> Modules</a:t>
+            </a:r>
+          </a:p>
+          <a:p>
+            <a:pPr lvl="1"/>
+            <a:r>
+              <a:rPr lang="en-US" dirty="0" err="1" smtClean="0"/>
+              <a:t>commonJS</a:t>
+            </a:r>
+            <a:r>
+              <a:rPr lang="en-US" dirty="0" smtClean="0"/>
+              <a:t>, AMD, or UMD</a:t>
+            </a:r>
+          </a:p>
+          <a:p>
+            <a:pPr lvl="2"/>
+            <a:r>
+              <a:rPr lang="en-US" dirty="0" smtClean="0"/>
+              <a:t>Help manage dependencies, scope</a:t>
+            </a:r>
+            <a:endParaRPr lang="en-US" dirty="0" smtClean="0"/>
+          </a:p>
+          <a:p>
+            <a:pPr lvl="1"/>
+            <a:r>
+              <a:rPr lang="en-US" dirty="0"/>
+              <a:t>Modules need to be exposed(</a:t>
+            </a:r>
+            <a:r>
+              <a:rPr lang="en-US" b="1" dirty="0"/>
+              <a:t>export</a:t>
+            </a:r>
+            <a:r>
+              <a:rPr lang="en-US" dirty="0"/>
+              <a:t>) to others for use and be accessible(</a:t>
+            </a:r>
+            <a:r>
+              <a:rPr lang="en-US" b="1" dirty="0"/>
+              <a:t>import</a:t>
+            </a:r>
+            <a:r>
+              <a:rPr lang="en-US" dirty="0"/>
+              <a:t>).</a:t>
+            </a:r>
+            <a:endParaRPr lang="en-US" dirty="0"/>
           </a:p>
         </p:txBody>
       </p:sp>
     </p:spTree>
     <p:extLst>
       <p:ext uri="{BB962C8B-B14F-4D97-AF65-F5344CB8AC3E}">
-        <p14:creationId xmlns:p14="http://schemas.microsoft.com/office/powerpoint/2010/main" val="3574255406"/>
+        <p14:creationId xmlns:p14="http://schemas.microsoft.com/office/powerpoint/2010/main" val="1344787994"/>
       </p:ext>
     </p:extLst>
   </p:cSld>
@@ -3748,7 +3797,7 @@
           <p:cNvPr id="4" name="Title 3">
             <a:extLst>
               <a:ext uri="{FF2B5EF4-FFF2-40B4-BE49-F238E27FC236}">
-                <a16:creationId xmlns="" xmlns:a16="http://schemas.microsoft.com/office/drawing/2014/main" id="{54012518-7D2C-4DC5-8D55-D2AA001E7F3A}"/>
+                <a16:creationId xmlns:a16="http://schemas.microsoft.com/office/drawing/2014/main" xmlns="" id="{54012518-7D2C-4DC5-8D55-D2AA001E7F3A}"/>
               </a:ext>
             </a:extLst>
           </p:cNvPr>
@@ -3766,7 +3815,7 @@
           <a:p>
             <a:r>
               <a:rPr lang="en-US" dirty="0"/>
-              <a:t>Module Cons:</a:t>
+              <a:t>Module Pros:</a:t>
             </a:r>
             <a:br>
               <a:rPr lang="en-US" dirty="0"/>
@@ -3783,7 +3832,7 @@
           <p:cNvPr id="5" name="Content Placeholder 4">
             <a:extLst>
               <a:ext uri="{FF2B5EF4-FFF2-40B4-BE49-F238E27FC236}">
-                <a16:creationId xmlns="" xmlns:a16="http://schemas.microsoft.com/office/drawing/2014/main" id="{7DBE9684-0D38-47CC-A5AF-42D167AB40BB}"/>
+                <a16:creationId xmlns:a16="http://schemas.microsoft.com/office/drawing/2014/main" xmlns="" id="{7DBE9684-0D38-47CC-A5AF-42D167AB40BB}"/>
               </a:ext>
             </a:extLst>
           </p:cNvPr>
@@ -3802,79 +3851,58 @@
           <a:lstStyle/>
           <a:p>
             <a:r>
+              <a:rPr lang="en-US" dirty="0"/>
+              <a:t>Pros:</a:t>
+            </a:r>
+          </a:p>
+          <a:p>
+            <a:pPr lvl="1"/>
+            <a:r>
+              <a:rPr lang="en-US" dirty="0"/>
+              <a:t>Improve efficiency.</a:t>
+            </a:r>
+          </a:p>
+          <a:p>
+            <a:pPr lvl="1"/>
+            <a:r>
+              <a:rPr lang="en-US" dirty="0"/>
+              <a:t>Minimize code maintenance. </a:t>
+            </a:r>
+          </a:p>
+          <a:p>
+            <a:pPr lvl="1"/>
+            <a:r>
+              <a:rPr lang="en-US" dirty="0"/>
+              <a:t>Better code </a:t>
+            </a:r>
+            <a:r>
+              <a:rPr lang="en-US" b="1" i="1" dirty="0"/>
+              <a:t>organization</a:t>
+            </a:r>
+            <a:r>
+              <a:rPr lang="en-US" dirty="0"/>
+              <a:t>.</a:t>
+            </a:r>
+          </a:p>
+          <a:p>
+            <a:pPr lvl="1"/>
+            <a:r>
+              <a:rPr lang="en-US" dirty="0"/>
+              <a:t>Share and distribute </a:t>
+            </a:r>
+            <a:r>
               <a:rPr lang="en-US" dirty="0">
                 <a:sym typeface="Wingdings" panose="05000000000000000000" pitchFamily="2" charset="2"/>
               </a:rPr>
-              <a:t>Cons:</a:t>
-            </a:r>
-          </a:p>
-          <a:p>
-            <a:pPr lvl="1"/>
-            <a:r>
-              <a:rPr lang="en-US" dirty="0">
-                <a:sym typeface="Wingdings" panose="05000000000000000000" pitchFamily="2" charset="2"/>
-              </a:rPr>
-              <a:t>Takes thought, design, analysis to determine [what] belongs in a module.</a:t>
-            </a:r>
-          </a:p>
-          <a:p>
-            <a:pPr lvl="1"/>
-            <a:r>
-              <a:rPr lang="en-US" dirty="0">
-                <a:sym typeface="Wingdings" panose="05000000000000000000" pitchFamily="2" charset="2"/>
-              </a:rPr>
-              <a:t>Development </a:t>
-            </a:r>
-            <a:r>
-              <a:rPr lang="en-US" dirty="0" smtClean="0">
-                <a:sym typeface="Wingdings" panose="05000000000000000000" pitchFamily="2" charset="2"/>
-              </a:rPr>
-              <a:t>approach </a:t>
-            </a:r>
-            <a:r>
-              <a:rPr lang="en-US" dirty="0">
-                <a:sym typeface="Wingdings" panose="05000000000000000000" pitchFamily="2" charset="2"/>
-              </a:rPr>
-              <a:t>is different.</a:t>
-            </a:r>
-          </a:p>
-          <a:p>
-            <a:pPr lvl="1"/>
-            <a:r>
-              <a:rPr lang="en-US" dirty="0">
-                <a:sym typeface="Wingdings" panose="05000000000000000000" pitchFamily="2" charset="2"/>
-              </a:rPr>
-              <a:t>May take awhile to stabilize the module.</a:t>
-            </a:r>
-          </a:p>
-          <a:p>
-            <a:pPr lvl="1"/>
-            <a:r>
-              <a:rPr lang="en-US" dirty="0" smtClean="0">
-                <a:sym typeface="Wingdings" panose="05000000000000000000" pitchFamily="2" charset="2"/>
-              </a:rPr>
-              <a:t>Managing dependencies.</a:t>
-            </a:r>
-            <a:endParaRPr lang="en-US" dirty="0">
-              <a:sym typeface="Wingdings" panose="05000000000000000000" pitchFamily="2" charset="2"/>
-            </a:endParaRPr>
-          </a:p>
-          <a:p>
-            <a:pPr lvl="1"/>
-            <a:r>
-              <a:rPr lang="en-US" dirty="0">
-                <a:sym typeface="Wingdings" panose="05000000000000000000" pitchFamily="2" charset="2"/>
-              </a:rPr>
-              <a:t>A suite of modules that are inter-dependent require package and version updates when a dependency is updated.</a:t>
-            </a:r>
-            <a:endParaRPr lang="en-US" dirty="0"/>
+              <a:t> Reusable libraries.</a:t>
+            </a:r>
           </a:p>
         </p:txBody>
       </p:sp>
     </p:spTree>
     <p:extLst>
       <p:ext uri="{BB962C8B-B14F-4D97-AF65-F5344CB8AC3E}">
-        <p14:creationId xmlns:p14="http://schemas.microsoft.com/office/powerpoint/2010/main" val="515468962"/>
+        <p14:creationId xmlns:p14="http://schemas.microsoft.com/office/powerpoint/2010/main" val="3574255406"/>
       </p:ext>
     </p:extLst>
   </p:cSld>
@@ -3913,7 +3941,7 @@
           <p:cNvPr id="4" name="Title 3">
             <a:extLst>
               <a:ext uri="{FF2B5EF4-FFF2-40B4-BE49-F238E27FC236}">
-                <a16:creationId xmlns="" xmlns:a16="http://schemas.microsoft.com/office/drawing/2014/main" id="{54012518-7D2C-4DC5-8D55-D2AA001E7F3A}"/>
+                <a16:creationId xmlns:a16="http://schemas.microsoft.com/office/drawing/2014/main" xmlns="" id="{54012518-7D2C-4DC5-8D55-D2AA001E7F3A}"/>
               </a:ext>
             </a:extLst>
           </p:cNvPr>
@@ -3924,23 +3952,21 @@
             <p:ph type="title"/>
           </p:nvPr>
         </p:nvSpPr>
-        <p:spPr>
-          <a:effectLst>
-            <a:glow rad="12700">
-              <a:schemeClr val="accent1">
-                <a:alpha val="40000"/>
-              </a:schemeClr>
-            </a:glow>
-            <a:softEdge rad="12700"/>
-          </a:effectLst>
-        </p:spPr>
-        <p:txBody>
-          <a:bodyPr/>
-          <a:lstStyle/>
-          <a:p>
-            <a:r>
-              <a:rPr lang="en-US" dirty="0"/>
-              <a:t>Custom Angular Module Types	</a:t>
+        <p:spPr/>
+        <p:txBody>
+          <a:bodyPr/>
+          <a:lstStyle/>
+          <a:p>
+            <a:r>
+              <a:rPr lang="en-US" dirty="0"/>
+              <a:t>Module Cons:</a:t>
+            </a:r>
+            <a:br>
+              <a:rPr lang="en-US" dirty="0"/>
+            </a:br>
+            <a:r>
+              <a:rPr lang="en-US" dirty="0"/>
+              <a:t>	</a:t>
             </a:r>
           </a:p>
         </p:txBody>
@@ -3950,7 +3976,7 @@
           <p:cNvPr id="5" name="Content Placeholder 4">
             <a:extLst>
               <a:ext uri="{FF2B5EF4-FFF2-40B4-BE49-F238E27FC236}">
-                <a16:creationId xmlns="" xmlns:a16="http://schemas.microsoft.com/office/drawing/2014/main" id="{7DBE9684-0D38-47CC-A5AF-42D167AB40BB}"/>
+                <a16:creationId xmlns:a16="http://schemas.microsoft.com/office/drawing/2014/main" xmlns="" id="{7DBE9684-0D38-47CC-A5AF-42D167AB40BB}"/>
               </a:ext>
             </a:extLst>
           </p:cNvPr>
@@ -3963,50 +3989,85 @@
         </p:nvSpPr>
         <p:spPr/>
         <p:txBody>
-          <a:bodyPr/>
-          <a:lstStyle/>
-          <a:p>
-            <a:r>
-              <a:rPr lang="en-US" dirty="0"/>
-              <a:t>Component</a:t>
-            </a:r>
-          </a:p>
-          <a:p>
-            <a:r>
-              <a:rPr lang="en-US" dirty="0"/>
-              <a:t>Service</a:t>
-            </a:r>
-          </a:p>
-          <a:p>
-            <a:r>
-              <a:rPr lang="en-US" dirty="0"/>
-              <a:t>Component/Service</a:t>
-            </a:r>
-          </a:p>
-          <a:p>
-            <a:r>
-              <a:rPr lang="en-US" dirty="0"/>
-              <a:t>Infrastructure</a:t>
-            </a:r>
-          </a:p>
-          <a:p>
-            <a:r>
-              <a:rPr lang="en-US" dirty="0"/>
-              <a:t>Framework</a:t>
-            </a:r>
-          </a:p>
-          <a:p>
-            <a:r>
-              <a:rPr lang="en-US" dirty="0"/>
-              <a:t>Feature</a:t>
-            </a:r>
+          <a:bodyPr>
+            <a:normAutofit/>
+          </a:bodyPr>
+          <a:lstStyle/>
+          <a:p>
+            <a:r>
+              <a:rPr lang="en-US" dirty="0">
+                <a:sym typeface="Wingdings" panose="05000000000000000000" pitchFamily="2" charset="2"/>
+              </a:rPr>
+              <a:t>Cons:</a:t>
+            </a:r>
+          </a:p>
+          <a:p>
+            <a:pPr lvl="1"/>
+            <a:r>
+              <a:rPr lang="en-US" dirty="0">
+                <a:sym typeface="Wingdings" panose="05000000000000000000" pitchFamily="2" charset="2"/>
+              </a:rPr>
+              <a:t>Takes thought, design, analysis to determine [what] belongs in a module.</a:t>
+            </a:r>
+          </a:p>
+          <a:p>
+            <a:pPr lvl="1"/>
+            <a:r>
+              <a:rPr lang="en-US" dirty="0">
+                <a:sym typeface="Wingdings" panose="05000000000000000000" pitchFamily="2" charset="2"/>
+              </a:rPr>
+              <a:t>Development </a:t>
+            </a:r>
+            <a:r>
+              <a:rPr lang="en-US" dirty="0" smtClean="0">
+                <a:sym typeface="Wingdings" panose="05000000000000000000" pitchFamily="2" charset="2"/>
+              </a:rPr>
+              <a:t>approach </a:t>
+            </a:r>
+            <a:r>
+              <a:rPr lang="en-US" dirty="0">
+                <a:sym typeface="Wingdings" panose="05000000000000000000" pitchFamily="2" charset="2"/>
+              </a:rPr>
+              <a:t>is different.</a:t>
+            </a:r>
+          </a:p>
+          <a:p>
+            <a:pPr lvl="1"/>
+            <a:r>
+              <a:rPr lang="en-US" dirty="0">
+                <a:sym typeface="Wingdings" panose="05000000000000000000" pitchFamily="2" charset="2"/>
+              </a:rPr>
+              <a:t>May take awhile to stabilize the module.</a:t>
+            </a:r>
+          </a:p>
+          <a:p>
+            <a:pPr lvl="1"/>
+            <a:r>
+              <a:rPr lang="en-US" dirty="0" smtClean="0">
+                <a:sym typeface="Wingdings" panose="05000000000000000000" pitchFamily="2" charset="2"/>
+              </a:rPr>
+              <a:t>Managing dependencies.</a:t>
+            </a:r>
+            <a:endParaRPr lang="en-US" dirty="0">
+              <a:sym typeface="Wingdings" panose="05000000000000000000" pitchFamily="2" charset="2"/>
+            </a:endParaRPr>
+          </a:p>
+          <a:p>
+            <a:pPr lvl="1"/>
+            <a:r>
+              <a:rPr lang="en-US" dirty="0">
+                <a:sym typeface="Wingdings" panose="05000000000000000000" pitchFamily="2" charset="2"/>
+              </a:rPr>
+              <a:t>A suite of modules that are inter-dependent require package and version updates when a dependency is updated.</a:t>
+            </a:r>
+            <a:endParaRPr lang="en-US" dirty="0"/>
           </a:p>
         </p:txBody>
       </p:sp>
     </p:spTree>
     <p:extLst>
       <p:ext uri="{BB962C8B-B14F-4D97-AF65-F5344CB8AC3E}">
-        <p14:creationId xmlns:p14="http://schemas.microsoft.com/office/powerpoint/2010/main" val="3969051291"/>
+        <p14:creationId xmlns:p14="http://schemas.microsoft.com/office/powerpoint/2010/main" val="515468962"/>
       </p:ext>
     </p:extLst>
   </p:cSld>
@@ -4045,7 +4106,7 @@
           <p:cNvPr id="4" name="Title 3">
             <a:extLst>
               <a:ext uri="{FF2B5EF4-FFF2-40B4-BE49-F238E27FC236}">
-                <a16:creationId xmlns="" xmlns:a16="http://schemas.microsoft.com/office/drawing/2014/main" id="{999890AD-33FC-4E97-9C1F-83E93FA36614}"/>
+                <a16:creationId xmlns:a16="http://schemas.microsoft.com/office/drawing/2014/main" xmlns="" id="{54012518-7D2C-4DC5-8D55-D2AA001E7F3A}"/>
               </a:ext>
             </a:extLst>
           </p:cNvPr>
@@ -4056,29 +4117,33 @@
             <p:ph type="title"/>
           </p:nvPr>
         </p:nvSpPr>
-        <p:spPr/>
-        <p:txBody>
-          <a:bodyPr/>
-          <a:lstStyle/>
-          <a:p>
-            <a:r>
-              <a:rPr lang="en-US" dirty="0"/>
-              <a:t>Know Your Angular </a:t>
-            </a:r>
-            <a:r>
-              <a:rPr lang="en-US" dirty="0" smtClean="0"/>
-              <a:t>Module</a:t>
-            </a:r>
-            <a:endParaRPr lang="en-US" dirty="0"/>
-          </a:p>
-        </p:txBody>
-      </p:sp>
-      <p:sp>
-        <p:nvSpPr>
-          <p:cNvPr id="5" name="Text Placeholder 4">
+        <p:spPr>
+          <a:effectLst>
+            <a:glow rad="12700">
+              <a:schemeClr val="accent1">
+                <a:alpha val="40000"/>
+              </a:schemeClr>
+            </a:glow>
+            <a:softEdge rad="12700"/>
+          </a:effectLst>
+        </p:spPr>
+        <p:txBody>
+          <a:bodyPr/>
+          <a:lstStyle/>
+          <a:p>
+            <a:r>
+              <a:rPr lang="en-US" dirty="0"/>
+              <a:t>Custom Angular Module Types	</a:t>
+            </a:r>
+          </a:p>
+        </p:txBody>
+      </p:sp>
+      <p:sp>
+        <p:nvSpPr>
+          <p:cNvPr id="5" name="Content Placeholder 4">
             <a:extLst>
               <a:ext uri="{FF2B5EF4-FFF2-40B4-BE49-F238E27FC236}">
-                <a16:creationId xmlns="" xmlns:a16="http://schemas.microsoft.com/office/drawing/2014/main" id="{0F430FFA-0992-4903-A2FD-8C7CC4F490CF}"/>
+                <a16:creationId xmlns:a16="http://schemas.microsoft.com/office/drawing/2014/main" xmlns="" id="{7DBE9684-0D38-47CC-A5AF-42D167AB40BB}"/>
               </a:ext>
             </a:extLst>
           </p:cNvPr>
@@ -4086,17 +4151,47 @@
             <a:spLocks noGrp="1"/>
           </p:cNvSpPr>
           <p:nvPr>
-            <p:ph type="body" idx="1"/>
-          </p:nvPr>
-        </p:nvSpPr>
-        <p:spPr/>
-        <p:txBody>
-          <a:bodyPr/>
-          <a:lstStyle/>
-          <a:p>
-            <a:r>
-              <a:rPr lang="en-US" dirty="0"/>
-              <a:t>Hello Module.</a:t>
+            <p:ph idx="1"/>
+          </p:nvPr>
+        </p:nvSpPr>
+        <p:spPr/>
+        <p:txBody>
+          <a:bodyPr/>
+          <a:lstStyle/>
+          <a:p>
+            <a:r>
+              <a:rPr lang="en-US" dirty="0"/>
+              <a:t>Component</a:t>
+            </a:r>
+          </a:p>
+          <a:p>
+            <a:r>
+              <a:rPr lang="en-US" dirty="0"/>
+              <a:t>Service</a:t>
+            </a:r>
+          </a:p>
+          <a:p>
+            <a:r>
+              <a:rPr lang="en-US" dirty="0"/>
+              <a:t>Component/Service</a:t>
+            </a:r>
+          </a:p>
+          <a:p>
+            <a:r>
+              <a:rPr lang="en-US" dirty="0"/>
+              <a:t>Infrastructure</a:t>
+            </a:r>
+          </a:p>
+          <a:p>
+            <a:r>
+              <a:rPr lang="en-US" dirty="0"/>
+              <a:t>Framework</a:t>
+            </a:r>
+          </a:p>
+          <a:p>
+            <a:r>
+              <a:rPr lang="en-US" dirty="0"/>
+              <a:t>Feature</a:t>
             </a:r>
           </a:p>
         </p:txBody>
@@ -4104,7 +4199,7 @@
     </p:spTree>
     <p:extLst>
       <p:ext uri="{BB962C8B-B14F-4D97-AF65-F5344CB8AC3E}">
-        <p14:creationId xmlns:p14="http://schemas.microsoft.com/office/powerpoint/2010/main" val="1793706507"/>
+        <p14:creationId xmlns:p14="http://schemas.microsoft.com/office/powerpoint/2010/main" val="3969051291"/>
       </p:ext>
     </p:extLst>
   </p:cSld>
@@ -4143,7 +4238,7 @@
           <p:cNvPr id="4" name="Title 3">
             <a:extLst>
               <a:ext uri="{FF2B5EF4-FFF2-40B4-BE49-F238E27FC236}">
-                <a16:creationId xmlns="" xmlns:a16="http://schemas.microsoft.com/office/drawing/2014/main" id="{7F37EE62-6602-46DA-A102-BD35E97358F6}"/>
+                <a16:creationId xmlns:a16="http://schemas.microsoft.com/office/drawing/2014/main" xmlns="" id="{999890AD-33FC-4E97-9C1F-83E93FA36614}"/>
               </a:ext>
             </a:extLst>
           </p:cNvPr>
@@ -4161,17 +4256,22 @@
           <a:p>
             <a:r>
               <a:rPr lang="en-US" dirty="0"/>
-              <a:t>Angular Application Modules :: Quick Overview</a:t>
-            </a:r>
-          </a:p>
-        </p:txBody>
-      </p:sp>
-      <p:sp>
-        <p:nvSpPr>
-          <p:cNvPr id="5" name="Content Placeholder 4">
+              <a:t>Know Your Angular </a:t>
+            </a:r>
+            <a:r>
+              <a:rPr lang="en-US" dirty="0" smtClean="0"/>
+              <a:t>Module</a:t>
+            </a:r>
+            <a:endParaRPr lang="en-US" dirty="0"/>
+          </a:p>
+        </p:txBody>
+      </p:sp>
+      <p:sp>
+        <p:nvSpPr>
+          <p:cNvPr id="5" name="Text Placeholder 4">
             <a:extLst>
               <a:ext uri="{FF2B5EF4-FFF2-40B4-BE49-F238E27FC236}">
-                <a16:creationId xmlns="" xmlns:a16="http://schemas.microsoft.com/office/drawing/2014/main" id="{B994F59A-6B27-4732-B4FF-C5079685BCDC}"/>
+                <a16:creationId xmlns:a16="http://schemas.microsoft.com/office/drawing/2014/main" xmlns="" id="{0F430FFA-0992-4903-A2FD-8C7CC4F490CF}"/>
               </a:ext>
             </a:extLst>
           </p:cNvPr>
@@ -4179,65 +4279,17 @@
             <a:spLocks noGrp="1"/>
           </p:cNvSpPr>
           <p:nvPr>
-            <p:ph idx="1"/>
-          </p:nvPr>
-        </p:nvSpPr>
-        <p:spPr/>
-        <p:txBody>
-          <a:bodyPr/>
-          <a:lstStyle/>
-          <a:p>
-            <a:r>
-              <a:rPr lang="en-US" dirty="0" smtClean="0"/>
-              <a:t>Root </a:t>
-            </a:r>
-            <a:r>
-              <a:rPr lang="en-US" dirty="0"/>
-              <a:t>Module: </a:t>
-            </a:r>
-            <a:r>
-              <a:rPr lang="en-US" dirty="0" smtClean="0"/>
-              <a:t>app.module.ts</a:t>
-            </a:r>
-            <a:endParaRPr lang="en-US" dirty="0" smtClean="0"/>
-          </a:p>
-          <a:p>
-            <a:r>
-              <a:rPr lang="en-US" dirty="0" smtClean="0"/>
-              <a:t>Route Module: manage application routes</a:t>
-            </a:r>
-            <a:endParaRPr lang="en-US" dirty="0"/>
-          </a:p>
-          <a:p>
-            <a:r>
-              <a:rPr lang="en-US" dirty="0"/>
-              <a:t>Shared Module: shared.module.ts</a:t>
-            </a:r>
-          </a:p>
-          <a:p>
-            <a:r>
-              <a:rPr lang="en-US" dirty="0"/>
-              <a:t>Core Module: core.module.ts</a:t>
-            </a:r>
-          </a:p>
-          <a:p>
-            <a:r>
-              <a:rPr lang="en-US" dirty="0"/>
-              <a:t>Feature Modules</a:t>
-            </a:r>
-          </a:p>
-          <a:p>
-            <a:pPr lvl="1"/>
-            <a:r>
-              <a:rPr lang="en-US" dirty="0"/>
-              <a:t>UI</a:t>
-            </a:r>
-          </a:p>
-          <a:p>
-            <a:pPr lvl="1"/>
-            <a:r>
-              <a:rPr lang="en-US" dirty="0"/>
-              <a:t>Service</a:t>
+            <p:ph type="body" idx="1"/>
+          </p:nvPr>
+        </p:nvSpPr>
+        <p:spPr/>
+        <p:txBody>
+          <a:bodyPr/>
+          <a:lstStyle/>
+          <a:p>
+            <a:r>
+              <a:rPr lang="en-US" dirty="0"/>
+              <a:t>Hello Module.</a:t>
             </a:r>
           </a:p>
         </p:txBody>
@@ -4245,7 +4297,7 @@
     </p:spTree>
     <p:extLst>
       <p:ext uri="{BB962C8B-B14F-4D97-AF65-F5344CB8AC3E}">
-        <p14:creationId xmlns:p14="http://schemas.microsoft.com/office/powerpoint/2010/main" val="1284813065"/>
+        <p14:creationId xmlns:p14="http://schemas.microsoft.com/office/powerpoint/2010/main" val="1793706507"/>
       </p:ext>
     </p:extLst>
   </p:cSld>
@@ -4284,7 +4336,7 @@
           <p:cNvPr id="4" name="Title 3">
             <a:extLst>
               <a:ext uri="{FF2B5EF4-FFF2-40B4-BE49-F238E27FC236}">
-                <a16:creationId xmlns="" xmlns:a16="http://schemas.microsoft.com/office/drawing/2014/main" id="{7F37EE62-6602-46DA-A102-BD35E97358F6}"/>
+                <a16:creationId xmlns:a16="http://schemas.microsoft.com/office/drawing/2014/main" xmlns="" id="{7F37EE62-6602-46DA-A102-BD35E97358F6}"/>
               </a:ext>
             </a:extLst>
           </p:cNvPr>
@@ -4302,7 +4354,7 @@
           <a:p>
             <a:r>
               <a:rPr lang="en-US" dirty="0"/>
-              <a:t>Root Module: app.module.ts</a:t>
+              <a:t>Angular Application Modules :: Quick Overview</a:t>
             </a:r>
           </a:p>
         </p:txBody>
@@ -4312,7 +4364,7 @@
           <p:cNvPr id="5" name="Content Placeholder 4">
             <a:extLst>
               <a:ext uri="{FF2B5EF4-FFF2-40B4-BE49-F238E27FC236}">
-                <a16:creationId xmlns="" xmlns:a16="http://schemas.microsoft.com/office/drawing/2014/main" id="{B994F59A-6B27-4732-B4FF-C5079685BCDC}"/>
+                <a16:creationId xmlns:a16="http://schemas.microsoft.com/office/drawing/2014/main" xmlns="" id="{B994F59A-6B27-4732-B4FF-C5079685BCDC}"/>
               </a:ext>
             </a:extLst>
           </p:cNvPr>
@@ -4329,43 +4381,55 @@
           <a:lstStyle/>
           <a:p>
             <a:r>
-              <a:rPr lang="en-US" dirty="0"/>
-              <a:t>Purpose</a:t>
-            </a:r>
-          </a:p>
-          <a:p>
-            <a:pPr lvl="1"/>
-            <a:r>
-              <a:rPr lang="en-US" dirty="0"/>
-              <a:t>Responsible for initializing the application’s modules (loading), and bootstrapping the top-level component (i.e., </a:t>
-            </a:r>
-            <a:r>
-              <a:rPr lang="en-US" dirty="0"/>
-              <a:t>app.component</a:t>
-            </a:r>
-            <a:r>
-              <a:rPr lang="en-US" dirty="0"/>
-              <a:t>). </a:t>
-            </a:r>
-          </a:p>
-          <a:p>
-            <a:pPr lvl="1"/>
-            <a:r>
-              <a:rPr lang="en-US" dirty="0"/>
-              <a:t>Try to keep the concern to initializing the application.</a:t>
-            </a:r>
-          </a:p>
-          <a:p>
-            <a:r>
-              <a:rPr lang="en-US" dirty="0"/>
-              <a:t>Contents</a:t>
-            </a:r>
-          </a:p>
-          <a:p>
-            <a:pPr lvl="1"/>
-            <a:r>
-              <a:rPr lang="en-US" dirty="0"/>
-              <a:t>Common application-level components (NotAuthorizedComponent, PageNotFoundComponent, ErrorComponent, etc.).</a:t>
+              <a:rPr lang="en-US" dirty="0" smtClean="0"/>
+              <a:t>Root </a:t>
+            </a:r>
+            <a:r>
+              <a:rPr lang="en-US" dirty="0"/>
+              <a:t>Module: </a:t>
+            </a:r>
+            <a:r>
+              <a:rPr lang="en-US" dirty="0" smtClean="0"/>
+              <a:t>app.module.ts</a:t>
+            </a:r>
+          </a:p>
+          <a:p>
+            <a:r>
+              <a:rPr lang="en-US" dirty="0" smtClean="0"/>
+              <a:t>Route Module: manage application routes</a:t>
+            </a:r>
+            <a:endParaRPr lang="en-US" dirty="0"/>
+          </a:p>
+          <a:p>
+            <a:r>
+              <a:rPr lang="en-US" dirty="0"/>
+              <a:t>Shared Module: shared.module.ts</a:t>
+            </a:r>
+          </a:p>
+          <a:p>
+            <a:r>
+              <a:rPr lang="en-US" dirty="0"/>
+              <a:t>Core Module: core.module.ts</a:t>
+            </a:r>
+          </a:p>
+          <a:p>
+            <a:r>
+              <a:rPr lang="en-US" dirty="0"/>
+              <a:t>Feature Modules</a:t>
+            </a:r>
+          </a:p>
+          <a:p>
+            <a:pPr lvl="1"/>
+            <a:r>
+              <a:rPr lang="en-US" dirty="0"/>
+              <a:t>UI</a:t>
+            </a:r>
+          </a:p>
+          <a:p>
+            <a:pPr lvl="1"/>
+            <a:r>
+              <a:rPr lang="en-US" dirty="0"/>
+              <a:t>Service</a:t>
             </a:r>
           </a:p>
         </p:txBody>
@@ -4373,7 +4437,7 @@
     </p:spTree>
     <p:extLst>
       <p:ext uri="{BB962C8B-B14F-4D97-AF65-F5344CB8AC3E}">
-        <p14:creationId xmlns:p14="http://schemas.microsoft.com/office/powerpoint/2010/main" val="316663120"/>
+        <p14:creationId xmlns:p14="http://schemas.microsoft.com/office/powerpoint/2010/main" val="1284813065"/>
       </p:ext>
     </p:extLst>
   </p:cSld>
@@ -4412,7 +4476,7 @@
           <p:cNvPr id="4" name="Title 3">
             <a:extLst>
               <a:ext uri="{FF2B5EF4-FFF2-40B4-BE49-F238E27FC236}">
-                <a16:creationId xmlns="" xmlns:a16="http://schemas.microsoft.com/office/drawing/2014/main" id="{7F37EE62-6602-46DA-A102-BD35E97358F6}"/>
+                <a16:creationId xmlns:a16="http://schemas.microsoft.com/office/drawing/2014/main" xmlns="" id="{7F37EE62-6602-46DA-A102-BD35E97358F6}"/>
               </a:ext>
             </a:extLst>
           </p:cNvPr>
@@ -4430,13 +4494,8 @@
           <a:p>
             <a:r>
               <a:rPr lang="en-US" dirty="0"/>
-              <a:t>Core Module: </a:t>
-            </a:r>
-            <a:r>
-              <a:rPr lang="en-US" dirty="0"/>
-              <a:t>core.module.ts</a:t>
-            </a:r>
-            <a:endParaRPr lang="en-US" dirty="0"/>
+              <a:t>Root Module: app.module.ts</a:t>
+            </a:r>
           </a:p>
         </p:txBody>
       </p:sp>
@@ -4445,7 +4504,7 @@
           <p:cNvPr id="5" name="Content Placeholder 4">
             <a:extLst>
               <a:ext uri="{FF2B5EF4-FFF2-40B4-BE49-F238E27FC236}">
-                <a16:creationId xmlns="" xmlns:a16="http://schemas.microsoft.com/office/drawing/2014/main" id="{B994F59A-6B27-4732-B4FF-C5079685BCDC}"/>
+                <a16:creationId xmlns:a16="http://schemas.microsoft.com/office/drawing/2014/main" xmlns="" id="{B994F59A-6B27-4732-B4FF-C5079685BCDC}"/>
               </a:ext>
             </a:extLst>
           </p:cNvPr>
@@ -4469,40 +4528,16 @@
           <a:p>
             <a:pPr lvl="1"/>
             <a:r>
-              <a:rPr lang="en-US" dirty="0" smtClean="0"/>
-              <a:t>Part of the application initialization process. </a:t>
-            </a:r>
-          </a:p>
-          <a:p>
-            <a:pPr lvl="1"/>
-            <a:r>
-              <a:rPr lang="en-US" dirty="0" smtClean="0"/>
-              <a:t>To import and reference modules, components, and services that are part of the application’s domain.</a:t>
-            </a:r>
-          </a:p>
-          <a:p>
-            <a:pPr lvl="1"/>
-            <a:r>
-              <a:rPr lang="en-US" dirty="0" smtClean="0"/>
-              <a:t>Only a single-instance of the </a:t>
-            </a:r>
-            <a:r>
-              <a:rPr lang="en-US" dirty="0" smtClean="0"/>
-              <a:t>core.module</a:t>
-            </a:r>
-            <a:r>
-              <a:rPr lang="en-US" dirty="0" smtClean="0"/>
-              <a:t> should be </a:t>
-            </a:r>
-            <a:r>
-              <a:rPr lang="en-US" dirty="0" smtClean="0"/>
-              <a:t>loaded </a:t>
-            </a:r>
-            <a:r>
-              <a:rPr lang="en-US" dirty="0" smtClean="0"/>
-              <a:t>by the application. </a:t>
-            </a:r>
-            <a:endParaRPr lang="en-US" dirty="0"/>
+              <a:rPr lang="en-US" dirty="0"/>
+              <a:t>Responsible for initializing the application’s modules (loading), and bootstrapping the top-level component (i.e., app.component). </a:t>
+            </a:r>
+          </a:p>
+          <a:p>
+            <a:pPr lvl="1"/>
+            <a:r>
+              <a:rPr lang="en-US" dirty="0"/>
+              <a:t>Try to keep the concern to initializing the application.</a:t>
+            </a:r>
           </a:p>
           <a:p>
             <a:r>
@@ -4513,23 +4548,29 @@
           <a:p>
             <a:pPr lvl="1"/>
             <a:r>
-              <a:rPr lang="en-US" dirty="0" smtClean="0"/>
-              <a:t>Application specific modules and/or services. </a:t>
-            </a:r>
-            <a:endParaRPr lang="en-US" dirty="0"/>
+              <a:rPr lang="en-US" dirty="0"/>
+              <a:t>Common application-level components (NotAuthorizedComponent, PageNotFoundComponent, ErrorComponent, etc.).</a:t>
+            </a:r>
           </a:p>
         </p:txBody>
       </p:sp>
     </p:spTree>
     <p:extLst>
       <p:ext uri="{BB962C8B-B14F-4D97-AF65-F5344CB8AC3E}">
-        <p14:creationId xmlns:p14="http://schemas.microsoft.com/office/powerpoint/2010/main" val="1913935619"/>
+        <p14:creationId xmlns:p14="http://schemas.microsoft.com/office/powerpoint/2010/main" val="316663120"/>
       </p:ext>
     </p:extLst>
   </p:cSld>
   <p:clrMapOvr>
     <a:masterClrMapping/>
   </p:clrMapOvr>
+  <p:timing>
+    <p:tnLst>
+      <p:par>
+        <p:cTn id="1" dur="indefinite" restart="never" nodeType="tmRoot"/>
+      </p:par>
+    </p:tnLst>
+  </p:timing>
 </p:sld>
 </file>
 
@@ -4555,7 +4596,7 @@
           <p:cNvPr id="4" name="Title 3">
             <a:extLst>
               <a:ext uri="{FF2B5EF4-FFF2-40B4-BE49-F238E27FC236}">
-                <a16:creationId xmlns="" xmlns:a16="http://schemas.microsoft.com/office/drawing/2014/main" id="{C0E3640D-AE30-42D6-ADDA-E7B07A4BCDCE}"/>
+                <a16:creationId xmlns:a16="http://schemas.microsoft.com/office/drawing/2014/main" xmlns="" id="{C0E3640D-AE30-42D6-ADDA-E7B07A4BCDCE}"/>
               </a:ext>
             </a:extLst>
           </p:cNvPr>
@@ -4583,7 +4624,7 @@
           <p:cNvPr id="5" name="Content Placeholder 4">
             <a:extLst>
               <a:ext uri="{FF2B5EF4-FFF2-40B4-BE49-F238E27FC236}">
-                <a16:creationId xmlns="" xmlns:a16="http://schemas.microsoft.com/office/drawing/2014/main" id="{8AA6C605-8DAC-47E1-A59C-D2C532AA1BB7}"/>
+                <a16:creationId xmlns:a16="http://schemas.microsoft.com/office/drawing/2014/main" xmlns="" id="{8AA6C605-8DAC-47E1-A59C-D2C532AA1BB7}"/>
               </a:ext>
             </a:extLst>
           </p:cNvPr>
@@ -4649,17 +4690,19 @@
             <a:pPr lvl="1"/>
             <a:r>
               <a:rPr lang="en-US" dirty="0"/>
-              <a:t>Github</a:t>
-            </a:r>
-            <a:r>
-              <a:rPr lang="en-US" dirty="0"/>
-              <a:t>: </a:t>
+              <a:t>Github: </a:t>
             </a:r>
             <a:r>
               <a:rPr lang="en-US" dirty="0">
                 <a:hlinkClick r:id="rId5"/>
               </a:rPr>
-              <a:t>https://github.com/buildmotion</a:t>
+              <a:t>https://github.com/</a:t>
+            </a:r>
+            <a:r>
+              <a:rPr lang="en-US" b="1" dirty="0">
+                <a:hlinkClick r:id="rId5"/>
+              </a:rPr>
+              <a:t>buildmotion</a:t>
             </a:r>
             <a:r>
               <a:rPr lang="en-US" dirty="0"/>
@@ -4675,9 +4718,54 @@
           <a:p>
             <a:pPr lvl="1"/>
             <a:r>
-              <a:rPr lang="en-US" dirty="0"/>
-              <a:t>https://github.com/buildmotion/custom-angular-modules </a:t>
-            </a:r>
+              <a:rPr lang="en-US" dirty="0">
+                <a:hlinkClick r:id="rId6"/>
+              </a:rPr>
+              <a:t>https://</a:t>
+            </a:r>
+            <a:r>
+              <a:rPr lang="en-US" dirty="0" smtClean="0">
+                <a:hlinkClick r:id="rId6"/>
+              </a:rPr>
+              <a:t>github.com/buildmotion/</a:t>
+            </a:r>
+            <a:r>
+              <a:rPr lang="en-US" b="1" dirty="0" smtClean="0">
+                <a:hlinkClick r:id="rId6"/>
+              </a:rPr>
+              <a:t>custom-angular-modules</a:t>
+            </a:r>
+            <a:endParaRPr lang="en-US" b="1" dirty="0" smtClean="0"/>
+          </a:p>
+          <a:p>
+            <a:pPr lvl="2"/>
+            <a:r>
+              <a:rPr lang="en-US" dirty="0" smtClean="0"/>
+              <a:t>Custom Angular Module</a:t>
+            </a:r>
+          </a:p>
+          <a:p>
+            <a:pPr lvl="2"/>
+            <a:r>
+              <a:rPr lang="en-US" dirty="0" smtClean="0"/>
+              <a:t>(2) client Angular applications using different versions of the module.</a:t>
+            </a:r>
+          </a:p>
+          <a:p>
+            <a:pPr lvl="2"/>
+            <a:r>
+              <a:rPr lang="en-US" dirty="0" err="1" smtClean="0"/>
+              <a:t>Powerpoint</a:t>
+            </a:r>
+            <a:r>
+              <a:rPr lang="en-US" dirty="0" smtClean="0"/>
+              <a:t> Presentation</a:t>
+            </a:r>
+            <a:r>
+              <a:rPr lang="en-US" dirty="0" smtClean="0"/>
+              <a:t> </a:t>
+            </a:r>
+            <a:endParaRPr lang="en-US" dirty="0"/>
           </a:p>
         </p:txBody>
       </p:sp>
@@ -4723,7 +4811,7 @@
           <p:cNvPr id="4" name="Title 3">
             <a:extLst>
               <a:ext uri="{FF2B5EF4-FFF2-40B4-BE49-F238E27FC236}">
-                <a16:creationId xmlns="" xmlns:a16="http://schemas.microsoft.com/office/drawing/2014/main" id="{7F37EE62-6602-46DA-A102-BD35E97358F6}"/>
+                <a16:creationId xmlns:a16="http://schemas.microsoft.com/office/drawing/2014/main" xmlns="" id="{7F37EE62-6602-46DA-A102-BD35E97358F6}"/>
               </a:ext>
             </a:extLst>
           </p:cNvPr>
@@ -4741,13 +4829,8 @@
           <a:p>
             <a:r>
               <a:rPr lang="en-US" dirty="0"/>
-              <a:t>Shared Module: </a:t>
-            </a:r>
-            <a:r>
-              <a:rPr lang="en-US" dirty="0"/>
-              <a:t>shared.module.ts</a:t>
-            </a:r>
-            <a:endParaRPr lang="en-US" dirty="0"/>
+              <a:t>Core Module: core.module.ts</a:t>
+            </a:r>
           </a:p>
         </p:txBody>
       </p:sp>
@@ -4756,7 +4839,7 @@
           <p:cNvPr id="5" name="Content Placeholder 4">
             <a:extLst>
               <a:ext uri="{FF2B5EF4-FFF2-40B4-BE49-F238E27FC236}">
-                <a16:creationId xmlns="" xmlns:a16="http://schemas.microsoft.com/office/drawing/2014/main" id="{B994F59A-6B27-4732-B4FF-C5079685BCDC}"/>
+                <a16:creationId xmlns:a16="http://schemas.microsoft.com/office/drawing/2014/main" xmlns="" id="{B994F59A-6B27-4732-B4FF-C5079685BCDC}"/>
               </a:ext>
             </a:extLst>
           </p:cNvPr>
@@ -4769,9 +4852,7 @@
         </p:nvSpPr>
         <p:spPr/>
         <p:txBody>
-          <a:bodyPr>
-            <a:normAutofit lnSpcReduction="10000"/>
-          </a:bodyPr>
+          <a:bodyPr/>
           <a:lstStyle/>
           <a:p>
             <a:r>
@@ -4783,201 +4864,36 @@
             <a:pPr lvl="1"/>
             <a:r>
               <a:rPr lang="en-US" dirty="0" smtClean="0"/>
-              <a:t>Responsible for importing and referencing common Angular and 3</a:t>
-            </a:r>
-            <a:r>
-              <a:rPr lang="en-US" baseline="30000" dirty="0" smtClean="0"/>
-              <a:t>rd</a:t>
-            </a:r>
-            <a:r>
-              <a:rPr lang="en-US" dirty="0" smtClean="0"/>
-              <a:t>-party modules, common components and/or services.</a:t>
-            </a:r>
-          </a:p>
-          <a:p>
-            <a:pPr lvl="1"/>
-            <a:r>
-              <a:rPr lang="en-US" dirty="0" smtClean="0"/>
-              <a:t>Import and use by other feature modules in the application.</a:t>
-            </a:r>
-          </a:p>
-          <a:p>
-            <a:pPr lvl="2"/>
-            <a:r>
-              <a:rPr lang="en-US" dirty="0" smtClean="0"/>
-              <a:t>Not imported by </a:t>
-            </a:r>
-            <a:r>
-              <a:rPr lang="en-US" dirty="0" smtClean="0"/>
-              <a:t>AppModule</a:t>
-            </a:r>
-            <a:r>
-              <a:rPr lang="en-US" dirty="0" smtClean="0"/>
-              <a:t> or </a:t>
-            </a:r>
-            <a:r>
-              <a:rPr lang="en-US" dirty="0" smtClean="0"/>
-              <a:t>CoreModule</a:t>
-            </a:r>
-            <a:r>
-              <a:rPr lang="en-US" dirty="0" smtClean="0"/>
-              <a:t>.</a:t>
-            </a:r>
-          </a:p>
-          <a:p>
-            <a:pPr lvl="1"/>
-            <a:r>
-              <a:rPr lang="en-US" dirty="0" smtClean="0"/>
-              <a:t>Use to </a:t>
-            </a:r>
-            <a:r>
-              <a:rPr lang="en-US" dirty="0"/>
-              <a:t>hold the common components, directives, and pipes and share them with the modules that need them.</a:t>
-            </a:r>
-          </a:p>
-          <a:p>
-            <a:r>
-              <a:rPr lang="en-US" dirty="0" smtClean="0"/>
-              <a:t>Content Samples:</a:t>
+              <a:t>Part of the application initialization process. </a:t>
+            </a:r>
+          </a:p>
+          <a:p>
+            <a:pPr lvl="1"/>
+            <a:r>
+              <a:rPr lang="en-US" dirty="0" smtClean="0"/>
+              <a:t>To import and reference modules, components, and services that are part of the application’s domain.</a:t>
+            </a:r>
+          </a:p>
+          <a:p>
+            <a:pPr lvl="1"/>
+            <a:r>
+              <a:rPr lang="en-US" dirty="0" smtClean="0"/>
+              <a:t>Only a single-instance of the core.module should be loaded by the application. </a:t>
             </a:r>
             <a:endParaRPr lang="en-US" dirty="0"/>
           </a:p>
           <a:p>
-            <a:pPr lvl="1"/>
-            <a:r>
-              <a:rPr lang="en-US" sz="1400" dirty="0">
-                <a:latin typeface="Source Code Pro Light" panose="020B0409030403020204" pitchFamily="49" charset="0"/>
-                <a:ea typeface="Source Code Pro Light" panose="020B0409030403020204" pitchFamily="49" charset="0"/>
-              </a:rPr>
-              <a:t>import { </a:t>
-            </a:r>
-            <a:r>
-              <a:rPr lang="en-US" sz="1400" dirty="0">
-                <a:latin typeface="Source Code Pro Light" panose="020B0409030403020204" pitchFamily="49" charset="0"/>
-                <a:ea typeface="Source Code Pro Light" panose="020B0409030403020204" pitchFamily="49" charset="0"/>
-              </a:rPr>
-              <a:t>NgModule</a:t>
-            </a:r>
-            <a:r>
-              <a:rPr lang="en-US" sz="1400" dirty="0">
-                <a:latin typeface="Source Code Pro Light" panose="020B0409030403020204" pitchFamily="49" charset="0"/>
-                <a:ea typeface="Source Code Pro Light" panose="020B0409030403020204" pitchFamily="49" charset="0"/>
-              </a:rPr>
-              <a:t> } from '@angular/core';</a:t>
-            </a:r>
-          </a:p>
-          <a:p>
-            <a:pPr lvl="1"/>
-            <a:r>
-              <a:rPr lang="en-US" sz="1400" dirty="0">
-                <a:latin typeface="Source Code Pro Light" panose="020B0409030403020204" pitchFamily="49" charset="0"/>
-                <a:ea typeface="Source Code Pro Light" panose="020B0409030403020204" pitchFamily="49" charset="0"/>
-              </a:rPr>
-              <a:t>import { </a:t>
-            </a:r>
-            <a:r>
-              <a:rPr lang="en-US" sz="1400" dirty="0">
-                <a:latin typeface="Source Code Pro Light" panose="020B0409030403020204" pitchFamily="49" charset="0"/>
-                <a:ea typeface="Source Code Pro Light" panose="020B0409030403020204" pitchFamily="49" charset="0"/>
-              </a:rPr>
-              <a:t>FormsModule</a:t>
-            </a:r>
-            <a:r>
-              <a:rPr lang="en-US" sz="1400" dirty="0">
-                <a:latin typeface="Source Code Pro Light" panose="020B0409030403020204" pitchFamily="49" charset="0"/>
-                <a:ea typeface="Source Code Pro Light" panose="020B0409030403020204" pitchFamily="49" charset="0"/>
-              </a:rPr>
-              <a:t>, </a:t>
-            </a:r>
-            <a:r>
-              <a:rPr lang="en-US" sz="1400" dirty="0">
-                <a:latin typeface="Source Code Pro Light" panose="020B0409030403020204" pitchFamily="49" charset="0"/>
-                <a:ea typeface="Source Code Pro Light" panose="020B0409030403020204" pitchFamily="49" charset="0"/>
-              </a:rPr>
-              <a:t>ReactiveFormsModule</a:t>
-            </a:r>
-            <a:r>
-              <a:rPr lang="en-US" sz="1400" dirty="0">
-                <a:latin typeface="Source Code Pro Light" panose="020B0409030403020204" pitchFamily="49" charset="0"/>
-                <a:ea typeface="Source Code Pro Light" panose="020B0409030403020204" pitchFamily="49" charset="0"/>
-              </a:rPr>
-              <a:t> } from '@angular/forms';</a:t>
-            </a:r>
-          </a:p>
-          <a:p>
-            <a:pPr lvl="1"/>
-            <a:r>
-              <a:rPr lang="en-US" sz="1400" dirty="0">
-                <a:latin typeface="Source Code Pro Light" panose="020B0409030403020204" pitchFamily="49" charset="0"/>
-                <a:ea typeface="Source Code Pro Light" panose="020B0409030403020204" pitchFamily="49" charset="0"/>
-              </a:rPr>
-              <a:t>import { </a:t>
-            </a:r>
-            <a:r>
-              <a:rPr lang="en-US" sz="1400" dirty="0">
-                <a:latin typeface="Source Code Pro Light" panose="020B0409030403020204" pitchFamily="49" charset="0"/>
-                <a:ea typeface="Source Code Pro Light" panose="020B0409030403020204" pitchFamily="49" charset="0"/>
-              </a:rPr>
-              <a:t>HttpModule</a:t>
-            </a:r>
-            <a:r>
-              <a:rPr lang="en-US" sz="1400" dirty="0">
-                <a:latin typeface="Source Code Pro Light" panose="020B0409030403020204" pitchFamily="49" charset="0"/>
-                <a:ea typeface="Source Code Pro Light" panose="020B0409030403020204" pitchFamily="49" charset="0"/>
-              </a:rPr>
-              <a:t> } from '@angular/http';</a:t>
-            </a:r>
-          </a:p>
-          <a:p>
-            <a:pPr lvl="1"/>
-            <a:r>
-              <a:rPr lang="en-US" sz="1400" dirty="0">
-                <a:latin typeface="Source Code Pro Light" panose="020B0409030403020204" pitchFamily="49" charset="0"/>
-                <a:ea typeface="Source Code Pro Light" panose="020B0409030403020204" pitchFamily="49" charset="0"/>
-              </a:rPr>
-              <a:t>import { </a:t>
-            </a:r>
-            <a:r>
-              <a:rPr lang="en-US" sz="1400" dirty="0">
-                <a:latin typeface="Source Code Pro Light" panose="020B0409030403020204" pitchFamily="49" charset="0"/>
-                <a:ea typeface="Source Code Pro Light" panose="020B0409030403020204" pitchFamily="49" charset="0"/>
-              </a:rPr>
-              <a:t>RouterModule</a:t>
-            </a:r>
-            <a:r>
-              <a:rPr lang="en-US" sz="1400" dirty="0">
-                <a:latin typeface="Source Code Pro Light" panose="020B0409030403020204" pitchFamily="49" charset="0"/>
-                <a:ea typeface="Source Code Pro Light" panose="020B0409030403020204" pitchFamily="49" charset="0"/>
-              </a:rPr>
-              <a:t> } from '@angular/router';</a:t>
-            </a:r>
-          </a:p>
-          <a:p>
-            <a:pPr lvl="1"/>
-            <a:r>
-              <a:rPr lang="en-US" sz="1400" dirty="0">
-                <a:latin typeface="Source Code Pro Light" panose="020B0409030403020204" pitchFamily="49" charset="0"/>
-                <a:ea typeface="Source Code Pro Light" panose="020B0409030403020204" pitchFamily="49" charset="0"/>
-              </a:rPr>
-              <a:t>import { Observable } from '</a:t>
-            </a:r>
-            <a:r>
-              <a:rPr lang="en-US" sz="1400" dirty="0">
-                <a:latin typeface="Source Code Pro Light" panose="020B0409030403020204" pitchFamily="49" charset="0"/>
-                <a:ea typeface="Source Code Pro Light" panose="020B0409030403020204" pitchFamily="49" charset="0"/>
-              </a:rPr>
-              <a:t>rxjs</a:t>
-            </a:r>
-            <a:r>
-              <a:rPr lang="en-US" sz="1400" dirty="0">
-                <a:latin typeface="Source Code Pro Light" panose="020B0409030403020204" pitchFamily="49" charset="0"/>
-                <a:ea typeface="Source Code Pro Light" panose="020B0409030403020204" pitchFamily="49" charset="0"/>
-              </a:rPr>
-              <a:t>/Observable';</a:t>
-            </a:r>
-          </a:p>
-          <a:p>
-            <a:pPr lvl="1"/>
+            <a:r>
+              <a:rPr lang="en-US" dirty="0"/>
+              <a:t>Contents</a:t>
+            </a:r>
+          </a:p>
+          <a:p>
+            <a:pPr lvl="1"/>
+            <a:r>
+              <a:rPr lang="en-US" dirty="0" smtClean="0"/>
+              <a:t>Application specific modules and/or services. </a:t>
+            </a:r>
             <a:endParaRPr lang="en-US" dirty="0"/>
           </a:p>
         </p:txBody>
@@ -4985,7 +4901,7 @@
     </p:spTree>
     <p:extLst>
       <p:ext uri="{BB962C8B-B14F-4D97-AF65-F5344CB8AC3E}">
-        <p14:creationId xmlns:p14="http://schemas.microsoft.com/office/powerpoint/2010/main" val="2925912801"/>
+        <p14:creationId xmlns:p14="http://schemas.microsoft.com/office/powerpoint/2010/main" val="1913935619"/>
       </p:ext>
     </p:extLst>
   </p:cSld>
@@ -5017,7 +4933,7 @@
           <p:cNvPr id="4" name="Title 3">
             <a:extLst>
               <a:ext uri="{FF2B5EF4-FFF2-40B4-BE49-F238E27FC236}">
-                <a16:creationId xmlns="" xmlns:a16="http://schemas.microsoft.com/office/drawing/2014/main" id="{7F37EE62-6602-46DA-A102-BD35E97358F6}"/>
+                <a16:creationId xmlns:a16="http://schemas.microsoft.com/office/drawing/2014/main" xmlns="" id="{7F37EE62-6602-46DA-A102-BD35E97358F6}"/>
               </a:ext>
             </a:extLst>
           </p:cNvPr>
@@ -5028,25 +4944,15 @@
             <p:ph type="title"/>
           </p:nvPr>
         </p:nvSpPr>
-        <p:spPr>
-          <a:xfrm>
-            <a:off x="646111" y="452718"/>
-            <a:ext cx="11180129" cy="1400530"/>
-          </a:xfrm>
-        </p:spPr>
-        <p:txBody>
-          <a:bodyPr/>
-          <a:lstStyle/>
-          <a:p>
-            <a:r>
-              <a:rPr lang="en-US" dirty="0"/>
-              <a:t>Feature Module: &lt;my-feature&gt;.</a:t>
-            </a:r>
-            <a:r>
-              <a:rPr lang="en-US" dirty="0"/>
-              <a:t>module.ts</a:t>
-            </a:r>
-            <a:endParaRPr lang="en-US" dirty="0"/>
+        <p:spPr/>
+        <p:txBody>
+          <a:bodyPr/>
+          <a:lstStyle/>
+          <a:p>
+            <a:r>
+              <a:rPr lang="en-US" dirty="0"/>
+              <a:t>Shared Module: shared.module.ts</a:t>
+            </a:r>
           </a:p>
         </p:txBody>
       </p:sp>
@@ -5055,7 +4961,7 @@
           <p:cNvPr id="5" name="Content Placeholder 4">
             <a:extLst>
               <a:ext uri="{FF2B5EF4-FFF2-40B4-BE49-F238E27FC236}">
-                <a16:creationId xmlns="" xmlns:a16="http://schemas.microsoft.com/office/drawing/2014/main" id="{B994F59A-6B27-4732-B4FF-C5079685BCDC}"/>
+                <a16:creationId xmlns:a16="http://schemas.microsoft.com/office/drawing/2014/main" xmlns="" id="{B994F59A-6B27-4732-B4FF-C5079685BCDC}"/>
               </a:ext>
             </a:extLst>
           </p:cNvPr>
@@ -5069,7 +4975,7 @@
         <p:spPr/>
         <p:txBody>
           <a:bodyPr>
-            <a:normAutofit fontScale="92500" lnSpcReduction="20000"/>
+            <a:normAutofit lnSpcReduction="10000"/>
           </a:bodyPr>
           <a:lstStyle/>
           <a:p>
@@ -5081,75 +4987,102 @@
           <a:p>
             <a:pPr lvl="1"/>
             <a:r>
-              <a:rPr lang="en-US" dirty="0"/>
-              <a:t>Use to implement a domain feature of the application. The module contains services and owns components with templates</a:t>
-            </a:r>
-            <a:r>
-              <a:rPr lang="en-US" dirty="0" smtClean="0"/>
-              <a:t>.</a:t>
-            </a:r>
-          </a:p>
-          <a:p>
-            <a:pPr lvl="1"/>
-            <a:r>
-              <a:rPr lang="en-US" dirty="0"/>
-              <a:t>A feature module delivers a cohesive set of functionality focused on an application business domain, user workflow, facility (forms, http, routing), or collection of related utilities.</a:t>
-            </a:r>
-          </a:p>
-          <a:p>
-            <a:r>
-              <a:rPr lang="en-US" dirty="0"/>
-              <a:t>Types</a:t>
-            </a:r>
-          </a:p>
-          <a:p>
-            <a:pPr lvl="1"/>
-            <a:r>
-              <a:rPr lang="en-US" dirty="0"/>
-              <a:t>UI (ng front end)</a:t>
+              <a:rPr lang="en-US" dirty="0" smtClean="0"/>
+              <a:t>Responsible for importing and referencing common Angular and 3</a:t>
+            </a:r>
+            <a:r>
+              <a:rPr lang="en-US" baseline="30000" dirty="0" smtClean="0"/>
+              <a:t>rd</a:t>
+            </a:r>
+            <a:r>
+              <a:rPr lang="en-US" dirty="0" smtClean="0"/>
+              <a:t>-party modules, common components and/or services.</a:t>
+            </a:r>
+          </a:p>
+          <a:p>
+            <a:pPr lvl="1"/>
+            <a:r>
+              <a:rPr lang="en-US" dirty="0" smtClean="0"/>
+              <a:t>Import and use by other feature modules in the application.</a:t>
             </a:r>
           </a:p>
           <a:p>
             <a:pPr lvl="2"/>
             <a:r>
-              <a:rPr lang="en-US" dirty="0"/>
-              <a:t>Components, Directives, Pipes, constants</a:t>
-            </a:r>
-          </a:p>
-          <a:p>
-            <a:pPr lvl="1"/>
-            <a:r>
-              <a:rPr lang="en-US" dirty="0"/>
-              <a:t>Service (ng back end)</a:t>
-            </a:r>
-          </a:p>
-          <a:p>
-            <a:pPr lvl="2"/>
-            <a:r>
-              <a:rPr lang="en-US" dirty="0"/>
-              <a:t>Service (API)</a:t>
-            </a:r>
-          </a:p>
-          <a:p>
-            <a:pPr lvl="2"/>
-            <a:r>
-              <a:rPr lang="en-US" dirty="0"/>
-              <a:t>Business Logic Layer</a:t>
-            </a:r>
-          </a:p>
-          <a:p>
-            <a:pPr lvl="2"/>
-            <a:r>
-              <a:rPr lang="en-US" dirty="0"/>
-              <a:t>Models</a:t>
-            </a:r>
-          </a:p>
-          <a:p>
-            <a:pPr lvl="2"/>
-            <a:r>
-              <a:rPr lang="en-US" dirty="0"/>
-              <a:t>HttpServices</a:t>
-            </a:r>
+              <a:rPr lang="en-US" dirty="0" smtClean="0"/>
+              <a:t>Not imported by AppModule or CoreModule.</a:t>
+            </a:r>
+          </a:p>
+          <a:p>
+            <a:pPr lvl="1"/>
+            <a:r>
+              <a:rPr lang="en-US" dirty="0" smtClean="0"/>
+              <a:t>Use to </a:t>
+            </a:r>
+            <a:r>
+              <a:rPr lang="en-US" dirty="0"/>
+              <a:t>hold the common components, directives, and pipes and share them with the modules that need them.</a:t>
+            </a:r>
+          </a:p>
+          <a:p>
+            <a:r>
+              <a:rPr lang="en-US" dirty="0" smtClean="0"/>
+              <a:t>Content Samples:</a:t>
+            </a:r>
+            <a:endParaRPr lang="en-US" dirty="0"/>
+          </a:p>
+          <a:p>
+            <a:pPr lvl="1"/>
+            <a:r>
+              <a:rPr lang="en-US" sz="1400" dirty="0">
+                <a:latin typeface="Source Code Pro Light" panose="020B0409030403020204" pitchFamily="49" charset="0"/>
+                <a:ea typeface="Source Code Pro Light" panose="020B0409030403020204" pitchFamily="49" charset="0"/>
+              </a:rPr>
+              <a:t>import { NgModule } from '@angular/core';</a:t>
+            </a:r>
+          </a:p>
+          <a:p>
+            <a:pPr lvl="1"/>
+            <a:r>
+              <a:rPr lang="en-US" sz="1400" dirty="0">
+                <a:latin typeface="Source Code Pro Light" panose="020B0409030403020204" pitchFamily="49" charset="0"/>
+                <a:ea typeface="Source Code Pro Light" panose="020B0409030403020204" pitchFamily="49" charset="0"/>
+              </a:rPr>
+              <a:t>import { FormsModule, ReactiveFormsModule } from '@angular/forms';</a:t>
+            </a:r>
+          </a:p>
+          <a:p>
+            <a:pPr lvl="1"/>
+            <a:r>
+              <a:rPr lang="en-US" sz="1400" dirty="0">
+                <a:latin typeface="Source Code Pro Light" panose="020B0409030403020204" pitchFamily="49" charset="0"/>
+                <a:ea typeface="Source Code Pro Light" panose="020B0409030403020204" pitchFamily="49" charset="0"/>
+              </a:rPr>
+              <a:t>import { HttpModule } from '@angular/http';</a:t>
+            </a:r>
+          </a:p>
+          <a:p>
+            <a:pPr lvl="1"/>
+            <a:r>
+              <a:rPr lang="en-US" sz="1400" dirty="0">
+                <a:latin typeface="Source Code Pro Light" panose="020B0409030403020204" pitchFamily="49" charset="0"/>
+                <a:ea typeface="Source Code Pro Light" panose="020B0409030403020204" pitchFamily="49" charset="0"/>
+              </a:rPr>
+              <a:t>import { RouterModule } from '@angular/router';</a:t>
+            </a:r>
+          </a:p>
+          <a:p>
+            <a:pPr lvl="1"/>
+            <a:r>
+              <a:rPr lang="en-US" sz="1400" dirty="0">
+                <a:latin typeface="Source Code Pro Light" panose="020B0409030403020204" pitchFamily="49" charset="0"/>
+                <a:ea typeface="Source Code Pro Light" panose="020B0409030403020204" pitchFamily="49" charset="0"/>
+              </a:rPr>
+              <a:t>import { Observable } from 'rxjs/Observable';</a:t>
+            </a:r>
+          </a:p>
+          <a:p>
+            <a:pPr lvl="1"/>
             <a:endParaRPr lang="en-US" dirty="0"/>
           </a:p>
         </p:txBody>
@@ -5157,7 +5090,7 @@
     </p:spTree>
     <p:extLst>
       <p:ext uri="{BB962C8B-B14F-4D97-AF65-F5344CB8AC3E}">
-        <p14:creationId xmlns:p14="http://schemas.microsoft.com/office/powerpoint/2010/main" val="1284583823"/>
+        <p14:creationId xmlns:p14="http://schemas.microsoft.com/office/powerpoint/2010/main" val="2925912801"/>
       </p:ext>
     </p:extLst>
   </p:cSld>
@@ -5189,7 +5122,7 @@
           <p:cNvPr id="4" name="Title 3">
             <a:extLst>
               <a:ext uri="{FF2B5EF4-FFF2-40B4-BE49-F238E27FC236}">
-                <a16:creationId xmlns="" xmlns:a16="http://schemas.microsoft.com/office/drawing/2014/main" id="{7F37EE62-6602-46DA-A102-BD35E97358F6}"/>
+                <a16:creationId xmlns:a16="http://schemas.microsoft.com/office/drawing/2014/main" xmlns="" id="{7F37EE62-6602-46DA-A102-BD35E97358F6}"/>
               </a:ext>
             </a:extLst>
           </p:cNvPr>
@@ -5211,10 +5144,9 @@
           <a:lstStyle/>
           <a:p>
             <a:r>
-              <a:rPr lang="en-US" dirty="0" smtClean="0"/>
-              <a:t>Different Modules for Different Purposes</a:t>
-            </a:r>
-            <a:endParaRPr lang="en-US" dirty="0"/>
+              <a:rPr lang="en-US" dirty="0"/>
+              <a:t>Feature Module: &lt;my-feature&gt;.module.ts</a:t>
+            </a:r>
           </a:p>
         </p:txBody>
       </p:sp>
@@ -5223,7 +5155,7 @@
           <p:cNvPr id="5" name="Content Placeholder 4">
             <a:extLst>
               <a:ext uri="{FF2B5EF4-FFF2-40B4-BE49-F238E27FC236}">
-                <a16:creationId xmlns="" xmlns:a16="http://schemas.microsoft.com/office/drawing/2014/main" id="{B994F59A-6B27-4732-B4FF-C5079685BCDC}"/>
+                <a16:creationId xmlns:a16="http://schemas.microsoft.com/office/drawing/2014/main" xmlns="" id="{B994F59A-6B27-4732-B4FF-C5079685BCDC}"/>
               </a:ext>
             </a:extLst>
           </p:cNvPr>
@@ -5237,110 +5169,94 @@
         <p:spPr/>
         <p:txBody>
           <a:bodyPr>
-            <a:normAutofit/>
+            <a:normAutofit fontScale="92500" lnSpcReduction="20000"/>
           </a:bodyPr>
           <a:lstStyle/>
           <a:p>
             <a:r>
-              <a:rPr lang="en-US" dirty="0" smtClean="0">
-                <a:solidFill>
-                  <a:schemeClr val="accent3">
-                    <a:lumMod val="60000"/>
-                    <a:lumOff val="40000"/>
-                  </a:schemeClr>
-                </a:solidFill>
-              </a:rPr>
-              <a:t>Domain specific</a:t>
-            </a:r>
-            <a:r>
-              <a:rPr lang="en-US" dirty="0" smtClean="0"/>
-              <a:t> providing services, workflow or utilities for the specified application.</a:t>
-            </a:r>
-          </a:p>
-          <a:p>
-            <a:r>
-              <a:rPr lang="en-US" dirty="0">
-                <a:solidFill>
-                  <a:schemeClr val="accent3">
-                    <a:lumMod val="60000"/>
-                    <a:lumOff val="40000"/>
-                  </a:schemeClr>
-                </a:solidFill>
-              </a:rPr>
-              <a:t>Common services</a:t>
-            </a:r>
-            <a:r>
-              <a:rPr lang="en-US" dirty="0" smtClean="0"/>
-              <a:t> like logging or http.</a:t>
-            </a:r>
-          </a:p>
-          <a:p>
-            <a:r>
-              <a:rPr lang="en-US" dirty="0">
-                <a:solidFill>
-                  <a:schemeClr val="accent3">
-                    <a:lumMod val="60000"/>
-                    <a:lumOff val="40000"/>
-                  </a:schemeClr>
-                </a:solidFill>
-              </a:rPr>
-              <a:t>Frameworks</a:t>
-            </a:r>
-            <a:r>
-              <a:rPr lang="en-US" dirty="0" smtClean="0"/>
-              <a:t> for processing business and validation rules; business actions. </a:t>
-            </a:r>
-          </a:p>
-          <a:p>
-            <a:r>
-              <a:rPr lang="en-US" dirty="0">
-                <a:solidFill>
-                  <a:schemeClr val="accent3">
-                    <a:lumMod val="60000"/>
-                    <a:lumOff val="40000"/>
-                  </a:schemeClr>
-                </a:solidFill>
-              </a:rPr>
-              <a:t>Common components</a:t>
-            </a:r>
-            <a:r>
-              <a:rPr lang="en-US" i="1" dirty="0"/>
-              <a:t> </a:t>
-            </a:r>
-            <a:r>
-              <a:rPr lang="en-US" dirty="0" smtClean="0"/>
-              <a:t>(Alerts, Modals, etc.) used by many applications.</a:t>
-            </a:r>
-          </a:p>
-          <a:p>
-            <a:r>
-              <a:rPr lang="en-US" dirty="0">
-                <a:solidFill>
-                  <a:schemeClr val="accent3">
-                    <a:lumMod val="60000"/>
-                    <a:lumOff val="40000"/>
-                  </a:schemeClr>
-                </a:solidFill>
-              </a:rPr>
-              <a:t>Infrastructure concerns </a:t>
-            </a:r>
-            <a:r>
-              <a:rPr lang="en-US" dirty="0" smtClean="0"/>
-              <a:t>– base classes for components, services, business actions, and HTTP services.</a:t>
-            </a:r>
-          </a:p>
-          <a:p>
-            <a:endParaRPr lang="en-US" dirty="0" smtClean="0"/>
-          </a:p>
-          <a:p>
-            <a:endParaRPr lang="en-US" dirty="0" smtClean="0"/>
+              <a:rPr lang="en-US" dirty="0"/>
+              <a:t>Purpose</a:t>
+            </a:r>
+          </a:p>
+          <a:p>
+            <a:pPr lvl="1"/>
+            <a:r>
+              <a:rPr lang="en-US" dirty="0"/>
+              <a:t>Use to implement a domain feature of the application. The module contains services and owns components with templates</a:t>
+            </a:r>
+            <a:r>
+              <a:rPr lang="en-US" dirty="0" smtClean="0"/>
+              <a:t>.</a:t>
+            </a:r>
+          </a:p>
+          <a:p>
+            <a:pPr lvl="1"/>
+            <a:r>
+              <a:rPr lang="en-US" dirty="0"/>
+              <a:t>A feature module delivers a cohesive set of functionality focused on an application business domain, user workflow, facility (forms, http, routing), or collection of related utilities.</a:t>
+            </a:r>
+          </a:p>
+          <a:p>
+            <a:r>
+              <a:rPr lang="en-US" dirty="0"/>
+              <a:t>Types</a:t>
+            </a:r>
+          </a:p>
+          <a:p>
+            <a:pPr lvl="1"/>
+            <a:r>
+              <a:rPr lang="en-US" dirty="0"/>
+              <a:t>UI (ng front end)</a:t>
+            </a:r>
+          </a:p>
+          <a:p>
+            <a:pPr lvl="2"/>
+            <a:r>
+              <a:rPr lang="en-US" dirty="0"/>
+              <a:t>Components, Directives, Pipes, constants</a:t>
+            </a:r>
+          </a:p>
+          <a:p>
+            <a:pPr lvl="1"/>
+            <a:r>
+              <a:rPr lang="en-US" dirty="0"/>
+              <a:t>Service (ng back end)</a:t>
+            </a:r>
+          </a:p>
+          <a:p>
+            <a:pPr lvl="2"/>
+            <a:r>
+              <a:rPr lang="en-US" dirty="0"/>
+              <a:t>Service (API)</a:t>
+            </a:r>
+          </a:p>
+          <a:p>
+            <a:pPr lvl="2"/>
+            <a:r>
+              <a:rPr lang="en-US" dirty="0"/>
+              <a:t>Business Logic Layer</a:t>
+            </a:r>
+          </a:p>
+          <a:p>
+            <a:pPr lvl="2"/>
+            <a:r>
+              <a:rPr lang="en-US" dirty="0"/>
+              <a:t>Models</a:t>
+            </a:r>
+          </a:p>
+          <a:p>
+            <a:pPr lvl="2"/>
+            <a:r>
+              <a:rPr lang="en-US" dirty="0"/>
+              <a:t>HttpServices</a:t>
+            </a:r>
           </a:p>
         </p:txBody>
       </p:sp>
     </p:spTree>
     <p:extLst>
       <p:ext uri="{BB962C8B-B14F-4D97-AF65-F5344CB8AC3E}">
-        <p14:creationId xmlns:p14="http://schemas.microsoft.com/office/powerpoint/2010/main" val="726668776"/>
+        <p14:creationId xmlns:p14="http://schemas.microsoft.com/office/powerpoint/2010/main" val="1284583823"/>
       </p:ext>
     </p:extLst>
   </p:cSld>
@@ -5372,7 +5288,7 @@
           <p:cNvPr id="4" name="Title 3">
             <a:extLst>
               <a:ext uri="{FF2B5EF4-FFF2-40B4-BE49-F238E27FC236}">
-                <a16:creationId xmlns="" xmlns:a16="http://schemas.microsoft.com/office/drawing/2014/main" id="{7F37EE62-6602-46DA-A102-BD35E97358F6}"/>
+                <a16:creationId xmlns:a16="http://schemas.microsoft.com/office/drawing/2014/main" xmlns="" id="{7F37EE62-6602-46DA-A102-BD35E97358F6}"/>
               </a:ext>
             </a:extLst>
           </p:cNvPr>
@@ -5395,7 +5311,7 @@
           <a:p>
             <a:r>
               <a:rPr lang="en-US" dirty="0" smtClean="0"/>
-              <a:t>Module Purpose Drives the Design</a:t>
+              <a:t>Different Modules for Different Purposes</a:t>
             </a:r>
             <a:endParaRPr lang="en-US" dirty="0"/>
           </a:p>
@@ -5406,7 +5322,7 @@
           <p:cNvPr id="5" name="Content Placeholder 4">
             <a:extLst>
               <a:ext uri="{FF2B5EF4-FFF2-40B4-BE49-F238E27FC236}">
-                <a16:creationId xmlns="" xmlns:a16="http://schemas.microsoft.com/office/drawing/2014/main" id="{B994F59A-6B27-4732-B4FF-C5079685BCDC}"/>
+                <a16:creationId xmlns:a16="http://schemas.microsoft.com/office/drawing/2014/main" xmlns="" id="{B994F59A-6B27-4732-B4FF-C5079685BCDC}"/>
               </a:ext>
             </a:extLst>
           </p:cNvPr>
@@ -5425,27 +5341,91 @@
           <a:lstStyle/>
           <a:p>
             <a:r>
-              <a:rPr lang="en-US" dirty="0" smtClean="0"/>
-              <a:t>Understanding the module purpose will drive the design and implementation of the module.</a:t>
-            </a:r>
-          </a:p>
-          <a:p>
-            <a:pPr lvl="1"/>
-            <a:r>
-              <a:rPr lang="en-US" dirty="0" smtClean="0"/>
-              <a:t>Requires thought and analysis.</a:t>
-            </a:r>
-          </a:p>
-          <a:p>
-            <a:r>
-              <a:rPr lang="en-US" dirty="0" smtClean="0"/>
-              <a:t>Helps determine how a module is organized.</a:t>
-            </a:r>
-          </a:p>
-          <a:p>
-            <a:r>
-              <a:rPr lang="en-US" dirty="0" smtClean="0"/>
-              <a:t>Helps determine the contents of the module.</a:t>
+              <a:rPr lang="en-US" dirty="0" smtClean="0">
+                <a:solidFill>
+                  <a:schemeClr val="accent3">
+                    <a:lumMod val="60000"/>
+                    <a:lumOff val="40000"/>
+                  </a:schemeClr>
+                </a:solidFill>
+              </a:rPr>
+              <a:t>Domain specific</a:t>
+            </a:r>
+            <a:r>
+              <a:rPr lang="en-US" dirty="0" smtClean="0"/>
+              <a:t> providing services, workflow or utilities for the specified application.</a:t>
+            </a:r>
+          </a:p>
+          <a:p>
+            <a:r>
+              <a:rPr lang="en-US" dirty="0">
+                <a:solidFill>
+                  <a:schemeClr val="accent3">
+                    <a:lumMod val="60000"/>
+                    <a:lumOff val="40000"/>
+                  </a:schemeClr>
+                </a:solidFill>
+              </a:rPr>
+              <a:t>Common services</a:t>
+            </a:r>
+            <a:r>
+              <a:rPr lang="en-US" dirty="0" smtClean="0"/>
+              <a:t> like logging or http.</a:t>
+            </a:r>
+          </a:p>
+          <a:p>
+            <a:r>
+              <a:rPr lang="en-US" dirty="0">
+                <a:solidFill>
+                  <a:schemeClr val="accent3">
+                    <a:lumMod val="60000"/>
+                    <a:lumOff val="40000"/>
+                  </a:schemeClr>
+                </a:solidFill>
+              </a:rPr>
+              <a:t>Frameworks</a:t>
+            </a:r>
+            <a:r>
+              <a:rPr lang="en-US" dirty="0" smtClean="0"/>
+              <a:t> for processing business and validation rules; business actions. </a:t>
+            </a:r>
+          </a:p>
+          <a:p>
+            <a:r>
+              <a:rPr lang="en-US" dirty="0">
+                <a:solidFill>
+                  <a:schemeClr val="accent3">
+                    <a:lumMod val="60000"/>
+                    <a:lumOff val="40000"/>
+                  </a:schemeClr>
+                </a:solidFill>
+              </a:rPr>
+              <a:t>Common components</a:t>
+            </a:r>
+            <a:r>
+              <a:rPr lang="en-US" i="1" dirty="0"/>
+              <a:t> </a:t>
+            </a:r>
+            <a:r>
+              <a:rPr lang="en-US" dirty="0" smtClean="0"/>
+              <a:t>(Alerts, Modals, etc.) used by many applications.</a:t>
+            </a:r>
+          </a:p>
+          <a:p>
+            <a:r>
+              <a:rPr lang="en-US" dirty="0">
+                <a:solidFill>
+                  <a:schemeClr val="accent3">
+                    <a:lumMod val="60000"/>
+                    <a:lumOff val="40000"/>
+                  </a:schemeClr>
+                </a:solidFill>
+              </a:rPr>
+              <a:t>Infrastructure concerns </a:t>
+            </a:r>
+            <a:r>
+              <a:rPr lang="en-US" dirty="0" smtClean="0"/>
+              <a:t>– base classes for components, services, business actions, and HTTP services.</a:t>
             </a:r>
           </a:p>
           <a:p>
@@ -5459,7 +5439,7 @@
     </p:spTree>
     <p:extLst>
       <p:ext uri="{BB962C8B-B14F-4D97-AF65-F5344CB8AC3E}">
-        <p14:creationId xmlns:p14="http://schemas.microsoft.com/office/powerpoint/2010/main" val="847409475"/>
+        <p14:creationId xmlns:p14="http://schemas.microsoft.com/office/powerpoint/2010/main" val="726668776"/>
       </p:ext>
     </p:extLst>
   </p:cSld>
@@ -5491,7 +5471,7 @@
           <p:cNvPr id="4" name="Title 3">
             <a:extLst>
               <a:ext uri="{FF2B5EF4-FFF2-40B4-BE49-F238E27FC236}">
-                <a16:creationId xmlns="" xmlns:a16="http://schemas.microsoft.com/office/drawing/2014/main" id="{999890AD-33FC-4E97-9C1F-83E93FA36614}"/>
+                <a16:creationId xmlns:a16="http://schemas.microsoft.com/office/drawing/2014/main" xmlns="" id="{7F37EE62-6602-46DA-A102-BD35E97358F6}"/>
               </a:ext>
             </a:extLst>
           </p:cNvPr>
@@ -5502,24 +5482,30 @@
             <p:ph type="title"/>
           </p:nvPr>
         </p:nvSpPr>
-        <p:spPr/>
-        <p:txBody>
-          <a:bodyPr/>
-          <a:lstStyle/>
-          <a:p>
-            <a:r>
-              <a:rPr lang="en-US" dirty="0"/>
-              <a:t>Environment Setup</a:t>
-            </a:r>
-          </a:p>
-        </p:txBody>
-      </p:sp>
-      <p:sp>
-        <p:nvSpPr>
-          <p:cNvPr id="5" name="Text Placeholder 4">
+        <p:spPr>
+          <a:xfrm>
+            <a:off x="646111" y="452718"/>
+            <a:ext cx="11180129" cy="1400530"/>
+          </a:xfrm>
+        </p:spPr>
+        <p:txBody>
+          <a:bodyPr/>
+          <a:lstStyle/>
+          <a:p>
+            <a:r>
+              <a:rPr lang="en-US" dirty="0" smtClean="0"/>
+              <a:t>Module Purpose Drives the Design</a:t>
+            </a:r>
+            <a:endParaRPr lang="en-US" dirty="0"/>
+          </a:p>
+        </p:txBody>
+      </p:sp>
+      <p:sp>
+        <p:nvSpPr>
+          <p:cNvPr id="5" name="Content Placeholder 4">
             <a:extLst>
               <a:ext uri="{FF2B5EF4-FFF2-40B4-BE49-F238E27FC236}">
-                <a16:creationId xmlns="" xmlns:a16="http://schemas.microsoft.com/office/drawing/2014/main" id="{0F430FFA-0992-4903-A2FD-8C7CC4F490CF}"/>
+                <a16:creationId xmlns:a16="http://schemas.microsoft.com/office/drawing/2014/main" xmlns="" id="{B994F59A-6B27-4732-B4FF-C5079685BCDC}"/>
               </a:ext>
             </a:extLst>
           </p:cNvPr>
@@ -5527,25 +5513,52 @@
             <a:spLocks noGrp="1"/>
           </p:cNvSpPr>
           <p:nvPr>
-            <p:ph type="body" idx="1"/>
-          </p:nvPr>
-        </p:nvSpPr>
-        <p:spPr/>
-        <p:txBody>
-          <a:bodyPr/>
-          <a:lstStyle/>
-          <a:p>
-            <a:r>
-              <a:rPr lang="en-US" dirty="0"/>
-              <a:t>Tools and Stuff</a:t>
-            </a:r>
+            <p:ph idx="1"/>
+          </p:nvPr>
+        </p:nvSpPr>
+        <p:spPr/>
+        <p:txBody>
+          <a:bodyPr>
+            <a:normAutofit/>
+          </a:bodyPr>
+          <a:lstStyle/>
+          <a:p>
+            <a:r>
+              <a:rPr lang="en-US" dirty="0" smtClean="0"/>
+              <a:t>Understanding the module purpose will drive the design and implementation of the module.</a:t>
+            </a:r>
+          </a:p>
+          <a:p>
+            <a:pPr lvl="1"/>
+            <a:r>
+              <a:rPr lang="en-US" dirty="0" smtClean="0"/>
+              <a:t>Requires thought and analysis.</a:t>
+            </a:r>
+          </a:p>
+          <a:p>
+            <a:r>
+              <a:rPr lang="en-US" dirty="0" smtClean="0"/>
+              <a:t>Helps determine how a module is organized.</a:t>
+            </a:r>
+          </a:p>
+          <a:p>
+            <a:r>
+              <a:rPr lang="en-US" dirty="0" smtClean="0"/>
+              <a:t>Helps determine the contents of the module.</a:t>
+            </a:r>
+          </a:p>
+          <a:p>
+            <a:endParaRPr lang="en-US" dirty="0" smtClean="0"/>
+          </a:p>
+          <a:p>
+            <a:endParaRPr lang="en-US" dirty="0" smtClean="0"/>
           </a:p>
         </p:txBody>
       </p:sp>
     </p:spTree>
     <p:extLst>
       <p:ext uri="{BB962C8B-B14F-4D97-AF65-F5344CB8AC3E}">
-        <p14:creationId xmlns:p14="http://schemas.microsoft.com/office/powerpoint/2010/main" val="2395048335"/>
+        <p14:creationId xmlns:p14="http://schemas.microsoft.com/office/powerpoint/2010/main" val="847409475"/>
       </p:ext>
     </p:extLst>
   </p:cSld>
@@ -5577,7 +5590,7 @@
           <p:cNvPr id="4" name="Title 3">
             <a:extLst>
               <a:ext uri="{FF2B5EF4-FFF2-40B4-BE49-F238E27FC236}">
-                <a16:creationId xmlns="" xmlns:a16="http://schemas.microsoft.com/office/drawing/2014/main" id="{3E230F53-2D0D-4EFF-8E00-331604A18311}"/>
+                <a16:creationId xmlns:a16="http://schemas.microsoft.com/office/drawing/2014/main" xmlns="" id="{999890AD-33FC-4E97-9C1F-83E93FA36614}"/>
               </a:ext>
             </a:extLst>
           </p:cNvPr>
@@ -5595,17 +5608,17 @@
           <a:p>
             <a:r>
               <a:rPr lang="en-US" dirty="0"/>
-              <a:t>npm and node.js</a:t>
-            </a:r>
-          </a:p>
-        </p:txBody>
-      </p:sp>
-      <p:sp>
-        <p:nvSpPr>
-          <p:cNvPr id="5" name="Content Placeholder 4">
+              <a:t>Environment Setup</a:t>
+            </a:r>
+          </a:p>
+        </p:txBody>
+      </p:sp>
+      <p:sp>
+        <p:nvSpPr>
+          <p:cNvPr id="5" name="Text Placeholder 4">
             <a:extLst>
               <a:ext uri="{FF2B5EF4-FFF2-40B4-BE49-F238E27FC236}">
-                <a16:creationId xmlns="" xmlns:a16="http://schemas.microsoft.com/office/drawing/2014/main" id="{3EFFD75C-7858-4AEC-803B-D29EFE7AA938}"/>
+                <a16:creationId xmlns:a16="http://schemas.microsoft.com/office/drawing/2014/main" xmlns="" id="{0F430FFA-0992-4903-A2FD-8C7CC4F490CF}"/>
               </a:ext>
             </a:extLst>
           </p:cNvPr>
@@ -5613,123 +5626,25 @@
             <a:spLocks noGrp="1"/>
           </p:cNvSpPr>
           <p:nvPr>
-            <p:ph idx="1"/>
-          </p:nvPr>
-        </p:nvSpPr>
-        <p:spPr/>
-        <p:txBody>
-          <a:bodyPr/>
-          <a:lstStyle/>
-          <a:p>
-            <a:r>
-              <a:rPr lang="en-US" dirty="0"/>
-              <a:t>Where to get it</a:t>
-            </a:r>
-            <a:r>
-              <a:rPr lang="en-US" dirty="0" smtClean="0"/>
-              <a:t>?</a:t>
-            </a:r>
-          </a:p>
-          <a:p>
-            <a:pPr lvl="1"/>
-            <a:r>
-              <a:rPr lang="en-US" dirty="0">
-                <a:hlinkClick r:id="rId2"/>
-              </a:rPr>
-              <a:t>https://nodejs.org/en/download</a:t>
-            </a:r>
-            <a:r>
-              <a:rPr lang="en-US" dirty="0" smtClean="0">
-                <a:hlinkClick r:id="rId2"/>
-              </a:rPr>
-              <a:t>/</a:t>
-            </a:r>
-            <a:r>
-              <a:rPr lang="en-US" dirty="0" smtClean="0"/>
-              <a:t> </a:t>
-            </a:r>
-          </a:p>
-          <a:p>
-            <a:pPr lvl="1"/>
-            <a:r>
-              <a:rPr lang="en-US" dirty="0" smtClean="0"/>
-              <a:t>Installs both node and </a:t>
-            </a:r>
-            <a:r>
-              <a:rPr lang="en-US" dirty="0" smtClean="0"/>
-              <a:t>npm</a:t>
-            </a:r>
-            <a:r>
-              <a:rPr lang="en-US" dirty="0" smtClean="0"/>
-              <a:t>. </a:t>
-            </a:r>
-            <a:endParaRPr lang="en-US" dirty="0"/>
-          </a:p>
-          <a:p>
-            <a:r>
-              <a:rPr lang="en-US" dirty="0" smtClean="0"/>
-              <a:t>Version</a:t>
-            </a:r>
-          </a:p>
-          <a:p>
-            <a:pPr lvl="1"/>
-            <a:r>
-              <a:rPr lang="en-US" dirty="0" smtClean="0"/>
-              <a:t>LTS (long-term support) version</a:t>
-            </a:r>
-            <a:endParaRPr lang="en-US" dirty="0"/>
-          </a:p>
-          <a:p>
-            <a:r>
-              <a:rPr lang="en-US" dirty="0" smtClean="0"/>
-              <a:t>Resources</a:t>
-            </a:r>
-          </a:p>
-          <a:p>
-            <a:pPr lvl="1"/>
-            <a:r>
-              <a:rPr lang="en-US" dirty="0">
-                <a:hlinkClick r:id="rId3"/>
-              </a:rPr>
-              <a:t>https://docs.npmjs.com</a:t>
-            </a:r>
-            <a:r>
-              <a:rPr lang="en-US" dirty="0" smtClean="0">
-                <a:hlinkClick r:id="rId3"/>
-              </a:rPr>
-              <a:t>/</a:t>
-            </a:r>
-            <a:r>
-              <a:rPr lang="en-US" dirty="0" smtClean="0"/>
-              <a:t> </a:t>
-            </a:r>
-          </a:p>
-          <a:p>
-            <a:pPr lvl="1"/>
-            <a:r>
-              <a:rPr lang="en-US" dirty="0">
-                <a:hlinkClick r:id="rId4"/>
-              </a:rPr>
-              <a:t>https://</a:t>
-            </a:r>
-            <a:r>
-              <a:rPr lang="en-US" dirty="0" smtClean="0">
-                <a:hlinkClick r:id="rId4"/>
-              </a:rPr>
-              <a:t>docs.npmjs.com/cli/install</a:t>
-            </a:r>
-            <a:r>
-              <a:rPr lang="en-US" dirty="0" smtClean="0"/>
-              <a:t> </a:t>
-            </a:r>
-            <a:endParaRPr lang="en-US" dirty="0"/>
+            <p:ph type="body" idx="1"/>
+          </p:nvPr>
+        </p:nvSpPr>
+        <p:spPr/>
+        <p:txBody>
+          <a:bodyPr/>
+          <a:lstStyle/>
+          <a:p>
+            <a:r>
+              <a:rPr lang="en-US" dirty="0"/>
+              <a:t>Tools and Stuff</a:t>
+            </a:r>
           </a:p>
         </p:txBody>
       </p:sp>
     </p:spTree>
     <p:extLst>
       <p:ext uri="{BB962C8B-B14F-4D97-AF65-F5344CB8AC3E}">
-        <p14:creationId xmlns:p14="http://schemas.microsoft.com/office/powerpoint/2010/main" val="1389282683"/>
+        <p14:creationId xmlns:p14="http://schemas.microsoft.com/office/powerpoint/2010/main" val="2395048335"/>
       </p:ext>
     </p:extLst>
   </p:cSld>
@@ -5761,7 +5676,7 @@
           <p:cNvPr id="4" name="Title 3">
             <a:extLst>
               <a:ext uri="{FF2B5EF4-FFF2-40B4-BE49-F238E27FC236}">
-                <a16:creationId xmlns="" xmlns:a16="http://schemas.microsoft.com/office/drawing/2014/main" id="{3E230F53-2D0D-4EFF-8E00-331604A18311}"/>
+                <a16:creationId xmlns:a16="http://schemas.microsoft.com/office/drawing/2014/main" xmlns="" id="{3E230F53-2D0D-4EFF-8E00-331604A18311}"/>
               </a:ext>
             </a:extLst>
           </p:cNvPr>
@@ -5779,7 +5694,7 @@
           <a:p>
             <a:r>
               <a:rPr lang="en-US" dirty="0"/>
-              <a:t>Typescript</a:t>
+              <a:t>npm and node.js</a:t>
             </a:r>
           </a:p>
         </p:txBody>
@@ -5789,7 +5704,7 @@
           <p:cNvPr id="5" name="Content Placeholder 4">
             <a:extLst>
               <a:ext uri="{FF2B5EF4-FFF2-40B4-BE49-F238E27FC236}">
-                <a16:creationId xmlns="" xmlns:a16="http://schemas.microsoft.com/office/drawing/2014/main" id="{3EFFD75C-7858-4AEC-803B-D29EFE7AA938}"/>
+                <a16:creationId xmlns:a16="http://schemas.microsoft.com/office/drawing/2014/main" xmlns="" id="{3EFFD75C-7858-4AEC-803B-D29EFE7AA938}"/>
               </a:ext>
             </a:extLst>
           </p:cNvPr>
@@ -5817,58 +5732,10 @@
           <a:p>
             <a:pPr lvl="1"/>
             <a:r>
-              <a:rPr lang="en-US" sz="1400" dirty="0">
-                <a:latin typeface="Source Code Pro Light" panose="020B0409030403020204" pitchFamily="49" charset="0"/>
-                <a:ea typeface="Source Code Pro Light" panose="020B0409030403020204" pitchFamily="49" charset="0"/>
-              </a:rPr>
-              <a:t>npm</a:t>
-            </a:r>
-            <a:r>
-              <a:rPr lang="en-US" sz="1400" dirty="0">
-                <a:latin typeface="Source Code Pro Light" panose="020B0409030403020204" pitchFamily="49" charset="0"/>
-                <a:ea typeface="Source Code Pro Light" panose="020B0409030403020204" pitchFamily="49" charset="0"/>
-              </a:rPr>
-              <a:t> install -g typescript@'&gt;=2.4.2 &lt;2.5.0'</a:t>
-            </a:r>
-            <a:r>
-              <a:rPr lang="en-US" dirty="0"/>
-              <a:t>  </a:t>
-            </a:r>
-          </a:p>
-          <a:p>
-            <a:r>
-              <a:rPr lang="en-US" dirty="0" smtClean="0"/>
-              <a:t>Version</a:t>
-            </a:r>
-          </a:p>
-          <a:p>
-            <a:pPr lvl="1"/>
-            <a:r>
-              <a:rPr lang="en-US" dirty="0" smtClean="0"/>
-              <a:t>Depends on version of other developer tools/modules.</a:t>
-            </a:r>
-          </a:p>
-          <a:p>
-            <a:pPr lvl="2"/>
-            <a:r>
-              <a:rPr lang="en-US" dirty="0" smtClean="0"/>
-              <a:t>@angular/cli, @angular/compiler, @angular/compiler-cli, @angular/core</a:t>
-            </a:r>
-            <a:endParaRPr lang="en-US" dirty="0"/>
-          </a:p>
-          <a:p>
-            <a:r>
-              <a:rPr lang="en-US" dirty="0" smtClean="0"/>
-              <a:t>Resources</a:t>
-            </a:r>
-          </a:p>
-          <a:p>
-            <a:pPr lvl="1"/>
-            <a:r>
               <a:rPr lang="en-US" dirty="0">
                 <a:hlinkClick r:id="rId2"/>
               </a:rPr>
-              <a:t>https://www.typescriptlang.org</a:t>
+              <a:t>https://nodejs.org/en/download</a:t>
             </a:r>
             <a:r>
               <a:rPr lang="en-US" dirty="0" smtClean="0">
@@ -5884,16 +5751,63 @@
           <a:p>
             <a:pPr lvl="1"/>
             <a:r>
+              <a:rPr lang="en-US" dirty="0" smtClean="0"/>
+              <a:t>Installs both node and npm. </a:t>
+            </a:r>
+            <a:endParaRPr lang="en-US" dirty="0"/>
+          </a:p>
+          <a:p>
+            <a:r>
+              <a:rPr lang="en-US" dirty="0" smtClean="0"/>
+              <a:t>Version</a:t>
+            </a:r>
+          </a:p>
+          <a:p>
+            <a:pPr lvl="1"/>
+            <a:r>
+              <a:rPr lang="en-US" dirty="0" smtClean="0"/>
+              <a:t>LTS (long-term support) version</a:t>
+            </a:r>
+            <a:endParaRPr lang="en-US" dirty="0"/>
+          </a:p>
+          <a:p>
+            <a:r>
+              <a:rPr lang="en-US" dirty="0" smtClean="0"/>
+              <a:t>Resources</a:t>
+            </a:r>
+          </a:p>
+          <a:p>
+            <a:pPr lvl="1"/>
+            <a:r>
               <a:rPr lang="en-US" dirty="0">
                 <a:hlinkClick r:id="rId3"/>
               </a:rPr>
-              <a:t>https://</a:t>
+              <a:t>https://docs.npmjs.com</a:t>
             </a:r>
             <a:r>
               <a:rPr lang="en-US" dirty="0" smtClean="0">
                 <a:hlinkClick r:id="rId3"/>
               </a:rPr>
-              <a:t>www.typescriptlang.org/docs/home.html</a:t>
+              <a:t>/</a:t>
+            </a:r>
+            <a:r>
+              <a:rPr lang="en-US" dirty="0" smtClean="0"/>
+              <a:t> </a:t>
+            </a:r>
+          </a:p>
+          <a:p>
+            <a:pPr lvl="1"/>
+            <a:r>
+              <a:rPr lang="en-US" dirty="0">
+                <a:hlinkClick r:id="rId4"/>
+              </a:rPr>
+              <a:t>https://</a:t>
+            </a:r>
+            <a:r>
+              <a:rPr lang="en-US" dirty="0" smtClean="0">
+                <a:hlinkClick r:id="rId4"/>
+              </a:rPr>
+              <a:t>docs.npmjs.com/cli/install</a:t>
             </a:r>
             <a:r>
               <a:rPr lang="en-US" dirty="0" smtClean="0"/>
@@ -5906,7 +5820,7 @@
     </p:spTree>
     <p:extLst>
       <p:ext uri="{BB962C8B-B14F-4D97-AF65-F5344CB8AC3E}">
-        <p14:creationId xmlns:p14="http://schemas.microsoft.com/office/powerpoint/2010/main" val="1555115885"/>
+        <p14:creationId xmlns:p14="http://schemas.microsoft.com/office/powerpoint/2010/main" val="1389282683"/>
       </p:ext>
     </p:extLst>
   </p:cSld>
@@ -5938,7 +5852,7 @@
           <p:cNvPr id="4" name="Title 3">
             <a:extLst>
               <a:ext uri="{FF2B5EF4-FFF2-40B4-BE49-F238E27FC236}">
-                <a16:creationId xmlns="" xmlns:a16="http://schemas.microsoft.com/office/drawing/2014/main" id="{3E230F53-2D0D-4EFF-8E00-331604A18311}"/>
+                <a16:creationId xmlns:a16="http://schemas.microsoft.com/office/drawing/2014/main" xmlns="" id="{3E230F53-2D0D-4EFF-8E00-331604A18311}"/>
               </a:ext>
             </a:extLst>
           </p:cNvPr>
@@ -5949,19 +5863,14 @@
             <p:ph type="title"/>
           </p:nvPr>
         </p:nvSpPr>
-        <p:spPr>
-          <a:xfrm>
-            <a:off x="646111" y="452718"/>
-            <a:ext cx="9404723" cy="713610"/>
-          </a:xfrm>
-        </p:spPr>
-        <p:txBody>
-          <a:bodyPr/>
-          <a:lstStyle/>
-          <a:p>
-            <a:r>
-              <a:rPr lang="en-US" dirty="0"/>
-              <a:t>Angular</a:t>
+        <p:spPr/>
+        <p:txBody>
+          <a:bodyPr/>
+          <a:lstStyle/>
+          <a:p>
+            <a:r>
+              <a:rPr lang="en-US" dirty="0"/>
+              <a:t>Typescript</a:t>
             </a:r>
           </a:p>
         </p:txBody>
@@ -5971,7 +5880,7 @@
           <p:cNvPr id="5" name="Content Placeholder 4">
             <a:extLst>
               <a:ext uri="{FF2B5EF4-FFF2-40B4-BE49-F238E27FC236}">
-                <a16:creationId xmlns="" xmlns:a16="http://schemas.microsoft.com/office/drawing/2014/main" id="{3EFFD75C-7858-4AEC-803B-D29EFE7AA938}"/>
+                <a16:creationId xmlns:a16="http://schemas.microsoft.com/office/drawing/2014/main" xmlns="" id="{3EFFD75C-7858-4AEC-803B-D29EFE7AA938}"/>
               </a:ext>
             </a:extLst>
           </p:cNvPr>
@@ -5982,16 +5891,9 @@
             <p:ph idx="1"/>
           </p:nvPr>
         </p:nvSpPr>
-        <p:spPr>
-          <a:xfrm>
-            <a:off x="646112" y="1166328"/>
-            <a:ext cx="9403742" cy="5082072"/>
-          </a:xfrm>
-        </p:spPr>
-        <p:txBody>
-          <a:bodyPr>
-            <a:normAutofit fontScale="77500" lnSpcReduction="20000"/>
-          </a:bodyPr>
+        <p:spPr/>
+        <p:txBody>
+          <a:bodyPr/>
           <a:lstStyle/>
           <a:p>
             <a:r>
@@ -6004,371 +5906,18 @@
             </a:r>
           </a:p>
           <a:p>
-            <a:pPr marL="457200" lvl="1" indent="0">
-              <a:buNone/>
-            </a:pPr>
-            <a:r>
-              <a:rPr lang="en-US" dirty="0">
+            <a:pPr lvl="1"/>
+            <a:r>
+              <a:rPr lang="en-US" sz="1400" dirty="0">
                 <a:latin typeface="Source Code Pro Light" panose="020B0409030403020204" pitchFamily="49" charset="0"/>
                 <a:ea typeface="Source Code Pro Light" panose="020B0409030403020204" pitchFamily="49" charset="0"/>
               </a:rPr>
-              <a:t>npm</a:t>
-            </a:r>
-            <a:r>
-              <a:rPr lang="en-US" dirty="0">
-                <a:latin typeface="Source Code Pro Light" panose="020B0409030403020204" pitchFamily="49" charset="0"/>
-                <a:ea typeface="Source Code Pro Light" panose="020B0409030403020204" pitchFamily="49" charset="0"/>
-              </a:rPr>
-              <a:t> install @angular/</a:t>
-            </a:r>
-            <a:r>
-              <a:rPr lang="en-US" dirty="0">
-                <a:latin typeface="Source Code Pro Light" panose="020B0409030403020204" pitchFamily="49" charset="0"/>
-                <a:ea typeface="Source Code Pro Light" panose="020B0409030403020204" pitchFamily="49" charset="0"/>
-              </a:rPr>
-              <a:t>common@latest</a:t>
-            </a:r>
-            <a:r>
-              <a:rPr lang="en-US" dirty="0">
-                <a:latin typeface="Source Code Pro Light" panose="020B0409030403020204" pitchFamily="49" charset="0"/>
-                <a:ea typeface="Source Code Pro Light" panose="020B0409030403020204" pitchFamily="49" charset="0"/>
-              </a:rPr>
-              <a:t> </a:t>
-            </a:r>
-          </a:p>
-          <a:p>
-            <a:pPr marL="457200" lvl="1" indent="0">
-              <a:buNone/>
-            </a:pPr>
-            <a:r>
-              <a:rPr lang="en-US" dirty="0">
-                <a:latin typeface="Source Code Pro Light" panose="020B0409030403020204" pitchFamily="49" charset="0"/>
-                <a:ea typeface="Source Code Pro Light" panose="020B0409030403020204" pitchFamily="49" charset="0"/>
-              </a:rPr>
-              <a:t>npm</a:t>
-            </a:r>
-            <a:r>
-              <a:rPr lang="en-US" dirty="0">
-                <a:latin typeface="Source Code Pro Light" panose="020B0409030403020204" pitchFamily="49" charset="0"/>
-                <a:ea typeface="Source Code Pro Light" panose="020B0409030403020204" pitchFamily="49" charset="0"/>
-              </a:rPr>
-              <a:t> install @angular/</a:t>
-            </a:r>
-            <a:r>
-              <a:rPr lang="en-US" dirty="0">
-                <a:latin typeface="Source Code Pro Light" panose="020B0409030403020204" pitchFamily="49" charset="0"/>
-                <a:ea typeface="Source Code Pro Light" panose="020B0409030403020204" pitchFamily="49" charset="0"/>
-              </a:rPr>
-              <a:t>compiler@latest</a:t>
-            </a:r>
-            <a:r>
-              <a:rPr lang="en-US" dirty="0">
-                <a:latin typeface="Source Code Pro Light" panose="020B0409030403020204" pitchFamily="49" charset="0"/>
-                <a:ea typeface="Source Code Pro Light" panose="020B0409030403020204" pitchFamily="49" charset="0"/>
-              </a:rPr>
-              <a:t> </a:t>
-            </a:r>
-          </a:p>
-          <a:p>
-            <a:pPr marL="457200" lvl="1" indent="0">
-              <a:buNone/>
-            </a:pPr>
-            <a:r>
-              <a:rPr lang="en-US" dirty="0">
-                <a:latin typeface="Source Code Pro Light" panose="020B0409030403020204" pitchFamily="49" charset="0"/>
-                <a:ea typeface="Source Code Pro Light" panose="020B0409030403020204" pitchFamily="49" charset="0"/>
-              </a:rPr>
-              <a:t>npm</a:t>
-            </a:r>
-            <a:r>
-              <a:rPr lang="en-US" dirty="0">
-                <a:latin typeface="Source Code Pro Light" panose="020B0409030403020204" pitchFamily="49" charset="0"/>
-                <a:ea typeface="Source Code Pro Light" panose="020B0409030403020204" pitchFamily="49" charset="0"/>
-              </a:rPr>
-              <a:t> install @angular/</a:t>
-            </a:r>
-            <a:r>
-              <a:rPr lang="en-US" dirty="0">
-                <a:latin typeface="Source Code Pro Light" panose="020B0409030403020204" pitchFamily="49" charset="0"/>
-                <a:ea typeface="Source Code Pro Light" panose="020B0409030403020204" pitchFamily="49" charset="0"/>
-              </a:rPr>
-              <a:t>compiler-cli@latest</a:t>
-            </a:r>
-            <a:r>
-              <a:rPr lang="en-US" dirty="0">
-                <a:latin typeface="Source Code Pro Light" panose="020B0409030403020204" pitchFamily="49" charset="0"/>
-                <a:ea typeface="Source Code Pro Light" panose="020B0409030403020204" pitchFamily="49" charset="0"/>
-              </a:rPr>
-              <a:t> </a:t>
-            </a:r>
-          </a:p>
-          <a:p>
-            <a:pPr marL="457200" lvl="1" indent="0">
-              <a:buNone/>
-            </a:pPr>
-            <a:r>
-              <a:rPr lang="en-US" dirty="0">
-                <a:latin typeface="Source Code Pro Light" panose="020B0409030403020204" pitchFamily="49" charset="0"/>
-                <a:ea typeface="Source Code Pro Light" panose="020B0409030403020204" pitchFamily="49" charset="0"/>
-              </a:rPr>
-              <a:t>npm</a:t>
-            </a:r>
-            <a:r>
-              <a:rPr lang="en-US" dirty="0">
-                <a:latin typeface="Source Code Pro Light" panose="020B0409030403020204" pitchFamily="49" charset="0"/>
-                <a:ea typeface="Source Code Pro Light" panose="020B0409030403020204" pitchFamily="49" charset="0"/>
-              </a:rPr>
-              <a:t> install @angular/</a:t>
-            </a:r>
-            <a:r>
-              <a:rPr lang="en-US" dirty="0">
-                <a:latin typeface="Source Code Pro Light" panose="020B0409030403020204" pitchFamily="49" charset="0"/>
-                <a:ea typeface="Source Code Pro Light" panose="020B0409030403020204" pitchFamily="49" charset="0"/>
-              </a:rPr>
-              <a:t>core@latest</a:t>
-            </a:r>
-            <a:r>
-              <a:rPr lang="en-US" dirty="0">
-                <a:latin typeface="Source Code Pro Light" panose="020B0409030403020204" pitchFamily="49" charset="0"/>
-                <a:ea typeface="Source Code Pro Light" panose="020B0409030403020204" pitchFamily="49" charset="0"/>
-              </a:rPr>
-              <a:t> </a:t>
-            </a:r>
-          </a:p>
-          <a:p>
-            <a:pPr marL="457200" lvl="1" indent="0">
-              <a:buNone/>
-            </a:pPr>
-            <a:r>
-              <a:rPr lang="en-US" dirty="0">
-                <a:latin typeface="Source Code Pro Light" panose="020B0409030403020204" pitchFamily="49" charset="0"/>
-                <a:ea typeface="Source Code Pro Light" panose="020B0409030403020204" pitchFamily="49" charset="0"/>
-              </a:rPr>
-              <a:t>npm</a:t>
-            </a:r>
-            <a:r>
-              <a:rPr lang="en-US" dirty="0">
-                <a:latin typeface="Source Code Pro Light" panose="020B0409030403020204" pitchFamily="49" charset="0"/>
-                <a:ea typeface="Source Code Pro Light" panose="020B0409030403020204" pitchFamily="49" charset="0"/>
-              </a:rPr>
-              <a:t> install @angular/</a:t>
-            </a:r>
-            <a:r>
-              <a:rPr lang="en-US" dirty="0">
-                <a:latin typeface="Source Code Pro Light" panose="020B0409030403020204" pitchFamily="49" charset="0"/>
-                <a:ea typeface="Source Code Pro Light" panose="020B0409030403020204" pitchFamily="49" charset="0"/>
-              </a:rPr>
-              <a:t>forms@latest</a:t>
-            </a:r>
-            <a:r>
-              <a:rPr lang="en-US" dirty="0">
-                <a:latin typeface="Source Code Pro Light" panose="020B0409030403020204" pitchFamily="49" charset="0"/>
-                <a:ea typeface="Source Code Pro Light" panose="020B0409030403020204" pitchFamily="49" charset="0"/>
-              </a:rPr>
-              <a:t> </a:t>
-            </a:r>
-          </a:p>
-          <a:p>
-            <a:pPr marL="457200" lvl="1" indent="0">
-              <a:buNone/>
-            </a:pPr>
-            <a:r>
-              <a:rPr lang="en-US" dirty="0">
-                <a:latin typeface="Source Code Pro Light" panose="020B0409030403020204" pitchFamily="49" charset="0"/>
-                <a:ea typeface="Source Code Pro Light" panose="020B0409030403020204" pitchFamily="49" charset="0"/>
-              </a:rPr>
-              <a:t>npm</a:t>
-            </a:r>
-            <a:r>
-              <a:rPr lang="en-US" dirty="0">
-                <a:latin typeface="Source Code Pro Light" panose="020B0409030403020204" pitchFamily="49" charset="0"/>
-                <a:ea typeface="Source Code Pro Light" panose="020B0409030403020204" pitchFamily="49" charset="0"/>
-              </a:rPr>
-              <a:t> install @angular/</a:t>
-            </a:r>
-            <a:r>
-              <a:rPr lang="en-US" dirty="0">
-                <a:latin typeface="Source Code Pro Light" panose="020B0409030403020204" pitchFamily="49" charset="0"/>
-                <a:ea typeface="Source Code Pro Light" panose="020B0409030403020204" pitchFamily="49" charset="0"/>
-              </a:rPr>
-              <a:t>http@latest</a:t>
-            </a:r>
-            <a:r>
-              <a:rPr lang="en-US" dirty="0">
-                <a:latin typeface="Source Code Pro Light" panose="020B0409030403020204" pitchFamily="49" charset="0"/>
-                <a:ea typeface="Source Code Pro Light" panose="020B0409030403020204" pitchFamily="49" charset="0"/>
-              </a:rPr>
-              <a:t> </a:t>
-            </a:r>
-          </a:p>
-          <a:p>
-            <a:pPr marL="457200" lvl="1" indent="0">
-              <a:buNone/>
-            </a:pPr>
-            <a:r>
-              <a:rPr lang="en-US" dirty="0">
-                <a:latin typeface="Source Code Pro Light" panose="020B0409030403020204" pitchFamily="49" charset="0"/>
-                <a:ea typeface="Source Code Pro Light" panose="020B0409030403020204" pitchFamily="49" charset="0"/>
-              </a:rPr>
-              <a:t>npm</a:t>
-            </a:r>
-            <a:r>
-              <a:rPr lang="en-US" dirty="0">
-                <a:latin typeface="Source Code Pro Light" panose="020B0409030403020204" pitchFamily="49" charset="0"/>
-                <a:ea typeface="Source Code Pro Light" panose="020B0409030403020204" pitchFamily="49" charset="0"/>
-              </a:rPr>
-              <a:t> install @angular/</a:t>
-            </a:r>
-            <a:r>
-              <a:rPr lang="en-US" dirty="0">
-                <a:latin typeface="Source Code Pro Light" panose="020B0409030403020204" pitchFamily="49" charset="0"/>
-                <a:ea typeface="Source Code Pro Light" panose="020B0409030403020204" pitchFamily="49" charset="0"/>
-              </a:rPr>
-              <a:t>platform-browser@latest</a:t>
-            </a:r>
-            <a:r>
-              <a:rPr lang="en-US" dirty="0">
-                <a:latin typeface="Source Code Pro Light" panose="020B0409030403020204" pitchFamily="49" charset="0"/>
-                <a:ea typeface="Source Code Pro Light" panose="020B0409030403020204" pitchFamily="49" charset="0"/>
-              </a:rPr>
-              <a:t> </a:t>
-            </a:r>
-          </a:p>
-          <a:p>
-            <a:pPr marL="457200" lvl="1" indent="0">
-              <a:buNone/>
-            </a:pPr>
-            <a:r>
-              <a:rPr lang="en-US" dirty="0">
-                <a:latin typeface="Source Code Pro Light" panose="020B0409030403020204" pitchFamily="49" charset="0"/>
-                <a:ea typeface="Source Code Pro Light" panose="020B0409030403020204" pitchFamily="49" charset="0"/>
-              </a:rPr>
-              <a:t>npm</a:t>
-            </a:r>
-            <a:r>
-              <a:rPr lang="en-US" dirty="0">
-                <a:latin typeface="Source Code Pro Light" panose="020B0409030403020204" pitchFamily="49" charset="0"/>
-                <a:ea typeface="Source Code Pro Light" panose="020B0409030403020204" pitchFamily="49" charset="0"/>
-              </a:rPr>
-              <a:t> install @angular/</a:t>
-            </a:r>
-            <a:r>
-              <a:rPr lang="en-US" dirty="0">
-                <a:latin typeface="Source Code Pro Light" panose="020B0409030403020204" pitchFamily="49" charset="0"/>
-                <a:ea typeface="Source Code Pro Light" panose="020B0409030403020204" pitchFamily="49" charset="0"/>
-              </a:rPr>
-              <a:t>platform-browser-dynamic@latest</a:t>
-            </a:r>
-            <a:r>
-              <a:rPr lang="en-US" dirty="0">
-                <a:latin typeface="Source Code Pro Light" panose="020B0409030403020204" pitchFamily="49" charset="0"/>
-                <a:ea typeface="Source Code Pro Light" panose="020B0409030403020204" pitchFamily="49" charset="0"/>
-              </a:rPr>
-              <a:t> </a:t>
-            </a:r>
-          </a:p>
-          <a:p>
-            <a:pPr marL="457200" lvl="1" indent="0">
-              <a:buNone/>
-            </a:pPr>
-            <a:r>
-              <a:rPr lang="en-US" dirty="0">
-                <a:latin typeface="Source Code Pro Light" panose="020B0409030403020204" pitchFamily="49" charset="0"/>
-                <a:ea typeface="Source Code Pro Light" panose="020B0409030403020204" pitchFamily="49" charset="0"/>
-              </a:rPr>
-              <a:t>npm</a:t>
-            </a:r>
-            <a:r>
-              <a:rPr lang="en-US" dirty="0">
-                <a:latin typeface="Source Code Pro Light" panose="020B0409030403020204" pitchFamily="49" charset="0"/>
-                <a:ea typeface="Source Code Pro Light" panose="020B0409030403020204" pitchFamily="49" charset="0"/>
-              </a:rPr>
-              <a:t> install @angular/</a:t>
-            </a:r>
-            <a:r>
-              <a:rPr lang="en-US" dirty="0">
-                <a:latin typeface="Source Code Pro Light" panose="020B0409030403020204" pitchFamily="49" charset="0"/>
-                <a:ea typeface="Source Code Pro Light" panose="020B0409030403020204" pitchFamily="49" charset="0"/>
-              </a:rPr>
-              <a:t>platform-server@latest</a:t>
-            </a:r>
-            <a:r>
-              <a:rPr lang="en-US" dirty="0">
-                <a:latin typeface="Source Code Pro Light" panose="020B0409030403020204" pitchFamily="49" charset="0"/>
-                <a:ea typeface="Source Code Pro Light" panose="020B0409030403020204" pitchFamily="49" charset="0"/>
-              </a:rPr>
-              <a:t> </a:t>
-            </a:r>
-          </a:p>
-          <a:p>
-            <a:pPr marL="457200" lvl="1" indent="0">
-              <a:buNone/>
-            </a:pPr>
-            <a:r>
-              <a:rPr lang="en-US" dirty="0">
-                <a:latin typeface="Source Code Pro Light" panose="020B0409030403020204" pitchFamily="49" charset="0"/>
-                <a:ea typeface="Source Code Pro Light" panose="020B0409030403020204" pitchFamily="49" charset="0"/>
-              </a:rPr>
-              <a:t>npm</a:t>
-            </a:r>
-            <a:r>
-              <a:rPr lang="en-US" dirty="0">
-                <a:latin typeface="Source Code Pro Light" panose="020B0409030403020204" pitchFamily="49" charset="0"/>
-                <a:ea typeface="Source Code Pro Light" panose="020B0409030403020204" pitchFamily="49" charset="0"/>
-              </a:rPr>
-              <a:t> install @angular/</a:t>
-            </a:r>
-            <a:r>
-              <a:rPr lang="en-US" dirty="0">
-                <a:latin typeface="Source Code Pro Light" panose="020B0409030403020204" pitchFamily="49" charset="0"/>
-                <a:ea typeface="Source Code Pro Light" panose="020B0409030403020204" pitchFamily="49" charset="0"/>
-              </a:rPr>
-              <a:t>router@latest</a:t>
-            </a:r>
-            <a:r>
-              <a:rPr lang="en-US" dirty="0">
-                <a:latin typeface="Source Code Pro Light" panose="020B0409030403020204" pitchFamily="49" charset="0"/>
-                <a:ea typeface="Source Code Pro Light" panose="020B0409030403020204" pitchFamily="49" charset="0"/>
-              </a:rPr>
-              <a:t> </a:t>
-            </a:r>
-          </a:p>
-          <a:p>
-            <a:pPr marL="457200" lvl="1" indent="0">
-              <a:buNone/>
-            </a:pPr>
-            <a:r>
-              <a:rPr lang="en-US" dirty="0">
-                <a:latin typeface="Source Code Pro Light" panose="020B0409030403020204" pitchFamily="49" charset="0"/>
-                <a:ea typeface="Source Code Pro Light" panose="020B0409030403020204" pitchFamily="49" charset="0"/>
-              </a:rPr>
-              <a:t>npm</a:t>
-            </a:r>
-            <a:r>
-              <a:rPr lang="en-US" dirty="0">
-                <a:latin typeface="Source Code Pro Light" panose="020B0409030403020204" pitchFamily="49" charset="0"/>
-                <a:ea typeface="Source Code Pro Light" panose="020B0409030403020204" pitchFamily="49" charset="0"/>
-              </a:rPr>
-              <a:t> install @</a:t>
-            </a:r>
-            <a:r>
-              <a:rPr lang="en-US" dirty="0" smtClean="0">
-                <a:latin typeface="Source Code Pro Light" panose="020B0409030403020204" pitchFamily="49" charset="0"/>
-                <a:ea typeface="Source Code Pro Light" panose="020B0409030403020204" pitchFamily="49" charset="0"/>
-              </a:rPr>
-              <a:t>angular/</a:t>
-            </a:r>
-            <a:r>
-              <a:rPr lang="en-US" dirty="0" smtClean="0">
-                <a:latin typeface="Source Code Pro Light" panose="020B0409030403020204" pitchFamily="49" charset="0"/>
-                <a:ea typeface="Source Code Pro Light" panose="020B0409030403020204" pitchFamily="49" charset="0"/>
-              </a:rPr>
-              <a:t>animations@latest</a:t>
-            </a:r>
-            <a:endParaRPr lang="en-US" dirty="0" smtClean="0">
-              <a:latin typeface="Source Code Pro Light" panose="020B0409030403020204" pitchFamily="49" charset="0"/>
-              <a:ea typeface="Source Code Pro Light" panose="020B0409030403020204" pitchFamily="49" charset="0"/>
-            </a:endParaRPr>
+              <a:t>npm install -g typescript@'&gt;=2.4.2 &lt;2.5.0'</a:t>
+            </a:r>
+            <a:r>
+              <a:rPr lang="en-US" dirty="0"/>
+              <a:t>  </a:t>
+            </a:r>
           </a:p>
           <a:p>
             <a:r>
@@ -6380,11 +5929,14 @@
             <a:pPr lvl="1"/>
             <a:r>
               <a:rPr lang="en-US" dirty="0" smtClean="0"/>
-              <a:t>Depends on version of other tools and </a:t>
-            </a:r>
-            <a:r>
-              <a:rPr lang="en-US" dirty="0" smtClean="0"/>
-              <a:t>modules. </a:t>
+              <a:t>Depends on version of other developer tools/modules.</a:t>
+            </a:r>
+          </a:p>
+          <a:p>
+            <a:pPr lvl="2"/>
+            <a:r>
+              <a:rPr lang="en-US" dirty="0" smtClean="0"/>
+              <a:t>@angular/cli, @angular/compiler, @angular/compiler-cli, @angular/core</a:t>
             </a:r>
             <a:endParaRPr lang="en-US" dirty="0"/>
           </a:p>
@@ -6400,7 +5952,7 @@
               <a:rPr lang="en-US" dirty="0">
                 <a:hlinkClick r:id="rId2"/>
               </a:rPr>
-              <a:t>https://angular.io</a:t>
+              <a:t>https://www.typescriptlang.org</a:t>
             </a:r>
             <a:r>
               <a:rPr lang="en-US" dirty="0" smtClean="0">
@@ -6425,34 +5977,12 @@
               <a:rPr lang="en-US" dirty="0" smtClean="0">
                 <a:hlinkClick r:id="rId3"/>
               </a:rPr>
-              <a:t>angular.io/docs</a:t>
+              <a:t>www.typescriptlang.org/docs/home.html</a:t>
             </a:r>
             <a:r>
               <a:rPr lang="en-US" dirty="0" smtClean="0"/>
               <a:t> </a:t>
             </a:r>
-          </a:p>
-          <a:p>
-            <a:pPr lvl="1"/>
-            <a:r>
-              <a:rPr lang="en-US" dirty="0">
-                <a:hlinkClick r:id="rId4"/>
-              </a:rPr>
-              <a:t>https://</a:t>
-            </a:r>
-            <a:r>
-              <a:rPr lang="en-US" dirty="0" smtClean="0">
-                <a:hlinkClick r:id="rId4"/>
-              </a:rPr>
-              <a:t>angular.io/resources</a:t>
-            </a:r>
-            <a:r>
-              <a:rPr lang="en-US" dirty="0" smtClean="0"/>
-              <a:t> </a:t>
-            </a:r>
-          </a:p>
-          <a:p>
-            <a:pPr lvl="1"/>
             <a:endParaRPr lang="en-US" dirty="0"/>
           </a:p>
         </p:txBody>
@@ -6460,7 +5990,7 @@
     </p:spTree>
     <p:extLst>
       <p:ext uri="{BB962C8B-B14F-4D97-AF65-F5344CB8AC3E}">
-        <p14:creationId xmlns:p14="http://schemas.microsoft.com/office/powerpoint/2010/main" val="1679910760"/>
+        <p14:creationId xmlns:p14="http://schemas.microsoft.com/office/powerpoint/2010/main" val="1555115885"/>
       </p:ext>
     </p:extLst>
   </p:cSld>
@@ -6492,7 +6022,7 @@
           <p:cNvPr id="4" name="Title 3">
             <a:extLst>
               <a:ext uri="{FF2B5EF4-FFF2-40B4-BE49-F238E27FC236}">
-                <a16:creationId xmlns="" xmlns:a16="http://schemas.microsoft.com/office/drawing/2014/main" id="{3E230F53-2D0D-4EFF-8E00-331604A18311}"/>
+                <a16:creationId xmlns:a16="http://schemas.microsoft.com/office/drawing/2014/main" xmlns="" id="{3E230F53-2D0D-4EFF-8E00-331604A18311}"/>
               </a:ext>
             </a:extLst>
           </p:cNvPr>
@@ -6503,14 +6033,19 @@
             <p:ph type="title"/>
           </p:nvPr>
         </p:nvSpPr>
-        <p:spPr/>
-        <p:txBody>
-          <a:bodyPr/>
-          <a:lstStyle/>
-          <a:p>
-            <a:r>
-              <a:rPr lang="en-US" dirty="0"/>
-              <a:t>Angular CLI</a:t>
+        <p:spPr>
+          <a:xfrm>
+            <a:off x="646111" y="452718"/>
+            <a:ext cx="9404723" cy="713610"/>
+          </a:xfrm>
+        </p:spPr>
+        <p:txBody>
+          <a:bodyPr/>
+          <a:lstStyle/>
+          <a:p>
+            <a:r>
+              <a:rPr lang="en-US" dirty="0"/>
+              <a:t>Angular</a:t>
             </a:r>
           </a:p>
         </p:txBody>
@@ -6520,7 +6055,7 @@
           <p:cNvPr id="5" name="Content Placeholder 4">
             <a:extLst>
               <a:ext uri="{FF2B5EF4-FFF2-40B4-BE49-F238E27FC236}">
-                <a16:creationId xmlns="" xmlns:a16="http://schemas.microsoft.com/office/drawing/2014/main" id="{3EFFD75C-7858-4AEC-803B-D29EFE7AA938}"/>
+                <a16:creationId xmlns:a16="http://schemas.microsoft.com/office/drawing/2014/main" xmlns="" id="{3EFFD75C-7858-4AEC-803B-D29EFE7AA938}"/>
               </a:ext>
             </a:extLst>
           </p:cNvPr>
@@ -6531,9 +6066,16 @@
             <p:ph idx="1"/>
           </p:nvPr>
         </p:nvSpPr>
-        <p:spPr/>
-        <p:txBody>
-          <a:bodyPr/>
+        <p:spPr>
+          <a:xfrm>
+            <a:off x="646112" y="1166328"/>
+            <a:ext cx="9403742" cy="5082072"/>
+          </a:xfrm>
+        </p:spPr>
+        <p:txBody>
+          <a:bodyPr>
+            <a:normAutofit fontScale="77500" lnSpcReduction="20000"/>
+          </a:bodyPr>
           <a:lstStyle/>
           <a:p>
             <a:r>
@@ -6546,20 +6088,143 @@
             </a:r>
           </a:p>
           <a:p>
-            <a:pPr lvl="1"/>
-            <a:r>
-              <a:rPr lang="en-US" dirty="0" smtClean="0"/>
-              <a:t>npm</a:t>
-            </a:r>
-            <a:r>
-              <a:rPr lang="en-US" dirty="0" smtClean="0"/>
-              <a:t> install -g @</a:t>
-            </a:r>
-            <a:r>
-              <a:rPr lang="en-US" dirty="0" smtClean="0"/>
-              <a:t>angular-cli@latest</a:t>
-            </a:r>
-            <a:endParaRPr lang="en-US" dirty="0"/>
+            <a:pPr marL="457200" lvl="1" indent="0">
+              <a:buNone/>
+            </a:pPr>
+            <a:r>
+              <a:rPr lang="en-US" dirty="0">
+                <a:latin typeface="Source Code Pro Light" panose="020B0409030403020204" pitchFamily="49" charset="0"/>
+                <a:ea typeface="Source Code Pro Light" panose="020B0409030403020204" pitchFamily="49" charset="0"/>
+              </a:rPr>
+              <a:t>npm install @angular/common@latest </a:t>
+            </a:r>
+          </a:p>
+          <a:p>
+            <a:pPr marL="457200" lvl="1" indent="0">
+              <a:buNone/>
+            </a:pPr>
+            <a:r>
+              <a:rPr lang="en-US" dirty="0">
+                <a:latin typeface="Source Code Pro Light" panose="020B0409030403020204" pitchFamily="49" charset="0"/>
+                <a:ea typeface="Source Code Pro Light" panose="020B0409030403020204" pitchFamily="49" charset="0"/>
+              </a:rPr>
+              <a:t>npm install @angular/compiler@latest </a:t>
+            </a:r>
+          </a:p>
+          <a:p>
+            <a:pPr marL="457200" lvl="1" indent="0">
+              <a:buNone/>
+            </a:pPr>
+            <a:r>
+              <a:rPr lang="en-US" dirty="0">
+                <a:latin typeface="Source Code Pro Light" panose="020B0409030403020204" pitchFamily="49" charset="0"/>
+                <a:ea typeface="Source Code Pro Light" panose="020B0409030403020204" pitchFamily="49" charset="0"/>
+              </a:rPr>
+              <a:t>npm install @angular/compiler-cli@latest </a:t>
+            </a:r>
+          </a:p>
+          <a:p>
+            <a:pPr marL="457200" lvl="1" indent="0">
+              <a:buNone/>
+            </a:pPr>
+            <a:r>
+              <a:rPr lang="en-US" dirty="0">
+                <a:latin typeface="Source Code Pro Light" panose="020B0409030403020204" pitchFamily="49" charset="0"/>
+                <a:ea typeface="Source Code Pro Light" panose="020B0409030403020204" pitchFamily="49" charset="0"/>
+              </a:rPr>
+              <a:t>npm install @angular/core@latest </a:t>
+            </a:r>
+          </a:p>
+          <a:p>
+            <a:pPr marL="457200" lvl="1" indent="0">
+              <a:buNone/>
+            </a:pPr>
+            <a:r>
+              <a:rPr lang="en-US" dirty="0">
+                <a:latin typeface="Source Code Pro Light" panose="020B0409030403020204" pitchFamily="49" charset="0"/>
+                <a:ea typeface="Source Code Pro Light" panose="020B0409030403020204" pitchFamily="49" charset="0"/>
+              </a:rPr>
+              <a:t>npm install @angular/forms@latest </a:t>
+            </a:r>
+          </a:p>
+          <a:p>
+            <a:pPr marL="457200" lvl="1" indent="0">
+              <a:buNone/>
+            </a:pPr>
+            <a:r>
+              <a:rPr lang="en-US" dirty="0">
+                <a:latin typeface="Source Code Pro Light" panose="020B0409030403020204" pitchFamily="49" charset="0"/>
+                <a:ea typeface="Source Code Pro Light" panose="020B0409030403020204" pitchFamily="49" charset="0"/>
+              </a:rPr>
+              <a:t>npm install @angular/http@latest </a:t>
+            </a:r>
+          </a:p>
+          <a:p>
+            <a:pPr marL="457200" lvl="1" indent="0">
+              <a:buNone/>
+            </a:pPr>
+            <a:r>
+              <a:rPr lang="en-US" dirty="0">
+                <a:latin typeface="Source Code Pro Light" panose="020B0409030403020204" pitchFamily="49" charset="0"/>
+                <a:ea typeface="Source Code Pro Light" panose="020B0409030403020204" pitchFamily="49" charset="0"/>
+              </a:rPr>
+              <a:t>npm install @angular/platform-browser@latest </a:t>
+            </a:r>
+          </a:p>
+          <a:p>
+            <a:pPr marL="457200" lvl="1" indent="0">
+              <a:buNone/>
+            </a:pPr>
+            <a:r>
+              <a:rPr lang="en-US" dirty="0">
+                <a:latin typeface="Source Code Pro Light" panose="020B0409030403020204" pitchFamily="49" charset="0"/>
+                <a:ea typeface="Source Code Pro Light" panose="020B0409030403020204" pitchFamily="49" charset="0"/>
+              </a:rPr>
+              <a:t>npm install @angular/platform-browser-dynamic@latest </a:t>
+            </a:r>
+          </a:p>
+          <a:p>
+            <a:pPr marL="457200" lvl="1" indent="0">
+              <a:buNone/>
+            </a:pPr>
+            <a:r>
+              <a:rPr lang="en-US" dirty="0">
+                <a:latin typeface="Source Code Pro Light" panose="020B0409030403020204" pitchFamily="49" charset="0"/>
+                <a:ea typeface="Source Code Pro Light" panose="020B0409030403020204" pitchFamily="49" charset="0"/>
+              </a:rPr>
+              <a:t>npm install @angular/platform-server@latest </a:t>
+            </a:r>
+          </a:p>
+          <a:p>
+            <a:pPr marL="457200" lvl="1" indent="0">
+              <a:buNone/>
+            </a:pPr>
+            <a:r>
+              <a:rPr lang="en-US" dirty="0">
+                <a:latin typeface="Source Code Pro Light" panose="020B0409030403020204" pitchFamily="49" charset="0"/>
+                <a:ea typeface="Source Code Pro Light" panose="020B0409030403020204" pitchFamily="49" charset="0"/>
+              </a:rPr>
+              <a:t>npm install @angular/router@latest </a:t>
+            </a:r>
+          </a:p>
+          <a:p>
+            <a:pPr marL="457200" lvl="1" indent="0">
+              <a:buNone/>
+            </a:pPr>
+            <a:r>
+              <a:rPr lang="en-US" dirty="0">
+                <a:latin typeface="Source Code Pro Light" panose="020B0409030403020204" pitchFamily="49" charset="0"/>
+                <a:ea typeface="Source Code Pro Light" panose="020B0409030403020204" pitchFamily="49" charset="0"/>
+              </a:rPr>
+              <a:t>npm install @</a:t>
+            </a:r>
+            <a:r>
+              <a:rPr lang="en-US" dirty="0" smtClean="0">
+                <a:latin typeface="Source Code Pro Light" panose="020B0409030403020204" pitchFamily="49" charset="0"/>
+                <a:ea typeface="Source Code Pro Light" panose="020B0409030403020204" pitchFamily="49" charset="0"/>
+              </a:rPr>
+              <a:t>angular/animations@latest</a:t>
+            </a:r>
           </a:p>
           <a:p>
             <a:r>
@@ -6571,7 +6236,7 @@
             <a:pPr lvl="1"/>
             <a:r>
               <a:rPr lang="en-US" dirty="0" smtClean="0"/>
-              <a:t>Depends on version of other tools and modules.</a:t>
+              <a:t>Depends on version of other tools and modules. </a:t>
             </a:r>
             <a:endParaRPr lang="en-US" dirty="0"/>
           </a:p>
@@ -6587,7 +6252,7 @@
               <a:rPr lang="en-US" dirty="0">
                 <a:hlinkClick r:id="rId2"/>
               </a:rPr>
-              <a:t>https://cli.angular.io</a:t>
+              <a:t>https://angular.io</a:t>
             </a:r>
             <a:r>
               <a:rPr lang="en-US" dirty="0" smtClean="0">
@@ -6602,6 +6267,44 @@
           </a:p>
           <a:p>
             <a:pPr lvl="1"/>
+            <a:r>
+              <a:rPr lang="en-US" dirty="0">
+                <a:hlinkClick r:id="rId3"/>
+              </a:rPr>
+              <a:t>https://</a:t>
+            </a:r>
+            <a:r>
+              <a:rPr lang="en-US" dirty="0" smtClean="0">
+                <a:hlinkClick r:id="rId3"/>
+              </a:rPr>
+              <a:t>angular.io/docs</a:t>
+            </a:r>
+            <a:r>
+              <a:rPr lang="en-US" dirty="0" smtClean="0"/>
+              <a:t> </a:t>
+            </a:r>
+          </a:p>
+          <a:p>
+            <a:pPr lvl="1"/>
+            <a:r>
+              <a:rPr lang="en-US" dirty="0">
+                <a:hlinkClick r:id="rId4"/>
+              </a:rPr>
+              <a:t>https://</a:t>
+            </a:r>
+            <a:r>
+              <a:rPr lang="en-US" dirty="0" smtClean="0">
+                <a:hlinkClick r:id="rId4"/>
+              </a:rPr>
+              <a:t>angular.io/resources</a:t>
+            </a:r>
+            <a:r>
+              <a:rPr lang="en-US" dirty="0" smtClean="0"/>
+              <a:t> </a:t>
+            </a:r>
+          </a:p>
+          <a:p>
+            <a:pPr lvl="1"/>
             <a:endParaRPr lang="en-US" dirty="0"/>
           </a:p>
         </p:txBody>
@@ -6609,7 +6312,7 @@
     </p:spTree>
     <p:extLst>
       <p:ext uri="{BB962C8B-B14F-4D97-AF65-F5344CB8AC3E}">
-        <p14:creationId xmlns:p14="http://schemas.microsoft.com/office/powerpoint/2010/main" val="571711537"/>
+        <p14:creationId xmlns:p14="http://schemas.microsoft.com/office/powerpoint/2010/main" val="1679910760"/>
       </p:ext>
     </p:extLst>
   </p:cSld>
@@ -6641,7 +6344,7 @@
           <p:cNvPr id="4" name="Title 3">
             <a:extLst>
               <a:ext uri="{FF2B5EF4-FFF2-40B4-BE49-F238E27FC236}">
-                <a16:creationId xmlns="" xmlns:a16="http://schemas.microsoft.com/office/drawing/2014/main" id="{999890AD-33FC-4E97-9C1F-83E93FA36614}"/>
+                <a16:creationId xmlns:a16="http://schemas.microsoft.com/office/drawing/2014/main" xmlns="" id="{3E230F53-2D0D-4EFF-8E00-331604A18311}"/>
               </a:ext>
             </a:extLst>
           </p:cNvPr>
@@ -6659,17 +6362,17 @@
           <a:p>
             <a:r>
               <a:rPr lang="en-US" dirty="0"/>
-              <a:t>Technical Implementation</a:t>
-            </a:r>
-          </a:p>
-        </p:txBody>
-      </p:sp>
-      <p:sp>
-        <p:nvSpPr>
-          <p:cNvPr id="5" name="Text Placeholder 4">
+              <a:t>Angular CLI</a:t>
+            </a:r>
+          </a:p>
+        </p:txBody>
+      </p:sp>
+      <p:sp>
+        <p:nvSpPr>
+          <p:cNvPr id="5" name="Content Placeholder 4">
             <a:extLst>
               <a:ext uri="{FF2B5EF4-FFF2-40B4-BE49-F238E27FC236}">
-                <a16:creationId xmlns="" xmlns:a16="http://schemas.microsoft.com/office/drawing/2014/main" id="{0F430FFA-0992-4903-A2FD-8C7CC4F490CF}"/>
+                <a16:creationId xmlns:a16="http://schemas.microsoft.com/office/drawing/2014/main" xmlns="" id="{3EFFD75C-7858-4AEC-803B-D29EFE7AA938}"/>
               </a:ext>
             </a:extLst>
           </p:cNvPr>
@@ -6677,25 +6380,80 @@
             <a:spLocks noGrp="1"/>
           </p:cNvSpPr>
           <p:nvPr>
-            <p:ph type="body" idx="1"/>
-          </p:nvPr>
-        </p:nvSpPr>
-        <p:spPr/>
-        <p:txBody>
-          <a:bodyPr/>
-          <a:lstStyle/>
-          <a:p>
-            <a:r>
-              <a:rPr lang="en-US" dirty="0"/>
-              <a:t>Setup &amp; Configuration</a:t>
-            </a:r>
+            <p:ph idx="1"/>
+          </p:nvPr>
+        </p:nvSpPr>
+        <p:spPr/>
+        <p:txBody>
+          <a:bodyPr/>
+          <a:lstStyle/>
+          <a:p>
+            <a:r>
+              <a:rPr lang="en-US" dirty="0"/>
+              <a:t>Where to get it</a:t>
+            </a:r>
+            <a:r>
+              <a:rPr lang="en-US" dirty="0" smtClean="0"/>
+              <a:t>?</a:t>
+            </a:r>
+          </a:p>
+          <a:p>
+            <a:pPr lvl="1"/>
+            <a:r>
+              <a:rPr lang="en-US" dirty="0" smtClean="0"/>
+              <a:t>npm install -g @angular-cli@latest</a:t>
+            </a:r>
+            <a:endParaRPr lang="en-US" dirty="0"/>
+          </a:p>
+          <a:p>
+            <a:r>
+              <a:rPr lang="en-US" dirty="0" smtClean="0"/>
+              <a:t>Version</a:t>
+            </a:r>
+          </a:p>
+          <a:p>
+            <a:pPr lvl="1"/>
+            <a:r>
+              <a:rPr lang="en-US" dirty="0" smtClean="0"/>
+              <a:t>Depends on version of other tools and modules.</a:t>
+            </a:r>
+            <a:endParaRPr lang="en-US" dirty="0"/>
+          </a:p>
+          <a:p>
+            <a:r>
+              <a:rPr lang="en-US" dirty="0" smtClean="0"/>
+              <a:t>Resources</a:t>
+            </a:r>
+          </a:p>
+          <a:p>
+            <a:pPr lvl="1"/>
+            <a:r>
+              <a:rPr lang="en-US" dirty="0">
+                <a:hlinkClick r:id="rId2"/>
+              </a:rPr>
+              <a:t>https://cli.angular.io</a:t>
+            </a:r>
+            <a:r>
+              <a:rPr lang="en-US" dirty="0" smtClean="0">
+                <a:hlinkClick r:id="rId2"/>
+              </a:rPr>
+              <a:t>/</a:t>
+            </a:r>
+            <a:r>
+              <a:rPr lang="en-US" dirty="0" smtClean="0"/>
+              <a:t> </a:t>
+            </a:r>
+          </a:p>
+          <a:p>
+            <a:pPr lvl="1"/>
+            <a:endParaRPr lang="en-US" dirty="0"/>
           </a:p>
         </p:txBody>
       </p:sp>
     </p:spTree>
     <p:extLst>
       <p:ext uri="{BB962C8B-B14F-4D97-AF65-F5344CB8AC3E}">
-        <p14:creationId xmlns:p14="http://schemas.microsoft.com/office/powerpoint/2010/main" val="3755858668"/>
+        <p14:creationId xmlns:p14="http://schemas.microsoft.com/office/powerpoint/2010/main" val="571711537"/>
       </p:ext>
     </p:extLst>
   </p:cSld>
@@ -6724,10 +6482,10 @@
       </p:grpSpPr>
       <p:sp>
         <p:nvSpPr>
-          <p:cNvPr id="2" name="Title 1">
+          <p:cNvPr id="4" name="Title 3">
             <a:extLst>
               <a:ext uri="{FF2B5EF4-FFF2-40B4-BE49-F238E27FC236}">
-                <a16:creationId xmlns="" xmlns:a16="http://schemas.microsoft.com/office/drawing/2014/main" id="{C01E7584-6162-4CF3-91C8-8324E2B7F32A}"/>
+                <a16:creationId xmlns:a16="http://schemas.microsoft.com/office/drawing/2014/main" xmlns="" id="{C0E3640D-AE30-42D6-ADDA-E7B07A4BCDCE}"/>
               </a:ext>
             </a:extLst>
           </p:cNvPr>
@@ -6745,17 +6503,18 @@
           <a:p>
             <a:r>
               <a:rPr lang="en-US" dirty="0"/>
-              <a:t>Introduction</a:t>
-            </a:r>
-          </a:p>
-        </p:txBody>
-      </p:sp>
-      <p:sp>
-        <p:nvSpPr>
-          <p:cNvPr id="3" name="Text Placeholder 2">
+              <a:t>Presentation, Code Samples and Resources</a:t>
+            </a:r>
+            <a:endParaRPr lang="en-US" dirty="0"/>
+          </a:p>
+        </p:txBody>
+      </p:sp>
+      <p:sp>
+        <p:nvSpPr>
+          <p:cNvPr id="5" name="Content Placeholder 4">
             <a:extLst>
               <a:ext uri="{FF2B5EF4-FFF2-40B4-BE49-F238E27FC236}">
-                <a16:creationId xmlns="" xmlns:a16="http://schemas.microsoft.com/office/drawing/2014/main" id="{B191F7E8-FCE9-4FEE-9350-83E92CCE9081}"/>
+                <a16:creationId xmlns:a16="http://schemas.microsoft.com/office/drawing/2014/main" xmlns="" id="{8AA6C605-8DAC-47E1-A59C-D2C532AA1BB7}"/>
               </a:ext>
             </a:extLst>
           </p:cNvPr>
@@ -6763,14 +6522,68 @@
             <a:spLocks noGrp="1"/>
           </p:cNvSpPr>
           <p:nvPr>
-            <p:ph type="body" idx="1"/>
-          </p:nvPr>
-        </p:nvSpPr>
-        <p:spPr/>
-        <p:txBody>
-          <a:bodyPr/>
-          <a:lstStyle/>
-          <a:p>
+            <p:ph idx="1"/>
+          </p:nvPr>
+        </p:nvSpPr>
+        <p:spPr/>
+        <p:txBody>
+          <a:bodyPr/>
+          <a:lstStyle/>
+          <a:p>
+            <a:r>
+              <a:rPr lang="en-US" dirty="0" smtClean="0">
+                <a:hlinkClick r:id="rId2"/>
+              </a:rPr>
+              <a:t>https</a:t>
+            </a:r>
+            <a:r>
+              <a:rPr lang="en-US" dirty="0">
+                <a:hlinkClick r:id="rId2"/>
+              </a:rPr>
+              <a:t>://</a:t>
+            </a:r>
+            <a:r>
+              <a:rPr lang="en-US" dirty="0" smtClean="0">
+                <a:hlinkClick r:id="rId2"/>
+              </a:rPr>
+              <a:t>github.com/buildmotion/</a:t>
+            </a:r>
+            <a:r>
+              <a:rPr lang="en-US" b="1" dirty="0" smtClean="0">
+                <a:hlinkClick r:id="rId2"/>
+              </a:rPr>
+              <a:t>custom-angular-modules</a:t>
+            </a:r>
+            <a:endParaRPr lang="en-US" b="1" dirty="0" smtClean="0"/>
+          </a:p>
+          <a:p>
+            <a:pPr lvl="1"/>
+            <a:r>
+              <a:rPr lang="en-US" dirty="0" smtClean="0"/>
+              <a:t>Custom Angular Module</a:t>
+            </a:r>
+          </a:p>
+          <a:p>
+            <a:pPr lvl="1"/>
+            <a:r>
+              <a:rPr lang="en-US" dirty="0" smtClean="0"/>
+              <a:t>(2) client Angular applications using different versions of the module.</a:t>
+            </a:r>
+          </a:p>
+          <a:p>
+            <a:pPr lvl="1"/>
+            <a:r>
+              <a:rPr lang="en-US" dirty="0" err="1" smtClean="0"/>
+              <a:t>Powerpoint</a:t>
+            </a:r>
+            <a:r>
+              <a:rPr lang="en-US" dirty="0" smtClean="0"/>
+              <a:t> Presentation</a:t>
+            </a:r>
+            <a:r>
+              <a:rPr lang="en-US" dirty="0" smtClean="0"/>
+              <a:t> </a:t>
+            </a:r>
             <a:endParaRPr lang="en-US" dirty="0"/>
           </a:p>
         </p:txBody>
@@ -6778,7 +6591,7 @@
     </p:spTree>
     <p:extLst>
       <p:ext uri="{BB962C8B-B14F-4D97-AF65-F5344CB8AC3E}">
-        <p14:creationId xmlns:p14="http://schemas.microsoft.com/office/powerpoint/2010/main" val="1152858301"/>
+        <p14:creationId xmlns:p14="http://schemas.microsoft.com/office/powerpoint/2010/main" val="3789029041"/>
       </p:ext>
     </p:extLst>
   </p:cSld>
@@ -6817,7 +6630,7 @@
           <p:cNvPr id="4" name="Title 3">
             <a:extLst>
               <a:ext uri="{FF2B5EF4-FFF2-40B4-BE49-F238E27FC236}">
-                <a16:creationId xmlns="" xmlns:a16="http://schemas.microsoft.com/office/drawing/2014/main" id="{66F5644F-14CD-4425-A5B2-6EE30E0262C1}"/>
+                <a16:creationId xmlns:a16="http://schemas.microsoft.com/office/drawing/2014/main" xmlns="" id="{999890AD-33FC-4E97-9C1F-83E93FA36614}"/>
               </a:ext>
             </a:extLst>
           </p:cNvPr>
@@ -6834,19 +6647,18 @@
           <a:lstStyle/>
           <a:p>
             <a:r>
-              <a:rPr lang="en-US" dirty="0" smtClean="0"/>
-              <a:t>Configuration Files</a:t>
-            </a:r>
-            <a:endParaRPr lang="en-US" dirty="0"/>
-          </a:p>
-        </p:txBody>
-      </p:sp>
-      <p:sp>
-        <p:nvSpPr>
-          <p:cNvPr id="5" name="Content Placeholder 4">
+              <a:rPr lang="en-US" dirty="0"/>
+              <a:t>Technical Implementation</a:t>
+            </a:r>
+          </a:p>
+        </p:txBody>
+      </p:sp>
+      <p:sp>
+        <p:nvSpPr>
+          <p:cNvPr id="5" name="Text Placeholder 4">
             <a:extLst>
               <a:ext uri="{FF2B5EF4-FFF2-40B4-BE49-F238E27FC236}">
-                <a16:creationId xmlns="" xmlns:a16="http://schemas.microsoft.com/office/drawing/2014/main" id="{6A78D9AA-632B-4F96-AD54-89956BA9B46C}"/>
+                <a16:creationId xmlns:a16="http://schemas.microsoft.com/office/drawing/2014/main" xmlns="" id="{0F430FFA-0992-4903-A2FD-8C7CC4F490CF}"/>
               </a:ext>
             </a:extLst>
           </p:cNvPr>
@@ -6854,94 +6666,17 @@
             <a:spLocks noGrp="1"/>
           </p:cNvSpPr>
           <p:nvPr>
-            <p:ph sz="half" idx="1"/>
-          </p:nvPr>
-        </p:nvSpPr>
-        <p:spPr/>
-        <p:txBody>
-          <a:bodyPr/>
-          <a:lstStyle/>
-          <a:p>
-            <a:r>
-              <a:rPr lang="en-US" dirty="0" err="1" smtClean="0"/>
-              <a:t>package.json</a:t>
-            </a:r>
-            <a:endParaRPr lang="en-US" dirty="0" smtClean="0"/>
-          </a:p>
-          <a:p>
-            <a:r>
-              <a:rPr lang="en-US" dirty="0" err="1" smtClean="0"/>
-              <a:t>tsconfig.json</a:t>
-            </a:r>
-            <a:endParaRPr lang="en-US" dirty="0" smtClean="0"/>
-          </a:p>
-          <a:p>
-            <a:r>
-              <a:rPr lang="en-US" dirty="0" smtClean="0"/>
-              <a:t>angular-</a:t>
-            </a:r>
-            <a:r>
-              <a:rPr lang="en-US" dirty="0" err="1" smtClean="0"/>
-              <a:t>cli.json</a:t>
-            </a:r>
-            <a:endParaRPr lang="en-US" dirty="0" smtClean="0"/>
-          </a:p>
-          <a:p>
-            <a:r>
-              <a:rPr lang="en-US" dirty="0" smtClean="0"/>
-              <a:t>rollup.config.js (optional)</a:t>
-            </a:r>
-          </a:p>
-          <a:p>
-            <a:endParaRPr lang="en-US" dirty="0" smtClean="0"/>
-          </a:p>
-          <a:p>
-            <a:endParaRPr lang="en-US" dirty="0"/>
-          </a:p>
-        </p:txBody>
-      </p:sp>
-      <p:sp>
-        <p:nvSpPr>
-          <p:cNvPr id="2" name="Content Placeholder 1"/>
-          <p:cNvSpPr>
-            <a:spLocks noGrp="1"/>
-          </p:cNvSpPr>
-          <p:nvPr>
-            <p:ph sz="half" idx="2"/>
-          </p:nvPr>
-        </p:nvSpPr>
-        <p:spPr/>
-        <p:txBody>
-          <a:bodyPr/>
-          <a:lstStyle/>
-          <a:p>
-            <a:r>
-              <a:rPr lang="en-US" dirty="0" err="1" smtClean="0"/>
-              <a:t>package.json</a:t>
-            </a:r>
-            <a:r>
-              <a:rPr lang="en-US" dirty="0" smtClean="0"/>
-              <a:t> (</a:t>
-            </a:r>
-            <a:r>
-              <a:rPr lang="en-US" dirty="0" err="1" smtClean="0"/>
-              <a:t>dist</a:t>
-            </a:r>
-            <a:r>
-              <a:rPr lang="en-US" dirty="0" smtClean="0"/>
-              <a:t>)</a:t>
-            </a:r>
-          </a:p>
-          <a:p>
-            <a:r>
-              <a:rPr lang="en-US" dirty="0" smtClean="0"/>
-              <a:t>License</a:t>
-            </a:r>
-          </a:p>
-          <a:p>
-            <a:r>
-              <a:rPr lang="en-US" dirty="0" smtClean="0"/>
-              <a:t>README.md</a:t>
+            <p:ph type="body" idx="1"/>
+          </p:nvPr>
+        </p:nvSpPr>
+        <p:spPr/>
+        <p:txBody>
+          <a:bodyPr/>
+          <a:lstStyle/>
+          <a:p>
+            <a:r>
+              <a:rPr lang="en-US" dirty="0"/>
+              <a:t>Setup &amp; Configuration</a:t>
             </a:r>
           </a:p>
         </p:txBody>
@@ -6949,7 +6684,7 @@
     </p:spTree>
     <p:extLst>
       <p:ext uri="{BB962C8B-B14F-4D97-AF65-F5344CB8AC3E}">
-        <p14:creationId xmlns:p14="http://schemas.microsoft.com/office/powerpoint/2010/main" val="192369922"/>
+        <p14:creationId xmlns:p14="http://schemas.microsoft.com/office/powerpoint/2010/main" val="3755858668"/>
       </p:ext>
     </p:extLst>
   </p:cSld>
@@ -6981,7 +6716,7 @@
           <p:cNvPr id="4" name="Title 3">
             <a:extLst>
               <a:ext uri="{FF2B5EF4-FFF2-40B4-BE49-F238E27FC236}">
-                <a16:creationId xmlns="" xmlns:a16="http://schemas.microsoft.com/office/drawing/2014/main" id="{6821C0E8-5FB4-4A13-84E8-B97446B9A03E}"/>
+                <a16:creationId xmlns:a16="http://schemas.microsoft.com/office/drawing/2014/main" xmlns="" id="{66F5644F-14CD-4425-A5B2-6EE30E0262C1}"/>
               </a:ext>
             </a:extLst>
           </p:cNvPr>
@@ -6998,18 +6733,19 @@
           <a:lstStyle/>
           <a:p>
             <a:r>
-              <a:rPr lang="en-US" dirty="0"/>
-              <a:t>Technical Implementation	</a:t>
-            </a:r>
-          </a:p>
-        </p:txBody>
-      </p:sp>
-      <p:sp>
-        <p:nvSpPr>
-          <p:cNvPr id="5" name="Text Placeholder 4">
+              <a:rPr lang="en-US" dirty="0" smtClean="0"/>
+              <a:t>Configuration Files</a:t>
+            </a:r>
+            <a:endParaRPr lang="en-US" dirty="0"/>
+          </a:p>
+        </p:txBody>
+      </p:sp>
+      <p:sp>
+        <p:nvSpPr>
+          <p:cNvPr id="5" name="Content Placeholder 4">
             <a:extLst>
               <a:ext uri="{FF2B5EF4-FFF2-40B4-BE49-F238E27FC236}">
-                <a16:creationId xmlns="" xmlns:a16="http://schemas.microsoft.com/office/drawing/2014/main" id="{97F5DDD0-BEF2-4344-A9CE-64210FFCF52A}"/>
+                <a16:creationId xmlns:a16="http://schemas.microsoft.com/office/drawing/2014/main" xmlns="" id="{6A78D9AA-632B-4F96-AD54-89956BA9B46C}"/>
               </a:ext>
             </a:extLst>
           </p:cNvPr>
@@ -7017,17 +6753,94 @@
             <a:spLocks noGrp="1"/>
           </p:cNvSpPr>
           <p:nvPr>
-            <p:ph type="body" idx="1"/>
-          </p:nvPr>
-        </p:nvSpPr>
-        <p:spPr/>
-        <p:txBody>
-          <a:bodyPr/>
-          <a:lstStyle/>
-          <a:p>
-            <a:r>
-              <a:rPr lang="en-US" dirty="0"/>
-              <a:t>Module Contents</a:t>
+            <p:ph sz="half" idx="1"/>
+          </p:nvPr>
+        </p:nvSpPr>
+        <p:spPr/>
+        <p:txBody>
+          <a:bodyPr/>
+          <a:lstStyle/>
+          <a:p>
+            <a:r>
+              <a:rPr lang="en-US" dirty="0" err="1" smtClean="0"/>
+              <a:t>package.json</a:t>
+            </a:r>
+            <a:endParaRPr lang="en-US" dirty="0" smtClean="0"/>
+          </a:p>
+          <a:p>
+            <a:r>
+              <a:rPr lang="en-US" dirty="0" err="1" smtClean="0"/>
+              <a:t>tsconfig.json</a:t>
+            </a:r>
+            <a:endParaRPr lang="en-US" dirty="0" smtClean="0"/>
+          </a:p>
+          <a:p>
+            <a:r>
+              <a:rPr lang="en-US" dirty="0" smtClean="0"/>
+              <a:t>angular-</a:t>
+            </a:r>
+            <a:r>
+              <a:rPr lang="en-US" dirty="0" err="1" smtClean="0"/>
+              <a:t>cli.json</a:t>
+            </a:r>
+            <a:endParaRPr lang="en-US" dirty="0" smtClean="0"/>
+          </a:p>
+          <a:p>
+            <a:r>
+              <a:rPr lang="en-US" dirty="0" smtClean="0"/>
+              <a:t>rollup.config.js (optional)</a:t>
+            </a:r>
+          </a:p>
+          <a:p>
+            <a:endParaRPr lang="en-US" dirty="0" smtClean="0"/>
+          </a:p>
+          <a:p>
+            <a:endParaRPr lang="en-US" dirty="0"/>
+          </a:p>
+        </p:txBody>
+      </p:sp>
+      <p:sp>
+        <p:nvSpPr>
+          <p:cNvPr id="2" name="Content Placeholder 1"/>
+          <p:cNvSpPr>
+            <a:spLocks noGrp="1"/>
+          </p:cNvSpPr>
+          <p:nvPr>
+            <p:ph sz="half" idx="2"/>
+          </p:nvPr>
+        </p:nvSpPr>
+        <p:spPr/>
+        <p:txBody>
+          <a:bodyPr/>
+          <a:lstStyle/>
+          <a:p>
+            <a:r>
+              <a:rPr lang="en-US" dirty="0" err="1" smtClean="0"/>
+              <a:t>package.json</a:t>
+            </a:r>
+            <a:r>
+              <a:rPr lang="en-US" dirty="0" smtClean="0"/>
+              <a:t> (</a:t>
+            </a:r>
+            <a:r>
+              <a:rPr lang="en-US" dirty="0" err="1" smtClean="0"/>
+              <a:t>dist</a:t>
+            </a:r>
+            <a:r>
+              <a:rPr lang="en-US" dirty="0" smtClean="0"/>
+              <a:t>)</a:t>
+            </a:r>
+          </a:p>
+          <a:p>
+            <a:r>
+              <a:rPr lang="en-US" dirty="0" smtClean="0"/>
+              <a:t>License</a:t>
+            </a:r>
+          </a:p>
+          <a:p>
+            <a:r>
+              <a:rPr lang="en-US" dirty="0" smtClean="0"/>
+              <a:t>README.md</a:t>
             </a:r>
           </a:p>
         </p:txBody>
@@ -7035,7 +6848,7 @@
     </p:spTree>
     <p:extLst>
       <p:ext uri="{BB962C8B-B14F-4D97-AF65-F5344CB8AC3E}">
-        <p14:creationId xmlns:p14="http://schemas.microsoft.com/office/powerpoint/2010/main" val="684225965"/>
+        <p14:creationId xmlns:p14="http://schemas.microsoft.com/office/powerpoint/2010/main" val="192369922"/>
       </p:ext>
     </p:extLst>
   </p:cSld>
@@ -7067,7 +6880,7 @@
           <p:cNvPr id="4" name="Title 3">
             <a:extLst>
               <a:ext uri="{FF2B5EF4-FFF2-40B4-BE49-F238E27FC236}">
-                <a16:creationId xmlns="" xmlns:a16="http://schemas.microsoft.com/office/drawing/2014/main" id="{C943650F-8A0B-411E-9899-253298EA3D16}"/>
+                <a16:creationId xmlns:a16="http://schemas.microsoft.com/office/drawing/2014/main" xmlns="" id="{6821C0E8-5FB4-4A13-84E8-B97446B9A03E}"/>
               </a:ext>
             </a:extLst>
           </p:cNvPr>
@@ -7084,19 +6897,18 @@
           <a:lstStyle/>
           <a:p>
             <a:r>
-              <a:rPr lang="en-US" dirty="0" smtClean="0"/>
-              <a:t>Module Contents</a:t>
-            </a:r>
-            <a:endParaRPr lang="en-US" dirty="0"/>
-          </a:p>
-        </p:txBody>
-      </p:sp>
-      <p:sp>
-        <p:nvSpPr>
-          <p:cNvPr id="5" name="Content Placeholder 4">
+              <a:rPr lang="en-US" dirty="0"/>
+              <a:t>Technical Implementation	</a:t>
+            </a:r>
+          </a:p>
+        </p:txBody>
+      </p:sp>
+      <p:sp>
+        <p:nvSpPr>
+          <p:cNvPr id="5" name="Text Placeholder 4">
             <a:extLst>
               <a:ext uri="{FF2B5EF4-FFF2-40B4-BE49-F238E27FC236}">
-                <a16:creationId xmlns="" xmlns:a16="http://schemas.microsoft.com/office/drawing/2014/main" id="{2526D77F-CCDA-4DFB-A82A-B74667A1E524}"/>
+                <a16:creationId xmlns:a16="http://schemas.microsoft.com/office/drawing/2014/main" xmlns="" id="{97F5DDD0-BEF2-4344-A9CE-64210FFCF52A}"/>
               </a:ext>
             </a:extLst>
           </p:cNvPr>
@@ -7104,76 +6916,25 @@
             <a:spLocks noGrp="1"/>
           </p:cNvSpPr>
           <p:nvPr>
-            <p:ph idx="1"/>
-          </p:nvPr>
-        </p:nvSpPr>
-        <p:spPr/>
-        <p:txBody>
-          <a:bodyPr/>
-          <a:lstStyle/>
-          <a:p>
-            <a:r>
-              <a:rPr lang="en-US" dirty="0" err="1" smtClean="0"/>
-              <a:t>index.ts</a:t>
-            </a:r>
-            <a:endParaRPr lang="en-US" dirty="0" smtClean="0"/>
-          </a:p>
-          <a:p>
-            <a:pPr lvl="1"/>
-            <a:r>
-              <a:rPr lang="en-US" dirty="0" smtClean="0"/>
-              <a:t>Entry point to the Angular Module</a:t>
-            </a:r>
-          </a:p>
-          <a:p>
-            <a:pPr lvl="1"/>
-            <a:r>
-              <a:rPr lang="en-US" dirty="0" smtClean="0"/>
-              <a:t>Exports all members that are pu</a:t>
-            </a:r>
-            <a:r>
-              <a:rPr lang="en-US" dirty="0" smtClean="0"/>
-              <a:t>blic</a:t>
-            </a:r>
-          </a:p>
-          <a:p>
-            <a:pPr lvl="1"/>
-            <a:r>
-              <a:rPr lang="en-US" dirty="0" smtClean="0"/>
-              <a:t>Contain at the minimum an export of your module.</a:t>
-            </a:r>
-          </a:p>
-          <a:p>
-            <a:r>
-              <a:rPr lang="en-US" dirty="0" smtClean="0"/>
-              <a:t>&lt;YOUR_CUSTOM&gt;.</a:t>
-            </a:r>
-            <a:r>
-              <a:rPr lang="en-US" dirty="0" err="1" smtClean="0"/>
-              <a:t>module.ts</a:t>
-            </a:r>
-            <a:endParaRPr lang="en-US" dirty="0" smtClean="0"/>
-          </a:p>
-          <a:p>
-            <a:pPr lvl="1"/>
-            <a:r>
-              <a:rPr lang="en-US" dirty="0" smtClean="0"/>
-              <a:t>Angular Example: </a:t>
-            </a:r>
-            <a:r>
-              <a:rPr lang="en-US" dirty="0" err="1" smtClean="0">
-                <a:hlinkClick r:id="rId2"/>
-              </a:rPr>
-              <a:t>HttpModule</a:t>
-            </a:r>
-            <a:endParaRPr lang="en-US" dirty="0"/>
+            <p:ph type="body" idx="1"/>
+          </p:nvPr>
+        </p:nvSpPr>
+        <p:spPr/>
+        <p:txBody>
+          <a:bodyPr/>
+          <a:lstStyle/>
+          <a:p>
+            <a:r>
+              <a:rPr lang="en-US" dirty="0"/>
+              <a:t>Module Contents</a:t>
+            </a:r>
           </a:p>
         </p:txBody>
       </p:sp>
     </p:spTree>
     <p:extLst>
       <p:ext uri="{BB962C8B-B14F-4D97-AF65-F5344CB8AC3E}">
-        <p14:creationId xmlns:p14="http://schemas.microsoft.com/office/powerpoint/2010/main" val="3565863648"/>
+        <p14:creationId xmlns:p14="http://schemas.microsoft.com/office/powerpoint/2010/main" val="684225965"/>
       </p:ext>
     </p:extLst>
   </p:cSld>
@@ -7205,7 +6966,7 @@
           <p:cNvPr id="4" name="Title 3">
             <a:extLst>
               <a:ext uri="{FF2B5EF4-FFF2-40B4-BE49-F238E27FC236}">
-                <a16:creationId xmlns="" xmlns:a16="http://schemas.microsoft.com/office/drawing/2014/main" id="{86A18ADF-27A3-4A17-9A6E-E00A078AFB61}"/>
+                <a16:creationId xmlns:a16="http://schemas.microsoft.com/office/drawing/2014/main" xmlns="" id="{C943650F-8A0B-411E-9899-253298EA3D16}"/>
               </a:ext>
             </a:extLst>
           </p:cNvPr>
@@ -7222,18 +6983,19 @@
           <a:lstStyle/>
           <a:p>
             <a:r>
-              <a:rPr lang="en-US" dirty="0"/>
-              <a:t>Build Process</a:t>
-            </a:r>
-          </a:p>
-        </p:txBody>
-      </p:sp>
-      <p:sp>
-        <p:nvSpPr>
-          <p:cNvPr id="5" name="Text Placeholder 4">
+              <a:rPr lang="en-US" dirty="0" smtClean="0"/>
+              <a:t>Module Contents</a:t>
+            </a:r>
+            <a:endParaRPr lang="en-US" dirty="0"/>
+          </a:p>
+        </p:txBody>
+      </p:sp>
+      <p:sp>
+        <p:nvSpPr>
+          <p:cNvPr id="5" name="Content Placeholder 4">
             <a:extLst>
               <a:ext uri="{FF2B5EF4-FFF2-40B4-BE49-F238E27FC236}">
-                <a16:creationId xmlns="" xmlns:a16="http://schemas.microsoft.com/office/drawing/2014/main" id="{FDA695AC-479D-4307-97CE-4F297E9330FD}"/>
+                <a16:creationId xmlns:a16="http://schemas.microsoft.com/office/drawing/2014/main" xmlns="" id="{2526D77F-CCDA-4DFB-A82A-B74667A1E524}"/>
               </a:ext>
             </a:extLst>
           </p:cNvPr>
@@ -7241,14 +7003,64 @@
             <a:spLocks noGrp="1"/>
           </p:cNvSpPr>
           <p:nvPr>
-            <p:ph type="body" idx="1"/>
-          </p:nvPr>
-        </p:nvSpPr>
-        <p:spPr/>
-        <p:txBody>
-          <a:bodyPr/>
-          <a:lstStyle/>
-          <a:p>
+            <p:ph idx="1"/>
+          </p:nvPr>
+        </p:nvSpPr>
+        <p:spPr/>
+        <p:txBody>
+          <a:bodyPr/>
+          <a:lstStyle/>
+          <a:p>
+            <a:r>
+              <a:rPr lang="en-US" dirty="0" err="1" smtClean="0"/>
+              <a:t>index.ts</a:t>
+            </a:r>
+            <a:endParaRPr lang="en-US" dirty="0" smtClean="0"/>
+          </a:p>
+          <a:p>
+            <a:pPr lvl="1"/>
+            <a:r>
+              <a:rPr lang="en-US" dirty="0" smtClean="0"/>
+              <a:t>Entry point to the Angular Module</a:t>
+            </a:r>
+          </a:p>
+          <a:p>
+            <a:pPr lvl="1"/>
+            <a:r>
+              <a:rPr lang="en-US" dirty="0" smtClean="0"/>
+              <a:t>Exports all members that are public</a:t>
+            </a:r>
+          </a:p>
+          <a:p>
+            <a:pPr lvl="1"/>
+            <a:r>
+              <a:rPr lang="en-US" dirty="0" smtClean="0"/>
+              <a:t>Contain at the minimum an export of your module.</a:t>
+            </a:r>
+          </a:p>
+          <a:p>
+            <a:r>
+              <a:rPr lang="en-US" dirty="0" smtClean="0"/>
+              <a:t>&lt;YOUR_CUSTOM&gt;.</a:t>
+            </a:r>
+            <a:r>
+              <a:rPr lang="en-US" dirty="0" err="1" smtClean="0"/>
+              <a:t>module.ts</a:t>
+            </a:r>
+            <a:endParaRPr lang="en-US" dirty="0" smtClean="0"/>
+          </a:p>
+          <a:p>
+            <a:pPr lvl="1"/>
+            <a:r>
+              <a:rPr lang="en-US" dirty="0" smtClean="0"/>
+              <a:t>Angular Example: </a:t>
+            </a:r>
+            <a:r>
+              <a:rPr lang="en-US" dirty="0" err="1" smtClean="0">
+                <a:hlinkClick r:id="rId2"/>
+              </a:rPr>
+              <a:t>HttpModule</a:t>
+            </a:r>
             <a:endParaRPr lang="en-US" dirty="0"/>
           </a:p>
         </p:txBody>
@@ -7256,7 +7068,7 @@
     </p:spTree>
     <p:extLst>
       <p:ext uri="{BB962C8B-B14F-4D97-AF65-F5344CB8AC3E}">
-        <p14:creationId xmlns:p14="http://schemas.microsoft.com/office/powerpoint/2010/main" val="3821163304"/>
+        <p14:creationId xmlns:p14="http://schemas.microsoft.com/office/powerpoint/2010/main" val="3565863648"/>
       </p:ext>
     </p:extLst>
   </p:cSld>
@@ -7288,7 +7100,7 @@
           <p:cNvPr id="4" name="Title 3">
             <a:extLst>
               <a:ext uri="{FF2B5EF4-FFF2-40B4-BE49-F238E27FC236}">
-                <a16:creationId xmlns="" xmlns:a16="http://schemas.microsoft.com/office/drawing/2014/main" id="{2E31B197-8451-40E3-ACB3-50825501051B}"/>
+                <a16:creationId xmlns:a16="http://schemas.microsoft.com/office/drawing/2014/main" xmlns="" id="{86A18ADF-27A3-4A17-9A6E-E00A078AFB61}"/>
               </a:ext>
             </a:extLst>
           </p:cNvPr>
@@ -7306,21 +7118,17 @@
           <a:p>
             <a:r>
               <a:rPr lang="en-US" dirty="0"/>
-              <a:t>Transpile</a:t>
-            </a:r>
-            <a:r>
-              <a:rPr lang="en-US" dirty="0"/>
-              <a:t>	</a:t>
-            </a:r>
-          </a:p>
-        </p:txBody>
-      </p:sp>
-      <p:sp>
-        <p:nvSpPr>
-          <p:cNvPr id="5" name="Content Placeholder 4">
+              <a:t>Build Process</a:t>
+            </a:r>
+          </a:p>
+        </p:txBody>
+      </p:sp>
+      <p:sp>
+        <p:nvSpPr>
+          <p:cNvPr id="5" name="Text Placeholder 4">
             <a:extLst>
               <a:ext uri="{FF2B5EF4-FFF2-40B4-BE49-F238E27FC236}">
-                <a16:creationId xmlns="" xmlns:a16="http://schemas.microsoft.com/office/drawing/2014/main" id="{7C6CB73B-5D2A-4868-8FBE-7AD5C7C972CB}"/>
+                <a16:creationId xmlns:a16="http://schemas.microsoft.com/office/drawing/2014/main" xmlns="" id="{FDA695AC-479D-4307-97CE-4F297E9330FD}"/>
               </a:ext>
             </a:extLst>
           </p:cNvPr>
@@ -7328,157 +7136,14 @@
             <a:spLocks noGrp="1"/>
           </p:cNvSpPr>
           <p:nvPr>
-            <p:ph idx="1"/>
-          </p:nvPr>
-        </p:nvSpPr>
-        <p:spPr/>
-        <p:txBody>
-          <a:bodyPr/>
-          <a:lstStyle/>
-          <a:p>
-            <a:r>
-              <a:rPr lang="en-US" dirty="0" smtClean="0"/>
-              <a:t>To </a:t>
-            </a:r>
-            <a:r>
-              <a:rPr lang="en-US" dirty="0" err="1" smtClean="0"/>
-              <a:t>tsc</a:t>
-            </a:r>
-            <a:r>
-              <a:rPr lang="en-US" dirty="0" smtClean="0"/>
-              <a:t> or not to </a:t>
-            </a:r>
-            <a:r>
-              <a:rPr lang="en-US" dirty="0" err="1" smtClean="0"/>
-              <a:t>tsc</a:t>
-            </a:r>
-            <a:r>
-              <a:rPr lang="en-US" dirty="0" smtClean="0"/>
-              <a:t>?</a:t>
-            </a:r>
-          </a:p>
-          <a:p>
-            <a:pPr lvl="1"/>
-            <a:r>
-              <a:rPr lang="en-US" dirty="0" smtClean="0"/>
-              <a:t>Not!</a:t>
-            </a:r>
-          </a:p>
-          <a:p>
-            <a:r>
-              <a:rPr lang="en-US" dirty="0" smtClean="0"/>
-              <a:t>Use the </a:t>
-            </a:r>
-            <a:r>
-              <a:rPr lang="en-US" dirty="0" err="1" smtClean="0"/>
-              <a:t>ngc</a:t>
-            </a:r>
-            <a:endParaRPr lang="en-US" dirty="0" smtClean="0"/>
-          </a:p>
-          <a:p>
-            <a:pPr lvl="1"/>
-            <a:r>
-              <a:rPr lang="en-US" dirty="0" smtClean="0"/>
-              <a:t>.\</a:t>
-            </a:r>
-            <a:r>
-              <a:rPr lang="en-US" dirty="0" err="1" smtClean="0"/>
-              <a:t>node_modules</a:t>
-            </a:r>
-            <a:r>
-              <a:rPr lang="en-US" dirty="0" smtClean="0"/>
-              <a:t>\.bin\</a:t>
-            </a:r>
-            <a:r>
-              <a:rPr lang="en-US" dirty="0" err="1" smtClean="0"/>
-              <a:t>ngc</a:t>
-            </a:r>
-            <a:r>
-              <a:rPr lang="en-US" dirty="0" smtClean="0"/>
-              <a:t> .\</a:t>
-            </a:r>
-            <a:r>
-              <a:rPr lang="en-US" dirty="0" err="1" smtClean="0"/>
-              <a:t>tsconfig.json</a:t>
-            </a:r>
-            <a:endParaRPr lang="en-US" dirty="0" smtClean="0"/>
-          </a:p>
-          <a:p>
-            <a:r>
-              <a:rPr lang="en-US" dirty="0" smtClean="0"/>
-              <a:t>Configure Default Build Task</a:t>
-            </a:r>
-          </a:p>
-          <a:p>
-            <a:pPr marL="457200" lvl="1" indent="0">
-              <a:buNone/>
-            </a:pPr>
-            <a:r>
-              <a:rPr lang="en-US" sz="2000" dirty="0"/>
-              <a:t>"scripts": {</a:t>
-            </a:r>
-          </a:p>
-          <a:p>
-            <a:pPr marL="457200" lvl="1" indent="0">
-              <a:buNone/>
-            </a:pPr>
-            <a:r>
-              <a:rPr lang="en-US" sz="2000" dirty="0"/>
-              <a:t>"</a:t>
-            </a:r>
-            <a:r>
-              <a:rPr lang="en-US" sz="2000" dirty="0" err="1"/>
-              <a:t>transpile</a:t>
-            </a:r>
-            <a:r>
-              <a:rPr lang="en-US" sz="2000" dirty="0"/>
-              <a:t>": "</a:t>
-            </a:r>
-            <a:r>
-              <a:rPr lang="en-US" sz="2000" dirty="0" err="1"/>
-              <a:t>ngc</a:t>
-            </a:r>
-            <a:r>
-              <a:rPr lang="en-US" sz="2000" dirty="0"/>
-              <a:t>",</a:t>
-            </a:r>
-          </a:p>
-          <a:p>
-            <a:pPr marL="457200" lvl="1" indent="0">
-              <a:buNone/>
-            </a:pPr>
-            <a:r>
-              <a:rPr lang="en-US" sz="2000" dirty="0"/>
-              <a:t>"build": "</a:t>
-            </a:r>
-            <a:r>
-              <a:rPr lang="en-US" sz="2000" dirty="0" err="1"/>
-              <a:t>npm</a:t>
-            </a:r>
-            <a:r>
-              <a:rPr lang="en-US" sz="2000" dirty="0"/>
-              <a:t> run </a:t>
-            </a:r>
-            <a:r>
-              <a:rPr lang="en-US" sz="2000" dirty="0" err="1"/>
-              <a:t>transpile</a:t>
-            </a:r>
-            <a:r>
-              <a:rPr lang="en-US" sz="2000" dirty="0"/>
-              <a:t>"</a:t>
-            </a:r>
-          </a:p>
-          <a:p>
-            <a:pPr marL="457200" lvl="1" indent="0">
-              <a:buNone/>
-            </a:pPr>
-            <a:r>
-              <a:rPr lang="en-US" sz="2000" dirty="0"/>
-              <a:t>}</a:t>
-            </a:r>
-          </a:p>
-          <a:p>
-            <a:pPr lvl="1"/>
+            <p:ph type="body" idx="1"/>
+          </p:nvPr>
+        </p:nvSpPr>
+        <p:spPr/>
+        <p:txBody>
+          <a:bodyPr/>
+          <a:lstStyle/>
+          <a:p>
             <a:endParaRPr lang="en-US" dirty="0"/>
           </a:p>
         </p:txBody>
@@ -7486,7 +7151,7 @@
     </p:spTree>
     <p:extLst>
       <p:ext uri="{BB962C8B-B14F-4D97-AF65-F5344CB8AC3E}">
-        <p14:creationId xmlns:p14="http://schemas.microsoft.com/office/powerpoint/2010/main" val="3210177795"/>
+        <p14:creationId xmlns:p14="http://schemas.microsoft.com/office/powerpoint/2010/main" val="3821163304"/>
       </p:ext>
     </p:extLst>
   </p:cSld>
@@ -7518,7 +7183,7 @@
           <p:cNvPr id="4" name="Title 3">
             <a:extLst>
               <a:ext uri="{FF2B5EF4-FFF2-40B4-BE49-F238E27FC236}">
-                <a16:creationId xmlns="" xmlns:a16="http://schemas.microsoft.com/office/drawing/2014/main" id="{2E31B197-8451-40E3-ACB3-50825501051B}"/>
+                <a16:creationId xmlns:a16="http://schemas.microsoft.com/office/drawing/2014/main" xmlns="" id="{2E31B197-8451-40E3-ACB3-50825501051B}"/>
               </a:ext>
             </a:extLst>
           </p:cNvPr>
@@ -7535,12 +7200,8 @@
           <a:lstStyle/>
           <a:p>
             <a:r>
-              <a:rPr lang="en-US" dirty="0" smtClean="0"/>
-              <a:t>UMD (Universal Module Definition)</a:t>
-            </a:r>
-            <a:r>
-              <a:rPr lang="en-US" dirty="0"/>
-              <a:t>	</a:t>
+              <a:rPr lang="en-US" dirty="0"/>
+              <a:t>Transpile	</a:t>
             </a:r>
           </a:p>
         </p:txBody>
@@ -7550,7 +7211,7 @@
           <p:cNvPr id="5" name="Content Placeholder 4">
             <a:extLst>
               <a:ext uri="{FF2B5EF4-FFF2-40B4-BE49-F238E27FC236}">
-                <a16:creationId xmlns="" xmlns:a16="http://schemas.microsoft.com/office/drawing/2014/main" id="{7C6CB73B-5D2A-4868-8FBE-7AD5C7C972CB}"/>
+                <a16:creationId xmlns:a16="http://schemas.microsoft.com/office/drawing/2014/main" xmlns="" id="{7C6CB73B-5D2A-4868-8FBE-7AD5C7C972CB}"/>
               </a:ext>
             </a:extLst>
           </p:cNvPr>
@@ -7568,69 +7229,155 @@
           <a:p>
             <a:r>
               <a:rPr lang="en-US" dirty="0" smtClean="0"/>
-              <a:t>If you want to provide UMD formatted module</a:t>
-            </a:r>
-          </a:p>
-          <a:p>
-            <a:pPr lvl="1"/>
-            <a:r>
-              <a:rPr lang="en-US" dirty="0" smtClean="0"/>
-              <a:t>UMD bundler</a:t>
-            </a:r>
-          </a:p>
-          <a:p>
-            <a:pPr lvl="2"/>
-            <a:r>
-              <a:rPr lang="en-US" dirty="0" smtClean="0">
-                <a:hlinkClick r:id="rId2"/>
-              </a:rPr>
-              <a:t>https://www.npmjs.com/package/rollup</a:t>
-            </a:r>
-            <a:r>
-              <a:rPr lang="en-US" dirty="0" smtClean="0"/>
-              <a:t> </a:t>
-            </a:r>
-          </a:p>
-          <a:p>
-            <a:pPr lvl="1"/>
-            <a:r>
-              <a:rPr lang="en-US" dirty="0" smtClean="0"/>
-              <a:t>Minify the Script</a:t>
-            </a:r>
-          </a:p>
-          <a:p>
-            <a:pPr lvl="2"/>
-            <a:r>
-              <a:rPr lang="en-US" dirty="0" smtClean="0">
-                <a:hlinkClick r:id="rId3"/>
-              </a:rPr>
-              <a:t>https://www.npmjs.com/package/uglify-js</a:t>
-            </a:r>
-            <a:r>
-              <a:rPr lang="en-US" dirty="0" smtClean="0"/>
-              <a:t> </a:t>
-            </a:r>
-          </a:p>
-          <a:p>
-            <a:pPr marL="914400" lvl="2" indent="0">
+              <a:t>To </a:t>
+            </a:r>
+            <a:r>
+              <a:rPr lang="en-US" dirty="0" err="1" smtClean="0"/>
+              <a:t>tsc</a:t>
+            </a:r>
+            <a:r>
+              <a:rPr lang="en-US" dirty="0" smtClean="0"/>
+              <a:t> or not to </a:t>
+            </a:r>
+            <a:r>
+              <a:rPr lang="en-US" dirty="0" err="1" smtClean="0"/>
+              <a:t>tsc</a:t>
+            </a:r>
+            <a:r>
+              <a:rPr lang="en-US" dirty="0" smtClean="0"/>
+              <a:t>?</a:t>
+            </a:r>
+          </a:p>
+          <a:p>
+            <a:pPr lvl="1"/>
+            <a:r>
+              <a:rPr lang="en-US" dirty="0" smtClean="0"/>
+              <a:t>Not!</a:t>
+            </a:r>
+          </a:p>
+          <a:p>
+            <a:r>
+              <a:rPr lang="en-US" dirty="0" smtClean="0"/>
+              <a:t>Use the </a:t>
+            </a:r>
+            <a:r>
+              <a:rPr lang="en-US" dirty="0" err="1" smtClean="0"/>
+              <a:t>ngc</a:t>
+            </a:r>
+            <a:endParaRPr lang="en-US" dirty="0" smtClean="0"/>
+          </a:p>
+          <a:p>
+            <a:pPr lvl="1"/>
+            <a:r>
+              <a:rPr lang="en-US" dirty="0" smtClean="0"/>
+              <a:t>.\</a:t>
+            </a:r>
+            <a:r>
+              <a:rPr lang="en-US" dirty="0" err="1" smtClean="0"/>
+              <a:t>node_modules</a:t>
+            </a:r>
+            <a:r>
+              <a:rPr lang="en-US" dirty="0" smtClean="0"/>
+              <a:t>\.bin\</a:t>
+            </a:r>
+            <a:r>
+              <a:rPr lang="en-US" dirty="0" err="1" smtClean="0"/>
+              <a:t>ngc</a:t>
+            </a:r>
+            <a:r>
+              <a:rPr lang="en-US" dirty="0" smtClean="0"/>
+              <a:t> .\</a:t>
+            </a:r>
+            <a:r>
+              <a:rPr lang="en-US" dirty="0" err="1" smtClean="0"/>
+              <a:t>tsconfig.json</a:t>
+            </a:r>
+            <a:endParaRPr lang="en-US" dirty="0" smtClean="0"/>
+          </a:p>
+          <a:p>
+            <a:r>
+              <a:rPr lang="en-US" dirty="0" smtClean="0"/>
+              <a:t>Configure Default Build Task</a:t>
+            </a:r>
+          </a:p>
+          <a:p>
+            <a:pPr marL="457200" lvl="1" indent="0">
               <a:buNone/>
             </a:pPr>
-            <a:endParaRPr lang="en-US" dirty="0" smtClean="0"/>
-          </a:p>
-          <a:p>
-            <a:pPr lvl="2"/>
-            <a:endParaRPr lang="en-US" dirty="0" smtClean="0"/>
-          </a:p>
-          <a:p>
-            <a:pPr lvl="1"/>
-            <a:endParaRPr lang="en-US" dirty="0" smtClean="0"/>
+            <a:r>
+              <a:rPr lang="en-US" sz="2000" dirty="0"/>
+              <a:t>"scripts": {</a:t>
+            </a:r>
+          </a:p>
+          <a:p>
+            <a:pPr marL="457200" lvl="1" indent="0">
+              <a:buNone/>
+            </a:pPr>
+            <a:r>
+              <a:rPr lang="en-US" sz="2000" dirty="0"/>
+              <a:t>"</a:t>
+            </a:r>
+            <a:r>
+              <a:rPr lang="en-US" sz="2000" dirty="0" err="1"/>
+              <a:t>transpile</a:t>
+            </a:r>
+            <a:r>
+              <a:rPr lang="en-US" sz="2000" dirty="0"/>
+              <a:t>": "</a:t>
+            </a:r>
+            <a:r>
+              <a:rPr lang="en-US" sz="2000" dirty="0" err="1"/>
+              <a:t>ngc</a:t>
+            </a:r>
+            <a:r>
+              <a:rPr lang="en-US" sz="2000" dirty="0"/>
+              <a:t>",</a:t>
+            </a:r>
+          </a:p>
+          <a:p>
+            <a:pPr marL="457200" lvl="1" indent="0">
+              <a:buNone/>
+            </a:pPr>
+            <a:r>
+              <a:rPr lang="en-US" sz="2000" dirty="0"/>
+              <a:t>"build": "</a:t>
+            </a:r>
+            <a:r>
+              <a:rPr lang="en-US" sz="2000" dirty="0" err="1"/>
+              <a:t>npm</a:t>
+            </a:r>
+            <a:r>
+              <a:rPr lang="en-US" sz="2000" dirty="0"/>
+              <a:t> run </a:t>
+            </a:r>
+            <a:r>
+              <a:rPr lang="en-US" sz="2000" dirty="0" err="1"/>
+              <a:t>transpile</a:t>
+            </a:r>
+            <a:r>
+              <a:rPr lang="en-US" sz="2000" dirty="0"/>
+              <a:t>"</a:t>
+            </a:r>
+          </a:p>
+          <a:p>
+            <a:pPr marL="457200" lvl="1" indent="0">
+              <a:buNone/>
+            </a:pPr>
+            <a:r>
+              <a:rPr lang="en-US" sz="2000" dirty="0"/>
+              <a:t>}</a:t>
+            </a:r>
+          </a:p>
+          <a:p>
+            <a:pPr lvl="1"/>
+            <a:endParaRPr lang="en-US" dirty="0"/>
           </a:p>
         </p:txBody>
       </p:sp>
     </p:spTree>
     <p:extLst>
       <p:ext uri="{BB962C8B-B14F-4D97-AF65-F5344CB8AC3E}">
-        <p14:creationId xmlns:p14="http://schemas.microsoft.com/office/powerpoint/2010/main" val="1373268467"/>
+        <p14:creationId xmlns:p14="http://schemas.microsoft.com/office/powerpoint/2010/main" val="3210177795"/>
       </p:ext>
     </p:extLst>
   </p:cSld>
@@ -7662,7 +7409,7 @@
           <p:cNvPr id="4" name="Title 3">
             <a:extLst>
               <a:ext uri="{FF2B5EF4-FFF2-40B4-BE49-F238E27FC236}">
-                <a16:creationId xmlns="" xmlns:a16="http://schemas.microsoft.com/office/drawing/2014/main" id="{21BE00E3-964A-4B0C-91DF-0995FE1A33AE}"/>
+                <a16:creationId xmlns:a16="http://schemas.microsoft.com/office/drawing/2014/main" xmlns="" id="{2E31B197-8451-40E3-ACB3-50825501051B}"/>
               </a:ext>
             </a:extLst>
           </p:cNvPr>
@@ -7679,18 +7426,22 @@
           <a:lstStyle/>
           <a:p>
             <a:r>
-              <a:rPr lang="en-US" dirty="0"/>
-              <a:t>Deployment</a:t>
-            </a:r>
-          </a:p>
-        </p:txBody>
-      </p:sp>
-      <p:sp>
-        <p:nvSpPr>
-          <p:cNvPr id="5" name="Text Placeholder 4">
+              <a:rPr lang="en-US" dirty="0" smtClean="0"/>
+              <a:t>UMD (Universal Module Definition)</a:t>
+            </a:r>
+            <a:r>
+              <a:rPr lang="en-US" dirty="0"/>
+              <a:t>	</a:t>
+            </a:r>
+          </a:p>
+        </p:txBody>
+      </p:sp>
+      <p:sp>
+        <p:nvSpPr>
+          <p:cNvPr id="5" name="Content Placeholder 4">
             <a:extLst>
               <a:ext uri="{FF2B5EF4-FFF2-40B4-BE49-F238E27FC236}">
-                <a16:creationId xmlns="" xmlns:a16="http://schemas.microsoft.com/office/drawing/2014/main" id="{01C1CA5F-04A6-484F-8BEB-CAEF0AB0E550}"/>
+                <a16:creationId xmlns:a16="http://schemas.microsoft.com/office/drawing/2014/main" xmlns="" id="{7C6CB73B-5D2A-4868-8FBE-7AD5C7C972CB}"/>
               </a:ext>
             </a:extLst>
           </p:cNvPr>
@@ -7698,22 +7449,79 @@
             <a:spLocks noGrp="1"/>
           </p:cNvSpPr>
           <p:nvPr>
-            <p:ph type="body" idx="1"/>
-          </p:nvPr>
-        </p:nvSpPr>
-        <p:spPr/>
-        <p:txBody>
-          <a:bodyPr/>
-          <a:lstStyle/>
-          <a:p>
-            <a:endParaRPr lang="en-US" dirty="0"/>
+            <p:ph idx="1"/>
+          </p:nvPr>
+        </p:nvSpPr>
+        <p:spPr/>
+        <p:txBody>
+          <a:bodyPr/>
+          <a:lstStyle/>
+          <a:p>
+            <a:r>
+              <a:rPr lang="en-US" dirty="0" smtClean="0"/>
+              <a:t>If you want to provide UMD formatted module</a:t>
+            </a:r>
+          </a:p>
+          <a:p>
+            <a:pPr lvl="1"/>
+            <a:r>
+              <a:rPr lang="en-US" dirty="0" smtClean="0"/>
+              <a:t>UMD bundler</a:t>
+            </a:r>
+          </a:p>
+          <a:p>
+            <a:pPr lvl="2"/>
+            <a:r>
+              <a:rPr lang="en-US" dirty="0" smtClean="0">
+                <a:hlinkClick r:id="rId2"/>
+              </a:rPr>
+              <a:t>https://www.npmjs.com/package/rollup</a:t>
+            </a:r>
+            <a:r>
+              <a:rPr lang="en-US" dirty="0" smtClean="0"/>
+              <a:t> </a:t>
+            </a:r>
+          </a:p>
+          <a:p>
+            <a:pPr lvl="1"/>
+            <a:r>
+              <a:rPr lang="en-US" dirty="0" smtClean="0"/>
+              <a:t>Minify the Script</a:t>
+            </a:r>
+          </a:p>
+          <a:p>
+            <a:pPr lvl="2"/>
+            <a:r>
+              <a:rPr lang="en-US" dirty="0" smtClean="0">
+                <a:hlinkClick r:id="rId3"/>
+              </a:rPr>
+              <a:t>https://www.npmjs.com/package/uglify-js</a:t>
+            </a:r>
+            <a:r>
+              <a:rPr lang="en-US" dirty="0" smtClean="0"/>
+              <a:t> </a:t>
+            </a:r>
+          </a:p>
+          <a:p>
+            <a:pPr marL="914400" lvl="2" indent="0">
+              <a:buNone/>
+            </a:pPr>
+            <a:endParaRPr lang="en-US" dirty="0" smtClean="0"/>
+          </a:p>
+          <a:p>
+            <a:pPr lvl="2"/>
+            <a:endParaRPr lang="en-US" dirty="0" smtClean="0"/>
+          </a:p>
+          <a:p>
+            <a:pPr lvl="1"/>
+            <a:endParaRPr lang="en-US" dirty="0" smtClean="0"/>
           </a:p>
         </p:txBody>
       </p:sp>
     </p:spTree>
     <p:extLst>
       <p:ext uri="{BB962C8B-B14F-4D97-AF65-F5344CB8AC3E}">
-        <p14:creationId xmlns:p14="http://schemas.microsoft.com/office/powerpoint/2010/main" val="2140673601"/>
+        <p14:creationId xmlns:p14="http://schemas.microsoft.com/office/powerpoint/2010/main" val="1373268467"/>
       </p:ext>
     </p:extLst>
   </p:cSld>
@@ -7745,7 +7553,7 @@
           <p:cNvPr id="4" name="Title 3">
             <a:extLst>
               <a:ext uri="{FF2B5EF4-FFF2-40B4-BE49-F238E27FC236}">
-                <a16:creationId xmlns="" xmlns:a16="http://schemas.microsoft.com/office/drawing/2014/main" id="{DB627359-6C97-4296-9184-B3AD6597A852}"/>
+                <a16:creationId xmlns:a16="http://schemas.microsoft.com/office/drawing/2014/main" xmlns="" id="{21BE00E3-964A-4B0C-91DF-0995FE1A33AE}"/>
               </a:ext>
             </a:extLst>
           </p:cNvPr>
@@ -7762,19 +7570,18 @@
           <a:lstStyle/>
           <a:p>
             <a:r>
-              <a:rPr lang="en-US" dirty="0" smtClean="0"/>
-              <a:t>Safe Storage</a:t>
-            </a:r>
-            <a:endParaRPr lang="en-US" dirty="0"/>
-          </a:p>
-        </p:txBody>
-      </p:sp>
-      <p:sp>
-        <p:nvSpPr>
-          <p:cNvPr id="5" name="Content Placeholder 4">
+              <a:rPr lang="en-US" dirty="0"/>
+              <a:t>Deployment</a:t>
+            </a:r>
+          </a:p>
+        </p:txBody>
+      </p:sp>
+      <p:sp>
+        <p:nvSpPr>
+          <p:cNvPr id="5" name="Text Placeholder 4">
             <a:extLst>
               <a:ext uri="{FF2B5EF4-FFF2-40B4-BE49-F238E27FC236}">
-                <a16:creationId xmlns="" xmlns:a16="http://schemas.microsoft.com/office/drawing/2014/main" id="{16B0312C-16A0-4E30-A9D9-A33836885137}"/>
+                <a16:creationId xmlns:a16="http://schemas.microsoft.com/office/drawing/2014/main" xmlns="" id="{01C1CA5F-04A6-484F-8BEB-CAEF0AB0E550}"/>
               </a:ext>
             </a:extLst>
           </p:cNvPr>
@@ -7782,59 +7589,14 @@
             <a:spLocks noGrp="1"/>
           </p:cNvSpPr>
           <p:nvPr>
-            <p:ph idx="1"/>
-          </p:nvPr>
-        </p:nvSpPr>
-        <p:spPr/>
-        <p:txBody>
-          <a:bodyPr/>
-          <a:lstStyle/>
-          <a:p>
-            <a:r>
-              <a:rPr lang="en-US" dirty="0" smtClean="0"/>
-              <a:t>Code Repository</a:t>
-            </a:r>
-          </a:p>
-          <a:p>
-            <a:r>
-              <a:rPr lang="en-US" dirty="0" smtClean="0"/>
-              <a:t>Package Manager (</a:t>
-            </a:r>
-            <a:r>
-              <a:rPr lang="en-US" dirty="0" err="1" smtClean="0"/>
-              <a:t>npm</a:t>
-            </a:r>
-            <a:r>
-              <a:rPr lang="en-US" dirty="0" smtClean="0"/>
-              <a:t>)</a:t>
-            </a:r>
-          </a:p>
-          <a:p>
-            <a:pPr lvl="1"/>
-            <a:r>
-              <a:rPr lang="en-US" dirty="0" smtClean="0"/>
-              <a:t>Public</a:t>
-            </a:r>
-          </a:p>
-          <a:p>
-            <a:pPr lvl="1"/>
-            <a:r>
-              <a:rPr lang="en-US" dirty="0" smtClean="0"/>
-              <a:t>Private</a:t>
-            </a:r>
-          </a:p>
-          <a:p>
-            <a:r>
-              <a:rPr lang="en-US" dirty="0" smtClean="0"/>
-              <a:t>Versioning</a:t>
-            </a:r>
-          </a:p>
-          <a:p>
-            <a:pPr lvl="1"/>
-            <a:r>
-              <a:rPr lang="en-US" dirty="0" err="1" smtClean="0"/>
-              <a:t>npm</a:t>
-            </a:r>
+            <p:ph type="body" idx="1"/>
+          </p:nvPr>
+        </p:nvSpPr>
+        <p:spPr/>
+        <p:txBody>
+          <a:bodyPr/>
+          <a:lstStyle/>
+          <a:p>
             <a:endParaRPr lang="en-US" dirty="0"/>
           </a:p>
         </p:txBody>
@@ -7842,7 +7604,7 @@
     </p:spTree>
     <p:extLst>
       <p:ext uri="{BB962C8B-B14F-4D97-AF65-F5344CB8AC3E}">
-        <p14:creationId xmlns:p14="http://schemas.microsoft.com/office/powerpoint/2010/main" val="853755397"/>
+        <p14:creationId xmlns:p14="http://schemas.microsoft.com/office/powerpoint/2010/main" val="2140673601"/>
       </p:ext>
     </p:extLst>
   </p:cSld>
@@ -7874,7 +7636,7 @@
           <p:cNvPr id="4" name="Title 3">
             <a:extLst>
               <a:ext uri="{FF2B5EF4-FFF2-40B4-BE49-F238E27FC236}">
-                <a16:creationId xmlns="" xmlns:a16="http://schemas.microsoft.com/office/drawing/2014/main" id="{9D952EE2-98FE-4AFF-A813-554140860B41}"/>
+                <a16:creationId xmlns:a16="http://schemas.microsoft.com/office/drawing/2014/main" xmlns="" id="{DB627359-6C97-4296-9184-B3AD6597A852}"/>
               </a:ext>
             </a:extLst>
           </p:cNvPr>
@@ -7891,18 +7653,19 @@
           <a:lstStyle/>
           <a:p>
             <a:r>
-              <a:rPr lang="en-US" dirty="0"/>
-              <a:t>Using Custom Modules</a:t>
-            </a:r>
-          </a:p>
-        </p:txBody>
-      </p:sp>
-      <p:sp>
-        <p:nvSpPr>
-          <p:cNvPr id="5" name="Text Placeholder 4">
+              <a:rPr lang="en-US" dirty="0" smtClean="0"/>
+              <a:t>Safe Storage</a:t>
+            </a:r>
+            <a:endParaRPr lang="en-US" dirty="0"/>
+          </a:p>
+        </p:txBody>
+      </p:sp>
+      <p:sp>
+        <p:nvSpPr>
+          <p:cNvPr id="5" name="Content Placeholder 4">
             <a:extLst>
               <a:ext uri="{FF2B5EF4-FFF2-40B4-BE49-F238E27FC236}">
-                <a16:creationId xmlns="" xmlns:a16="http://schemas.microsoft.com/office/drawing/2014/main" id="{BB8B937B-061C-4594-84DE-938E81539DE6}"/>
+                <a16:creationId xmlns:a16="http://schemas.microsoft.com/office/drawing/2014/main" xmlns="" id="{16B0312C-16A0-4E30-A9D9-A33836885137}"/>
               </a:ext>
             </a:extLst>
           </p:cNvPr>
@@ -7910,14 +7673,59 @@
             <a:spLocks noGrp="1"/>
           </p:cNvSpPr>
           <p:nvPr>
-            <p:ph type="body" idx="1"/>
-          </p:nvPr>
-        </p:nvSpPr>
-        <p:spPr/>
-        <p:txBody>
-          <a:bodyPr/>
-          <a:lstStyle/>
-          <a:p>
+            <p:ph idx="1"/>
+          </p:nvPr>
+        </p:nvSpPr>
+        <p:spPr/>
+        <p:txBody>
+          <a:bodyPr/>
+          <a:lstStyle/>
+          <a:p>
+            <a:r>
+              <a:rPr lang="en-US" dirty="0" smtClean="0"/>
+              <a:t>Code Repository</a:t>
+            </a:r>
+          </a:p>
+          <a:p>
+            <a:r>
+              <a:rPr lang="en-US" dirty="0" smtClean="0"/>
+              <a:t>Package Manager (</a:t>
+            </a:r>
+            <a:r>
+              <a:rPr lang="en-US" dirty="0" err="1" smtClean="0"/>
+              <a:t>npm</a:t>
+            </a:r>
+            <a:r>
+              <a:rPr lang="en-US" dirty="0" smtClean="0"/>
+              <a:t>)</a:t>
+            </a:r>
+          </a:p>
+          <a:p>
+            <a:pPr lvl="1"/>
+            <a:r>
+              <a:rPr lang="en-US" dirty="0" smtClean="0"/>
+              <a:t>Public</a:t>
+            </a:r>
+          </a:p>
+          <a:p>
+            <a:pPr lvl="1"/>
+            <a:r>
+              <a:rPr lang="en-US" dirty="0" smtClean="0"/>
+              <a:t>Private</a:t>
+            </a:r>
+          </a:p>
+          <a:p>
+            <a:r>
+              <a:rPr lang="en-US" dirty="0" smtClean="0"/>
+              <a:t>Versioning</a:t>
+            </a:r>
+          </a:p>
+          <a:p>
+            <a:pPr lvl="1"/>
+            <a:r>
+              <a:rPr lang="en-US" dirty="0" err="1" smtClean="0"/>
+              <a:t>npm</a:t>
+            </a:r>
             <a:endParaRPr lang="en-US" dirty="0"/>
           </a:p>
         </p:txBody>
@@ -7925,7 +7733,7 @@
     </p:spTree>
     <p:extLst>
       <p:ext uri="{BB962C8B-B14F-4D97-AF65-F5344CB8AC3E}">
-        <p14:creationId xmlns:p14="http://schemas.microsoft.com/office/powerpoint/2010/main" val="1699255247"/>
+        <p14:creationId xmlns:p14="http://schemas.microsoft.com/office/powerpoint/2010/main" val="853755397"/>
       </p:ext>
     </p:extLst>
   </p:cSld>
@@ -7957,7 +7765,7 @@
           <p:cNvPr id="4" name="Title 3">
             <a:extLst>
               <a:ext uri="{FF2B5EF4-FFF2-40B4-BE49-F238E27FC236}">
-                <a16:creationId xmlns="" xmlns:a16="http://schemas.microsoft.com/office/drawing/2014/main" id="{986F3D6B-8A35-45FB-85C5-A8B78DF72C31}"/>
+                <a16:creationId xmlns:a16="http://schemas.microsoft.com/office/drawing/2014/main" xmlns="" id="{9D952EE2-98FE-4AFF-A813-554140860B41}"/>
               </a:ext>
             </a:extLst>
           </p:cNvPr>
@@ -7974,19 +7782,18 @@
           <a:lstStyle/>
           <a:p>
             <a:r>
-              <a:rPr lang="en-US" dirty="0" smtClean="0"/>
-              <a:t>See the Code</a:t>
-            </a:r>
-            <a:endParaRPr lang="en-US" dirty="0"/>
-          </a:p>
-        </p:txBody>
-      </p:sp>
-      <p:sp>
-        <p:nvSpPr>
-          <p:cNvPr id="5" name="Content Placeholder 4">
+              <a:rPr lang="en-US" dirty="0"/>
+              <a:t>Using Custom Modules</a:t>
+            </a:r>
+          </a:p>
+        </p:txBody>
+      </p:sp>
+      <p:sp>
+        <p:nvSpPr>
+          <p:cNvPr id="5" name="Text Placeholder 4">
             <a:extLst>
               <a:ext uri="{FF2B5EF4-FFF2-40B4-BE49-F238E27FC236}">
-                <a16:creationId xmlns="" xmlns:a16="http://schemas.microsoft.com/office/drawing/2014/main" id="{9DB7E354-6AA6-4DC4-8F4A-A61950766BCD}"/>
+                <a16:creationId xmlns:a16="http://schemas.microsoft.com/office/drawing/2014/main" xmlns="" id="{BB8B937B-061C-4594-84DE-938E81539DE6}"/>
               </a:ext>
             </a:extLst>
           </p:cNvPr>
@@ -7994,34 +7801,14 @@
             <a:spLocks noGrp="1"/>
           </p:cNvSpPr>
           <p:nvPr>
-            <p:ph idx="1"/>
-          </p:nvPr>
-        </p:nvSpPr>
-        <p:spPr/>
-        <p:txBody>
-          <a:bodyPr/>
-          <a:lstStyle/>
-          <a:p>
-            <a:r>
-              <a:rPr lang="en-US" dirty="0" smtClean="0"/>
-              <a:t>Install the module</a:t>
-            </a:r>
-          </a:p>
-          <a:p>
-            <a:r>
-              <a:rPr lang="en-US" dirty="0" smtClean="0"/>
-              <a:t>Import the module/service</a:t>
-            </a:r>
-          </a:p>
-          <a:p>
-            <a:r>
-              <a:rPr lang="en-US" dirty="0" smtClean="0"/>
-              <a:t>Provide </a:t>
-            </a:r>
-            <a:r>
-              <a:rPr lang="en-US" smtClean="0"/>
-              <a:t>the service</a:t>
-            </a:r>
+            <p:ph type="body" idx="1"/>
+          </p:nvPr>
+        </p:nvSpPr>
+        <p:spPr/>
+        <p:txBody>
+          <a:bodyPr/>
+          <a:lstStyle/>
+          <a:p>
             <a:endParaRPr lang="en-US" dirty="0"/>
           </a:p>
         </p:txBody>
@@ -8029,7 +7816,7 @@
     </p:spTree>
     <p:extLst>
       <p:ext uri="{BB962C8B-B14F-4D97-AF65-F5344CB8AC3E}">
-        <p14:creationId xmlns:p14="http://schemas.microsoft.com/office/powerpoint/2010/main" val="540153043"/>
+        <p14:creationId xmlns:p14="http://schemas.microsoft.com/office/powerpoint/2010/main" val="1699255247"/>
       </p:ext>
     </p:extLst>
   </p:cSld>
@@ -8058,10 +7845,10 @@
       </p:grpSpPr>
       <p:sp>
         <p:nvSpPr>
-          <p:cNvPr id="4" name="Title 3">
+          <p:cNvPr id="2" name="Title 1">
             <a:extLst>
               <a:ext uri="{FF2B5EF4-FFF2-40B4-BE49-F238E27FC236}">
-                <a16:creationId xmlns="" xmlns:a16="http://schemas.microsoft.com/office/drawing/2014/main" id="{29691F00-552A-492D-9CF1-604C67A6A71F}"/>
+                <a16:creationId xmlns:a16="http://schemas.microsoft.com/office/drawing/2014/main" xmlns="" id="{C01E7584-6162-4CF3-91C8-8324E2B7F32A}"/>
               </a:ext>
             </a:extLst>
           </p:cNvPr>
@@ -8079,17 +7866,17 @@
           <a:p>
             <a:r>
               <a:rPr lang="en-US" dirty="0"/>
-              <a:t>What we will learn:</a:t>
-            </a:r>
-          </a:p>
-        </p:txBody>
-      </p:sp>
-      <p:sp>
-        <p:nvSpPr>
-          <p:cNvPr id="5" name="Content Placeholder 4">
+              <a:t>Introduction</a:t>
+            </a:r>
+          </a:p>
+        </p:txBody>
+      </p:sp>
+      <p:sp>
+        <p:nvSpPr>
+          <p:cNvPr id="3" name="Text Placeholder 2">
             <a:extLst>
               <a:ext uri="{FF2B5EF4-FFF2-40B4-BE49-F238E27FC236}">
-                <a16:creationId xmlns="" xmlns:a16="http://schemas.microsoft.com/office/drawing/2014/main" id="{BE56CBE2-9D8B-404A-B4C8-A3C0ED676782}"/>
+                <a16:creationId xmlns:a16="http://schemas.microsoft.com/office/drawing/2014/main" xmlns="" id="{B191F7E8-FCE9-4FEE-9350-83E92CCE9081}"/>
               </a:ext>
             </a:extLst>
           </p:cNvPr>
@@ -8097,45 +7884,22 @@
             <a:spLocks noGrp="1"/>
           </p:cNvSpPr>
           <p:nvPr>
-            <p:ph idx="1"/>
-          </p:nvPr>
-        </p:nvSpPr>
-        <p:spPr/>
-        <p:txBody>
-          <a:bodyPr>
-            <a:normAutofit/>
-          </a:bodyPr>
-          <a:lstStyle/>
-          <a:p>
-            <a:r>
-              <a:rPr lang="en-US" dirty="0"/>
-              <a:t>Why modules are important in your application architecture and design.</a:t>
-            </a:r>
-          </a:p>
-          <a:p>
-            <a:r>
-              <a:rPr lang="en-US" dirty="0"/>
-              <a:t>How to create custom modules that can be developed as their own Angular libraries.</a:t>
-            </a:r>
-          </a:p>
-          <a:p>
-            <a:r>
-              <a:rPr lang="en-US" dirty="0"/>
-              <a:t>How to use your custom modules in other Angular applications.</a:t>
-            </a:r>
-          </a:p>
-          <a:p>
-            <a:r>
-              <a:rPr lang="en-US" dirty="0"/>
-              <a:t>How to create different types of modules that take care of different application concerns.</a:t>
-            </a:r>
+            <p:ph type="body" idx="1"/>
+          </p:nvPr>
+        </p:nvSpPr>
+        <p:spPr/>
+        <p:txBody>
+          <a:bodyPr/>
+          <a:lstStyle/>
+          <a:p>
+            <a:endParaRPr lang="en-US" dirty="0"/>
           </a:p>
         </p:txBody>
       </p:sp>
     </p:spTree>
     <p:extLst>
       <p:ext uri="{BB962C8B-B14F-4D97-AF65-F5344CB8AC3E}">
-        <p14:creationId xmlns:p14="http://schemas.microsoft.com/office/powerpoint/2010/main" val="2381475116"/>
+        <p14:creationId xmlns:p14="http://schemas.microsoft.com/office/powerpoint/2010/main" val="1152858301"/>
       </p:ext>
     </p:extLst>
   </p:cSld>
@@ -8174,7 +7938,7 @@
           <p:cNvPr id="4" name="Title 3">
             <a:extLst>
               <a:ext uri="{FF2B5EF4-FFF2-40B4-BE49-F238E27FC236}">
-                <a16:creationId xmlns="" xmlns:a16="http://schemas.microsoft.com/office/drawing/2014/main" id="{B277C317-3B2A-4F94-B123-D39199EEB0CE}"/>
+                <a16:creationId xmlns:a16="http://schemas.microsoft.com/office/drawing/2014/main" xmlns="" id="{986F3D6B-8A35-45FB-85C5-A8B78DF72C31}"/>
               </a:ext>
             </a:extLst>
           </p:cNvPr>
@@ -8191,9 +7955,10 @@
           <a:lstStyle/>
           <a:p>
             <a:r>
-              <a:rPr lang="en-US" dirty="0"/>
-              <a:t>Shared Module</a:t>
-            </a:r>
+              <a:rPr lang="en-US" dirty="0" smtClean="0"/>
+              <a:t>See the Code</a:t>
+            </a:r>
+            <a:endParaRPr lang="en-US" dirty="0"/>
           </a:p>
         </p:txBody>
       </p:sp>
@@ -8202,7 +7967,7 @@
           <p:cNvPr id="5" name="Content Placeholder 4">
             <a:extLst>
               <a:ext uri="{FF2B5EF4-FFF2-40B4-BE49-F238E27FC236}">
-                <a16:creationId xmlns="" xmlns:a16="http://schemas.microsoft.com/office/drawing/2014/main" id="{DF19D278-A4EA-4EB0-95A1-54E9CC11DD70}"/>
+                <a16:creationId xmlns:a16="http://schemas.microsoft.com/office/drawing/2014/main" xmlns="" id="{9DB7E354-6AA6-4DC4-8F4A-A61950766BCD}"/>
               </a:ext>
             </a:extLst>
           </p:cNvPr>
@@ -8218,6 +7983,32 @@
           <a:bodyPr/>
           <a:lstStyle/>
           <a:p>
+            <a:r>
+              <a:rPr lang="en-US" dirty="0" smtClean="0"/>
+              <a:t>Install the module</a:t>
+            </a:r>
+          </a:p>
+          <a:p>
+            <a:r>
+              <a:rPr lang="en-US" dirty="0" smtClean="0"/>
+              <a:t>Import the module/service</a:t>
+            </a:r>
+          </a:p>
+          <a:p>
+            <a:r>
+              <a:rPr lang="en-US" dirty="0" smtClean="0"/>
+              <a:t>Provide the </a:t>
+            </a:r>
+            <a:r>
+              <a:rPr lang="en-US" dirty="0" smtClean="0"/>
+              <a:t>service</a:t>
+            </a:r>
+          </a:p>
+          <a:p>
+            <a:r>
+              <a:rPr lang="en-US" dirty="0" smtClean="0"/>
+              <a:t>Configuration for Modules/Services</a:t>
+            </a:r>
             <a:endParaRPr lang="en-US" dirty="0"/>
           </a:p>
         </p:txBody>
@@ -8225,7 +8016,7 @@
     </p:spTree>
     <p:extLst>
       <p:ext uri="{BB962C8B-B14F-4D97-AF65-F5344CB8AC3E}">
-        <p14:creationId xmlns:p14="http://schemas.microsoft.com/office/powerpoint/2010/main" val="2663862277"/>
+        <p14:creationId xmlns:p14="http://schemas.microsoft.com/office/powerpoint/2010/main" val="540153043"/>
       </p:ext>
     </p:extLst>
   </p:cSld>
@@ -8257,7 +8048,7 @@
           <p:cNvPr id="4" name="Title 3">
             <a:extLst>
               <a:ext uri="{FF2B5EF4-FFF2-40B4-BE49-F238E27FC236}">
-                <a16:creationId xmlns="" xmlns:a16="http://schemas.microsoft.com/office/drawing/2014/main" id="{B277C317-3B2A-4F94-B123-D39199EEB0CE}"/>
+                <a16:creationId xmlns:a16="http://schemas.microsoft.com/office/drawing/2014/main" xmlns="" id="{1C8A3633-9936-4BB0-9262-4D1B692D02E3}"/>
               </a:ext>
             </a:extLst>
           </p:cNvPr>
@@ -8275,17 +8066,17 @@
           <a:p>
             <a:r>
               <a:rPr lang="en-US" dirty="0"/>
-              <a:t>Core Module</a:t>
-            </a:r>
-          </a:p>
-        </p:txBody>
-      </p:sp>
-      <p:sp>
-        <p:nvSpPr>
-          <p:cNvPr id="5" name="Content Placeholder 4">
+              <a:t>Resources</a:t>
+            </a:r>
+          </a:p>
+        </p:txBody>
+      </p:sp>
+      <p:sp>
+        <p:nvSpPr>
+          <p:cNvPr id="5" name="Text Placeholder 4">
             <a:extLst>
               <a:ext uri="{FF2B5EF4-FFF2-40B4-BE49-F238E27FC236}">
-                <a16:creationId xmlns="" xmlns:a16="http://schemas.microsoft.com/office/drawing/2014/main" id="{DF19D278-A4EA-4EB0-95A1-54E9CC11DD70}"/>
+                <a16:creationId xmlns:a16="http://schemas.microsoft.com/office/drawing/2014/main" xmlns="" id="{6BBFB1BC-36BD-4978-BBF6-7318531E89A6}"/>
               </a:ext>
             </a:extLst>
           </p:cNvPr>
@@ -8293,7 +8084,7 @@
             <a:spLocks noGrp="1"/>
           </p:cNvSpPr>
           <p:nvPr>
-            <p:ph idx="1"/>
+            <p:ph type="body" idx="1"/>
           </p:nvPr>
         </p:nvSpPr>
         <p:spPr/>
@@ -8308,7 +8099,7 @@
     </p:spTree>
     <p:extLst>
       <p:ext uri="{BB962C8B-B14F-4D97-AF65-F5344CB8AC3E}">
-        <p14:creationId xmlns:p14="http://schemas.microsoft.com/office/powerpoint/2010/main" val="780978500"/>
+        <p14:creationId xmlns:p14="http://schemas.microsoft.com/office/powerpoint/2010/main" val="1965638911"/>
       </p:ext>
     </p:extLst>
   </p:cSld>
@@ -8340,7 +8131,7 @@
           <p:cNvPr id="4" name="Title 3">
             <a:extLst>
               <a:ext uri="{FF2B5EF4-FFF2-40B4-BE49-F238E27FC236}">
-                <a16:creationId xmlns="" xmlns:a16="http://schemas.microsoft.com/office/drawing/2014/main" id="{B277C317-3B2A-4F94-B123-D39199EEB0CE}"/>
+                <a16:creationId xmlns:a16="http://schemas.microsoft.com/office/drawing/2014/main" xmlns="" id="{06F1107E-18AC-491F-9E66-0719E15ED872}"/>
               </a:ext>
             </a:extLst>
           </p:cNvPr>
@@ -8358,7 +8149,7 @@
           <a:p>
             <a:r>
               <a:rPr lang="en-US" dirty="0"/>
-              <a:t>Providing Configuration</a:t>
+              <a:t>https://github.com/buildmotion</a:t>
             </a:r>
           </a:p>
         </p:txBody>
@@ -8368,7 +8159,7 @@
           <p:cNvPr id="5" name="Content Placeholder 4">
             <a:extLst>
               <a:ext uri="{FF2B5EF4-FFF2-40B4-BE49-F238E27FC236}">
-                <a16:creationId xmlns="" xmlns:a16="http://schemas.microsoft.com/office/drawing/2014/main" id="{DF19D278-A4EA-4EB0-95A1-54E9CC11DD70}"/>
+                <a16:creationId xmlns:a16="http://schemas.microsoft.com/office/drawing/2014/main" xmlns="" id="{2D81C24B-5FC3-4E7E-9972-76F0122DFC68}"/>
               </a:ext>
             </a:extLst>
           </p:cNvPr>
@@ -8384,6 +8175,34 @@
           <a:bodyPr/>
           <a:lstStyle/>
           <a:p>
+            <a:r>
+              <a:rPr lang="en-US" dirty="0"/>
+              <a:t>references for each module typescript</a:t>
+            </a:r>
+          </a:p>
+          <a:p>
+            <a:r>
+              <a:rPr lang="en-US" dirty="0"/>
+              <a:t>reference application</a:t>
+            </a:r>
+          </a:p>
+          <a:p>
+            <a:r>
+              <a:rPr lang="en-US" dirty="0"/>
+              <a:t>starter kit for Angular Module</a:t>
+            </a:r>
+          </a:p>
+          <a:p>
+            <a:pPr marL="0" indent="0">
+              <a:buNone/>
+            </a:pPr>
+            <a:r>
+              <a:rPr lang="en-US" dirty="0"/>
+              <a:t/>
+            </a:r>
+            <a:br>
+              <a:rPr lang="en-US" dirty="0"/>
+            </a:br>
             <a:endParaRPr lang="en-US" dirty="0"/>
           </a:p>
         </p:txBody>
@@ -8391,7 +8210,7 @@
     </p:spTree>
     <p:extLst>
       <p:ext uri="{BB962C8B-B14F-4D97-AF65-F5344CB8AC3E}">
-        <p14:creationId xmlns:p14="http://schemas.microsoft.com/office/powerpoint/2010/main" val="3551424189"/>
+        <p14:creationId xmlns:p14="http://schemas.microsoft.com/office/powerpoint/2010/main" val="2532495305"/>
       </p:ext>
     </p:extLst>
   </p:cSld>
@@ -8423,7 +8242,7 @@
           <p:cNvPr id="4" name="Title 3">
             <a:extLst>
               <a:ext uri="{FF2B5EF4-FFF2-40B4-BE49-F238E27FC236}">
-                <a16:creationId xmlns="" xmlns:a16="http://schemas.microsoft.com/office/drawing/2014/main" id="{1C8A3633-9936-4BB0-9262-4D1B692D02E3}"/>
+                <a16:creationId xmlns:a16="http://schemas.microsoft.com/office/drawing/2014/main" xmlns="" id="{06F1107E-18AC-491F-9E66-0719E15ED872}"/>
               </a:ext>
             </a:extLst>
           </p:cNvPr>
@@ -8441,17 +8260,17 @@
           <a:p>
             <a:r>
               <a:rPr lang="en-US" dirty="0"/>
-              <a:t>Resources</a:t>
-            </a:r>
-          </a:p>
-        </p:txBody>
-      </p:sp>
-      <p:sp>
-        <p:nvSpPr>
-          <p:cNvPr id="5" name="Text Placeholder 4">
+              <a:t>https://angularlicio.us</a:t>
+            </a:r>
+          </a:p>
+        </p:txBody>
+      </p:sp>
+      <p:sp>
+        <p:nvSpPr>
+          <p:cNvPr id="5" name="Content Placeholder 4">
             <a:extLst>
               <a:ext uri="{FF2B5EF4-FFF2-40B4-BE49-F238E27FC236}">
-                <a16:creationId xmlns="" xmlns:a16="http://schemas.microsoft.com/office/drawing/2014/main" id="{6BBFB1BC-36BD-4978-BBF6-7318531E89A6}"/>
+                <a16:creationId xmlns:a16="http://schemas.microsoft.com/office/drawing/2014/main" xmlns="" id="{2D81C24B-5FC3-4E7E-9972-76F0122DFC68}"/>
               </a:ext>
             </a:extLst>
           </p:cNvPr>
@@ -8459,22 +8278,43 @@
             <a:spLocks noGrp="1"/>
           </p:cNvSpPr>
           <p:nvPr>
-            <p:ph type="body" idx="1"/>
-          </p:nvPr>
-        </p:nvSpPr>
-        <p:spPr/>
-        <p:txBody>
-          <a:bodyPr/>
-          <a:lstStyle/>
-          <a:p>
-            <a:endParaRPr lang="en-US" dirty="0"/>
+            <p:ph idx="1"/>
+          </p:nvPr>
+        </p:nvSpPr>
+        <p:spPr/>
+        <p:txBody>
+          <a:bodyPr/>
+          <a:lstStyle/>
+          <a:p>
+            <a:r>
+              <a:rPr lang="en-US" dirty="0"/>
+              <a:t>blog</a:t>
+            </a:r>
+          </a:p>
+          <a:p>
+            <a:r>
+              <a:rPr lang="en-US" dirty="0"/>
+              <a:t>book: Custom Angular Modules</a:t>
+            </a:r>
+          </a:p>
+          <a:p>
+            <a:r>
+              <a:rPr lang="en-US" dirty="0"/>
+              <a:t>quick guide PDF</a:t>
+            </a:r>
+          </a:p>
+          <a:p>
+            <a:r>
+              <a:rPr lang="en-US" dirty="0"/>
+              <a:t>podcasts</a:t>
+            </a:r>
           </a:p>
         </p:txBody>
       </p:sp>
     </p:spTree>
     <p:extLst>
       <p:ext uri="{BB962C8B-B14F-4D97-AF65-F5344CB8AC3E}">
-        <p14:creationId xmlns:p14="http://schemas.microsoft.com/office/powerpoint/2010/main" val="1965638911"/>
+        <p14:creationId xmlns:p14="http://schemas.microsoft.com/office/powerpoint/2010/main" val="3445308411"/>
       </p:ext>
     </p:extLst>
   </p:cSld>
@@ -8506,7 +8346,7 @@
           <p:cNvPr id="4" name="Title 3">
             <a:extLst>
               <a:ext uri="{FF2B5EF4-FFF2-40B4-BE49-F238E27FC236}">
-                <a16:creationId xmlns="" xmlns:a16="http://schemas.microsoft.com/office/drawing/2014/main" id="{06F1107E-18AC-491F-9E66-0719E15ED872}"/>
+                <a16:creationId xmlns:a16="http://schemas.microsoft.com/office/drawing/2014/main" xmlns="" id="{06F1107E-18AC-491F-9E66-0719E15ED872}"/>
               </a:ext>
             </a:extLst>
           </p:cNvPr>
@@ -8517,14 +8357,19 @@
             <p:ph type="title"/>
           </p:nvPr>
         </p:nvSpPr>
-        <p:spPr/>
-        <p:txBody>
-          <a:bodyPr/>
-          <a:lstStyle/>
-          <a:p>
-            <a:r>
-              <a:rPr lang="en-US" dirty="0"/>
-              <a:t>https://github.com/buildmotion</a:t>
+        <p:spPr>
+          <a:xfrm>
+            <a:off x="646111" y="452718"/>
+            <a:ext cx="10056723" cy="1400530"/>
+          </a:xfrm>
+        </p:spPr>
+        <p:txBody>
+          <a:bodyPr/>
+          <a:lstStyle/>
+          <a:p>
+            <a:r>
+              <a:rPr lang="en-US" dirty="0"/>
+              <a:t>https://angularlicious.teachable.com</a:t>
             </a:r>
           </a:p>
         </p:txBody>
@@ -8534,7 +8379,7 @@
           <p:cNvPr id="5" name="Content Placeholder 4">
             <a:extLst>
               <a:ext uri="{FF2B5EF4-FFF2-40B4-BE49-F238E27FC236}">
-                <a16:creationId xmlns="" xmlns:a16="http://schemas.microsoft.com/office/drawing/2014/main" id="{2D81C24B-5FC3-4E7E-9972-76F0122DFC68}"/>
+                <a16:creationId xmlns:a16="http://schemas.microsoft.com/office/drawing/2014/main" xmlns="" id="{2D81C24B-5FC3-4E7E-9972-76F0122DFC68}"/>
               </a:ext>
             </a:extLst>
           </p:cNvPr>
@@ -8552,40 +8397,21 @@
           <a:p>
             <a:r>
               <a:rPr lang="en-US" dirty="0"/>
-              <a:t>references for each module typescript</a:t>
-            </a:r>
-          </a:p>
-          <a:p>
-            <a:r>
-              <a:rPr lang="en-US" dirty="0"/>
-              <a:t>reference application</a:t>
-            </a:r>
-          </a:p>
-          <a:p>
-            <a:r>
-              <a:rPr lang="en-US" dirty="0"/>
-              <a:t>starter kit for Angular Module</a:t>
-            </a:r>
-          </a:p>
-          <a:p>
-            <a:pPr marL="0" indent="0">
-              <a:buNone/>
-            </a:pPr>
-            <a:r>
-              <a:rPr lang="en-US" dirty="0"/>
-              <a:t/>
-            </a:r>
-            <a:br>
-              <a:rPr lang="en-US" dirty="0"/>
-            </a:br>
-            <a:endParaRPr lang="en-US" dirty="0"/>
+              <a:t>Video Tutorials</a:t>
+            </a:r>
+          </a:p>
+          <a:p>
+            <a:r>
+              <a:rPr lang="en-US" dirty="0"/>
+              <a:t>PDF guides</a:t>
+            </a:r>
           </a:p>
         </p:txBody>
       </p:sp>
     </p:spTree>
     <p:extLst>
       <p:ext uri="{BB962C8B-B14F-4D97-AF65-F5344CB8AC3E}">
-        <p14:creationId xmlns:p14="http://schemas.microsoft.com/office/powerpoint/2010/main" val="2532495305"/>
+        <p14:creationId xmlns:p14="http://schemas.microsoft.com/office/powerpoint/2010/main" val="1525189172"/>
       </p:ext>
     </p:extLst>
   </p:cSld>
@@ -8614,10 +8440,10 @@
       </p:grpSpPr>
       <p:sp>
         <p:nvSpPr>
-          <p:cNvPr id="4" name="Title 3">
+          <p:cNvPr id="7" name="Title 6">
             <a:extLst>
               <a:ext uri="{FF2B5EF4-FFF2-40B4-BE49-F238E27FC236}">
-                <a16:creationId xmlns="" xmlns:a16="http://schemas.microsoft.com/office/drawing/2014/main" id="{06F1107E-18AC-491F-9E66-0719E15ED872}"/>
+                <a16:creationId xmlns:a16="http://schemas.microsoft.com/office/drawing/2014/main" xmlns="" id="{7059C8FD-C565-4E0A-97B0-23FE63396127}"/>
               </a:ext>
             </a:extLst>
           </p:cNvPr>
@@ -8635,17 +8461,17 @@
           <a:p>
             <a:r>
               <a:rPr lang="en-US" dirty="0"/>
-              <a:t>https://angularlicio.us</a:t>
-            </a:r>
-          </a:p>
-        </p:txBody>
-      </p:sp>
-      <p:sp>
-        <p:nvSpPr>
-          <p:cNvPr id="5" name="Content Placeholder 4">
+              <a:t>Principles</a:t>
+            </a:r>
+          </a:p>
+        </p:txBody>
+      </p:sp>
+      <p:sp>
+        <p:nvSpPr>
+          <p:cNvPr id="8" name="Content Placeholder 7">
             <a:extLst>
               <a:ext uri="{FF2B5EF4-FFF2-40B4-BE49-F238E27FC236}">
-                <a16:creationId xmlns="" xmlns:a16="http://schemas.microsoft.com/office/drawing/2014/main" id="{2D81C24B-5FC3-4E7E-9972-76F0122DFC68}"/>
+                <a16:creationId xmlns:a16="http://schemas.microsoft.com/office/drawing/2014/main" xmlns="" id="{E8C7AE57-2CEF-4898-8EA6-09DFDEBC0037}"/>
               </a:ext>
             </a:extLst>
           </p:cNvPr>
@@ -8662,40 +8488,44 @@
           <a:lstStyle/>
           <a:p>
             <a:r>
-              <a:rPr lang="en-US" dirty="0"/>
-              <a:t>blog</a:t>
-            </a:r>
-          </a:p>
-          <a:p>
-            <a:r>
-              <a:rPr lang="en-US" dirty="0"/>
-              <a:t>book: Custom Angular Modules</a:t>
-            </a:r>
-          </a:p>
-          <a:p>
-            <a:r>
-              <a:rPr lang="en-US" dirty="0"/>
-              <a:t>quick guide PDF</a:t>
-            </a:r>
-          </a:p>
-          <a:p>
-            <a:r>
-              <a:rPr lang="en-US" dirty="0"/>
-              <a:t>podcasts</a:t>
-            </a:r>
+              <a:rPr lang="en-US" dirty="0">
+                <a:hlinkClick r:id="rId2"/>
+              </a:rPr>
+              <a:t>DRY</a:t>
+            </a:r>
+            <a:r>
+              <a:rPr lang="en-US" dirty="0"/>
+              <a:t> (Don’t Repeat Yourself)</a:t>
+            </a:r>
+          </a:p>
+          <a:p>
+            <a:r>
+              <a:rPr lang="en-US" dirty="0">
+                <a:hlinkClick r:id="rId3"/>
+              </a:rPr>
+              <a:t>SOLID Principles</a:t>
+            </a:r>
+            <a:endParaRPr lang="en-US" dirty="0"/>
           </a:p>
         </p:txBody>
       </p:sp>
     </p:spTree>
     <p:extLst>
       <p:ext uri="{BB962C8B-B14F-4D97-AF65-F5344CB8AC3E}">
-        <p14:creationId xmlns:p14="http://schemas.microsoft.com/office/powerpoint/2010/main" val="3445308411"/>
+        <p14:creationId xmlns:p14="http://schemas.microsoft.com/office/powerpoint/2010/main" val="2509080507"/>
       </p:ext>
     </p:extLst>
   </p:cSld>
   <p:clrMapOvr>
     <a:masterClrMapping/>
   </p:clrMapOvr>
+  <p:timing>
+    <p:tnLst>
+      <p:par>
+        <p:cTn id="1" dur="indefinite" restart="never" nodeType="tmRoot"/>
+      </p:par>
+    </p:tnLst>
+  </p:timing>
 </p:sld>
 </file>
 
@@ -8718,10 +8548,10 @@
       </p:grpSpPr>
       <p:sp>
         <p:nvSpPr>
-          <p:cNvPr id="4" name="Title 3">
+          <p:cNvPr id="7" name="Title 6">
             <a:extLst>
               <a:ext uri="{FF2B5EF4-FFF2-40B4-BE49-F238E27FC236}">
-                <a16:creationId xmlns="" xmlns:a16="http://schemas.microsoft.com/office/drawing/2014/main" id="{06F1107E-18AC-491F-9E66-0719E15ED872}"/>
+                <a16:creationId xmlns:a16="http://schemas.microsoft.com/office/drawing/2014/main" xmlns="" id="{7059C8FD-C565-4E0A-97B0-23FE63396127}"/>
               </a:ext>
             </a:extLst>
           </p:cNvPr>
@@ -8732,29 +8562,25 @@
             <p:ph type="title"/>
           </p:nvPr>
         </p:nvSpPr>
-        <p:spPr>
-          <a:xfrm>
-            <a:off x="646111" y="452718"/>
-            <a:ext cx="10056723" cy="1400530"/>
-          </a:xfrm>
-        </p:spPr>
-        <p:txBody>
-          <a:bodyPr/>
-          <a:lstStyle/>
-          <a:p>
-            <a:r>
-              <a:rPr lang="en-US" dirty="0"/>
-              <a:t>https://angularlicious.teachable.com</a:t>
-            </a:r>
-          </a:p>
-        </p:txBody>
-      </p:sp>
-      <p:sp>
-        <p:nvSpPr>
-          <p:cNvPr id="5" name="Content Placeholder 4">
+        <p:spPr/>
+        <p:txBody>
+          <a:bodyPr/>
+          <a:lstStyle/>
+          <a:p>
+            <a:r>
+              <a:rPr lang="en-US" dirty="0" smtClean="0"/>
+              <a:t>References</a:t>
+            </a:r>
+            <a:endParaRPr lang="en-US" dirty="0"/>
+          </a:p>
+        </p:txBody>
+      </p:sp>
+      <p:sp>
+        <p:nvSpPr>
+          <p:cNvPr id="8" name="Content Placeholder 7">
             <a:extLst>
               <a:ext uri="{FF2B5EF4-FFF2-40B4-BE49-F238E27FC236}">
-                <a16:creationId xmlns="" xmlns:a16="http://schemas.microsoft.com/office/drawing/2014/main" id="{2D81C24B-5FC3-4E7E-9972-76F0122DFC68}"/>
+                <a16:creationId xmlns:a16="http://schemas.microsoft.com/office/drawing/2014/main" xmlns="" id="{E8C7AE57-2CEF-4898-8EA6-09DFDEBC0037}"/>
               </a:ext>
             </a:extLst>
           </p:cNvPr>
@@ -8771,215 +8597,60 @@
           <a:lstStyle/>
           <a:p>
             <a:r>
-              <a:rPr lang="en-US" dirty="0"/>
-              <a:t>Video Tutorials</a:t>
-            </a:r>
-          </a:p>
-          <a:p>
-            <a:r>
-              <a:rPr lang="en-US" dirty="0"/>
-              <a:t>PDF guides</a:t>
-            </a:r>
-          </a:p>
-        </p:txBody>
-      </p:sp>
-    </p:spTree>
-    <p:extLst>
-      <p:ext uri="{BB962C8B-B14F-4D97-AF65-F5344CB8AC3E}">
-        <p14:creationId xmlns:p14="http://schemas.microsoft.com/office/powerpoint/2010/main" val="1525189172"/>
-      </p:ext>
-    </p:extLst>
-  </p:cSld>
-  <p:clrMapOvr>
-    <a:masterClrMapping/>
-  </p:clrMapOvr>
-</p:sld>
-</file>
-
-<file path=ppt/slides/slide47.xml><?xml version="1.0" encoding="utf-8"?>
-<p:sld xmlns:a="http://schemas.openxmlformats.org/drawingml/2006/main" xmlns:r="http://schemas.openxmlformats.org/officeDocument/2006/relationships" xmlns:p="http://schemas.openxmlformats.org/presentationml/2006/main">
-  <p:cSld>
-    <p:spTree>
-      <p:nvGrpSpPr>
-        <p:cNvPr id="1" name=""/>
-        <p:cNvGrpSpPr/>
-        <p:nvPr/>
-      </p:nvGrpSpPr>
-      <p:grpSpPr>
-        <a:xfrm>
-          <a:off x="0" y="0"/>
-          <a:ext cx="0" cy="0"/>
-          <a:chOff x="0" y="0"/>
-          <a:chExt cx="0" cy="0"/>
-        </a:xfrm>
-      </p:grpSpPr>
-      <p:sp>
-        <p:nvSpPr>
-          <p:cNvPr id="7" name="Title 6">
-            <a:extLst>
-              <a:ext uri="{FF2B5EF4-FFF2-40B4-BE49-F238E27FC236}">
-                <a16:creationId xmlns="" xmlns:a16="http://schemas.microsoft.com/office/drawing/2014/main" id="{7059C8FD-C565-4E0A-97B0-23FE63396127}"/>
-              </a:ext>
-            </a:extLst>
-          </p:cNvPr>
-          <p:cNvSpPr>
-            <a:spLocks noGrp="1"/>
-          </p:cNvSpPr>
-          <p:nvPr>
-            <p:ph type="title"/>
-          </p:nvPr>
-        </p:nvSpPr>
-        <p:spPr/>
-        <p:txBody>
-          <a:bodyPr/>
-          <a:lstStyle/>
-          <a:p>
-            <a:r>
-              <a:rPr lang="en-US" dirty="0"/>
-              <a:t>Principles</a:t>
-            </a:r>
-          </a:p>
-        </p:txBody>
-      </p:sp>
-      <p:sp>
-        <p:nvSpPr>
-          <p:cNvPr id="8" name="Content Placeholder 7">
-            <a:extLst>
-              <a:ext uri="{FF2B5EF4-FFF2-40B4-BE49-F238E27FC236}">
-                <a16:creationId xmlns="" xmlns:a16="http://schemas.microsoft.com/office/drawing/2014/main" id="{E8C7AE57-2CEF-4898-8EA6-09DFDEBC0037}"/>
-              </a:ext>
-            </a:extLst>
-          </p:cNvPr>
-          <p:cNvSpPr>
-            <a:spLocks noGrp="1"/>
-          </p:cNvSpPr>
-          <p:nvPr>
-            <p:ph idx="1"/>
-          </p:nvPr>
-        </p:nvSpPr>
-        <p:spPr/>
-        <p:txBody>
-          <a:bodyPr/>
-          <a:lstStyle/>
-          <a:p>
-            <a:r>
               <a:rPr lang="en-US" dirty="0">
                 <a:hlinkClick r:id="rId2"/>
               </a:rPr>
-              <a:t>DRY</a:t>
-            </a:r>
-            <a:r>
-              <a:rPr lang="en-US" dirty="0"/>
-              <a:t> (Don’t Repeat Yourself)</a:t>
-            </a:r>
-          </a:p>
-          <a:p>
+              <a:t>Brief history of JavaScript Modules</a:t>
+            </a:r>
+            <a:endParaRPr lang="en-US" dirty="0"/>
+          </a:p>
+          <a:p>
+            <a:r>
+              <a:rPr lang="en-US" dirty="0" smtClean="0">
+                <a:hlinkClick r:id="rId3"/>
+              </a:rPr>
+              <a:t>https</a:t>
+            </a:r>
             <a:r>
               <a:rPr lang="en-US" dirty="0">
                 <a:hlinkClick r:id="rId3"/>
               </a:rPr>
-              <a:t>SOLID Principles</a:t>
-            </a:r>
-            <a:endParaRPr lang="en-US" dirty="0"/>
-          </a:p>
-        </p:txBody>
-      </p:sp>
-    </p:spTree>
-    <p:extLst>
-      <p:ext uri="{BB962C8B-B14F-4D97-AF65-F5344CB8AC3E}">
-        <p14:creationId xmlns:p14="http://schemas.microsoft.com/office/powerpoint/2010/main" val="2509080507"/>
-      </p:ext>
-    </p:extLst>
-  </p:cSld>
-  <p:clrMapOvr>
-    <a:masterClrMapping/>
-  </p:clrMapOvr>
-  <p:timing>
-    <p:tnLst>
-      <p:par>
-        <p:cTn id="1" dur="indefinite" restart="never" nodeType="tmRoot"/>
-      </p:par>
-    </p:tnLst>
-  </p:timing>
-</p:sld>
-</file>
-
-<file path=ppt/slides/slide48.xml><?xml version="1.0" encoding="utf-8"?>
-<p:sld xmlns:a="http://schemas.openxmlformats.org/drawingml/2006/main" xmlns:r="http://schemas.openxmlformats.org/officeDocument/2006/relationships" xmlns:p="http://schemas.openxmlformats.org/presentationml/2006/main">
-  <p:cSld>
-    <p:spTree>
-      <p:nvGrpSpPr>
-        <p:cNvPr id="1" name=""/>
-        <p:cNvGrpSpPr/>
-        <p:nvPr/>
-      </p:nvGrpSpPr>
-      <p:grpSpPr>
-        <a:xfrm>
-          <a:off x="0" y="0"/>
-          <a:ext cx="0" cy="0"/>
-          <a:chOff x="0" y="0"/>
-          <a:chExt cx="0" cy="0"/>
-        </a:xfrm>
-      </p:grpSpPr>
-      <p:sp>
-        <p:nvSpPr>
-          <p:cNvPr id="7" name="Title 6">
-            <a:extLst>
-              <a:ext uri="{FF2B5EF4-FFF2-40B4-BE49-F238E27FC236}">
-                <a16:creationId xmlns="" xmlns:a16="http://schemas.microsoft.com/office/drawing/2014/main" id="{7059C8FD-C565-4E0A-97B0-23FE63396127}"/>
-              </a:ext>
-            </a:extLst>
-          </p:cNvPr>
-          <p:cNvSpPr>
-            <a:spLocks noGrp="1"/>
-          </p:cNvSpPr>
-          <p:nvPr>
-            <p:ph type="title"/>
-          </p:nvPr>
-        </p:nvSpPr>
-        <p:spPr/>
-        <p:txBody>
-          <a:bodyPr/>
-          <a:lstStyle/>
-          <a:p>
-            <a:r>
-              <a:rPr lang="en-US" dirty="0" smtClean="0"/>
-              <a:t>References</a:t>
-            </a:r>
-            <a:endParaRPr lang="en-US" dirty="0"/>
-          </a:p>
-        </p:txBody>
-      </p:sp>
-      <p:sp>
-        <p:nvSpPr>
-          <p:cNvPr id="8" name="Content Placeholder 7">
-            <a:extLst>
-              <a:ext uri="{FF2B5EF4-FFF2-40B4-BE49-F238E27FC236}">
-                <a16:creationId xmlns="" xmlns:a16="http://schemas.microsoft.com/office/drawing/2014/main" id="{E8C7AE57-2CEF-4898-8EA6-09DFDEBC0037}"/>
-              </a:ext>
-            </a:extLst>
-          </p:cNvPr>
-          <p:cNvSpPr>
-            <a:spLocks noGrp="1"/>
-          </p:cNvSpPr>
-          <p:nvPr>
-            <p:ph idx="1"/>
-          </p:nvPr>
-        </p:nvSpPr>
-        <p:spPr/>
-        <p:txBody>
-          <a:bodyPr/>
-          <a:lstStyle/>
+              <a:t>://eloquentjavascript.net/10_modules.html</a:t>
+            </a:r>
+          </a:p>
           <a:p>
             <a:r>
               <a:rPr lang="en-US" dirty="0" smtClean="0">
-                <a:hlinkClick r:id="rId2"/>
+                <a:hlinkClick r:id="rId3"/>
+              </a:rPr>
+              <a:t>What are </a:t>
+            </a:r>
+            <a:r>
+              <a:rPr lang="en-US" dirty="0" err="1" smtClean="0">
+                <a:hlinkClick r:id="rId3"/>
+              </a:rPr>
+              <a:t>Javascript</a:t>
+            </a:r>
+            <a:r>
+              <a:rPr lang="en-US" dirty="0" smtClean="0">
+                <a:hlinkClick r:id="rId3"/>
+              </a:rPr>
+              <a:t> modules?</a:t>
+            </a:r>
+            <a:endParaRPr lang="en-US" dirty="0" smtClean="0">
+              <a:hlinkClick r:id="rId4"/>
+            </a:endParaRPr>
+          </a:p>
+          <a:p>
+            <a:r>
+              <a:rPr lang="en-US" dirty="0" smtClean="0">
+                <a:hlinkClick r:id="rId4"/>
               </a:rPr>
               <a:t>Core </a:t>
             </a:r>
             <a:r>
               <a:rPr lang="en-US" dirty="0" smtClean="0">
-                <a:hlinkClick r:id="rId2"/>
+                <a:hlinkClick r:id="rId4"/>
               </a:rPr>
               <a:t>and Shared modules</a:t>
             </a:r>
@@ -8991,7 +8662,7 @@
           <a:p>
             <a:r>
               <a:rPr lang="en-US" dirty="0">
-                <a:hlinkClick r:id="rId3"/>
+                <a:hlinkClick r:id="rId5"/>
               </a:rPr>
               <a:t>What kinds of modules should I have and how should I use them?</a:t>
             </a:r>
@@ -9044,10 +8715,10 @@
       </p:grpSpPr>
       <p:sp>
         <p:nvSpPr>
-          <p:cNvPr id="2" name="Title 1">
+          <p:cNvPr id="4" name="Title 3">
             <a:extLst>
               <a:ext uri="{FF2B5EF4-FFF2-40B4-BE49-F238E27FC236}">
-                <a16:creationId xmlns="" xmlns:a16="http://schemas.microsoft.com/office/drawing/2014/main" id="{C01E7584-6162-4CF3-91C8-8324E2B7F32A}"/>
+                <a16:creationId xmlns:a16="http://schemas.microsoft.com/office/drawing/2014/main" xmlns="" id="{29691F00-552A-492D-9CF1-604C67A6A71F}"/>
               </a:ext>
             </a:extLst>
           </p:cNvPr>
@@ -9065,25 +8736,17 @@
           <a:p>
             <a:r>
               <a:rPr lang="en-US" dirty="0"/>
-              <a:t>What’s wrong with </a:t>
-            </a:r>
-            <a:r>
-              <a:rPr lang="en-US" strike="sngStrike" dirty="0"/>
-              <a:t>me</a:t>
-            </a:r>
-            <a:r>
-              <a:rPr lang="en-US" dirty="0"/>
-              <a:t> my modules?</a:t>
-            </a:r>
-          </a:p>
-        </p:txBody>
-      </p:sp>
-      <p:sp>
-        <p:nvSpPr>
-          <p:cNvPr id="3" name="Text Placeholder 2">
+              <a:t>What we will learn:</a:t>
+            </a:r>
+          </a:p>
+        </p:txBody>
+      </p:sp>
+      <p:sp>
+        <p:nvSpPr>
+          <p:cNvPr id="5" name="Content Placeholder 4">
             <a:extLst>
               <a:ext uri="{FF2B5EF4-FFF2-40B4-BE49-F238E27FC236}">
-                <a16:creationId xmlns="" xmlns:a16="http://schemas.microsoft.com/office/drawing/2014/main" id="{B191F7E8-FCE9-4FEE-9350-83E92CCE9081}"/>
+                <a16:creationId xmlns:a16="http://schemas.microsoft.com/office/drawing/2014/main" xmlns="" id="{BE56CBE2-9D8B-404A-B4C8-A3C0ED676782}"/>
               </a:ext>
             </a:extLst>
           </p:cNvPr>
@@ -9091,22 +8754,45 @@
             <a:spLocks noGrp="1"/>
           </p:cNvSpPr>
           <p:nvPr>
-            <p:ph type="body" idx="1"/>
-          </p:nvPr>
-        </p:nvSpPr>
-        <p:spPr/>
-        <p:txBody>
-          <a:bodyPr/>
-          <a:lstStyle/>
-          <a:p>
-            <a:endParaRPr lang="en-US" dirty="0"/>
+            <p:ph idx="1"/>
+          </p:nvPr>
+        </p:nvSpPr>
+        <p:spPr/>
+        <p:txBody>
+          <a:bodyPr>
+            <a:normAutofit/>
+          </a:bodyPr>
+          <a:lstStyle/>
+          <a:p>
+            <a:r>
+              <a:rPr lang="en-US" dirty="0"/>
+              <a:t>Why modules are important in your application architecture and design.</a:t>
+            </a:r>
+          </a:p>
+          <a:p>
+            <a:r>
+              <a:rPr lang="en-US" dirty="0"/>
+              <a:t>How to create custom modules that can be developed as their own Angular libraries.</a:t>
+            </a:r>
+          </a:p>
+          <a:p>
+            <a:r>
+              <a:rPr lang="en-US" dirty="0"/>
+              <a:t>How to use your custom modules in other Angular applications.</a:t>
+            </a:r>
+          </a:p>
+          <a:p>
+            <a:r>
+              <a:rPr lang="en-US" dirty="0"/>
+              <a:t>How to create different types of modules that take care of different application concerns.</a:t>
+            </a:r>
           </a:p>
         </p:txBody>
       </p:sp>
     </p:spTree>
     <p:extLst>
       <p:ext uri="{BB962C8B-B14F-4D97-AF65-F5344CB8AC3E}">
-        <p14:creationId xmlns:p14="http://schemas.microsoft.com/office/powerpoint/2010/main" val="2585196172"/>
+        <p14:creationId xmlns:p14="http://schemas.microsoft.com/office/powerpoint/2010/main" val="2381475116"/>
       </p:ext>
     </p:extLst>
   </p:cSld>
@@ -9142,10 +8828,10 @@
       </p:grpSpPr>
       <p:sp>
         <p:nvSpPr>
-          <p:cNvPr id="4" name="Title 3">
+          <p:cNvPr id="2" name="Title 1">
             <a:extLst>
               <a:ext uri="{FF2B5EF4-FFF2-40B4-BE49-F238E27FC236}">
-                <a16:creationId xmlns="" xmlns:a16="http://schemas.microsoft.com/office/drawing/2014/main" id="{D8756094-9621-4DC1-A23F-C5CC45B89974}"/>
+                <a16:creationId xmlns:a16="http://schemas.microsoft.com/office/drawing/2014/main" xmlns="" id="{C01E7584-6162-4CF3-91C8-8324E2B7F32A}"/>
               </a:ext>
             </a:extLst>
           </p:cNvPr>
@@ -9158,24 +8844,30 @@
         </p:nvSpPr>
         <p:spPr/>
         <p:txBody>
-          <a:bodyPr>
-            <a:normAutofit/>
-          </a:bodyPr>
-          <a:lstStyle/>
-          <a:p>
-            <a:r>
-              <a:rPr lang="en-US" dirty="0"/>
-              <a:t>Houston, we have a problem.</a:t>
-            </a:r>
-          </a:p>
-        </p:txBody>
-      </p:sp>
-      <p:sp>
-        <p:nvSpPr>
-          <p:cNvPr id="5" name="Content Placeholder 4">
+          <a:bodyPr/>
+          <a:lstStyle/>
+          <a:p>
+            <a:r>
+              <a:rPr lang="en-US" dirty="0"/>
+              <a:t>What’s wrong with </a:t>
+            </a:r>
+            <a:r>
+              <a:rPr lang="en-US" strike="sngStrike" dirty="0"/>
+              <a:t>me</a:t>
+            </a:r>
+            <a:r>
+              <a:rPr lang="en-US" dirty="0"/>
+              <a:t> my modules?</a:t>
+            </a:r>
+          </a:p>
+        </p:txBody>
+      </p:sp>
+      <p:sp>
+        <p:nvSpPr>
+          <p:cNvPr id="3" name="Text Placeholder 2">
             <a:extLst>
               <a:ext uri="{FF2B5EF4-FFF2-40B4-BE49-F238E27FC236}">
-                <a16:creationId xmlns="" xmlns:a16="http://schemas.microsoft.com/office/drawing/2014/main" id="{9CF56606-5311-4DEC-934B-0E6021746F4D}"/>
+                <a16:creationId xmlns:a16="http://schemas.microsoft.com/office/drawing/2014/main" xmlns="" id="{B191F7E8-FCE9-4FEE-9350-83E92CCE9081}"/>
               </a:ext>
             </a:extLst>
           </p:cNvPr>
@@ -9183,67 +8875,13 @@
             <a:spLocks noGrp="1"/>
           </p:cNvSpPr>
           <p:nvPr>
-            <p:ph idx="1"/>
-          </p:nvPr>
-        </p:nvSpPr>
-        <p:spPr/>
-        <p:txBody>
-          <a:bodyPr/>
-          <a:lstStyle/>
-          <a:p>
-            <a:r>
-              <a:rPr lang="en-US" dirty="0"/>
-              <a:t>If you application has only one module (i.e., </a:t>
-            </a:r>
-            <a:r>
-              <a:rPr lang="en-US" dirty="0"/>
-              <a:t>app.module</a:t>
-            </a:r>
-            <a:r>
-              <a:rPr lang="en-US" dirty="0"/>
-              <a:t>)…</a:t>
-            </a:r>
-          </a:p>
-          <a:p>
-            <a:pPr lvl="1"/>
-            <a:r>
-              <a:rPr lang="en-US" dirty="0"/>
-              <a:t>you </a:t>
-            </a:r>
-            <a:r>
-              <a:rPr lang="en-US" strike="sngStrike" dirty="0"/>
-              <a:t>might</a:t>
-            </a:r>
-            <a:r>
-              <a:rPr lang="en-US" dirty="0"/>
-              <a:t> already have a problem. </a:t>
-            </a:r>
-          </a:p>
-          <a:p>
-            <a:r>
-              <a:rPr lang="en-US" dirty="0"/>
-              <a:t>No “junk drawer” modules.</a:t>
-            </a:r>
-          </a:p>
-          <a:p>
-            <a:pPr lvl="1"/>
-            <a:r>
-              <a:rPr lang="en-US" dirty="0"/>
-              <a:t>Modules with everything and a kitchen sink.</a:t>
-            </a:r>
-          </a:p>
-          <a:p>
-            <a:r>
-              <a:rPr lang="en-US" dirty="0"/>
-              <a:t>Application with modules, components, services, or other things copied from another application.</a:t>
-            </a:r>
-          </a:p>
-          <a:p>
-            <a:r>
-              <a:rPr lang="en-US" dirty="0"/>
-              <a:t>Code copied to more than one application.</a:t>
-            </a:r>
-          </a:p>
+            <p:ph type="body" idx="1"/>
+          </p:nvPr>
+        </p:nvSpPr>
+        <p:spPr/>
+        <p:txBody>
+          <a:bodyPr/>
+          <a:lstStyle/>
           <a:p>
             <a:endParaRPr lang="en-US" dirty="0"/>
           </a:p>
@@ -9252,7 +8890,7 @@
     </p:spTree>
     <p:extLst>
       <p:ext uri="{BB962C8B-B14F-4D97-AF65-F5344CB8AC3E}">
-        <p14:creationId xmlns:p14="http://schemas.microsoft.com/office/powerpoint/2010/main" val="3767501097"/>
+        <p14:creationId xmlns:p14="http://schemas.microsoft.com/office/powerpoint/2010/main" val="2585196172"/>
       </p:ext>
     </p:extLst>
   </p:cSld>
@@ -9291,7 +8929,7 @@
           <p:cNvPr id="4" name="Title 3">
             <a:extLst>
               <a:ext uri="{FF2B5EF4-FFF2-40B4-BE49-F238E27FC236}">
-                <a16:creationId xmlns="" xmlns:a16="http://schemas.microsoft.com/office/drawing/2014/main" id="{D8756094-9621-4DC1-A23F-C5CC45B89974}"/>
+                <a16:creationId xmlns:a16="http://schemas.microsoft.com/office/drawing/2014/main" xmlns="" id="{D8756094-9621-4DC1-A23F-C5CC45B89974}"/>
               </a:ext>
             </a:extLst>
           </p:cNvPr>
@@ -9310,10 +8948,9 @@
           <a:lstStyle/>
           <a:p>
             <a:r>
-              <a:rPr lang="en-US" dirty="0" smtClean="0"/>
-              <a:t>Software Transmitted Defects</a:t>
-            </a:r>
-            <a:endParaRPr lang="en-US" dirty="0"/>
+              <a:rPr lang="en-US" dirty="0"/>
+              <a:t>Houston, we have a problem.</a:t>
+            </a:r>
           </a:p>
         </p:txBody>
       </p:sp>
@@ -9322,7 +8959,7 @@
           <p:cNvPr id="5" name="Content Placeholder 4">
             <a:extLst>
               <a:ext uri="{FF2B5EF4-FFF2-40B4-BE49-F238E27FC236}">
-                <a16:creationId xmlns="" xmlns:a16="http://schemas.microsoft.com/office/drawing/2014/main" id="{9CF56606-5311-4DEC-934B-0E6021746F4D}"/>
+                <a16:creationId xmlns:a16="http://schemas.microsoft.com/office/drawing/2014/main" xmlns="" id="{9CF56606-5311-4DEC-934B-0E6021746F4D}"/>
               </a:ext>
             </a:extLst>
           </p:cNvPr>
@@ -9339,52 +8976,49 @@
           <a:lstStyle/>
           <a:p>
             <a:r>
-              <a:rPr lang="en-US" dirty="0" smtClean="0"/>
-              <a:t>Code copied from one location to one or more different locations.</a:t>
-            </a:r>
-          </a:p>
-          <a:p>
-            <a:pPr lvl="1"/>
-            <a:r>
-              <a:rPr lang="en-US" dirty="0" smtClean="0"/>
-              <a:t>Code has defects.</a:t>
-            </a:r>
-          </a:p>
-          <a:p>
-            <a:pPr lvl="1"/>
-            <a:r>
-              <a:rPr lang="en-US" dirty="0" smtClean="0"/>
-              <a:t>Every place that the code is copied to now has the defect.</a:t>
-            </a:r>
-          </a:p>
-          <a:p>
-            <a:r>
-              <a:rPr lang="en-US" dirty="0" smtClean="0"/>
-              <a:t>Code needs to be extended.</a:t>
-            </a:r>
-          </a:p>
-          <a:p>
-            <a:pPr lvl="1"/>
-            <a:r>
-              <a:rPr lang="en-US" dirty="0" smtClean="0"/>
-              <a:t>The code will need to be updated in all places where it was copied.</a:t>
-            </a:r>
-          </a:p>
-          <a:p>
-            <a:r>
-              <a:rPr lang="en-US" dirty="0" smtClean="0"/>
-              <a:t>There is a cure for Software Transmitted Defects. </a:t>
-            </a:r>
-          </a:p>
-          <a:p>
-            <a:pPr lvl="1"/>
-            <a:r>
-              <a:rPr lang="en-US" dirty="0" smtClean="0"/>
-              <a:t>Practice safe programming – DO NOT COPY CODE.</a:t>
-            </a:r>
-          </a:p>
-          <a:p>
-            <a:endParaRPr lang="en-US" dirty="0"/>
+              <a:rPr lang="en-US" dirty="0"/>
+              <a:t>If you application has only one module (i.e., app.module)…</a:t>
+            </a:r>
+          </a:p>
+          <a:p>
+            <a:pPr lvl="1"/>
+            <a:r>
+              <a:rPr lang="en-US" dirty="0"/>
+              <a:t>you </a:t>
+            </a:r>
+            <a:r>
+              <a:rPr lang="en-US" strike="sngStrike" dirty="0"/>
+              <a:t>might</a:t>
+            </a:r>
+            <a:r>
+              <a:rPr lang="en-US" dirty="0"/>
+              <a:t> already have a problem. </a:t>
+            </a:r>
+          </a:p>
+          <a:p>
+            <a:r>
+              <a:rPr lang="en-US" dirty="0"/>
+              <a:t>No “junk drawer” modules.</a:t>
+            </a:r>
+          </a:p>
+          <a:p>
+            <a:pPr lvl="1"/>
+            <a:r>
+              <a:rPr lang="en-US" dirty="0"/>
+              <a:t>Modules with everything and a kitchen sink.</a:t>
+            </a:r>
+          </a:p>
+          <a:p>
+            <a:r>
+              <a:rPr lang="en-US" dirty="0"/>
+              <a:t>Application with modules, components, services, or other things copied from another application.</a:t>
+            </a:r>
+          </a:p>
+          <a:p>
+            <a:r>
+              <a:rPr lang="en-US" dirty="0"/>
+              <a:t>Code copied to more than one application.</a:t>
+            </a:r>
           </a:p>
           <a:p>
             <a:endParaRPr lang="en-US" dirty="0"/>
@@ -9394,7 +9028,7 @@
     </p:spTree>
     <p:extLst>
       <p:ext uri="{BB962C8B-B14F-4D97-AF65-F5344CB8AC3E}">
-        <p14:creationId xmlns:p14="http://schemas.microsoft.com/office/powerpoint/2010/main" val="1227148599"/>
+        <p14:creationId xmlns:p14="http://schemas.microsoft.com/office/powerpoint/2010/main" val="3767501097"/>
       </p:ext>
     </p:extLst>
   </p:cSld>
@@ -9433,7 +9067,7 @@
           <p:cNvPr id="4" name="Title 3">
             <a:extLst>
               <a:ext uri="{FF2B5EF4-FFF2-40B4-BE49-F238E27FC236}">
-                <a16:creationId xmlns="" xmlns:a16="http://schemas.microsoft.com/office/drawing/2014/main" id="{AEA28458-0326-4A2E-8CB6-E137659F6063}"/>
+                <a16:creationId xmlns:a16="http://schemas.microsoft.com/office/drawing/2014/main" xmlns="" id="{D8756094-9621-4DC1-A23F-C5CC45B89974}"/>
               </a:ext>
             </a:extLst>
           </p:cNvPr>
@@ -9446,22 +9080,25 @@
         </p:nvSpPr>
         <p:spPr/>
         <p:txBody>
-          <a:bodyPr/>
-          <a:lstStyle/>
-          <a:p>
-            <a:r>
-              <a:rPr lang="en-US" dirty="0"/>
-              <a:t>Goals and Strategy</a:t>
-            </a:r>
-          </a:p>
-        </p:txBody>
-      </p:sp>
-      <p:sp>
-        <p:nvSpPr>
-          <p:cNvPr id="5" name="Text Placeholder 4">
+          <a:bodyPr>
+            <a:normAutofit/>
+          </a:bodyPr>
+          <a:lstStyle/>
+          <a:p>
+            <a:r>
+              <a:rPr lang="en-US" dirty="0" smtClean="0"/>
+              <a:t>Software Transmitted Defects</a:t>
+            </a:r>
+            <a:endParaRPr lang="en-US" dirty="0"/>
+          </a:p>
+        </p:txBody>
+      </p:sp>
+      <p:sp>
+        <p:nvSpPr>
+          <p:cNvPr id="5" name="Content Placeholder 4">
             <a:extLst>
               <a:ext uri="{FF2B5EF4-FFF2-40B4-BE49-F238E27FC236}">
-                <a16:creationId xmlns="" xmlns:a16="http://schemas.microsoft.com/office/drawing/2014/main" id="{7CC224BA-F94D-442D-AFCF-C6A7D31E20E9}"/>
+                <a16:creationId xmlns:a16="http://schemas.microsoft.com/office/drawing/2014/main" xmlns="" id="{9CF56606-5311-4DEC-934B-0E6021746F4D}"/>
               </a:ext>
             </a:extLst>
           </p:cNvPr>
@@ -9469,25 +9106,71 @@
             <a:spLocks noGrp="1"/>
           </p:cNvSpPr>
           <p:nvPr>
-            <p:ph type="body" idx="1"/>
-          </p:nvPr>
-        </p:nvSpPr>
-        <p:spPr/>
-        <p:txBody>
-          <a:bodyPr/>
-          <a:lstStyle/>
-          <a:p>
-            <a:r>
-              <a:rPr lang="en-US" dirty="0"/>
-              <a:t>What are we trying to achieve?</a:t>
-            </a:r>
+            <p:ph idx="1"/>
+          </p:nvPr>
+        </p:nvSpPr>
+        <p:spPr/>
+        <p:txBody>
+          <a:bodyPr/>
+          <a:lstStyle/>
+          <a:p>
+            <a:r>
+              <a:rPr lang="en-US" dirty="0" smtClean="0"/>
+              <a:t>Code copied from one location to one or more different locations.</a:t>
+            </a:r>
+          </a:p>
+          <a:p>
+            <a:pPr lvl="1"/>
+            <a:r>
+              <a:rPr lang="en-US" dirty="0" smtClean="0"/>
+              <a:t>Code has defects.</a:t>
+            </a:r>
+          </a:p>
+          <a:p>
+            <a:pPr lvl="1"/>
+            <a:r>
+              <a:rPr lang="en-US" dirty="0" smtClean="0"/>
+              <a:t>Every place that the code is copied to now has the defect.</a:t>
+            </a:r>
+          </a:p>
+          <a:p>
+            <a:r>
+              <a:rPr lang="en-US" dirty="0" smtClean="0"/>
+              <a:t>Code needs to be extended.</a:t>
+            </a:r>
+          </a:p>
+          <a:p>
+            <a:pPr lvl="1"/>
+            <a:r>
+              <a:rPr lang="en-US" dirty="0" smtClean="0"/>
+              <a:t>The code will need to be updated in all places where it was copied.</a:t>
+            </a:r>
+          </a:p>
+          <a:p>
+            <a:r>
+              <a:rPr lang="en-US" dirty="0" smtClean="0"/>
+              <a:t>There is a cure for Software Transmitted Defects. </a:t>
+            </a:r>
+          </a:p>
+          <a:p>
+            <a:pPr lvl="1"/>
+            <a:r>
+              <a:rPr lang="en-US" dirty="0" smtClean="0"/>
+              <a:t>Practice safe programming – DO NOT COPY CODE.</a:t>
+            </a:r>
+          </a:p>
+          <a:p>
+            <a:endParaRPr lang="en-US" dirty="0"/>
+          </a:p>
+          <a:p>
+            <a:endParaRPr lang="en-US" dirty="0"/>
           </a:p>
         </p:txBody>
       </p:sp>
     </p:spTree>
     <p:extLst>
       <p:ext uri="{BB962C8B-B14F-4D97-AF65-F5344CB8AC3E}">
-        <p14:creationId xmlns:p14="http://schemas.microsoft.com/office/powerpoint/2010/main" val="3448371169"/>
+        <p14:creationId xmlns:p14="http://schemas.microsoft.com/office/powerpoint/2010/main" val="1227148599"/>
       </p:ext>
     </p:extLst>
   </p:cSld>
@@ -9526,7 +9209,7 @@
           <p:cNvPr id="4" name="Title 3">
             <a:extLst>
               <a:ext uri="{FF2B5EF4-FFF2-40B4-BE49-F238E27FC236}">
-                <a16:creationId xmlns="" xmlns:a16="http://schemas.microsoft.com/office/drawing/2014/main" id="{6240AE52-2211-4C46-8635-FD22D5C1D34C}"/>
+                <a16:creationId xmlns:a16="http://schemas.microsoft.com/office/drawing/2014/main" xmlns="" id="{AEA28458-0326-4A2E-8CB6-E137659F6063}"/>
               </a:ext>
             </a:extLst>
           </p:cNvPr>
@@ -9544,17 +9227,17 @@
           <a:p>
             <a:r>
               <a:rPr lang="en-US" dirty="0"/>
-              <a:t>Goals</a:t>
-            </a:r>
-          </a:p>
-        </p:txBody>
-      </p:sp>
-      <p:sp>
-        <p:nvSpPr>
-          <p:cNvPr id="5" name="Content Placeholder 4">
+              <a:t>Goals and Strategy</a:t>
+            </a:r>
+          </a:p>
+        </p:txBody>
+      </p:sp>
+      <p:sp>
+        <p:nvSpPr>
+          <p:cNvPr id="5" name="Text Placeholder 4">
             <a:extLst>
               <a:ext uri="{FF2B5EF4-FFF2-40B4-BE49-F238E27FC236}">
-                <a16:creationId xmlns="" xmlns:a16="http://schemas.microsoft.com/office/drawing/2014/main" id="{2D4ABA12-C92B-441E-90CA-859C5884328A}"/>
+                <a16:creationId xmlns:a16="http://schemas.microsoft.com/office/drawing/2014/main" xmlns="" id="{7CC224BA-F94D-442D-AFCF-C6A7D31E20E9}"/>
               </a:ext>
             </a:extLst>
           </p:cNvPr>
@@ -9562,43 +9245,17 @@
             <a:spLocks noGrp="1"/>
           </p:cNvSpPr>
           <p:nvPr>
-            <p:ph idx="1"/>
-          </p:nvPr>
-        </p:nvSpPr>
-        <p:spPr/>
-        <p:txBody>
-          <a:bodyPr/>
-          <a:lstStyle/>
-          <a:p>
-            <a:r>
-              <a:rPr lang="en-US" dirty="0"/>
-              <a:t>Great software solutions.</a:t>
-            </a:r>
-          </a:p>
-          <a:p>
-            <a:r>
-              <a:rPr lang="en-US" dirty="0"/>
-              <a:t>Efficient with our resources (time and people)</a:t>
-            </a:r>
-          </a:p>
-          <a:p>
-            <a:r>
-              <a:rPr lang="en-US" dirty="0"/>
-              <a:t>High </a:t>
-            </a:r>
-            <a:r>
-              <a:rPr lang="en-US" i="1" dirty="0"/>
-              <a:t>quality</a:t>
-            </a:r>
-            <a:r>
-              <a:rPr lang="en-US" dirty="0"/>
-              <a:t> software.</a:t>
-            </a:r>
-          </a:p>
-          <a:p>
-            <a:r>
-              <a:rPr lang="en-US" dirty="0"/>
-              <a:t>Share your amazing solutions.</a:t>
+            <p:ph type="body" idx="1"/>
+          </p:nvPr>
+        </p:nvSpPr>
+        <p:spPr/>
+        <p:txBody>
+          <a:bodyPr/>
+          <a:lstStyle/>
+          <a:p>
+            <a:r>
+              <a:rPr lang="en-US" dirty="0"/>
+              <a:t>What are we trying to achieve?</a:t>
             </a:r>
           </a:p>
         </p:txBody>
@@ -9606,7 +9263,7 @@
     </p:spTree>
     <p:extLst>
       <p:ext uri="{BB962C8B-B14F-4D97-AF65-F5344CB8AC3E}">
-        <p14:creationId xmlns:p14="http://schemas.microsoft.com/office/powerpoint/2010/main" val="2321644408"/>
+        <p14:creationId xmlns:p14="http://schemas.microsoft.com/office/powerpoint/2010/main" val="3448371169"/>
       </p:ext>
     </p:extLst>
   </p:cSld>

--- a/presentation/custom-angular-modules.pptx
+++ b/presentation/custom-angular-modules.pptx
@@ -6580,9 +6580,17 @@
               <a:rPr lang="en-US" dirty="0" smtClean="0"/>
               <a:t> Presentation</a:t>
             </a:r>
-            <a:r>
-              <a:rPr lang="en-US" dirty="0" smtClean="0"/>
-              <a:t> </a:t>
+            <a:endParaRPr lang="en-US" dirty="0"/>
+          </a:p>
+          <a:p>
+            <a:pPr lvl="1"/>
+            <a:r>
+              <a:rPr lang="en-US" dirty="0" smtClean="0"/>
+              <a:t>Guide </a:t>
+            </a:r>
+            <a:r>
+              <a:rPr lang="en-US" smtClean="0"/>
+              <a:t>(markdown/PDF)</a:t>
             </a:r>
             <a:endParaRPr lang="en-US" dirty="0"/>
           </a:p>

--- a/presentation/custom-angular-modules.pptx
+++ b/presentation/custom-angular-modules.pptx
@@ -6560,7 +6560,15 @@
             <a:pPr lvl="1"/>
             <a:r>
               <a:rPr lang="en-US" dirty="0" smtClean="0"/>
-              <a:t>Custom Angular Module</a:t>
+              <a:t>Custom Angular Module (source, </a:t>
+            </a:r>
+            <a:r>
+              <a:rPr lang="en-US" dirty="0" err="1" smtClean="0"/>
+              <a:t>dist</a:t>
+            </a:r>
+            <a:r>
+              <a:rPr lang="en-US" dirty="0" smtClean="0"/>
+              <a:t>)</a:t>
             </a:r>
           </a:p>
           <a:p>
@@ -6569,6 +6577,25 @@
               <a:rPr lang="en-US" dirty="0" smtClean="0"/>
               <a:t>(2) client Angular applications using different versions of the module.</a:t>
             </a:r>
+          </a:p>
+          <a:p>
+            <a:pPr lvl="2"/>
+            <a:r>
+              <a:rPr lang="en-US" dirty="0" smtClean="0"/>
+              <a:t>Basic logging</a:t>
+            </a:r>
+          </a:p>
+          <a:p>
+            <a:pPr lvl="2"/>
+            <a:r>
+              <a:rPr lang="en-US" dirty="0" smtClean="0"/>
+              <a:t>Logging </a:t>
+            </a:r>
+            <a:r>
+              <a:rPr lang="en-US" smtClean="0"/>
+              <a:t>with configuration</a:t>
+            </a:r>
+            <a:endParaRPr lang="en-US" dirty="0" smtClean="0"/>
           </a:p>
           <a:p>
             <a:pPr lvl="1"/>
@@ -6586,11 +6613,7 @@
             <a:pPr lvl="1"/>
             <a:r>
               <a:rPr lang="en-US" dirty="0" smtClean="0"/>
-              <a:t>Guide </a:t>
-            </a:r>
-            <a:r>
-              <a:rPr lang="en-US" smtClean="0"/>
-              <a:t>(markdown/PDF)</a:t>
+              <a:t>Guide (markdown/PDF)</a:t>
             </a:r>
             <a:endParaRPr lang="en-US" dirty="0"/>
           </a:p>

--- a/presentation/custom-angular-modules.pptx
+++ b/presentation/custom-angular-modules.pptx
@@ -4381,8 +4381,12 @@
           <a:lstStyle/>
           <a:p>
             <a:r>
-              <a:rPr lang="en-US" dirty="0" smtClean="0"/>
-              <a:t>Root </a:t>
+              <a:rPr lang="en-US" b="1" dirty="0" smtClean="0"/>
+              <a:t>Root</a:t>
+            </a:r>
+            <a:r>
+              <a:rPr lang="en-US" dirty="0" smtClean="0"/>
+              <a:t> </a:t>
             </a:r>
             <a:r>
               <a:rPr lang="en-US" dirty="0"/>
@@ -4395,27 +4399,43 @@
           </a:p>
           <a:p>
             <a:r>
-              <a:rPr lang="en-US" dirty="0" smtClean="0"/>
-              <a:t>Route Module: manage application routes</a:t>
+              <a:rPr lang="en-US" b="1" dirty="0" smtClean="0"/>
+              <a:t>Route</a:t>
+            </a:r>
+            <a:r>
+              <a:rPr lang="en-US" dirty="0" smtClean="0"/>
+              <a:t> Module: manage application routes</a:t>
             </a:r>
             <a:endParaRPr lang="en-US" dirty="0"/>
           </a:p>
           <a:p>
             <a:r>
-              <a:rPr lang="en-US" dirty="0"/>
-              <a:t>Shared Module: shared.module.ts</a:t>
-            </a:r>
-          </a:p>
-          <a:p>
-            <a:r>
-              <a:rPr lang="en-US" dirty="0"/>
-              <a:t>Core Module: core.module.ts</a:t>
-            </a:r>
-          </a:p>
-          <a:p>
-            <a:r>
-              <a:rPr lang="en-US" dirty="0"/>
-              <a:t>Feature Modules</a:t>
+              <a:rPr lang="en-US" b="1" dirty="0"/>
+              <a:t>Shared</a:t>
+            </a:r>
+            <a:r>
+              <a:rPr lang="en-US" dirty="0"/>
+              <a:t> Module: shared.module.ts</a:t>
+            </a:r>
+          </a:p>
+          <a:p>
+            <a:r>
+              <a:rPr lang="en-US" b="1" dirty="0"/>
+              <a:t>Core</a:t>
+            </a:r>
+            <a:r>
+              <a:rPr lang="en-US" dirty="0"/>
+              <a:t> Module: core.module.ts</a:t>
+            </a:r>
+          </a:p>
+          <a:p>
+            <a:r>
+              <a:rPr lang="en-US" b="1" dirty="0"/>
+              <a:t>Feature</a:t>
+            </a:r>
+            <a:r>
+              <a:rPr lang="en-US" dirty="0"/>
+              <a:t> Modules</a:t>
             </a:r>
           </a:p>
           <a:p>
@@ -5425,8 +5445,13 @@
             </a:r>
             <a:r>
               <a:rPr lang="en-US" dirty="0" smtClean="0"/>
-              <a:t>– base classes for components, services, business actions, and HTTP services.</a:t>
-            </a:r>
+              <a:t>– base classes for components, services, business actions, and HTTP </a:t>
+            </a:r>
+            <a:r>
+              <a:rPr lang="en-US" dirty="0" smtClean="0"/>
+              <a:t>services, etc.</a:t>
+            </a:r>
+            <a:endParaRPr lang="en-US" dirty="0" smtClean="0"/>
           </a:p>
           <a:p>
             <a:endParaRPr lang="en-US" dirty="0" smtClean="0"/>
@@ -5544,8 +5569,33 @@
           <a:p>
             <a:r>
               <a:rPr lang="en-US" dirty="0" smtClean="0"/>
-              <a:t>Helps determine the contents of the module.</a:t>
-            </a:r>
+              <a:t>Helps determine the contents of the module</a:t>
+            </a:r>
+            <a:r>
+              <a:rPr lang="en-US" dirty="0" smtClean="0"/>
+              <a:t>.</a:t>
+            </a:r>
+          </a:p>
+          <a:p>
+            <a:r>
+              <a:rPr lang="en-US" dirty="0" smtClean="0"/>
+              <a:t>Emerging Modules</a:t>
+            </a:r>
+          </a:p>
+          <a:p>
+            <a:pPr lvl="1"/>
+            <a:r>
+              <a:rPr lang="en-US" dirty="0" smtClean="0"/>
+              <a:t>Application features, components, services, infrastructure, frameworks change over time.</a:t>
+            </a:r>
+          </a:p>
+          <a:p>
+            <a:pPr lvl="1"/>
+            <a:r>
+              <a:rPr lang="en-US" dirty="0" smtClean="0"/>
+              <a:t>Evaluate what things need to be re-organized or refactored to a module.</a:t>
+            </a:r>
+            <a:endParaRPr lang="en-US" dirty="0" smtClean="0"/>
           </a:p>
           <a:p>
             <a:endParaRPr lang="en-US" dirty="0" smtClean="0"/>
@@ -6589,13 +6639,8 @@
             <a:pPr lvl="2"/>
             <a:r>
               <a:rPr lang="en-US" dirty="0" smtClean="0"/>
-              <a:t>Logging </a:t>
-            </a:r>
-            <a:r>
-              <a:rPr lang="en-US" smtClean="0"/>
-              <a:t>with configuration</a:t>
-            </a:r>
-            <a:endParaRPr lang="en-US" dirty="0" smtClean="0"/>
+              <a:t>Logging with configuration</a:t>
+            </a:r>
           </a:p>
           <a:p>
             <a:pPr lvl="1"/>
@@ -8036,9 +8081,24 @@
             </a:r>
           </a:p>
           <a:p>
+            <a:pPr lvl="1"/>
+            <a:r>
+              <a:rPr lang="en-US" dirty="0" err="1" smtClean="0"/>
+              <a:t>ngAppOne</a:t>
+            </a:r>
+            <a:endParaRPr lang="en-US" dirty="0" smtClean="0"/>
+          </a:p>
+          <a:p>
             <a:r>
               <a:rPr lang="en-US" dirty="0" smtClean="0"/>
               <a:t>Configuration for Modules/Services</a:t>
+            </a:r>
+          </a:p>
+          <a:p>
+            <a:pPr lvl="1"/>
+            <a:r>
+              <a:rPr lang="en-US" dirty="0" err="1" smtClean="0"/>
+              <a:t>ngAppDos</a:t>
             </a:r>
             <a:endParaRPr lang="en-US" dirty="0"/>
           </a:p>
@@ -8631,71 +8691,105 @@
               <a:rPr lang="en-US" dirty="0">
                 <a:hlinkClick r:id="rId2"/>
               </a:rPr>
-              <a:t>Brief history of JavaScript Modules</a:t>
-            </a:r>
-            <a:endParaRPr lang="en-US" dirty="0"/>
+              <a:t>Brief history of JavaScript </a:t>
+            </a:r>
+            <a:r>
+              <a:rPr lang="en-US" dirty="0" smtClean="0">
+                <a:hlinkClick r:id="rId2"/>
+              </a:rPr>
+              <a:t>Modules</a:t>
+            </a:r>
+            <a:endParaRPr lang="en-US" dirty="0" smtClean="0"/>
           </a:p>
           <a:p>
             <a:r>
               <a:rPr lang="en-US" dirty="0" smtClean="0">
                 <a:hlinkClick r:id="rId3"/>
               </a:rPr>
-              <a:t>https</a:t>
-            </a:r>
-            <a:r>
-              <a:rPr lang="en-US" dirty="0">
-                <a:hlinkClick r:id="rId3"/>
-              </a:rPr>
-              <a:t>://eloquentjavascript.net/10_modules.html</a:t>
-            </a:r>
-          </a:p>
-          <a:p>
-            <a:r>
-              <a:rPr lang="en-US" dirty="0" smtClean="0">
-                <a:hlinkClick r:id="rId3"/>
-              </a:rPr>
-              <a:t>What are </a:t>
-            </a:r>
-            <a:r>
-              <a:rPr lang="en-US" dirty="0" err="1" smtClean="0">
-                <a:hlinkClick r:id="rId3"/>
-              </a:rPr>
-              <a:t>Javascript</a:t>
-            </a:r>
-            <a:r>
-              <a:rPr lang="en-US" dirty="0" smtClean="0">
-                <a:hlinkClick r:id="rId3"/>
-              </a:rPr>
-              <a:t> modules?</a:t>
-            </a:r>
-            <a:endParaRPr lang="en-US" dirty="0" smtClean="0">
-              <a:hlinkClick r:id="rId4"/>
-            </a:endParaRPr>
+              <a:t>10-Minute Module Primer</a:t>
+            </a:r>
+            <a:endParaRPr lang="en-US" dirty="0"/>
           </a:p>
           <a:p>
             <a:r>
               <a:rPr lang="en-US" dirty="0" smtClean="0">
                 <a:hlinkClick r:id="rId4"/>
               </a:rPr>
-              <a:t>Core </a:t>
-            </a:r>
+              <a:t>https</a:t>
+            </a:r>
+            <a:r>
+              <a:rPr lang="en-US" dirty="0">
+                <a:hlinkClick r:id="rId4"/>
+              </a:rPr>
+              <a:t>://eloquentjavascript.net/10_modules.html</a:t>
+            </a:r>
+          </a:p>
+          <a:p>
             <a:r>
               <a:rPr lang="en-US" dirty="0" smtClean="0">
                 <a:hlinkClick r:id="rId4"/>
               </a:rPr>
-              <a:t>and Shared modules</a:t>
-            </a:r>
-            <a:r>
-              <a:rPr lang="en-US" dirty="0" smtClean="0"/>
-              <a:t>.</a:t>
-            </a:r>
-          </a:p>
-          <a:p>
-            <a:r>
-              <a:rPr lang="en-US" dirty="0">
+              <a:t>What are </a:t>
+            </a:r>
+            <a:r>
+              <a:rPr lang="en-US" dirty="0" err="1" smtClean="0">
+                <a:hlinkClick r:id="rId4"/>
+              </a:rPr>
+              <a:t>Javascript</a:t>
+            </a:r>
+            <a:r>
+              <a:rPr lang="en-US" dirty="0" smtClean="0">
+                <a:hlinkClick r:id="rId4"/>
+              </a:rPr>
+              <a:t> modules?</a:t>
+            </a:r>
+            <a:endParaRPr lang="en-US" dirty="0" smtClean="0">
+              <a:hlinkClick r:id="rId5"/>
+            </a:endParaRPr>
+          </a:p>
+          <a:p>
+            <a:r>
+              <a:rPr lang="en-US" dirty="0" smtClean="0">
                 <a:hlinkClick r:id="rId5"/>
               </a:rPr>
-              <a:t>What kinds of modules should I have and how should I use them?</a:t>
+              <a:t>Core </a:t>
+            </a:r>
+            <a:r>
+              <a:rPr lang="en-US" dirty="0" smtClean="0">
+                <a:hlinkClick r:id="rId5"/>
+              </a:rPr>
+              <a:t>and Shared modules</a:t>
+            </a:r>
+            <a:r>
+              <a:rPr lang="en-US" dirty="0" smtClean="0"/>
+              <a:t>.</a:t>
+            </a:r>
+          </a:p>
+          <a:p>
+            <a:r>
+              <a:rPr lang="en-US" dirty="0">
+                <a:hlinkClick r:id="rId6"/>
+              </a:rPr>
+              <a:t>What kinds of modules should I have and how should I use them</a:t>
+            </a:r>
+            <a:r>
+              <a:rPr lang="en-US" dirty="0" smtClean="0">
+                <a:hlinkClick r:id="rId6"/>
+              </a:rPr>
+              <a:t>?</a:t>
+            </a:r>
+            <a:endParaRPr lang="en-US" dirty="0" smtClean="0"/>
+          </a:p>
+          <a:p>
+            <a:r>
+              <a:rPr lang="en-US" dirty="0" smtClean="0"/>
+              <a:t>NEW!!: </a:t>
+            </a:r>
+            <a:r>
+              <a:rPr lang="en-US" dirty="0" smtClean="0">
+                <a:hlinkClick r:id="rId7"/>
+              </a:rPr>
+              <a:t>Angular Universal</a:t>
             </a:r>
             <a:endParaRPr lang="en-US" dirty="0"/>
           </a:p>

--- a/presentation/custom-angular-modules.pptx
+++ b/presentation/custom-angular-modules.pptx
@@ -8594,7 +8594,55 @@
               <a:rPr lang="en-US" dirty="0">
                 <a:hlinkClick r:id="rId3"/>
               </a:rPr>
-              <a:t>SOLID Principles</a:t>
+              <a:t>SOLID </a:t>
+            </a:r>
+            <a:r>
+              <a:rPr lang="en-US" dirty="0" smtClean="0">
+                <a:hlinkClick r:id="rId3"/>
+              </a:rPr>
+              <a:t>Principles</a:t>
+            </a:r>
+            <a:endParaRPr lang="en-US" dirty="0" smtClean="0"/>
+          </a:p>
+          <a:p>
+            <a:r>
+              <a:rPr lang="en-US" dirty="0" smtClean="0"/>
+              <a:t>Object-Oriented Principles</a:t>
+            </a:r>
+          </a:p>
+          <a:p>
+            <a:pPr lvl="1"/>
+            <a:r>
+              <a:rPr lang="en-US" dirty="0" smtClean="0"/>
+              <a:t>Objects, classes</a:t>
+            </a:r>
+          </a:p>
+          <a:p>
+            <a:pPr lvl="1"/>
+            <a:r>
+              <a:rPr lang="en-US" dirty="0" smtClean="0"/>
+              <a:t>Encapsulation</a:t>
+            </a:r>
+          </a:p>
+          <a:p>
+            <a:pPr lvl="1"/>
+            <a:r>
+              <a:rPr lang="en-US" dirty="0" smtClean="0"/>
+              <a:t>Inheritance</a:t>
+            </a:r>
+          </a:p>
+          <a:p>
+            <a:pPr lvl="1"/>
+            <a:r>
+              <a:rPr lang="en-US" dirty="0" smtClean="0"/>
+              <a:t>Polymorphism</a:t>
+            </a:r>
+          </a:p>
+          <a:p>
+            <a:pPr lvl="1"/>
+            <a:r>
+              <a:rPr lang="en-US" dirty="0" smtClean="0"/>
+              <a:t>Design Patterns</a:t>
             </a:r>
             <a:endParaRPr lang="en-US" dirty="0"/>
           </a:p>
